--- a/CH00_Git_Github.pptx
+++ b/CH00_Git_Github.pptx
@@ -10,7 +10,9 @@
     <p:sldId id="274" r:id="rId4"/>
     <p:sldId id="275" r:id="rId5"/>
     <p:sldId id="273" r:id="rId6"/>
-    <p:sldId id="267" r:id="rId7"/>
+    <p:sldId id="277" r:id="rId7"/>
+    <p:sldId id="276" r:id="rId8"/>
+    <p:sldId id="267" r:id="rId9"/>
   </p:sldIdLst>
   <p:sldSz cx="9144000" cy="6858000" type="screen4x3"/>
   <p:notesSz cx="6858000" cy="9144000"/>
@@ -504,7 +506,7 @@
           <a:p>
             <a:fld id="{C764DE79-268F-4C1A-8933-263129D2AF90}" type="datetimeFigureOut">
               <a:rPr lang="en-US"/>
-              <a:t>10/21/2015</a:t>
+              <a:t>10/22/2015</a:t>
             </a:fld>
             <a:endParaRPr lang="en-US"/>
           </a:p>
@@ -1335,21 +1337,7 @@
                 <a:latin typeface="+mj-ea"/>
                 <a:ea typeface="+mj-ea"/>
               </a:rPr>
-              <a:t>02- Git</a:t>
-            </a:r>
-            <a:r>
-              <a:rPr lang="en-US" altLang="ko-KR" sz="1292" smtClean="0">
-                <a:latin typeface="+mj-ea"/>
-                <a:ea typeface="+mj-ea"/>
-              </a:rPr>
-              <a:t>hub</a:t>
-            </a:r>
-            <a:r>
-              <a:rPr lang="en-US" altLang="ko-KR" sz="1292" smtClean="0">
-                <a:latin typeface="+mj-ea"/>
-                <a:ea typeface="+mj-ea"/>
-              </a:rPr>
-              <a:t> </a:t>
+              <a:t>02- Github </a:t>
             </a:r>
             <a:r>
               <a:rPr lang="ko-KR" altLang="en-US" sz="1292" smtClean="0">
@@ -1428,13 +1416,7 @@
               <a:rPr lang="en-US" altLang="ko-KR" sz="1200">
                 <a:hlinkClick r:id="rId3"/>
               </a:rPr>
-              <a:t>https://</a:t>
-            </a:r>
-            <a:r>
-              <a:rPr lang="en-US" altLang="ko-KR" sz="1200">
-                <a:hlinkClick r:id="rId3"/>
-              </a:rPr>
-              <a:t>desktop.github.com</a:t>
+              <a:t>https://desktop.github.com</a:t>
             </a:r>
             <a:r>
               <a:rPr lang="en-US" altLang="ko-KR" sz="1200" smtClean="0">
@@ -1507,11 +1489,7 @@
             </a:r>
             <a:r>
               <a:rPr lang="ko-KR" altLang="en-US" sz="1200" smtClean="0"/>
-              <a:t>에서 </a:t>
-            </a:r>
-            <a:r>
-              <a:rPr lang="ko-KR" altLang="en-US" sz="1200" smtClean="0"/>
-              <a:t>계정을 등록을 시작한다</a:t>
+              <a:t>에서 계정을 등록을 시작한다</a:t>
             </a:r>
             <a:r>
               <a:rPr lang="en-US" altLang="ko-KR" sz="1200" smtClean="0"/>
@@ -1604,7 +1582,7 @@
           <a:graphicData uri="http://schemas.openxmlformats.org/presentationml/2006/ole">
             <mc:AlternateContent xmlns:mc="http://schemas.openxmlformats.org/markup-compatibility/2006">
               <mc:Choice xmlns:v="urn:schemas-microsoft-com:vml" Requires="v">
-                <p:oleObj spid="_x0000_s4103" name="Image" r:id="rId5" imgW="8888760" imgH="7225200" progId="Photoshop.Image.16">
+                <p:oleObj spid="_x0000_s4114" name="Image" r:id="rId5" imgW="8888760" imgH="7225200" progId="Photoshop.Image.16">
                   <p:embed/>
                 </p:oleObj>
               </mc:Choice>
@@ -1751,7 +1729,7 @@
           <a:graphicData uri="http://schemas.openxmlformats.org/presentationml/2006/ole">
             <mc:AlternateContent xmlns:mc="http://schemas.openxmlformats.org/markup-compatibility/2006">
               <mc:Choice xmlns:v="urn:schemas-microsoft-com:vml" Requires="v">
-                <p:oleObj spid="_x0000_s5125" name="Image" r:id="rId3" imgW="7885440" imgH="5053680" progId="Photoshop.Image.16">
+                <p:oleObj spid="_x0000_s5137" name="Image" r:id="rId3" imgW="7885440" imgH="5053680" progId="Photoshop.Image.16">
                   <p:embed/>
                 </p:oleObj>
               </mc:Choice>
@@ -1820,21 +1798,28 @@
                 <a:latin typeface="+mj-ea"/>
                 <a:ea typeface="+mj-ea"/>
               </a:rPr>
-              <a:t>03- Git</a:t>
+              <a:t>03- Github </a:t>
             </a:r>
             <a:r>
               <a:rPr lang="en-US" altLang="ko-KR" sz="1292" smtClean="0">
                 <a:latin typeface="+mj-ea"/>
                 <a:ea typeface="+mj-ea"/>
               </a:rPr>
-              <a:t>hub </a:t>
+              <a:t>Local </a:t>
             </a:r>
             <a:r>
               <a:rPr lang="ko-KR" altLang="en-US" sz="1292" smtClean="0">
                 <a:latin typeface="+mj-ea"/>
                 <a:ea typeface="+mj-ea"/>
               </a:rPr>
-              <a:t>저장소 만들기</a:t>
+              <a:t>저장소 </a:t>
+            </a:r>
+            <a:r>
+              <a:rPr lang="ko-KR" altLang="en-US" sz="1292" smtClean="0">
+                <a:latin typeface="+mj-ea"/>
+                <a:ea typeface="+mj-ea"/>
+              </a:rPr>
+              <a:t>만들기</a:t>
             </a:r>
             <a:endParaRPr lang="ko-KR" altLang="en-US" sz="1292">
               <a:latin typeface="+mj-ea"/>
@@ -2566,7 +2551,7 @@
         <p:spPr>
           <a:xfrm>
             <a:off x="332893" y="690180"/>
-            <a:ext cx="4223770" cy="265948"/>
+            <a:ext cx="5082070" cy="265948"/>
           </a:xfrm>
           <a:prstGeom prst="rect">
             <a:avLst/>
@@ -2584,21 +2569,42 @@
                 <a:latin typeface="+mj-ea"/>
                 <a:ea typeface="+mj-ea"/>
               </a:rPr>
-              <a:t>02- Git</a:t>
+              <a:t>04- </a:t>
             </a:r>
             <a:r>
               <a:rPr lang="en-US" altLang="ko-KR" sz="1292" smtClean="0">
                 <a:latin typeface="+mj-ea"/>
                 <a:ea typeface="+mj-ea"/>
               </a:rPr>
-              <a:t>hub </a:t>
+              <a:t>Github </a:t>
+            </a:r>
+            <a:r>
+              <a:rPr lang="en-US" altLang="ko-KR" sz="1292" smtClean="0">
+                <a:latin typeface="+mj-ea"/>
+                <a:ea typeface="+mj-ea"/>
+              </a:rPr>
+              <a:t>Local </a:t>
             </a:r>
             <a:r>
               <a:rPr lang="ko-KR" altLang="en-US" sz="1292" smtClean="0">
                 <a:latin typeface="+mj-ea"/>
                 <a:ea typeface="+mj-ea"/>
               </a:rPr>
-              <a:t>계정 등록하기</a:t>
+              <a:t>파일변경 확인 및 커밋</a:t>
+            </a:r>
+            <a:r>
+              <a:rPr lang="en-US" altLang="ko-KR" sz="1292" smtClean="0">
+                <a:latin typeface="+mj-ea"/>
+                <a:ea typeface="+mj-ea"/>
+              </a:rPr>
+              <a:t>(Commit)</a:t>
+            </a:r>
+            <a:r>
+              <a:rPr lang="ko-KR" altLang="en-US" sz="1292" smtClean="0">
+                <a:latin typeface="+mj-ea"/>
+                <a:ea typeface="+mj-ea"/>
+              </a:rPr>
+              <a:t>하기</a:t>
             </a:r>
             <a:endParaRPr lang="ko-KR" altLang="en-US" sz="1292">
               <a:latin typeface="+mj-ea"/>
@@ -2607,166 +2613,336 @@
           </a:p>
         </p:txBody>
       </p:sp>
-      <p:sp>
-        <p:nvSpPr>
-          <p:cNvPr id="35" name="TextBox 34"/>
-          <p:cNvSpPr txBox="1"/>
-          <p:nvPr/>
-        </p:nvSpPr>
-        <p:spPr>
-          <a:xfrm>
-            <a:off x="714670" y="1351883"/>
-            <a:ext cx="7571574" cy="446276"/>
-          </a:xfrm>
-          <a:prstGeom prst="rect">
-            <a:avLst/>
-          </a:prstGeom>
-          <a:noFill/>
-        </p:spPr>
-        <p:txBody>
-          <a:bodyPr wrap="square" rtlCol="0">
-            <a:spAutoFit/>
-          </a:bodyPr>
-          <a:lstStyle/>
-          <a:p>
-            <a:r>
-              <a:rPr lang="en-US" altLang="ko-KR" sz="1400" smtClean="0"/>
-              <a:t>1. </a:t>
-            </a:r>
-            <a:r>
-              <a:rPr lang="ko-KR" altLang="en-US" sz="1200" smtClean="0"/>
-              <a:t>아래 링크에서 자신의 시스템과 맞는 버전의 </a:t>
-            </a:r>
-            <a:r>
-              <a:rPr lang="en-US" altLang="ko-KR" sz="1200" smtClean="0"/>
-              <a:t>installer</a:t>
-            </a:r>
-            <a:r>
-              <a:rPr lang="ko-KR" altLang="en-US" sz="1200" smtClean="0"/>
-              <a:t>를 다운로드 한다</a:t>
-            </a:r>
-            <a:r>
-              <a:rPr lang="en-US" altLang="ko-KR" sz="1200" smtClean="0"/>
-              <a:t>.</a:t>
-            </a:r>
-            <a:br>
-              <a:rPr lang="en-US" altLang="ko-KR" sz="1200" smtClean="0"/>
-            </a:br>
-            <a:r>
-              <a:rPr lang="en-US" altLang="ko-KR" sz="900">
-                <a:hlinkClick r:id="rId2"/>
-              </a:rPr>
-              <a:t>https://git-scm.com/downloads</a:t>
-            </a:r>
-            <a:endParaRPr lang="ko-KR" altLang="en-US" sz="900"/>
-          </a:p>
-        </p:txBody>
-      </p:sp>
       <p:pic>
         <p:nvPicPr>
-          <p:cNvPr id="8" name="Picture 2" descr="http://git-scm.com/figures/18333fig0106-tn.png"/>
+          <p:cNvPr id="5" name="그림 4"/>
           <p:cNvPicPr>
-            <a:picLocks noChangeAspect="1" noChangeArrowheads="1"/>
+            <a:picLocks noChangeAspect="1"/>
           </p:cNvPicPr>
           <p:nvPr/>
         </p:nvPicPr>
         <p:blipFill>
-          <a:blip r:embed="rId3">
+          <a:blip r:embed="rId2" cstate="print">
             <a:extLst>
               <a:ext uri="{28A0092B-C50C-407E-A947-70E740481C1C}">
                 <a14:useLocalDpi xmlns:a14="http://schemas.microsoft.com/office/drawing/2010/main" val="0"/>
               </a:ext>
             </a:extLst>
           </a:blip>
-          <a:srcRect/>
           <a:stretch>
             <a:fillRect/>
           </a:stretch>
         </p:blipFill>
-        <p:spPr bwMode="auto">
-          <a:xfrm>
-            <a:off x="2275200" y="1791750"/>
-            <a:ext cx="4023750" cy="3701850"/>
+        <p:spPr>
+          <a:xfrm>
+            <a:off x="2113758" y="1579256"/>
+            <a:ext cx="4608512" cy="3124924"/>
           </a:xfrm>
           <a:prstGeom prst="rect">
             <a:avLst/>
           </a:prstGeom>
-          <a:noFill/>
-          <a:ln>
-            <a:noFill/>
+          <a:ln w="6350">
+            <a:solidFill>
+              <a:schemeClr val="bg1">
+                <a:lumMod val="65000"/>
+              </a:schemeClr>
+            </a:solidFill>
           </a:ln>
-          <a:extLst>
-            <a:ext uri="{909E8E84-426E-40DD-AFC4-6F175D3DCCD1}">
-              <a14:hiddenFill xmlns:a14="http://schemas.microsoft.com/office/drawing/2010/main">
-                <a:solidFill>
-                  <a:srgbClr val="FFFFFF"/>
-                </a:solidFill>
-              </a14:hiddenFill>
-            </a:ext>
-            <a:ext uri="{91240B29-F687-4F45-9708-019B960494DF}">
-              <a14:hiddenLine xmlns:a14="http://schemas.microsoft.com/office/drawing/2010/main" w="9525">
-                <a:solidFill>
-                  <a:srgbClr val="000000"/>
-                </a:solidFill>
-                <a:miter lim="800000"/>
-                <a:headEnd/>
-                <a:tailEnd/>
-              </a14:hiddenLine>
-            </a:ext>
-          </a:extLst>
         </p:spPr>
       </p:pic>
       <p:sp>
         <p:nvSpPr>
-          <p:cNvPr id="2" name="TextBox 1"/>
-          <p:cNvSpPr txBox="1"/>
+          <p:cNvPr id="12" name="직사각형 11"/>
+          <p:cNvSpPr/>
           <p:nvPr/>
         </p:nvSpPr>
         <p:spPr>
           <a:xfrm>
-            <a:off x="691200" y="4024800"/>
-            <a:ext cx="1684800" cy="369332"/>
+            <a:off x="2898382" y="4049734"/>
+            <a:ext cx="1230705" cy="415111"/>
           </a:xfrm>
           <a:prstGeom prst="rect">
             <a:avLst/>
           </a:prstGeom>
           <a:noFill/>
-        </p:spPr>
+          <a:ln w="12700">
+            <a:solidFill>
+              <a:srgbClr val="FF0000"/>
+            </a:solidFill>
+          </a:ln>
+        </p:spPr>
+        <p:style>
+          <a:lnRef idx="2">
+            <a:schemeClr val="accent1">
+              <a:shade val="50000"/>
+            </a:schemeClr>
+          </a:lnRef>
+          <a:fillRef idx="1">
+            <a:schemeClr val="accent1"/>
+          </a:fillRef>
+          <a:effectRef idx="0">
+            <a:schemeClr val="accent1"/>
+          </a:effectRef>
+          <a:fontRef idx="minor">
+            <a:schemeClr val="lt1"/>
+          </a:fontRef>
+        </p:style>
         <p:txBody>
-          <a:bodyPr wrap="square" rtlCol="0">
-            <a:spAutoFit/>
-          </a:bodyPr>
+          <a:bodyPr rtlCol="0" anchor="ctr"/>
           <a:lstStyle/>
           <a:p>
-            <a:pPr algn="r"/>
-            <a:r>
-              <a:rPr lang="en-US" altLang="ko-KR" smtClean="0"/>
-              <a:t>git add</a:t>
-            </a:r>
+            <a:pPr algn="ctr"/>
+            <a:endParaRPr lang="ko-KR" altLang="en-US"/>
+          </a:p>
+        </p:txBody>
+      </p:sp>
+      <p:sp>
+        <p:nvSpPr>
+          <p:cNvPr id="13" name="직사각형 12"/>
+          <p:cNvSpPr/>
+          <p:nvPr/>
+        </p:nvSpPr>
+        <p:spPr>
+          <a:xfrm>
+            <a:off x="2900763" y="4502172"/>
+            <a:ext cx="1230705" cy="191274"/>
+          </a:xfrm>
+          <a:prstGeom prst="rect">
+            <a:avLst/>
+          </a:prstGeom>
+          <a:noFill/>
+          <a:ln w="12700">
+            <a:solidFill>
+              <a:srgbClr val="FF0000"/>
+            </a:solidFill>
+          </a:ln>
+        </p:spPr>
+        <p:style>
+          <a:lnRef idx="2">
+            <a:schemeClr val="accent1">
+              <a:shade val="50000"/>
+            </a:schemeClr>
+          </a:lnRef>
+          <a:fillRef idx="1">
+            <a:schemeClr val="accent1"/>
+          </a:fillRef>
+          <a:effectRef idx="0">
+            <a:schemeClr val="accent1"/>
+          </a:effectRef>
+          <a:fontRef idx="minor">
+            <a:schemeClr val="lt1"/>
+          </a:fontRef>
+        </p:style>
+        <p:txBody>
+          <a:bodyPr rtlCol="0" anchor="ctr"/>
+          <a:lstStyle/>
+          <a:p>
+            <a:pPr algn="ctr"/>
+            <a:endParaRPr lang="ko-KR" altLang="en-US"/>
+          </a:p>
+        </p:txBody>
+      </p:sp>
+      <p:sp>
+        <p:nvSpPr>
+          <p:cNvPr id="14" name="직사각형 13"/>
+          <p:cNvSpPr/>
+          <p:nvPr/>
+        </p:nvSpPr>
+        <p:spPr>
+          <a:xfrm>
+            <a:off x="2907908" y="2221708"/>
+            <a:ext cx="1206892" cy="1600200"/>
+          </a:xfrm>
+          <a:prstGeom prst="rect">
+            <a:avLst/>
+          </a:prstGeom>
+          <a:noFill/>
+          <a:ln w="12700">
+            <a:solidFill>
+              <a:srgbClr val="FF0000"/>
+            </a:solidFill>
+          </a:ln>
+        </p:spPr>
+        <p:style>
+          <a:lnRef idx="2">
+            <a:schemeClr val="accent1">
+              <a:shade val="50000"/>
+            </a:schemeClr>
+          </a:lnRef>
+          <a:fillRef idx="1">
+            <a:schemeClr val="accent1"/>
+          </a:fillRef>
+          <a:effectRef idx="0">
+            <a:schemeClr val="accent1"/>
+          </a:effectRef>
+          <a:fontRef idx="minor">
+            <a:schemeClr val="lt1"/>
+          </a:fontRef>
+        </p:style>
+        <p:txBody>
+          <a:bodyPr rtlCol="0" anchor="ctr"/>
+          <a:lstStyle/>
+          <a:p>
+            <a:pPr algn="ctr"/>
+            <a:endParaRPr lang="ko-KR" altLang="en-US"/>
+          </a:p>
+        </p:txBody>
+      </p:sp>
+      <p:sp>
+        <p:nvSpPr>
+          <p:cNvPr id="15" name="직사각형 14"/>
+          <p:cNvSpPr/>
+          <p:nvPr/>
+        </p:nvSpPr>
+        <p:spPr>
+          <a:xfrm>
+            <a:off x="4179095" y="2221707"/>
+            <a:ext cx="2507456" cy="2436019"/>
+          </a:xfrm>
+          <a:prstGeom prst="rect">
+            <a:avLst/>
+          </a:prstGeom>
+          <a:noFill/>
+          <a:ln w="12700">
+            <a:solidFill>
+              <a:srgbClr val="FF0000"/>
+            </a:solidFill>
+          </a:ln>
+        </p:spPr>
+        <p:style>
+          <a:lnRef idx="2">
+            <a:schemeClr val="accent1">
+              <a:shade val="50000"/>
+            </a:schemeClr>
+          </a:lnRef>
+          <a:fillRef idx="1">
+            <a:schemeClr val="accent1"/>
+          </a:fillRef>
+          <a:effectRef idx="0">
+            <a:schemeClr val="accent1"/>
+          </a:effectRef>
+          <a:fontRef idx="minor">
+            <a:schemeClr val="lt1"/>
+          </a:fontRef>
+        </p:style>
+        <p:txBody>
+          <a:bodyPr rtlCol="0" anchor="ctr"/>
+          <a:lstStyle/>
+          <a:p>
+            <a:pPr algn="ctr"/>
+            <a:endParaRPr lang="ko-KR" altLang="en-US"/>
+          </a:p>
+        </p:txBody>
+      </p:sp>
+      <p:sp>
+        <p:nvSpPr>
+          <p:cNvPr id="18" name="직사각형 17"/>
+          <p:cNvSpPr/>
+          <p:nvPr/>
+        </p:nvSpPr>
+        <p:spPr>
+          <a:xfrm>
+            <a:off x="2905526" y="1993506"/>
+            <a:ext cx="3816744" cy="171052"/>
+          </a:xfrm>
+          <a:prstGeom prst="rect">
+            <a:avLst/>
+          </a:prstGeom>
+          <a:noFill/>
+          <a:ln w="12700">
+            <a:solidFill>
+              <a:srgbClr val="FF0000"/>
+            </a:solidFill>
+          </a:ln>
+        </p:spPr>
+        <p:style>
+          <a:lnRef idx="2">
+            <a:schemeClr val="accent1">
+              <a:shade val="50000"/>
+            </a:schemeClr>
+          </a:lnRef>
+          <a:fillRef idx="1">
+            <a:schemeClr val="accent1"/>
+          </a:fillRef>
+          <a:effectRef idx="0">
+            <a:schemeClr val="accent1"/>
+          </a:effectRef>
+          <a:fontRef idx="minor">
+            <a:schemeClr val="lt1"/>
+          </a:fontRef>
+        </p:style>
+        <p:txBody>
+          <a:bodyPr rtlCol="0" anchor="ctr"/>
+          <a:lstStyle/>
+          <a:p>
+            <a:pPr algn="ctr"/>
+            <a:endParaRPr lang="ko-KR" altLang="en-US"/>
+          </a:p>
+        </p:txBody>
+      </p:sp>
+      <p:sp>
+        <p:nvSpPr>
+          <p:cNvPr id="19" name="직사각형 18"/>
+          <p:cNvSpPr/>
+          <p:nvPr/>
+        </p:nvSpPr>
+        <p:spPr>
+          <a:xfrm>
+            <a:off x="4429526" y="1650207"/>
+            <a:ext cx="428224" cy="159544"/>
+          </a:xfrm>
+          <a:prstGeom prst="rect">
+            <a:avLst/>
+          </a:prstGeom>
+          <a:noFill/>
+          <a:ln w="12700">
+            <a:solidFill>
+              <a:srgbClr val="FF0000"/>
+            </a:solidFill>
+          </a:ln>
+        </p:spPr>
+        <p:style>
+          <a:lnRef idx="2">
+            <a:schemeClr val="accent1">
+              <a:shade val="50000"/>
+            </a:schemeClr>
+          </a:lnRef>
+          <a:fillRef idx="1">
+            <a:schemeClr val="accent1"/>
+          </a:fillRef>
+          <a:effectRef idx="0">
+            <a:schemeClr val="accent1"/>
+          </a:effectRef>
+          <a:fontRef idx="minor">
+            <a:schemeClr val="lt1"/>
+          </a:fontRef>
+        </p:style>
+        <p:txBody>
+          <a:bodyPr rtlCol="0" anchor="ctr"/>
+          <a:lstStyle/>
+          <a:p>
+            <a:pPr algn="ctr"/>
             <a:endParaRPr lang="ko-KR" altLang="en-US"/>
           </a:p>
         </p:txBody>
       </p:sp>
       <p:cxnSp>
         <p:nvCxnSpPr>
-          <p:cNvPr id="10" name="직선 화살표 연결선 9"/>
+          <p:cNvPr id="20" name="직선 화살표 연결선 19"/>
           <p:cNvCxnSpPr/>
           <p:nvPr/>
         </p:nvCxnSpPr>
         <p:spPr>
-          <a:xfrm>
-            <a:off x="2376000" y="4219200"/>
-            <a:ext cx="374400" cy="0"/>
+          <a:xfrm flipH="1" flipV="1">
+            <a:off x="1900238" y="2878932"/>
+            <a:ext cx="1001774" cy="7034"/>
           </a:xfrm>
           <a:prstGeom prst="straightConnector1">
             <a:avLst/>
           </a:prstGeom>
-          <a:ln>
+          <a:ln w="12700">
             <a:solidFill>
-              <a:schemeClr val="tx1">
-                <a:lumMod val="75000"/>
-                <a:lumOff val="25000"/>
-              </a:schemeClr>
+              <a:srgbClr val="FF0000"/>
             </a:solidFill>
             <a:tailEnd type="triangle"/>
           </a:ln>
@@ -2788,14 +2964,14 @@
       </p:cxnSp>
       <p:sp>
         <p:nvSpPr>
-          <p:cNvPr id="16" name="TextBox 15"/>
+          <p:cNvPr id="21" name="TextBox 20"/>
           <p:cNvSpPr txBox="1"/>
           <p:nvPr/>
         </p:nvSpPr>
         <p:spPr>
           <a:xfrm>
-            <a:off x="692400" y="4803600"/>
-            <a:ext cx="1684800" cy="369332"/>
+            <a:off x="507206" y="2671764"/>
+            <a:ext cx="1421607" cy="507831"/>
           </a:xfrm>
           <a:prstGeom prst="rect">
             <a:avLst/>
@@ -2810,33 +2986,70 @@
           <a:p>
             <a:pPr algn="r"/>
             <a:r>
-              <a:rPr lang="en-US" altLang="ko-KR" smtClean="0"/>
-              <a:t>git commit</a:t>
-            </a:r>
-            <a:endParaRPr lang="ko-KR" altLang="en-US"/>
+              <a:rPr lang="ko-KR" altLang="en-US" sz="900" b="1" smtClean="0">
+                <a:latin typeface="나눔고딕" panose="020D0604000000000000" pitchFamily="50" charset="-127"/>
+                <a:ea typeface="나눔고딕" panose="020D0604000000000000" pitchFamily="50" charset="-127"/>
+              </a:rPr>
+              <a:t>변경된 파일들 목록을 </a:t>
+            </a:r>
+            <a:r>
+              <a:rPr lang="en-US" altLang="ko-KR" sz="900" b="1" smtClean="0">
+                <a:latin typeface="나눔고딕" panose="020D0604000000000000" pitchFamily="50" charset="-127"/>
+                <a:ea typeface="나눔고딕" panose="020D0604000000000000" pitchFamily="50" charset="-127"/>
+              </a:rPr>
+              <a:t/>
+            </a:r>
+            <a:br>
+              <a:rPr lang="en-US" altLang="ko-KR" sz="900" b="1" smtClean="0">
+                <a:latin typeface="나눔고딕" panose="020D0604000000000000" pitchFamily="50" charset="-127"/>
+                <a:ea typeface="나눔고딕" panose="020D0604000000000000" pitchFamily="50" charset="-127"/>
+              </a:rPr>
+            </a:br>
+            <a:r>
+              <a:rPr lang="ko-KR" altLang="en-US" sz="900" b="1" smtClean="0">
+                <a:latin typeface="나눔고딕" panose="020D0604000000000000" pitchFamily="50" charset="-127"/>
+                <a:ea typeface="나눔고딕" panose="020D0604000000000000" pitchFamily="50" charset="-127"/>
+              </a:rPr>
+              <a:t>확인하고 최종 </a:t>
+            </a:r>
+            <a:r>
+              <a:rPr lang="en-US" altLang="ko-KR" sz="900" b="1" smtClean="0">
+                <a:latin typeface="나눔고딕" panose="020D0604000000000000" pitchFamily="50" charset="-127"/>
+                <a:ea typeface="나눔고딕" panose="020D0604000000000000" pitchFamily="50" charset="-127"/>
+              </a:rPr>
+              <a:t>Commit</a:t>
+            </a:r>
+            <a:r>
+              <a:rPr lang="ko-KR" altLang="en-US" sz="900" b="1" smtClean="0">
+                <a:latin typeface="나눔고딕" panose="020D0604000000000000" pitchFamily="50" charset="-127"/>
+                <a:ea typeface="나눔고딕" panose="020D0604000000000000" pitchFamily="50" charset="-127"/>
+              </a:rPr>
+              <a:t>할 파일들 선택</a:t>
+            </a:r>
+            <a:endParaRPr lang="ko-KR" altLang="en-US" sz="900" b="1">
+              <a:latin typeface="나눔고딕" panose="020D0604000000000000" pitchFamily="50" charset="-127"/>
+              <a:ea typeface="나눔고딕" panose="020D0604000000000000" pitchFamily="50" charset="-127"/>
+            </a:endParaRPr>
           </a:p>
         </p:txBody>
       </p:sp>
       <p:cxnSp>
         <p:nvCxnSpPr>
-          <p:cNvPr id="17" name="직선 화살표 연결선 16"/>
+          <p:cNvPr id="22" name="직선 화살표 연결선 21"/>
           <p:cNvCxnSpPr/>
           <p:nvPr/>
         </p:nvCxnSpPr>
         <p:spPr>
-          <a:xfrm>
-            <a:off x="2377200" y="4998000"/>
-            <a:ext cx="1784400" cy="0"/>
+          <a:xfrm flipH="1" flipV="1">
+            <a:off x="3864769" y="1335882"/>
+            <a:ext cx="568387" cy="380890"/>
           </a:xfrm>
           <a:prstGeom prst="straightConnector1">
             <a:avLst/>
           </a:prstGeom>
-          <a:ln>
+          <a:ln w="12700">
             <a:solidFill>
-              <a:schemeClr val="tx1">
-                <a:lumMod val="75000"/>
-                <a:lumOff val="25000"/>
-              </a:schemeClr>
+              <a:srgbClr val="FF0000"/>
             </a:solidFill>
             <a:tailEnd type="triangle"/>
           </a:ln>
@@ -2856,6 +3069,537 @@
           </a:fontRef>
         </p:style>
       </p:cxnSp>
+      <p:sp>
+        <p:nvSpPr>
+          <p:cNvPr id="23" name="TextBox 22"/>
+          <p:cNvSpPr txBox="1"/>
+          <p:nvPr/>
+        </p:nvSpPr>
+        <p:spPr>
+          <a:xfrm>
+            <a:off x="2216028" y="1209677"/>
+            <a:ext cx="1636835" cy="230832"/>
+          </a:xfrm>
+          <a:prstGeom prst="rect">
+            <a:avLst/>
+          </a:prstGeom>
+          <a:noFill/>
+        </p:spPr>
+        <p:txBody>
+          <a:bodyPr wrap="square" rtlCol="0">
+            <a:spAutoFit/>
+          </a:bodyPr>
+          <a:lstStyle/>
+          <a:p>
+            <a:pPr algn="r"/>
+            <a:r>
+              <a:rPr lang="en-US" altLang="ko-KR" sz="900" b="1" smtClean="0">
+                <a:latin typeface="나눔고딕" panose="020D0604000000000000" pitchFamily="50" charset="-127"/>
+                <a:ea typeface="나눔고딕" panose="020D0604000000000000" pitchFamily="50" charset="-127"/>
+              </a:rPr>
+              <a:t>Change </a:t>
+            </a:r>
+            <a:r>
+              <a:rPr lang="ko-KR" altLang="en-US" sz="900" b="1" smtClean="0">
+                <a:latin typeface="나눔고딕" panose="020D0604000000000000" pitchFamily="50" charset="-127"/>
+                <a:ea typeface="나눔고딕" panose="020D0604000000000000" pitchFamily="50" charset="-127"/>
+              </a:rPr>
+              <a:t>탭 </a:t>
+            </a:r>
+            <a:r>
+              <a:rPr lang="en-US" altLang="ko-KR" sz="900" b="1" smtClean="0">
+                <a:latin typeface="나눔고딕" panose="020D0604000000000000" pitchFamily="50" charset="-127"/>
+                <a:ea typeface="나눔고딕" panose="020D0604000000000000" pitchFamily="50" charset="-127"/>
+              </a:rPr>
+              <a:t>(</a:t>
+            </a:r>
+            <a:r>
+              <a:rPr lang="ko-KR" altLang="en-US" sz="900" b="1" smtClean="0">
+                <a:latin typeface="나눔고딕" panose="020D0604000000000000" pitchFamily="50" charset="-127"/>
+                <a:ea typeface="나눔고딕" panose="020D0604000000000000" pitchFamily="50" charset="-127"/>
+              </a:rPr>
+              <a:t>변경사항 확인</a:t>
+            </a:r>
+            <a:r>
+              <a:rPr lang="en-US" altLang="ko-KR" sz="900" b="1" smtClean="0">
+                <a:latin typeface="나눔고딕" panose="020D0604000000000000" pitchFamily="50" charset="-127"/>
+                <a:ea typeface="나눔고딕" panose="020D0604000000000000" pitchFamily="50" charset="-127"/>
+              </a:rPr>
+              <a:t>)</a:t>
+            </a:r>
+            <a:endParaRPr lang="ko-KR" altLang="en-US" sz="900" b="1">
+              <a:latin typeface="나눔고딕" panose="020D0604000000000000" pitchFamily="50" charset="-127"/>
+              <a:ea typeface="나눔고딕" panose="020D0604000000000000" pitchFamily="50" charset="-127"/>
+            </a:endParaRPr>
+          </a:p>
+        </p:txBody>
+      </p:sp>
+      <p:cxnSp>
+        <p:nvCxnSpPr>
+          <p:cNvPr id="24" name="직선 화살표 연결선 23"/>
+          <p:cNvCxnSpPr/>
+          <p:nvPr/>
+        </p:nvCxnSpPr>
+        <p:spPr>
+          <a:xfrm flipH="1" flipV="1">
+            <a:off x="1888332" y="4281489"/>
+            <a:ext cx="1001774" cy="7034"/>
+          </a:xfrm>
+          <a:prstGeom prst="straightConnector1">
+            <a:avLst/>
+          </a:prstGeom>
+          <a:ln w="12700">
+            <a:solidFill>
+              <a:srgbClr val="FF0000"/>
+            </a:solidFill>
+            <a:tailEnd type="triangle"/>
+          </a:ln>
+        </p:spPr>
+        <p:style>
+          <a:lnRef idx="1">
+            <a:schemeClr val="accent1"/>
+          </a:lnRef>
+          <a:fillRef idx="0">
+            <a:schemeClr val="accent1"/>
+          </a:fillRef>
+          <a:effectRef idx="0">
+            <a:schemeClr val="accent1"/>
+          </a:effectRef>
+          <a:fontRef idx="minor">
+            <a:schemeClr val="tx1"/>
+          </a:fontRef>
+        </p:style>
+      </p:cxnSp>
+      <p:cxnSp>
+        <p:nvCxnSpPr>
+          <p:cNvPr id="25" name="직선 화살표 연결선 24"/>
+          <p:cNvCxnSpPr>
+            <a:endCxn id="30" idx="1"/>
+          </p:cNvCxnSpPr>
+          <p:nvPr/>
+        </p:nvCxnSpPr>
+        <p:spPr>
+          <a:xfrm>
+            <a:off x="3264694" y="4692671"/>
+            <a:ext cx="100013" cy="285260"/>
+          </a:xfrm>
+          <a:prstGeom prst="straightConnector1">
+            <a:avLst/>
+          </a:prstGeom>
+          <a:ln w="12700">
+            <a:solidFill>
+              <a:srgbClr val="FF0000"/>
+            </a:solidFill>
+            <a:tailEnd type="triangle"/>
+          </a:ln>
+        </p:spPr>
+        <p:style>
+          <a:lnRef idx="1">
+            <a:schemeClr val="accent1"/>
+          </a:lnRef>
+          <a:fillRef idx="0">
+            <a:schemeClr val="accent1"/>
+          </a:fillRef>
+          <a:effectRef idx="0">
+            <a:schemeClr val="accent1"/>
+          </a:effectRef>
+          <a:fontRef idx="minor">
+            <a:schemeClr val="tx1"/>
+          </a:fontRef>
+        </p:style>
+      </p:cxnSp>
+      <p:sp>
+        <p:nvSpPr>
+          <p:cNvPr id="28" name="TextBox 27"/>
+          <p:cNvSpPr txBox="1"/>
+          <p:nvPr/>
+        </p:nvSpPr>
+        <p:spPr>
+          <a:xfrm>
+            <a:off x="507206" y="4095753"/>
+            <a:ext cx="1395413" cy="369332"/>
+          </a:xfrm>
+          <a:prstGeom prst="rect">
+            <a:avLst/>
+          </a:prstGeom>
+          <a:noFill/>
+        </p:spPr>
+        <p:txBody>
+          <a:bodyPr wrap="square" rtlCol="0">
+            <a:spAutoFit/>
+          </a:bodyPr>
+          <a:lstStyle/>
+          <a:p>
+            <a:pPr algn="r"/>
+            <a:r>
+              <a:rPr lang="ko-KR" altLang="en-US" sz="900" b="1" smtClean="0">
+                <a:latin typeface="나눔고딕" panose="020D0604000000000000" pitchFamily="50" charset="-127"/>
+                <a:ea typeface="나눔고딕" panose="020D0604000000000000" pitchFamily="50" charset="-127"/>
+              </a:rPr>
+              <a:t>변경사항 요약 제목 및</a:t>
+            </a:r>
+            <a:endParaRPr lang="en-US" altLang="ko-KR" sz="900" b="1" smtClean="0">
+              <a:latin typeface="나눔고딕" panose="020D0604000000000000" pitchFamily="50" charset="-127"/>
+              <a:ea typeface="나눔고딕" panose="020D0604000000000000" pitchFamily="50" charset="-127"/>
+            </a:endParaRPr>
+          </a:p>
+          <a:p>
+            <a:pPr algn="r"/>
+            <a:r>
+              <a:rPr lang="ko-KR" altLang="en-US" sz="900" b="1" smtClean="0">
+                <a:latin typeface="나눔고딕" panose="020D0604000000000000" pitchFamily="50" charset="-127"/>
+                <a:ea typeface="나눔고딕" panose="020D0604000000000000" pitchFamily="50" charset="-127"/>
+              </a:rPr>
+              <a:t>자세한 설명 문구 삽입</a:t>
+            </a:r>
+            <a:endParaRPr lang="ko-KR" altLang="en-US" sz="900" b="1">
+              <a:latin typeface="나눔고딕" panose="020D0604000000000000" pitchFamily="50" charset="-127"/>
+              <a:ea typeface="나눔고딕" panose="020D0604000000000000" pitchFamily="50" charset="-127"/>
+            </a:endParaRPr>
+          </a:p>
+        </p:txBody>
+      </p:sp>
+      <p:sp>
+        <p:nvSpPr>
+          <p:cNvPr id="30" name="TextBox 29"/>
+          <p:cNvSpPr txBox="1"/>
+          <p:nvPr/>
+        </p:nvSpPr>
+        <p:spPr>
+          <a:xfrm>
+            <a:off x="3364707" y="4862515"/>
+            <a:ext cx="1576387" cy="230832"/>
+          </a:xfrm>
+          <a:prstGeom prst="rect">
+            <a:avLst/>
+          </a:prstGeom>
+          <a:noFill/>
+        </p:spPr>
+        <p:txBody>
+          <a:bodyPr wrap="square" rtlCol="0">
+            <a:spAutoFit/>
+          </a:bodyPr>
+          <a:lstStyle/>
+          <a:p>
+            <a:r>
+              <a:rPr lang="ko-KR" altLang="en-US" sz="900" b="1" smtClean="0">
+                <a:latin typeface="나눔고딕" panose="020D0604000000000000" pitchFamily="50" charset="-127"/>
+                <a:ea typeface="나눔고딕" panose="020D0604000000000000" pitchFamily="50" charset="-127"/>
+              </a:rPr>
+              <a:t>최종확인 및 </a:t>
+            </a:r>
+            <a:r>
+              <a:rPr lang="en-US" altLang="ko-KR" sz="900" b="1" smtClean="0">
+                <a:latin typeface="나눔고딕" panose="020D0604000000000000" pitchFamily="50" charset="-127"/>
+                <a:ea typeface="나눔고딕" panose="020D0604000000000000" pitchFamily="50" charset="-127"/>
+              </a:rPr>
+              <a:t>COMMIT</a:t>
+            </a:r>
+            <a:endParaRPr lang="ko-KR" altLang="en-US" sz="900" b="1">
+              <a:latin typeface="나눔고딕" panose="020D0604000000000000" pitchFamily="50" charset="-127"/>
+              <a:ea typeface="나눔고딕" panose="020D0604000000000000" pitchFamily="50" charset="-127"/>
+            </a:endParaRPr>
+          </a:p>
+        </p:txBody>
+      </p:sp>
+      <p:cxnSp>
+        <p:nvCxnSpPr>
+          <p:cNvPr id="31" name="직선 화살표 연결선 30"/>
+          <p:cNvCxnSpPr/>
+          <p:nvPr/>
+        </p:nvCxnSpPr>
+        <p:spPr>
+          <a:xfrm>
+            <a:off x="6683437" y="2916922"/>
+            <a:ext cx="288863" cy="4872"/>
+          </a:xfrm>
+          <a:prstGeom prst="straightConnector1">
+            <a:avLst/>
+          </a:prstGeom>
+          <a:ln w="12700">
+            <a:solidFill>
+              <a:srgbClr val="FF0000"/>
+            </a:solidFill>
+            <a:tailEnd type="triangle"/>
+          </a:ln>
+        </p:spPr>
+        <p:style>
+          <a:lnRef idx="1">
+            <a:schemeClr val="accent1"/>
+          </a:lnRef>
+          <a:fillRef idx="0">
+            <a:schemeClr val="accent1"/>
+          </a:fillRef>
+          <a:effectRef idx="0">
+            <a:schemeClr val="accent1"/>
+          </a:effectRef>
+          <a:fontRef idx="minor">
+            <a:schemeClr val="tx1"/>
+          </a:fontRef>
+        </p:style>
+      </p:cxnSp>
+      <p:sp>
+        <p:nvSpPr>
+          <p:cNvPr id="33" name="TextBox 32"/>
+          <p:cNvSpPr txBox="1"/>
+          <p:nvPr/>
+        </p:nvSpPr>
+        <p:spPr>
+          <a:xfrm>
+            <a:off x="6995197" y="2809876"/>
+            <a:ext cx="1636835" cy="1615827"/>
+          </a:xfrm>
+          <a:prstGeom prst="rect">
+            <a:avLst/>
+          </a:prstGeom>
+          <a:noFill/>
+        </p:spPr>
+        <p:txBody>
+          <a:bodyPr wrap="square" rtlCol="0">
+            <a:spAutoFit/>
+          </a:bodyPr>
+          <a:lstStyle/>
+          <a:p>
+            <a:r>
+              <a:rPr lang="ko-KR" altLang="en-US" sz="900" b="1" smtClean="0">
+                <a:latin typeface="나눔고딕" panose="020D0604000000000000" pitchFamily="50" charset="-127"/>
+                <a:ea typeface="나눔고딕" panose="020D0604000000000000" pitchFamily="50" charset="-127"/>
+              </a:rPr>
+              <a:t>변경된 내용 보기</a:t>
+            </a:r>
+            <a:r>
+              <a:rPr lang="en-US" altLang="ko-KR" sz="900" b="1" smtClean="0">
+                <a:latin typeface="나눔고딕" panose="020D0604000000000000" pitchFamily="50" charset="-127"/>
+                <a:ea typeface="나눔고딕" panose="020D0604000000000000" pitchFamily="50" charset="-127"/>
+              </a:rPr>
+              <a:t/>
+            </a:r>
+            <a:br>
+              <a:rPr lang="en-US" altLang="ko-KR" sz="900" b="1" smtClean="0">
+                <a:latin typeface="나눔고딕" panose="020D0604000000000000" pitchFamily="50" charset="-127"/>
+                <a:ea typeface="나눔고딕" panose="020D0604000000000000" pitchFamily="50" charset="-127"/>
+              </a:rPr>
+            </a:br>
+            <a:r>
+              <a:rPr lang="en-US" altLang="ko-KR" sz="900" b="1" smtClean="0">
+                <a:latin typeface="나눔고딕" panose="020D0604000000000000" pitchFamily="50" charset="-127"/>
+                <a:ea typeface="나눔고딕" panose="020D0604000000000000" pitchFamily="50" charset="-127"/>
+              </a:rPr>
+              <a:t/>
+            </a:r>
+            <a:br>
+              <a:rPr lang="en-US" altLang="ko-KR" sz="900" b="1" smtClean="0">
+                <a:latin typeface="나눔고딕" panose="020D0604000000000000" pitchFamily="50" charset="-127"/>
+                <a:ea typeface="나눔고딕" panose="020D0604000000000000" pitchFamily="50" charset="-127"/>
+              </a:rPr>
+            </a:br>
+            <a:r>
+              <a:rPr lang="en-US" altLang="ko-KR" sz="900" b="1" smtClean="0">
+                <a:latin typeface="나눔고딕" panose="020D0604000000000000" pitchFamily="50" charset="-127"/>
+                <a:ea typeface="나눔고딕" panose="020D0604000000000000" pitchFamily="50" charset="-127"/>
+              </a:rPr>
+              <a:t>- CSS,HTML, Javascript,</a:t>
+            </a:r>
+          </a:p>
+          <a:p>
+            <a:r>
+              <a:rPr lang="en-US" altLang="ko-KR" sz="900" b="1" smtClean="0">
+                <a:latin typeface="나눔고딕" panose="020D0604000000000000" pitchFamily="50" charset="-127"/>
+                <a:ea typeface="나눔고딕" panose="020D0604000000000000" pitchFamily="50" charset="-127"/>
+              </a:rPr>
+              <a:t>C,C#,Java </a:t>
+            </a:r>
+            <a:r>
+              <a:rPr lang="ko-KR" altLang="en-US" sz="900" b="1" smtClean="0">
+                <a:latin typeface="나눔고딕" panose="020D0604000000000000" pitchFamily="50" charset="-127"/>
+                <a:ea typeface="나눔고딕" panose="020D0604000000000000" pitchFamily="50" charset="-127"/>
+              </a:rPr>
+              <a:t>등의 파일안에서 수정</a:t>
+            </a:r>
+            <a:r>
+              <a:rPr lang="en-US" altLang="ko-KR" sz="900" b="1" smtClean="0">
+                <a:latin typeface="나눔고딕" panose="020D0604000000000000" pitchFamily="50" charset="-127"/>
+                <a:ea typeface="나눔고딕" panose="020D0604000000000000" pitchFamily="50" charset="-127"/>
+              </a:rPr>
+              <a:t>,</a:t>
+            </a:r>
+            <a:r>
+              <a:rPr lang="ko-KR" altLang="en-US" sz="900" b="1" smtClean="0">
+                <a:latin typeface="나눔고딕" panose="020D0604000000000000" pitchFamily="50" charset="-127"/>
+                <a:ea typeface="나눔고딕" panose="020D0604000000000000" pitchFamily="50" charset="-127"/>
+              </a:rPr>
+              <a:t>삭제</a:t>
+            </a:r>
+            <a:r>
+              <a:rPr lang="en-US" altLang="ko-KR" sz="900" b="1" smtClean="0">
+                <a:latin typeface="나눔고딕" panose="020D0604000000000000" pitchFamily="50" charset="-127"/>
+                <a:ea typeface="나눔고딕" panose="020D0604000000000000" pitchFamily="50" charset="-127"/>
+              </a:rPr>
+              <a:t>,</a:t>
+            </a:r>
+            <a:r>
+              <a:rPr lang="ko-KR" altLang="en-US" sz="900" b="1" smtClean="0">
+                <a:latin typeface="나눔고딕" panose="020D0604000000000000" pitchFamily="50" charset="-127"/>
+                <a:ea typeface="나눔고딕" panose="020D0604000000000000" pitchFamily="50" charset="-127"/>
+              </a:rPr>
+              <a:t>추가된 내용을 확인할 수 있다</a:t>
+            </a:r>
+            <a:r>
+              <a:rPr lang="en-US" altLang="ko-KR" sz="900" b="1" smtClean="0">
+                <a:latin typeface="나눔고딕" panose="020D0604000000000000" pitchFamily="50" charset="-127"/>
+                <a:ea typeface="나눔고딕" panose="020D0604000000000000" pitchFamily="50" charset="-127"/>
+              </a:rPr>
+              <a:t>.</a:t>
+            </a:r>
+          </a:p>
+          <a:p>
+            <a:r>
+              <a:rPr lang="en-US" altLang="ko-KR" sz="900" b="1" smtClean="0">
+                <a:latin typeface="나눔고딕" panose="020D0604000000000000" pitchFamily="50" charset="-127"/>
+                <a:ea typeface="나눔고딕" panose="020D0604000000000000" pitchFamily="50" charset="-127"/>
+              </a:rPr>
+              <a:t/>
+            </a:r>
+            <a:br>
+              <a:rPr lang="en-US" altLang="ko-KR" sz="900" b="1" smtClean="0">
+                <a:latin typeface="나눔고딕" panose="020D0604000000000000" pitchFamily="50" charset="-127"/>
+                <a:ea typeface="나눔고딕" panose="020D0604000000000000" pitchFamily="50" charset="-127"/>
+              </a:rPr>
+            </a:br>
+            <a:r>
+              <a:rPr lang="en-US" altLang="ko-KR" sz="900" b="1" smtClean="0">
+                <a:latin typeface="나눔고딕" panose="020D0604000000000000" pitchFamily="50" charset="-127"/>
+                <a:ea typeface="나눔고딕" panose="020D0604000000000000" pitchFamily="50" charset="-127"/>
+              </a:rPr>
+              <a:t>-</a:t>
+            </a:r>
+            <a:r>
+              <a:rPr lang="en-US" altLang="ko-KR" sz="900" b="1" smtClean="0">
+                <a:latin typeface="나눔고딕" panose="020D0604000000000000" pitchFamily="50" charset="-127"/>
+                <a:ea typeface="나눔고딕" panose="020D0604000000000000" pitchFamily="50" charset="-127"/>
+              </a:rPr>
+              <a:t>PPT,DOC,PSD,AI </a:t>
+            </a:r>
+            <a:r>
+              <a:rPr lang="ko-KR" altLang="en-US" sz="900" b="1" smtClean="0">
+                <a:latin typeface="나눔고딕" panose="020D0604000000000000" pitchFamily="50" charset="-127"/>
+                <a:ea typeface="나눔고딕" panose="020D0604000000000000" pitchFamily="50" charset="-127"/>
+              </a:rPr>
+              <a:t>등 특정 프로그램을 위한 바이너리 파일의 변경사항은 볼 수 없다</a:t>
+            </a:r>
+            <a:r>
+              <a:rPr lang="en-US" altLang="ko-KR" sz="900" b="1" smtClean="0">
+                <a:latin typeface="나눔고딕" panose="020D0604000000000000" pitchFamily="50" charset="-127"/>
+                <a:ea typeface="나눔고딕" panose="020D0604000000000000" pitchFamily="50" charset="-127"/>
+              </a:rPr>
+              <a:t>.</a:t>
+            </a:r>
+            <a:br>
+              <a:rPr lang="en-US" altLang="ko-KR" sz="900" b="1" smtClean="0">
+                <a:latin typeface="나눔고딕" panose="020D0604000000000000" pitchFamily="50" charset="-127"/>
+                <a:ea typeface="나눔고딕" panose="020D0604000000000000" pitchFamily="50" charset="-127"/>
+              </a:rPr>
+            </a:br>
+            <a:endParaRPr lang="ko-KR" altLang="en-US" sz="900" b="1">
+              <a:latin typeface="나눔고딕" panose="020D0604000000000000" pitchFamily="50" charset="-127"/>
+              <a:ea typeface="나눔고딕" panose="020D0604000000000000" pitchFamily="50" charset="-127"/>
+            </a:endParaRPr>
+          </a:p>
+        </p:txBody>
+      </p:sp>
+      <p:cxnSp>
+        <p:nvCxnSpPr>
+          <p:cNvPr id="34" name="직선 화살표 연결선 33"/>
+          <p:cNvCxnSpPr/>
+          <p:nvPr/>
+        </p:nvCxnSpPr>
+        <p:spPr>
+          <a:xfrm>
+            <a:off x="6714393" y="2076341"/>
+            <a:ext cx="288863" cy="4872"/>
+          </a:xfrm>
+          <a:prstGeom prst="straightConnector1">
+            <a:avLst/>
+          </a:prstGeom>
+          <a:ln w="12700">
+            <a:solidFill>
+              <a:srgbClr val="FF0000"/>
+            </a:solidFill>
+            <a:tailEnd type="triangle"/>
+          </a:ln>
+        </p:spPr>
+        <p:style>
+          <a:lnRef idx="1">
+            <a:schemeClr val="accent1"/>
+          </a:lnRef>
+          <a:fillRef idx="0">
+            <a:schemeClr val="accent1"/>
+          </a:fillRef>
+          <a:effectRef idx="0">
+            <a:schemeClr val="accent1"/>
+          </a:effectRef>
+          <a:fontRef idx="minor">
+            <a:schemeClr val="tx1"/>
+          </a:fontRef>
+        </p:style>
+      </p:cxnSp>
+      <p:sp>
+        <p:nvSpPr>
+          <p:cNvPr id="36" name="TextBox 35"/>
+          <p:cNvSpPr txBox="1"/>
+          <p:nvPr/>
+        </p:nvSpPr>
+        <p:spPr>
+          <a:xfrm>
+            <a:off x="7011865" y="1847851"/>
+            <a:ext cx="1636835" cy="507831"/>
+          </a:xfrm>
+          <a:prstGeom prst="rect">
+            <a:avLst/>
+          </a:prstGeom>
+          <a:noFill/>
+        </p:spPr>
+        <p:txBody>
+          <a:bodyPr wrap="square" rtlCol="0">
+            <a:spAutoFit/>
+          </a:bodyPr>
+          <a:lstStyle/>
+          <a:p>
+            <a:r>
+              <a:rPr lang="ko-KR" altLang="en-US" sz="900" b="1" smtClean="0">
+                <a:latin typeface="나눔고딕" panose="020D0604000000000000" pitchFamily="50" charset="-127"/>
+                <a:ea typeface="나눔고딕" panose="020D0604000000000000" pitchFamily="50" charset="-127"/>
+              </a:rPr>
+              <a:t>해당 저장소의 파일들이 </a:t>
+            </a:r>
+            <a:r>
+              <a:rPr lang="en-US" altLang="ko-KR" sz="900" b="1" smtClean="0">
+                <a:latin typeface="나눔고딕" panose="020D0604000000000000" pitchFamily="50" charset="-127"/>
+                <a:ea typeface="나눔고딕" panose="020D0604000000000000" pitchFamily="50" charset="-127"/>
+              </a:rPr>
+              <a:t>Commit </a:t>
+            </a:r>
+            <a:r>
+              <a:rPr lang="ko-KR" altLang="en-US" sz="900" b="1" smtClean="0">
+                <a:latin typeface="나눔고딕" panose="020D0604000000000000" pitchFamily="50" charset="-127"/>
+                <a:ea typeface="나눔고딕" panose="020D0604000000000000" pitchFamily="50" charset="-127"/>
+              </a:rPr>
+              <a:t>되었던 이력을 볼수 있다</a:t>
+            </a:r>
+            <a:r>
+              <a:rPr lang="en-US" altLang="ko-KR" sz="900" b="1" smtClean="0">
+                <a:latin typeface="나눔고딕" panose="020D0604000000000000" pitchFamily="50" charset="-127"/>
+                <a:ea typeface="나눔고딕" panose="020D0604000000000000" pitchFamily="50" charset="-127"/>
+              </a:rPr>
+              <a:t>.</a:t>
+            </a:r>
+            <a:endParaRPr lang="ko-KR" altLang="en-US" sz="900" b="1">
+              <a:latin typeface="나눔고딕" panose="020D0604000000000000" pitchFamily="50" charset="-127"/>
+              <a:ea typeface="나눔고딕" panose="020D0604000000000000" pitchFamily="50" charset="-127"/>
+            </a:endParaRPr>
+          </a:p>
+        </p:txBody>
+      </p:sp>
     </p:spTree>
     <p:extLst>
       <p:ext uri="{BB962C8B-B14F-4D97-AF65-F5344CB8AC3E}">
@@ -2893,16 +3637,53 @@
           <a:chExt cx="0" cy="0"/>
         </a:xfrm>
       </p:grpSpPr>
+      <p:pic>
+        <p:nvPicPr>
+          <p:cNvPr id="2" name="그림 1"/>
+          <p:cNvPicPr>
+            <a:picLocks noChangeAspect="1"/>
+          </p:cNvPicPr>
+          <p:nvPr/>
+        </p:nvPicPr>
+        <p:blipFill>
+          <a:blip r:embed="rId2" cstate="print">
+            <a:extLst>
+              <a:ext uri="{28A0092B-C50C-407E-A947-70E740481C1C}">
+                <a14:useLocalDpi xmlns:a14="http://schemas.microsoft.com/office/drawing/2010/main" val="0"/>
+              </a:ext>
+            </a:extLst>
+          </a:blip>
+          <a:stretch>
+            <a:fillRect/>
+          </a:stretch>
+        </p:blipFill>
+        <p:spPr>
+          <a:xfrm>
+            <a:off x="2108126" y="1578769"/>
+            <a:ext cx="4614141" cy="3128741"/>
+          </a:xfrm>
+          <a:prstGeom prst="rect">
+            <a:avLst/>
+          </a:prstGeom>
+          <a:ln w="6350">
+            <a:solidFill>
+              <a:schemeClr val="bg1">
+                <a:lumMod val="65000"/>
+              </a:schemeClr>
+            </a:solidFill>
+          </a:ln>
+        </p:spPr>
+      </p:pic>
       <p:sp>
         <p:nvSpPr>
-          <p:cNvPr id="10" name="TextBox 9"/>
+          <p:cNvPr id="4" name="TextBox 3"/>
           <p:cNvSpPr txBox="1"/>
           <p:nvPr/>
         </p:nvSpPr>
         <p:spPr>
           <a:xfrm>
             <a:off x="332893" y="690180"/>
-            <a:ext cx="4223770" cy="265948"/>
+            <a:ext cx="5082070" cy="265948"/>
           </a:xfrm>
           <a:prstGeom prst="rect">
             <a:avLst/>
@@ -2920,14 +3701,1107 @@
                 <a:latin typeface="+mj-ea"/>
                 <a:ea typeface="+mj-ea"/>
               </a:rPr>
-              <a:t>Git Bash - </a:t>
+              <a:t>04- </a:t>
             </a:r>
             <a:r>
               <a:rPr lang="en-US" altLang="ko-KR" sz="1292" smtClean="0">
                 <a:latin typeface="+mj-ea"/>
                 <a:ea typeface="+mj-ea"/>
               </a:rPr>
-              <a:t>Bash Shell </a:t>
+              <a:t>Github </a:t>
+            </a:r>
+            <a:r>
+              <a:rPr lang="en-US" altLang="ko-KR" sz="1292" smtClean="0">
+                <a:latin typeface="+mj-ea"/>
+                <a:ea typeface="+mj-ea"/>
+              </a:rPr>
+              <a:t>Local </a:t>
+            </a:r>
+            <a:r>
+              <a:rPr lang="ko-KR" altLang="en-US" sz="1292" smtClean="0">
+                <a:latin typeface="+mj-ea"/>
+                <a:ea typeface="+mj-ea"/>
+              </a:rPr>
+              <a:t>파일변경 확인 및 커밋</a:t>
+            </a:r>
+            <a:r>
+              <a:rPr lang="en-US" altLang="ko-KR" sz="1292" smtClean="0">
+                <a:latin typeface="+mj-ea"/>
+                <a:ea typeface="+mj-ea"/>
+              </a:rPr>
+              <a:t>(Commit)</a:t>
+            </a:r>
+            <a:r>
+              <a:rPr lang="ko-KR" altLang="en-US" sz="1292" smtClean="0">
+                <a:latin typeface="+mj-ea"/>
+                <a:ea typeface="+mj-ea"/>
+              </a:rPr>
+              <a:t>하기</a:t>
+            </a:r>
+            <a:endParaRPr lang="ko-KR" altLang="en-US" sz="1292">
+              <a:latin typeface="+mj-ea"/>
+              <a:ea typeface="+mj-ea"/>
+            </a:endParaRPr>
+          </a:p>
+        </p:txBody>
+      </p:sp>
+      <p:sp>
+        <p:nvSpPr>
+          <p:cNvPr id="14" name="직사각형 13"/>
+          <p:cNvSpPr/>
+          <p:nvPr/>
+        </p:nvSpPr>
+        <p:spPr>
+          <a:xfrm>
+            <a:off x="2907908" y="2221708"/>
+            <a:ext cx="1206892" cy="1600200"/>
+          </a:xfrm>
+          <a:prstGeom prst="rect">
+            <a:avLst/>
+          </a:prstGeom>
+          <a:noFill/>
+          <a:ln w="12700">
+            <a:solidFill>
+              <a:srgbClr val="FF0000"/>
+            </a:solidFill>
+          </a:ln>
+        </p:spPr>
+        <p:style>
+          <a:lnRef idx="2">
+            <a:schemeClr val="accent1">
+              <a:shade val="50000"/>
+            </a:schemeClr>
+          </a:lnRef>
+          <a:fillRef idx="1">
+            <a:schemeClr val="accent1"/>
+          </a:fillRef>
+          <a:effectRef idx="0">
+            <a:schemeClr val="accent1"/>
+          </a:effectRef>
+          <a:fontRef idx="minor">
+            <a:schemeClr val="lt1"/>
+          </a:fontRef>
+        </p:style>
+        <p:txBody>
+          <a:bodyPr rtlCol="0" anchor="ctr"/>
+          <a:lstStyle/>
+          <a:p>
+            <a:pPr algn="ctr"/>
+            <a:endParaRPr lang="ko-KR" altLang="en-US"/>
+          </a:p>
+        </p:txBody>
+      </p:sp>
+      <p:sp>
+        <p:nvSpPr>
+          <p:cNvPr id="15" name="직사각형 14"/>
+          <p:cNvSpPr/>
+          <p:nvPr/>
+        </p:nvSpPr>
+        <p:spPr>
+          <a:xfrm>
+            <a:off x="4179095" y="2221707"/>
+            <a:ext cx="2507456" cy="2436019"/>
+          </a:xfrm>
+          <a:prstGeom prst="rect">
+            <a:avLst/>
+          </a:prstGeom>
+          <a:noFill/>
+          <a:ln w="12700">
+            <a:solidFill>
+              <a:srgbClr val="FF0000"/>
+            </a:solidFill>
+          </a:ln>
+        </p:spPr>
+        <p:style>
+          <a:lnRef idx="2">
+            <a:schemeClr val="accent1">
+              <a:shade val="50000"/>
+            </a:schemeClr>
+          </a:lnRef>
+          <a:fillRef idx="1">
+            <a:schemeClr val="accent1"/>
+          </a:fillRef>
+          <a:effectRef idx="0">
+            <a:schemeClr val="accent1"/>
+          </a:effectRef>
+          <a:fontRef idx="minor">
+            <a:schemeClr val="lt1"/>
+          </a:fontRef>
+        </p:style>
+        <p:txBody>
+          <a:bodyPr rtlCol="0" anchor="ctr"/>
+          <a:lstStyle/>
+          <a:p>
+            <a:pPr algn="ctr"/>
+            <a:endParaRPr lang="ko-KR" altLang="en-US"/>
+          </a:p>
+        </p:txBody>
+      </p:sp>
+      <p:sp>
+        <p:nvSpPr>
+          <p:cNvPr id="18" name="직사각형 17"/>
+          <p:cNvSpPr/>
+          <p:nvPr/>
+        </p:nvSpPr>
+        <p:spPr>
+          <a:xfrm>
+            <a:off x="2905526" y="1993506"/>
+            <a:ext cx="3816744" cy="171052"/>
+          </a:xfrm>
+          <a:prstGeom prst="rect">
+            <a:avLst/>
+          </a:prstGeom>
+          <a:noFill/>
+          <a:ln w="12700">
+            <a:solidFill>
+              <a:srgbClr val="FF0000"/>
+            </a:solidFill>
+          </a:ln>
+        </p:spPr>
+        <p:style>
+          <a:lnRef idx="2">
+            <a:schemeClr val="accent1">
+              <a:shade val="50000"/>
+            </a:schemeClr>
+          </a:lnRef>
+          <a:fillRef idx="1">
+            <a:schemeClr val="accent1"/>
+          </a:fillRef>
+          <a:effectRef idx="0">
+            <a:schemeClr val="accent1"/>
+          </a:effectRef>
+          <a:fontRef idx="minor">
+            <a:schemeClr val="lt1"/>
+          </a:fontRef>
+        </p:style>
+        <p:txBody>
+          <a:bodyPr rtlCol="0" anchor="ctr"/>
+          <a:lstStyle/>
+          <a:p>
+            <a:pPr algn="ctr"/>
+            <a:endParaRPr lang="ko-KR" altLang="en-US"/>
+          </a:p>
+        </p:txBody>
+      </p:sp>
+      <p:sp>
+        <p:nvSpPr>
+          <p:cNvPr id="19" name="직사각형 18"/>
+          <p:cNvSpPr/>
+          <p:nvPr/>
+        </p:nvSpPr>
+        <p:spPr>
+          <a:xfrm>
+            <a:off x="4765282" y="1643063"/>
+            <a:ext cx="406793" cy="166688"/>
+          </a:xfrm>
+          <a:prstGeom prst="rect">
+            <a:avLst/>
+          </a:prstGeom>
+          <a:noFill/>
+          <a:ln w="12700">
+            <a:solidFill>
+              <a:srgbClr val="FF0000"/>
+            </a:solidFill>
+          </a:ln>
+        </p:spPr>
+        <p:style>
+          <a:lnRef idx="2">
+            <a:schemeClr val="accent1">
+              <a:shade val="50000"/>
+            </a:schemeClr>
+          </a:lnRef>
+          <a:fillRef idx="1">
+            <a:schemeClr val="accent1"/>
+          </a:fillRef>
+          <a:effectRef idx="0">
+            <a:schemeClr val="accent1"/>
+          </a:effectRef>
+          <a:fontRef idx="minor">
+            <a:schemeClr val="lt1"/>
+          </a:fontRef>
+        </p:style>
+        <p:txBody>
+          <a:bodyPr rtlCol="0" anchor="ctr"/>
+          <a:lstStyle/>
+          <a:p>
+            <a:pPr algn="ctr"/>
+            <a:endParaRPr lang="ko-KR" altLang="en-US"/>
+          </a:p>
+        </p:txBody>
+      </p:sp>
+      <p:cxnSp>
+        <p:nvCxnSpPr>
+          <p:cNvPr id="20" name="직선 화살표 연결선 19"/>
+          <p:cNvCxnSpPr/>
+          <p:nvPr/>
+        </p:nvCxnSpPr>
+        <p:spPr>
+          <a:xfrm flipH="1" flipV="1">
+            <a:off x="1900238" y="2878932"/>
+            <a:ext cx="1001774" cy="7034"/>
+          </a:xfrm>
+          <a:prstGeom prst="straightConnector1">
+            <a:avLst/>
+          </a:prstGeom>
+          <a:ln w="12700">
+            <a:solidFill>
+              <a:srgbClr val="FF0000"/>
+            </a:solidFill>
+            <a:tailEnd type="triangle"/>
+          </a:ln>
+        </p:spPr>
+        <p:style>
+          <a:lnRef idx="1">
+            <a:schemeClr val="accent1"/>
+          </a:lnRef>
+          <a:fillRef idx="0">
+            <a:schemeClr val="accent1"/>
+          </a:fillRef>
+          <a:effectRef idx="0">
+            <a:schemeClr val="accent1"/>
+          </a:effectRef>
+          <a:fontRef idx="minor">
+            <a:schemeClr val="tx1"/>
+          </a:fontRef>
+        </p:style>
+      </p:cxnSp>
+      <p:sp>
+        <p:nvSpPr>
+          <p:cNvPr id="21" name="TextBox 20"/>
+          <p:cNvSpPr txBox="1"/>
+          <p:nvPr/>
+        </p:nvSpPr>
+        <p:spPr>
+          <a:xfrm>
+            <a:off x="492919" y="2771777"/>
+            <a:ext cx="1435894" cy="230832"/>
+          </a:xfrm>
+          <a:prstGeom prst="rect">
+            <a:avLst/>
+          </a:prstGeom>
+          <a:noFill/>
+        </p:spPr>
+        <p:txBody>
+          <a:bodyPr wrap="square" rtlCol="0">
+            <a:spAutoFit/>
+          </a:bodyPr>
+          <a:lstStyle/>
+          <a:p>
+            <a:pPr algn="r"/>
+            <a:r>
+              <a:rPr lang="en-US" altLang="ko-KR" sz="900" b="1" smtClean="0">
+                <a:latin typeface="나눔고딕" panose="020D0604000000000000" pitchFamily="50" charset="-127"/>
+                <a:ea typeface="나눔고딕" panose="020D0604000000000000" pitchFamily="50" charset="-127"/>
+              </a:rPr>
+              <a:t>Commit </a:t>
+            </a:r>
+            <a:r>
+              <a:rPr lang="ko-KR" altLang="en-US" sz="900" b="1" smtClean="0">
+                <a:latin typeface="나눔고딕" panose="020D0604000000000000" pitchFamily="50" charset="-127"/>
+                <a:ea typeface="나눔고딕" panose="020D0604000000000000" pitchFamily="50" charset="-127"/>
+              </a:rPr>
+              <a:t>내역 리스트</a:t>
+            </a:r>
+            <a:endParaRPr lang="ko-KR" altLang="en-US" sz="900" b="1">
+              <a:latin typeface="나눔고딕" panose="020D0604000000000000" pitchFamily="50" charset="-127"/>
+              <a:ea typeface="나눔고딕" panose="020D0604000000000000" pitchFamily="50" charset="-127"/>
+            </a:endParaRPr>
+          </a:p>
+        </p:txBody>
+      </p:sp>
+      <p:cxnSp>
+        <p:nvCxnSpPr>
+          <p:cNvPr id="22" name="직선 화살표 연결선 21"/>
+          <p:cNvCxnSpPr/>
+          <p:nvPr/>
+        </p:nvCxnSpPr>
+        <p:spPr>
+          <a:xfrm flipV="1">
+            <a:off x="5172075" y="1370014"/>
+            <a:ext cx="321469" cy="353072"/>
+          </a:xfrm>
+          <a:prstGeom prst="straightConnector1">
+            <a:avLst/>
+          </a:prstGeom>
+          <a:ln w="12700">
+            <a:solidFill>
+              <a:srgbClr val="FF0000"/>
+            </a:solidFill>
+            <a:tailEnd type="triangle"/>
+          </a:ln>
+        </p:spPr>
+        <p:style>
+          <a:lnRef idx="1">
+            <a:schemeClr val="accent1"/>
+          </a:lnRef>
+          <a:fillRef idx="0">
+            <a:schemeClr val="accent1"/>
+          </a:fillRef>
+          <a:effectRef idx="0">
+            <a:schemeClr val="accent1"/>
+          </a:effectRef>
+          <a:fontRef idx="minor">
+            <a:schemeClr val="tx1"/>
+          </a:fontRef>
+        </p:style>
+      </p:cxnSp>
+      <p:sp>
+        <p:nvSpPr>
+          <p:cNvPr id="23" name="TextBox 22"/>
+          <p:cNvSpPr txBox="1"/>
+          <p:nvPr/>
+        </p:nvSpPr>
+        <p:spPr>
+          <a:xfrm>
+            <a:off x="4687766" y="1116808"/>
+            <a:ext cx="1636835" cy="230832"/>
+          </a:xfrm>
+          <a:prstGeom prst="rect">
+            <a:avLst/>
+          </a:prstGeom>
+          <a:noFill/>
+        </p:spPr>
+        <p:txBody>
+          <a:bodyPr wrap="square" rtlCol="0">
+            <a:spAutoFit/>
+          </a:bodyPr>
+          <a:lstStyle/>
+          <a:p>
+            <a:pPr algn="r"/>
+            <a:r>
+              <a:rPr lang="en-US" altLang="ko-KR" sz="900" b="1" smtClean="0">
+                <a:latin typeface="나눔고딕" panose="020D0604000000000000" pitchFamily="50" charset="-127"/>
+                <a:ea typeface="나눔고딕" panose="020D0604000000000000" pitchFamily="50" charset="-127"/>
+              </a:rPr>
+              <a:t>History </a:t>
+            </a:r>
+            <a:r>
+              <a:rPr lang="ko-KR" altLang="en-US" sz="900" b="1" smtClean="0">
+                <a:latin typeface="나눔고딕" panose="020D0604000000000000" pitchFamily="50" charset="-127"/>
+                <a:ea typeface="나눔고딕" panose="020D0604000000000000" pitchFamily="50" charset="-127"/>
+              </a:rPr>
+              <a:t>탭 </a:t>
+            </a:r>
+            <a:r>
+              <a:rPr lang="en-US" altLang="ko-KR" sz="900" b="1" smtClean="0">
+                <a:latin typeface="나눔고딕" panose="020D0604000000000000" pitchFamily="50" charset="-127"/>
+                <a:ea typeface="나눔고딕" panose="020D0604000000000000" pitchFamily="50" charset="-127"/>
+              </a:rPr>
+              <a:t>(</a:t>
+            </a:r>
+            <a:r>
+              <a:rPr lang="ko-KR" altLang="en-US" sz="900" b="1" smtClean="0">
+                <a:latin typeface="나눔고딕" panose="020D0604000000000000" pitchFamily="50" charset="-127"/>
+                <a:ea typeface="나눔고딕" panose="020D0604000000000000" pitchFamily="50" charset="-127"/>
+              </a:rPr>
+              <a:t>변경이력 확인</a:t>
+            </a:r>
+            <a:r>
+              <a:rPr lang="en-US" altLang="ko-KR" sz="900" b="1" smtClean="0">
+                <a:latin typeface="나눔고딕" panose="020D0604000000000000" pitchFamily="50" charset="-127"/>
+                <a:ea typeface="나눔고딕" panose="020D0604000000000000" pitchFamily="50" charset="-127"/>
+              </a:rPr>
+              <a:t>)</a:t>
+            </a:r>
+            <a:endParaRPr lang="ko-KR" altLang="en-US" sz="900" b="1">
+              <a:latin typeface="나눔고딕" panose="020D0604000000000000" pitchFamily="50" charset="-127"/>
+              <a:ea typeface="나눔고딕" panose="020D0604000000000000" pitchFamily="50" charset="-127"/>
+            </a:endParaRPr>
+          </a:p>
+        </p:txBody>
+      </p:sp>
+      <p:cxnSp>
+        <p:nvCxnSpPr>
+          <p:cNvPr id="31" name="직선 화살표 연결선 30"/>
+          <p:cNvCxnSpPr/>
+          <p:nvPr/>
+        </p:nvCxnSpPr>
+        <p:spPr>
+          <a:xfrm>
+            <a:off x="6683437" y="2916922"/>
+            <a:ext cx="288863" cy="4872"/>
+          </a:xfrm>
+          <a:prstGeom prst="straightConnector1">
+            <a:avLst/>
+          </a:prstGeom>
+          <a:ln w="12700">
+            <a:solidFill>
+              <a:srgbClr val="FF0000"/>
+            </a:solidFill>
+            <a:tailEnd type="triangle"/>
+          </a:ln>
+        </p:spPr>
+        <p:style>
+          <a:lnRef idx="1">
+            <a:schemeClr val="accent1"/>
+          </a:lnRef>
+          <a:fillRef idx="0">
+            <a:schemeClr val="accent1"/>
+          </a:fillRef>
+          <a:effectRef idx="0">
+            <a:schemeClr val="accent1"/>
+          </a:effectRef>
+          <a:fontRef idx="minor">
+            <a:schemeClr val="tx1"/>
+          </a:fontRef>
+        </p:style>
+      </p:cxnSp>
+      <p:sp>
+        <p:nvSpPr>
+          <p:cNvPr id="33" name="TextBox 32"/>
+          <p:cNvSpPr txBox="1"/>
+          <p:nvPr/>
+        </p:nvSpPr>
+        <p:spPr>
+          <a:xfrm>
+            <a:off x="6995197" y="2809876"/>
+            <a:ext cx="1636835" cy="1615827"/>
+          </a:xfrm>
+          <a:prstGeom prst="rect">
+            <a:avLst/>
+          </a:prstGeom>
+          <a:noFill/>
+        </p:spPr>
+        <p:txBody>
+          <a:bodyPr wrap="square" rtlCol="0">
+            <a:spAutoFit/>
+          </a:bodyPr>
+          <a:lstStyle/>
+          <a:p>
+            <a:r>
+              <a:rPr lang="ko-KR" altLang="en-US" sz="900" b="1" smtClean="0">
+                <a:latin typeface="나눔고딕" panose="020D0604000000000000" pitchFamily="50" charset="-127"/>
+                <a:ea typeface="나눔고딕" panose="020D0604000000000000" pitchFamily="50" charset="-127"/>
+              </a:rPr>
+              <a:t>변경된 내용 보기</a:t>
+            </a:r>
+            <a:r>
+              <a:rPr lang="en-US" altLang="ko-KR" sz="900" b="1" smtClean="0">
+                <a:latin typeface="나눔고딕" panose="020D0604000000000000" pitchFamily="50" charset="-127"/>
+                <a:ea typeface="나눔고딕" panose="020D0604000000000000" pitchFamily="50" charset="-127"/>
+              </a:rPr>
+              <a:t/>
+            </a:r>
+            <a:br>
+              <a:rPr lang="en-US" altLang="ko-KR" sz="900" b="1" smtClean="0">
+                <a:latin typeface="나눔고딕" panose="020D0604000000000000" pitchFamily="50" charset="-127"/>
+                <a:ea typeface="나눔고딕" panose="020D0604000000000000" pitchFamily="50" charset="-127"/>
+              </a:rPr>
+            </a:br>
+            <a:r>
+              <a:rPr lang="en-US" altLang="ko-KR" sz="900" b="1" smtClean="0">
+                <a:latin typeface="나눔고딕" panose="020D0604000000000000" pitchFamily="50" charset="-127"/>
+                <a:ea typeface="나눔고딕" panose="020D0604000000000000" pitchFamily="50" charset="-127"/>
+              </a:rPr>
+              <a:t/>
+            </a:r>
+            <a:br>
+              <a:rPr lang="en-US" altLang="ko-KR" sz="900" b="1" smtClean="0">
+                <a:latin typeface="나눔고딕" panose="020D0604000000000000" pitchFamily="50" charset="-127"/>
+                <a:ea typeface="나눔고딕" panose="020D0604000000000000" pitchFamily="50" charset="-127"/>
+              </a:rPr>
+            </a:br>
+            <a:r>
+              <a:rPr lang="en-US" altLang="ko-KR" sz="900" b="1" smtClean="0">
+                <a:latin typeface="나눔고딕" panose="020D0604000000000000" pitchFamily="50" charset="-127"/>
+                <a:ea typeface="나눔고딕" panose="020D0604000000000000" pitchFamily="50" charset="-127"/>
+              </a:rPr>
+              <a:t>- CSS,HTML, Javascript,</a:t>
+            </a:r>
+          </a:p>
+          <a:p>
+            <a:r>
+              <a:rPr lang="en-US" altLang="ko-KR" sz="900" b="1" smtClean="0">
+                <a:latin typeface="나눔고딕" panose="020D0604000000000000" pitchFamily="50" charset="-127"/>
+                <a:ea typeface="나눔고딕" panose="020D0604000000000000" pitchFamily="50" charset="-127"/>
+              </a:rPr>
+              <a:t>C,C#,Java </a:t>
+            </a:r>
+            <a:r>
+              <a:rPr lang="ko-KR" altLang="en-US" sz="900" b="1" smtClean="0">
+                <a:latin typeface="나눔고딕" panose="020D0604000000000000" pitchFamily="50" charset="-127"/>
+                <a:ea typeface="나눔고딕" panose="020D0604000000000000" pitchFamily="50" charset="-127"/>
+              </a:rPr>
+              <a:t>등의 파일안에서 수정</a:t>
+            </a:r>
+            <a:r>
+              <a:rPr lang="en-US" altLang="ko-KR" sz="900" b="1" smtClean="0">
+                <a:latin typeface="나눔고딕" panose="020D0604000000000000" pitchFamily="50" charset="-127"/>
+                <a:ea typeface="나눔고딕" panose="020D0604000000000000" pitchFamily="50" charset="-127"/>
+              </a:rPr>
+              <a:t>,</a:t>
+            </a:r>
+            <a:r>
+              <a:rPr lang="ko-KR" altLang="en-US" sz="900" b="1" smtClean="0">
+                <a:latin typeface="나눔고딕" panose="020D0604000000000000" pitchFamily="50" charset="-127"/>
+                <a:ea typeface="나눔고딕" panose="020D0604000000000000" pitchFamily="50" charset="-127"/>
+              </a:rPr>
+              <a:t>삭제</a:t>
+            </a:r>
+            <a:r>
+              <a:rPr lang="en-US" altLang="ko-KR" sz="900" b="1" smtClean="0">
+                <a:latin typeface="나눔고딕" panose="020D0604000000000000" pitchFamily="50" charset="-127"/>
+                <a:ea typeface="나눔고딕" panose="020D0604000000000000" pitchFamily="50" charset="-127"/>
+              </a:rPr>
+              <a:t>,</a:t>
+            </a:r>
+            <a:r>
+              <a:rPr lang="ko-KR" altLang="en-US" sz="900" b="1" smtClean="0">
+                <a:latin typeface="나눔고딕" panose="020D0604000000000000" pitchFamily="50" charset="-127"/>
+                <a:ea typeface="나눔고딕" panose="020D0604000000000000" pitchFamily="50" charset="-127"/>
+              </a:rPr>
+              <a:t>추가된 내용을 확인할 수 있다</a:t>
+            </a:r>
+            <a:r>
+              <a:rPr lang="en-US" altLang="ko-KR" sz="900" b="1" smtClean="0">
+                <a:latin typeface="나눔고딕" panose="020D0604000000000000" pitchFamily="50" charset="-127"/>
+                <a:ea typeface="나눔고딕" panose="020D0604000000000000" pitchFamily="50" charset="-127"/>
+              </a:rPr>
+              <a:t>.</a:t>
+            </a:r>
+          </a:p>
+          <a:p>
+            <a:r>
+              <a:rPr lang="en-US" altLang="ko-KR" sz="900" b="1" smtClean="0">
+                <a:latin typeface="나눔고딕" panose="020D0604000000000000" pitchFamily="50" charset="-127"/>
+                <a:ea typeface="나눔고딕" panose="020D0604000000000000" pitchFamily="50" charset="-127"/>
+              </a:rPr>
+              <a:t/>
+            </a:r>
+            <a:br>
+              <a:rPr lang="en-US" altLang="ko-KR" sz="900" b="1" smtClean="0">
+                <a:latin typeface="나눔고딕" panose="020D0604000000000000" pitchFamily="50" charset="-127"/>
+                <a:ea typeface="나눔고딕" panose="020D0604000000000000" pitchFamily="50" charset="-127"/>
+              </a:rPr>
+            </a:br>
+            <a:r>
+              <a:rPr lang="en-US" altLang="ko-KR" sz="900" b="1" smtClean="0">
+                <a:latin typeface="나눔고딕" panose="020D0604000000000000" pitchFamily="50" charset="-127"/>
+                <a:ea typeface="나눔고딕" panose="020D0604000000000000" pitchFamily="50" charset="-127"/>
+              </a:rPr>
+              <a:t>-</a:t>
+            </a:r>
+            <a:r>
+              <a:rPr lang="en-US" altLang="ko-KR" sz="900" b="1" smtClean="0">
+                <a:latin typeface="나눔고딕" panose="020D0604000000000000" pitchFamily="50" charset="-127"/>
+                <a:ea typeface="나눔고딕" panose="020D0604000000000000" pitchFamily="50" charset="-127"/>
+              </a:rPr>
+              <a:t>PPT,DOC,PSD,AI </a:t>
+            </a:r>
+            <a:r>
+              <a:rPr lang="ko-KR" altLang="en-US" sz="900" b="1" smtClean="0">
+                <a:latin typeface="나눔고딕" panose="020D0604000000000000" pitchFamily="50" charset="-127"/>
+                <a:ea typeface="나눔고딕" panose="020D0604000000000000" pitchFamily="50" charset="-127"/>
+              </a:rPr>
+              <a:t>등 특정 프로그램을 위한 바이너리 파일의 변경사항은 볼 수 없다</a:t>
+            </a:r>
+            <a:r>
+              <a:rPr lang="en-US" altLang="ko-KR" sz="900" b="1" smtClean="0">
+                <a:latin typeface="나눔고딕" panose="020D0604000000000000" pitchFamily="50" charset="-127"/>
+                <a:ea typeface="나눔고딕" panose="020D0604000000000000" pitchFamily="50" charset="-127"/>
+              </a:rPr>
+              <a:t>.</a:t>
+            </a:r>
+            <a:br>
+              <a:rPr lang="en-US" altLang="ko-KR" sz="900" b="1" smtClean="0">
+                <a:latin typeface="나눔고딕" panose="020D0604000000000000" pitchFamily="50" charset="-127"/>
+                <a:ea typeface="나눔고딕" panose="020D0604000000000000" pitchFamily="50" charset="-127"/>
+              </a:rPr>
+            </a:br>
+            <a:endParaRPr lang="ko-KR" altLang="en-US" sz="900" b="1">
+              <a:latin typeface="나눔고딕" panose="020D0604000000000000" pitchFamily="50" charset="-127"/>
+              <a:ea typeface="나눔고딕" panose="020D0604000000000000" pitchFamily="50" charset="-127"/>
+            </a:endParaRPr>
+          </a:p>
+        </p:txBody>
+      </p:sp>
+      <p:cxnSp>
+        <p:nvCxnSpPr>
+          <p:cNvPr id="34" name="직선 화살표 연결선 33"/>
+          <p:cNvCxnSpPr/>
+          <p:nvPr/>
+        </p:nvCxnSpPr>
+        <p:spPr>
+          <a:xfrm>
+            <a:off x="6714393" y="2076341"/>
+            <a:ext cx="288863" cy="4872"/>
+          </a:xfrm>
+          <a:prstGeom prst="straightConnector1">
+            <a:avLst/>
+          </a:prstGeom>
+          <a:ln w="12700">
+            <a:solidFill>
+              <a:srgbClr val="FF0000"/>
+            </a:solidFill>
+            <a:tailEnd type="triangle"/>
+          </a:ln>
+        </p:spPr>
+        <p:style>
+          <a:lnRef idx="1">
+            <a:schemeClr val="accent1"/>
+          </a:lnRef>
+          <a:fillRef idx="0">
+            <a:schemeClr val="accent1"/>
+          </a:fillRef>
+          <a:effectRef idx="0">
+            <a:schemeClr val="accent1"/>
+          </a:effectRef>
+          <a:fontRef idx="minor">
+            <a:schemeClr val="tx1"/>
+          </a:fontRef>
+        </p:style>
+      </p:cxnSp>
+      <p:sp>
+        <p:nvSpPr>
+          <p:cNvPr id="36" name="TextBox 35"/>
+          <p:cNvSpPr txBox="1"/>
+          <p:nvPr/>
+        </p:nvSpPr>
+        <p:spPr>
+          <a:xfrm>
+            <a:off x="7011865" y="1847851"/>
+            <a:ext cx="1636835" cy="507831"/>
+          </a:xfrm>
+          <a:prstGeom prst="rect">
+            <a:avLst/>
+          </a:prstGeom>
+          <a:noFill/>
+        </p:spPr>
+        <p:txBody>
+          <a:bodyPr wrap="square" rtlCol="0">
+            <a:spAutoFit/>
+          </a:bodyPr>
+          <a:lstStyle/>
+          <a:p>
+            <a:r>
+              <a:rPr lang="ko-KR" altLang="en-US" sz="900" b="1" smtClean="0">
+                <a:latin typeface="나눔고딕" panose="020D0604000000000000" pitchFamily="50" charset="-127"/>
+                <a:ea typeface="나눔고딕" panose="020D0604000000000000" pitchFamily="50" charset="-127"/>
+              </a:rPr>
+              <a:t>해당 저장소의 파일들이 </a:t>
+            </a:r>
+            <a:r>
+              <a:rPr lang="en-US" altLang="ko-KR" sz="900" b="1" smtClean="0">
+                <a:latin typeface="나눔고딕" panose="020D0604000000000000" pitchFamily="50" charset="-127"/>
+                <a:ea typeface="나눔고딕" panose="020D0604000000000000" pitchFamily="50" charset="-127"/>
+              </a:rPr>
+              <a:t>Commit </a:t>
+            </a:r>
+            <a:r>
+              <a:rPr lang="ko-KR" altLang="en-US" sz="900" b="1" smtClean="0">
+                <a:latin typeface="나눔고딕" panose="020D0604000000000000" pitchFamily="50" charset="-127"/>
+                <a:ea typeface="나눔고딕" panose="020D0604000000000000" pitchFamily="50" charset="-127"/>
+              </a:rPr>
+              <a:t>되었던 이력을 볼수 있다</a:t>
+            </a:r>
+            <a:r>
+              <a:rPr lang="en-US" altLang="ko-KR" sz="900" b="1" smtClean="0">
+                <a:latin typeface="나눔고딕" panose="020D0604000000000000" pitchFamily="50" charset="-127"/>
+                <a:ea typeface="나눔고딕" panose="020D0604000000000000" pitchFamily="50" charset="-127"/>
+              </a:rPr>
+              <a:t>.</a:t>
+            </a:r>
+            <a:endParaRPr lang="ko-KR" altLang="en-US" sz="900" b="1">
+              <a:latin typeface="나눔고딕" panose="020D0604000000000000" pitchFamily="50" charset="-127"/>
+              <a:ea typeface="나눔고딕" panose="020D0604000000000000" pitchFamily="50" charset="-127"/>
+            </a:endParaRPr>
+          </a:p>
+        </p:txBody>
+      </p:sp>
+    </p:spTree>
+    <p:extLst>
+      <p:ext uri="{BB962C8B-B14F-4D97-AF65-F5344CB8AC3E}">
+        <p14:creationId xmlns:p14="http://schemas.microsoft.com/office/powerpoint/2010/main" val="631736205"/>
+      </p:ext>
+    </p:extLst>
+  </p:cSld>
+  <p:clrMapOvr>
+    <a:masterClrMapping/>
+  </p:clrMapOvr>
+  <p:timing>
+    <p:tnLst>
+      <p:par>
+        <p:cTn id="1" dur="indefinite" restart="never" nodeType="tmRoot"/>
+      </p:par>
+    </p:tnLst>
+  </p:timing>
+</p:sld>
+</file>
+
+<file path=ppt/slides/slide7.xml><?xml version="1.0" encoding="utf-8"?>
+<p:sld xmlns:a="http://schemas.openxmlformats.org/drawingml/2006/main" xmlns:r="http://schemas.openxmlformats.org/officeDocument/2006/relationships" xmlns:p="http://schemas.openxmlformats.org/presentationml/2006/main">
+  <p:cSld>
+    <p:spTree>
+      <p:nvGrpSpPr>
+        <p:cNvPr id="1" name=""/>
+        <p:cNvGrpSpPr/>
+        <p:nvPr/>
+      </p:nvGrpSpPr>
+      <p:grpSpPr>
+        <a:xfrm>
+          <a:off x="0" y="0"/>
+          <a:ext cx="0" cy="0"/>
+          <a:chOff x="0" y="0"/>
+          <a:chExt cx="0" cy="0"/>
+        </a:xfrm>
+      </p:grpSpPr>
+      <p:sp>
+        <p:nvSpPr>
+          <p:cNvPr id="4" name="TextBox 3"/>
+          <p:cNvSpPr txBox="1"/>
+          <p:nvPr/>
+        </p:nvSpPr>
+        <p:spPr>
+          <a:xfrm>
+            <a:off x="332893" y="690180"/>
+            <a:ext cx="4223770" cy="265948"/>
+          </a:xfrm>
+          <a:prstGeom prst="rect">
+            <a:avLst/>
+          </a:prstGeom>
+          <a:noFill/>
+        </p:spPr>
+        <p:txBody>
+          <a:bodyPr wrap="square" lIns="33231" tIns="33231" rIns="33231" bIns="33231" rtlCol="0">
+            <a:spAutoFit/>
+          </a:bodyPr>
+          <a:lstStyle/>
+          <a:p>
+            <a:r>
+              <a:rPr lang="en-US" altLang="ko-KR" sz="1292" smtClean="0">
+                <a:latin typeface="+mj-ea"/>
+                <a:ea typeface="+mj-ea"/>
+              </a:rPr>
+              <a:t>02- Github </a:t>
+            </a:r>
+            <a:r>
+              <a:rPr lang="ko-KR" altLang="en-US" sz="1292" smtClean="0">
+                <a:latin typeface="+mj-ea"/>
+                <a:ea typeface="+mj-ea"/>
+              </a:rPr>
+              <a:t>계정 등록하기</a:t>
+            </a:r>
+            <a:endParaRPr lang="ko-KR" altLang="en-US" sz="1292">
+              <a:latin typeface="+mj-ea"/>
+              <a:ea typeface="+mj-ea"/>
+            </a:endParaRPr>
+          </a:p>
+        </p:txBody>
+      </p:sp>
+      <p:sp>
+        <p:nvSpPr>
+          <p:cNvPr id="35" name="TextBox 34"/>
+          <p:cNvSpPr txBox="1"/>
+          <p:nvPr/>
+        </p:nvSpPr>
+        <p:spPr>
+          <a:xfrm>
+            <a:off x="714670" y="1351883"/>
+            <a:ext cx="7571574" cy="446276"/>
+          </a:xfrm>
+          <a:prstGeom prst="rect">
+            <a:avLst/>
+          </a:prstGeom>
+          <a:noFill/>
+        </p:spPr>
+        <p:txBody>
+          <a:bodyPr wrap="square" rtlCol="0">
+            <a:spAutoFit/>
+          </a:bodyPr>
+          <a:lstStyle/>
+          <a:p>
+            <a:r>
+              <a:rPr lang="en-US" altLang="ko-KR" sz="1400" smtClean="0"/>
+              <a:t>1. </a:t>
+            </a:r>
+            <a:r>
+              <a:rPr lang="ko-KR" altLang="en-US" sz="1200" smtClean="0"/>
+              <a:t>아래 링크에서 자신의 시스템과 맞는 버전의 </a:t>
+            </a:r>
+            <a:r>
+              <a:rPr lang="en-US" altLang="ko-KR" sz="1200" smtClean="0"/>
+              <a:t>installer</a:t>
+            </a:r>
+            <a:r>
+              <a:rPr lang="ko-KR" altLang="en-US" sz="1200" smtClean="0"/>
+              <a:t>를 다운로드 한다</a:t>
+            </a:r>
+            <a:r>
+              <a:rPr lang="en-US" altLang="ko-KR" sz="1200" smtClean="0"/>
+              <a:t>.</a:t>
+            </a:r>
+            <a:br>
+              <a:rPr lang="en-US" altLang="ko-KR" sz="1200" smtClean="0"/>
+            </a:br>
+            <a:r>
+              <a:rPr lang="en-US" altLang="ko-KR" sz="900">
+                <a:hlinkClick r:id="rId2"/>
+              </a:rPr>
+              <a:t>https://git-scm.com/downloads</a:t>
+            </a:r>
+            <a:endParaRPr lang="ko-KR" altLang="en-US" sz="900"/>
+          </a:p>
+        </p:txBody>
+      </p:sp>
+      <p:pic>
+        <p:nvPicPr>
+          <p:cNvPr id="8" name="Picture 2" descr="http://git-scm.com/figures/18333fig0106-tn.png"/>
+          <p:cNvPicPr>
+            <a:picLocks noChangeAspect="1" noChangeArrowheads="1"/>
+          </p:cNvPicPr>
+          <p:nvPr/>
+        </p:nvPicPr>
+        <p:blipFill>
+          <a:blip r:embed="rId3">
+            <a:extLst>
+              <a:ext uri="{28A0092B-C50C-407E-A947-70E740481C1C}">
+                <a14:useLocalDpi xmlns:a14="http://schemas.microsoft.com/office/drawing/2010/main" val="0"/>
+              </a:ext>
+            </a:extLst>
+          </a:blip>
+          <a:srcRect/>
+          <a:stretch>
+            <a:fillRect/>
+          </a:stretch>
+        </p:blipFill>
+        <p:spPr bwMode="auto">
+          <a:xfrm>
+            <a:off x="2275200" y="1791750"/>
+            <a:ext cx="4023750" cy="3701850"/>
+          </a:xfrm>
+          <a:prstGeom prst="rect">
+            <a:avLst/>
+          </a:prstGeom>
+          <a:noFill/>
+          <a:ln>
+            <a:noFill/>
+          </a:ln>
+          <a:extLst>
+            <a:ext uri="{909E8E84-426E-40DD-AFC4-6F175D3DCCD1}">
+              <a14:hiddenFill xmlns:a14="http://schemas.microsoft.com/office/drawing/2010/main">
+                <a:solidFill>
+                  <a:srgbClr val="FFFFFF"/>
+                </a:solidFill>
+              </a14:hiddenFill>
+            </a:ext>
+            <a:ext uri="{91240B29-F687-4F45-9708-019B960494DF}">
+              <a14:hiddenLine xmlns:a14="http://schemas.microsoft.com/office/drawing/2010/main" w="9525">
+                <a:solidFill>
+                  <a:srgbClr val="000000"/>
+                </a:solidFill>
+                <a:miter lim="800000"/>
+                <a:headEnd/>
+                <a:tailEnd/>
+              </a14:hiddenLine>
+            </a:ext>
+          </a:extLst>
+        </p:spPr>
+      </p:pic>
+      <p:sp>
+        <p:nvSpPr>
+          <p:cNvPr id="2" name="TextBox 1"/>
+          <p:cNvSpPr txBox="1"/>
+          <p:nvPr/>
+        </p:nvSpPr>
+        <p:spPr>
+          <a:xfrm>
+            <a:off x="691200" y="4024800"/>
+            <a:ext cx="1684800" cy="369332"/>
+          </a:xfrm>
+          <a:prstGeom prst="rect">
+            <a:avLst/>
+          </a:prstGeom>
+          <a:noFill/>
+        </p:spPr>
+        <p:txBody>
+          <a:bodyPr wrap="square" rtlCol="0">
+            <a:spAutoFit/>
+          </a:bodyPr>
+          <a:lstStyle/>
+          <a:p>
+            <a:pPr algn="r"/>
+            <a:r>
+              <a:rPr lang="en-US" altLang="ko-KR" smtClean="0"/>
+              <a:t>git add</a:t>
+            </a:r>
+            <a:endParaRPr lang="ko-KR" altLang="en-US"/>
+          </a:p>
+        </p:txBody>
+      </p:sp>
+      <p:cxnSp>
+        <p:nvCxnSpPr>
+          <p:cNvPr id="10" name="직선 화살표 연결선 9"/>
+          <p:cNvCxnSpPr/>
+          <p:nvPr/>
+        </p:nvCxnSpPr>
+        <p:spPr>
+          <a:xfrm>
+            <a:off x="2376000" y="4219200"/>
+            <a:ext cx="374400" cy="0"/>
+          </a:xfrm>
+          <a:prstGeom prst="straightConnector1">
+            <a:avLst/>
+          </a:prstGeom>
+          <a:ln>
+            <a:solidFill>
+              <a:schemeClr val="tx1">
+                <a:lumMod val="75000"/>
+                <a:lumOff val="25000"/>
+              </a:schemeClr>
+            </a:solidFill>
+            <a:tailEnd type="triangle"/>
+          </a:ln>
+        </p:spPr>
+        <p:style>
+          <a:lnRef idx="1">
+            <a:schemeClr val="accent1"/>
+          </a:lnRef>
+          <a:fillRef idx="0">
+            <a:schemeClr val="accent1"/>
+          </a:fillRef>
+          <a:effectRef idx="0">
+            <a:schemeClr val="accent1"/>
+          </a:effectRef>
+          <a:fontRef idx="minor">
+            <a:schemeClr val="tx1"/>
+          </a:fontRef>
+        </p:style>
+      </p:cxnSp>
+      <p:sp>
+        <p:nvSpPr>
+          <p:cNvPr id="16" name="TextBox 15"/>
+          <p:cNvSpPr txBox="1"/>
+          <p:nvPr/>
+        </p:nvSpPr>
+        <p:spPr>
+          <a:xfrm>
+            <a:off x="692400" y="4803600"/>
+            <a:ext cx="1684800" cy="369332"/>
+          </a:xfrm>
+          <a:prstGeom prst="rect">
+            <a:avLst/>
+          </a:prstGeom>
+          <a:noFill/>
+        </p:spPr>
+        <p:txBody>
+          <a:bodyPr wrap="square" rtlCol="0">
+            <a:spAutoFit/>
+          </a:bodyPr>
+          <a:lstStyle/>
+          <a:p>
+            <a:pPr algn="r"/>
+            <a:r>
+              <a:rPr lang="en-US" altLang="ko-KR" smtClean="0"/>
+              <a:t>git commit</a:t>
+            </a:r>
+            <a:endParaRPr lang="ko-KR" altLang="en-US"/>
+          </a:p>
+        </p:txBody>
+      </p:sp>
+      <p:cxnSp>
+        <p:nvCxnSpPr>
+          <p:cNvPr id="17" name="직선 화살표 연결선 16"/>
+          <p:cNvCxnSpPr/>
+          <p:nvPr/>
+        </p:nvCxnSpPr>
+        <p:spPr>
+          <a:xfrm>
+            <a:off x="2377200" y="4998000"/>
+            <a:ext cx="1784400" cy="0"/>
+          </a:xfrm>
+          <a:prstGeom prst="straightConnector1">
+            <a:avLst/>
+          </a:prstGeom>
+          <a:ln>
+            <a:solidFill>
+              <a:schemeClr val="tx1">
+                <a:lumMod val="75000"/>
+                <a:lumOff val="25000"/>
+              </a:schemeClr>
+            </a:solidFill>
+            <a:tailEnd type="triangle"/>
+          </a:ln>
+        </p:spPr>
+        <p:style>
+          <a:lnRef idx="1">
+            <a:schemeClr val="accent1"/>
+          </a:lnRef>
+          <a:fillRef idx="0">
+            <a:schemeClr val="accent1"/>
+          </a:fillRef>
+          <a:effectRef idx="0">
+            <a:schemeClr val="accent1"/>
+          </a:effectRef>
+          <a:fontRef idx="minor">
+            <a:schemeClr val="tx1"/>
+          </a:fontRef>
+        </p:style>
+      </p:cxnSp>
+    </p:spTree>
+    <p:extLst>
+      <p:ext uri="{BB962C8B-B14F-4D97-AF65-F5344CB8AC3E}">
+        <p14:creationId xmlns:p14="http://schemas.microsoft.com/office/powerpoint/2010/main" val="4245770391"/>
+      </p:ext>
+    </p:extLst>
+  </p:cSld>
+  <p:clrMapOvr>
+    <a:masterClrMapping/>
+  </p:clrMapOvr>
+  <p:timing>
+    <p:tnLst>
+      <p:par>
+        <p:cTn id="1" dur="indefinite" restart="never" nodeType="tmRoot"/>
+      </p:par>
+    </p:tnLst>
+  </p:timing>
+</p:sld>
+</file>
+
+<file path=ppt/slides/slide8.xml><?xml version="1.0" encoding="utf-8"?>
+<p:sld xmlns:a="http://schemas.openxmlformats.org/drawingml/2006/main" xmlns:r="http://schemas.openxmlformats.org/officeDocument/2006/relationships" xmlns:p="http://schemas.openxmlformats.org/presentationml/2006/main">
+  <p:cSld>
+    <p:spTree>
+      <p:nvGrpSpPr>
+        <p:cNvPr id="1" name=""/>
+        <p:cNvGrpSpPr/>
+        <p:nvPr/>
+      </p:nvGrpSpPr>
+      <p:grpSpPr>
+        <a:xfrm>
+          <a:off x="0" y="0"/>
+          <a:ext cx="0" cy="0"/>
+          <a:chOff x="0" y="0"/>
+          <a:chExt cx="0" cy="0"/>
+        </a:xfrm>
+      </p:grpSpPr>
+      <p:sp>
+        <p:nvSpPr>
+          <p:cNvPr id="10" name="TextBox 9"/>
+          <p:cNvSpPr txBox="1"/>
+          <p:nvPr/>
+        </p:nvSpPr>
+        <p:spPr>
+          <a:xfrm>
+            <a:off x="332893" y="690180"/>
+            <a:ext cx="4223770" cy="265948"/>
+          </a:xfrm>
+          <a:prstGeom prst="rect">
+            <a:avLst/>
+          </a:prstGeom>
+          <a:noFill/>
+        </p:spPr>
+        <p:txBody>
+          <a:bodyPr wrap="square" lIns="33231" tIns="33231" rIns="33231" bIns="33231" rtlCol="0">
+            <a:spAutoFit/>
+          </a:bodyPr>
+          <a:lstStyle/>
+          <a:p>
+            <a:r>
+              <a:rPr lang="en-US" altLang="ko-KR" sz="1292" smtClean="0">
+                <a:latin typeface="+mj-ea"/>
+                <a:ea typeface="+mj-ea"/>
+              </a:rPr>
+              <a:t>Git Bash - Bash Shell </a:t>
             </a:r>
             <a:r>
               <a:rPr lang="ko-KR" altLang="en-US" sz="1292" smtClean="0">

--- a/CH00_Git_Github.pptx
+++ b/CH00_Git_Github.pptx
@@ -1582,7 +1582,7 @@
           <a:graphicData uri="http://schemas.openxmlformats.org/presentationml/2006/ole">
             <mc:AlternateContent xmlns:mc="http://schemas.openxmlformats.org/markup-compatibility/2006">
               <mc:Choice xmlns:v="urn:schemas-microsoft-com:vml" Requires="v">
-                <p:oleObj spid="_x0000_s4114" name="Image" r:id="rId5" imgW="8888760" imgH="7225200" progId="Photoshop.Image.16">
+                <p:oleObj spid="_x0000_s4118" name="Image" r:id="rId5" imgW="8888760" imgH="7225200" progId="Photoshop.Image.16">
                   <p:embed/>
                 </p:oleObj>
               </mc:Choice>
@@ -1729,7 +1729,7 @@
           <a:graphicData uri="http://schemas.openxmlformats.org/presentationml/2006/ole">
             <mc:AlternateContent xmlns:mc="http://schemas.openxmlformats.org/markup-compatibility/2006">
               <mc:Choice xmlns:v="urn:schemas-microsoft-com:vml" Requires="v">
-                <p:oleObj spid="_x0000_s5137" name="Image" r:id="rId3" imgW="7885440" imgH="5053680" progId="Photoshop.Image.16">
+                <p:oleObj spid="_x0000_s5141" name="Image" r:id="rId3" imgW="7885440" imgH="5053680" progId="Photoshop.Image.16">
                   <p:embed/>
                 </p:oleObj>
               </mc:Choice>
@@ -1798,28 +1798,14 @@
                 <a:latin typeface="+mj-ea"/>
                 <a:ea typeface="+mj-ea"/>
               </a:rPr>
-              <a:t>03- Github </a:t>
-            </a:r>
-            <a:r>
-              <a:rPr lang="en-US" altLang="ko-KR" sz="1292" smtClean="0">
-                <a:latin typeface="+mj-ea"/>
-                <a:ea typeface="+mj-ea"/>
-              </a:rPr>
-              <a:t>Local </a:t>
+              <a:t>03- Github Local </a:t>
             </a:r>
             <a:r>
               <a:rPr lang="ko-KR" altLang="en-US" sz="1292" smtClean="0">
                 <a:latin typeface="+mj-ea"/>
                 <a:ea typeface="+mj-ea"/>
               </a:rPr>
-              <a:t>저장소 </a:t>
-            </a:r>
-            <a:r>
-              <a:rPr lang="ko-KR" altLang="en-US" sz="1292" smtClean="0">
-                <a:latin typeface="+mj-ea"/>
-                <a:ea typeface="+mj-ea"/>
-              </a:rPr>
-              <a:t>만들기</a:t>
+              <a:t>저장소 만들기</a:t>
             </a:r>
             <a:endParaRPr lang="ko-KR" altLang="en-US" sz="1292">
               <a:latin typeface="+mj-ea"/>
@@ -2569,21 +2555,7 @@
                 <a:latin typeface="+mj-ea"/>
                 <a:ea typeface="+mj-ea"/>
               </a:rPr>
-              <a:t>04- </a:t>
-            </a:r>
-            <a:r>
-              <a:rPr lang="en-US" altLang="ko-KR" sz="1292" smtClean="0">
-                <a:latin typeface="+mj-ea"/>
-                <a:ea typeface="+mj-ea"/>
-              </a:rPr>
-              <a:t>Github </a:t>
-            </a:r>
-            <a:r>
-              <a:rPr lang="en-US" altLang="ko-KR" sz="1292" smtClean="0">
-                <a:latin typeface="+mj-ea"/>
-                <a:ea typeface="+mj-ea"/>
-              </a:rPr>
-              <a:t>Local </a:t>
+              <a:t>04- Github Local </a:t>
             </a:r>
             <a:r>
               <a:rPr lang="ko-KR" altLang="en-US" sz="1292" smtClean="0">
@@ -3471,14 +3443,7 @@
                 <a:latin typeface="나눔고딕" panose="020D0604000000000000" pitchFamily="50" charset="-127"/>
                 <a:ea typeface="나눔고딕" panose="020D0604000000000000" pitchFamily="50" charset="-127"/>
               </a:rPr>
-              <a:t>-</a:t>
-            </a:r>
-            <a:r>
-              <a:rPr lang="en-US" altLang="ko-KR" sz="900" b="1" smtClean="0">
-                <a:latin typeface="나눔고딕" panose="020D0604000000000000" pitchFamily="50" charset="-127"/>
-                <a:ea typeface="나눔고딕" panose="020D0604000000000000" pitchFamily="50" charset="-127"/>
-              </a:rPr>
-              <a:t>PPT,DOC,PSD,AI </a:t>
+              <a:t>-PPT,DOC,PSD,AI </a:t>
             </a:r>
             <a:r>
               <a:rPr lang="ko-KR" altLang="en-US" sz="900" b="1" smtClean="0">
@@ -3701,21 +3666,7 @@
                 <a:latin typeface="+mj-ea"/>
                 <a:ea typeface="+mj-ea"/>
               </a:rPr>
-              <a:t>04- </a:t>
-            </a:r>
-            <a:r>
-              <a:rPr lang="en-US" altLang="ko-KR" sz="1292" smtClean="0">
-                <a:latin typeface="+mj-ea"/>
-                <a:ea typeface="+mj-ea"/>
-              </a:rPr>
-              <a:t>Github </a:t>
-            </a:r>
-            <a:r>
-              <a:rPr lang="en-US" altLang="ko-KR" sz="1292" smtClean="0">
-                <a:latin typeface="+mj-ea"/>
-                <a:ea typeface="+mj-ea"/>
-              </a:rPr>
-              <a:t>Local </a:t>
+              <a:t>04- Github Local </a:t>
             </a:r>
             <a:r>
               <a:rPr lang="ko-KR" altLang="en-US" sz="1292" smtClean="0">
@@ -4279,14 +4230,7 @@
                 <a:latin typeface="나눔고딕" panose="020D0604000000000000" pitchFamily="50" charset="-127"/>
                 <a:ea typeface="나눔고딕" panose="020D0604000000000000" pitchFamily="50" charset="-127"/>
               </a:rPr>
-              <a:t>-</a:t>
-            </a:r>
-            <a:r>
-              <a:rPr lang="en-US" altLang="ko-KR" sz="900" b="1" smtClean="0">
-                <a:latin typeface="나눔고딕" panose="020D0604000000000000" pitchFamily="50" charset="-127"/>
-                <a:ea typeface="나눔고딕" panose="020D0604000000000000" pitchFamily="50" charset="-127"/>
-              </a:rPr>
-              <a:t>PPT,DOC,PSD,AI </a:t>
+              <a:t>-PPT,DOC,PSD,AI </a:t>
             </a:r>
             <a:r>
               <a:rPr lang="ko-KR" altLang="en-US" sz="900" b="1" smtClean="0">
@@ -4402,6 +4346,150 @@
               <a:t>.</a:t>
             </a:r>
             <a:endParaRPr lang="ko-KR" altLang="en-US" sz="900" b="1">
+              <a:latin typeface="나눔고딕" panose="020D0604000000000000" pitchFamily="50" charset="-127"/>
+              <a:ea typeface="나눔고딕" panose="020D0604000000000000" pitchFamily="50" charset="-127"/>
+            </a:endParaRPr>
+          </a:p>
+        </p:txBody>
+      </p:sp>
+      <p:sp>
+        <p:nvSpPr>
+          <p:cNvPr id="17" name="직사각형 16"/>
+          <p:cNvSpPr/>
+          <p:nvPr/>
+        </p:nvSpPr>
+        <p:spPr>
+          <a:xfrm>
+            <a:off x="6093619" y="2309813"/>
+            <a:ext cx="373856" cy="139453"/>
+          </a:xfrm>
+          <a:prstGeom prst="rect">
+            <a:avLst/>
+          </a:prstGeom>
+          <a:noFill/>
+          <a:ln w="12700">
+            <a:solidFill>
+              <a:srgbClr val="FF0000"/>
+            </a:solidFill>
+          </a:ln>
+        </p:spPr>
+        <p:style>
+          <a:lnRef idx="2">
+            <a:schemeClr val="accent1">
+              <a:shade val="50000"/>
+            </a:schemeClr>
+          </a:lnRef>
+          <a:fillRef idx="1">
+            <a:schemeClr val="accent1"/>
+          </a:fillRef>
+          <a:effectRef idx="0">
+            <a:schemeClr val="accent1"/>
+          </a:effectRef>
+          <a:fontRef idx="minor">
+            <a:schemeClr val="lt1"/>
+          </a:fontRef>
+        </p:style>
+        <p:txBody>
+          <a:bodyPr rtlCol="0" anchor="ctr"/>
+          <a:lstStyle/>
+          <a:p>
+            <a:pPr algn="ctr"/>
+            <a:endParaRPr lang="ko-KR" altLang="en-US"/>
+          </a:p>
+        </p:txBody>
+      </p:sp>
+      <p:cxnSp>
+        <p:nvCxnSpPr>
+          <p:cNvPr id="24" name="직선 화살표 연결선 23"/>
+          <p:cNvCxnSpPr/>
+          <p:nvPr/>
+        </p:nvCxnSpPr>
+        <p:spPr>
+          <a:xfrm>
+            <a:off x="6272213" y="2443163"/>
+            <a:ext cx="21431" cy="2528887"/>
+          </a:xfrm>
+          <a:prstGeom prst="straightConnector1">
+            <a:avLst/>
+          </a:prstGeom>
+          <a:ln w="12700">
+            <a:solidFill>
+              <a:srgbClr val="FF0000"/>
+            </a:solidFill>
+            <a:tailEnd type="triangle"/>
+          </a:ln>
+        </p:spPr>
+        <p:style>
+          <a:lnRef idx="1">
+            <a:schemeClr val="accent1"/>
+          </a:lnRef>
+          <a:fillRef idx="0">
+            <a:schemeClr val="accent1"/>
+          </a:fillRef>
+          <a:effectRef idx="0">
+            <a:schemeClr val="accent1"/>
+          </a:effectRef>
+          <a:fontRef idx="minor">
+            <a:schemeClr val="tx1"/>
+          </a:fontRef>
+        </p:style>
+      </p:cxnSp>
+      <p:sp>
+        <p:nvSpPr>
+          <p:cNvPr id="25" name="TextBox 24"/>
+          <p:cNvSpPr txBox="1"/>
+          <p:nvPr/>
+        </p:nvSpPr>
+        <p:spPr>
+          <a:xfrm>
+            <a:off x="5535490" y="5022058"/>
+            <a:ext cx="2058317" cy="369332"/>
+          </a:xfrm>
+          <a:prstGeom prst="rect">
+            <a:avLst/>
+          </a:prstGeom>
+          <a:noFill/>
+        </p:spPr>
+        <p:txBody>
+          <a:bodyPr wrap="square" rtlCol="0">
+            <a:spAutoFit/>
+          </a:bodyPr>
+          <a:lstStyle/>
+          <a:p>
+            <a:r>
+              <a:rPr lang="en-US" altLang="ko-KR" sz="900" b="1" smtClean="0">
+                <a:solidFill>
+                  <a:srgbClr val="C00000"/>
+                </a:solidFill>
+                <a:latin typeface="나눔고딕" panose="020D0604000000000000" pitchFamily="50" charset="-127"/>
+                <a:ea typeface="나눔고딕" panose="020D0604000000000000" pitchFamily="50" charset="-127"/>
+              </a:rPr>
+              <a:t>Revert </a:t>
+            </a:r>
+            <a:r>
+              <a:rPr lang="ko-KR" altLang="en-US" sz="900" b="1" smtClean="0">
+                <a:solidFill>
+                  <a:srgbClr val="C00000"/>
+                </a:solidFill>
+                <a:latin typeface="나눔고딕" panose="020D0604000000000000" pitchFamily="50" charset="-127"/>
+                <a:ea typeface="나눔고딕" panose="020D0604000000000000" pitchFamily="50" charset="-127"/>
+              </a:rPr>
+              <a:t>버튼을 클릭하면 이전 상태로 되돌린다</a:t>
+            </a:r>
+            <a:r>
+              <a:rPr lang="en-US" altLang="ko-KR" sz="900" b="1" smtClean="0">
+                <a:solidFill>
+                  <a:srgbClr val="C00000"/>
+                </a:solidFill>
+                <a:latin typeface="나눔고딕" panose="020D0604000000000000" pitchFamily="50" charset="-127"/>
+                <a:ea typeface="나눔고딕" panose="020D0604000000000000" pitchFamily="50" charset="-127"/>
+              </a:rPr>
+              <a:t>.</a:t>
+            </a:r>
+            <a:endParaRPr lang="ko-KR" altLang="en-US" sz="900" b="1">
+              <a:solidFill>
+                <a:srgbClr val="C00000"/>
+              </a:solidFill>
               <a:latin typeface="나눔고딕" panose="020D0604000000000000" pitchFamily="50" charset="-127"/>
               <a:ea typeface="나눔고딕" panose="020D0604000000000000" pitchFamily="50" charset="-127"/>
             </a:endParaRPr>
@@ -4447,6 +4535,56 @@
       </p:grpSpPr>
       <p:sp>
         <p:nvSpPr>
+          <p:cNvPr id="3" name="직사각형 2"/>
+          <p:cNvSpPr/>
+          <p:nvPr/>
+        </p:nvSpPr>
+        <p:spPr>
+          <a:xfrm>
+            <a:off x="585788" y="1621631"/>
+            <a:ext cx="4257675" cy="4179093"/>
+          </a:xfrm>
+          <a:prstGeom prst="rect">
+            <a:avLst/>
+          </a:prstGeom>
+          <a:solidFill>
+            <a:schemeClr val="bg1"/>
+          </a:solidFill>
+          <a:ln w="6350">
+            <a:solidFill>
+              <a:schemeClr val="bg1">
+                <a:lumMod val="75000"/>
+              </a:schemeClr>
+            </a:solidFill>
+          </a:ln>
+        </p:spPr>
+        <p:style>
+          <a:lnRef idx="2">
+            <a:schemeClr val="accent1">
+              <a:shade val="50000"/>
+            </a:schemeClr>
+          </a:lnRef>
+          <a:fillRef idx="1">
+            <a:schemeClr val="accent1"/>
+          </a:fillRef>
+          <a:effectRef idx="0">
+            <a:schemeClr val="accent1"/>
+          </a:effectRef>
+          <a:fontRef idx="minor">
+            <a:schemeClr val="lt1"/>
+          </a:fontRef>
+        </p:style>
+        <p:txBody>
+          <a:bodyPr rtlCol="0" anchor="ctr"/>
+          <a:lstStyle/>
+          <a:p>
+            <a:pPr algn="ctr"/>
+            <a:endParaRPr lang="ko-KR" altLang="en-US"/>
+          </a:p>
+        </p:txBody>
+      </p:sp>
+      <p:sp>
+        <p:nvSpPr>
           <p:cNvPr id="4" name="TextBox 3"/>
           <p:cNvSpPr txBox="1"/>
           <p:nvPr/>
@@ -4472,74 +4610,19 @@
                 <a:latin typeface="+mj-ea"/>
                 <a:ea typeface="+mj-ea"/>
               </a:rPr>
-              <a:t>02- Github </a:t>
+              <a:t>05- Git </a:t>
             </a:r>
             <a:r>
               <a:rPr lang="ko-KR" altLang="en-US" sz="1292" smtClean="0">
                 <a:latin typeface="+mj-ea"/>
                 <a:ea typeface="+mj-ea"/>
               </a:rPr>
-              <a:t>계정 등록하기</a:t>
+              <a:t>기본개념 및 이해</a:t>
             </a:r>
             <a:endParaRPr lang="ko-KR" altLang="en-US" sz="1292">
               <a:latin typeface="+mj-ea"/>
               <a:ea typeface="+mj-ea"/>
             </a:endParaRPr>
-          </a:p>
-        </p:txBody>
-      </p:sp>
-      <p:sp>
-        <p:nvSpPr>
-          <p:cNvPr id="35" name="TextBox 34"/>
-          <p:cNvSpPr txBox="1"/>
-          <p:nvPr/>
-        </p:nvSpPr>
-        <p:spPr>
-          <a:xfrm>
-            <a:off x="714670" y="1351883"/>
-            <a:ext cx="7571574" cy="446276"/>
-          </a:xfrm>
-          <a:prstGeom prst="rect">
-            <a:avLst/>
-          </a:prstGeom>
-          <a:noFill/>
-        </p:spPr>
-        <p:txBody>
-          <a:bodyPr wrap="square" rtlCol="0">
-            <a:spAutoFit/>
-          </a:bodyPr>
-          <a:lstStyle/>
-          <a:p>
-            <a:r>
-              <a:rPr lang="en-US" altLang="ko-KR" sz="1400" smtClean="0"/>
-              <a:t>1. </a:t>
-            </a:r>
-            <a:r>
-              <a:rPr lang="ko-KR" altLang="en-US" sz="1200" smtClean="0"/>
-              <a:t>아래 링크에서 자신의 시스템과 맞는 버전의 </a:t>
-            </a:r>
-            <a:r>
-              <a:rPr lang="en-US" altLang="ko-KR" sz="1200" smtClean="0"/>
-              <a:t>installer</a:t>
-            </a:r>
-            <a:r>
-              <a:rPr lang="ko-KR" altLang="en-US" sz="1200" smtClean="0"/>
-              <a:t>를 다운로드 한다</a:t>
-            </a:r>
-            <a:r>
-              <a:rPr lang="en-US" altLang="ko-KR" sz="1200" smtClean="0"/>
-              <a:t>.</a:t>
-            </a:r>
-            <a:br>
-              <a:rPr lang="en-US" altLang="ko-KR" sz="1200" smtClean="0"/>
-            </a:br>
-            <a:r>
-              <a:rPr lang="en-US" altLang="ko-KR" sz="900">
-                <a:hlinkClick r:id="rId2"/>
-              </a:rPr>
-              <a:t>https://git-scm.com/downloads</a:t>
-            </a:r>
-            <a:endParaRPr lang="ko-KR" altLang="en-US" sz="900"/>
           </a:p>
         </p:txBody>
       </p:sp>
@@ -4552,7 +4635,7 @@
           <p:nvPr/>
         </p:nvPicPr>
         <p:blipFill>
-          <a:blip r:embed="rId3">
+          <a:blip r:embed="rId2">
             <a:extLst>
               <a:ext uri="{28A0092B-C50C-407E-A947-70E740481C1C}">
                 <a14:useLocalDpi xmlns:a14="http://schemas.microsoft.com/office/drawing/2010/main" val="0"/>
@@ -4566,8 +4649,8 @@
         </p:blipFill>
         <p:spPr bwMode="auto">
           <a:xfrm>
-            <a:off x="2275200" y="1791750"/>
-            <a:ext cx="4023750" cy="3701850"/>
+            <a:off x="853593" y="1963201"/>
+            <a:ext cx="3696976" cy="3401218"/>
           </a:xfrm>
           <a:prstGeom prst="rect">
             <a:avLst/>
@@ -4599,14 +4682,14 @@
       </p:pic>
       <p:sp>
         <p:nvSpPr>
-          <p:cNvPr id="2" name="TextBox 1"/>
+          <p:cNvPr id="11" name="TextBox 10"/>
           <p:cNvSpPr txBox="1"/>
           <p:nvPr/>
         </p:nvSpPr>
         <p:spPr>
           <a:xfrm>
-            <a:off x="691200" y="4024800"/>
-            <a:ext cx="1684800" cy="369332"/>
+            <a:off x="4993482" y="1709738"/>
+            <a:ext cx="3593306" cy="2677656"/>
           </a:xfrm>
           <a:prstGeom prst="rect">
             <a:avLst/>
@@ -4619,64 +4702,238 @@
           </a:bodyPr>
           <a:lstStyle/>
           <a:p>
-            <a:pPr algn="r"/>
-            <a:r>
-              <a:rPr lang="en-US" altLang="ko-KR" smtClean="0"/>
-              <a:t>git add</a:t>
-            </a:r>
-            <a:endParaRPr lang="ko-KR" altLang="en-US"/>
+            <a:r>
+              <a:rPr lang="en-US" altLang="ko-KR" sz="1050"/>
+              <a:t>Git</a:t>
+            </a:r>
+            <a:r>
+              <a:rPr lang="ko-KR" altLang="en-US" sz="1050"/>
+              <a:t>은 파일을 </a:t>
+            </a:r>
+            <a:r>
+              <a:rPr lang="en-US" altLang="ko-KR" sz="1050"/>
+              <a:t>Committed, Modified, Staged </a:t>
+            </a:r>
+            <a:r>
+              <a:rPr lang="ko-KR" altLang="en-US" sz="1050"/>
+              <a:t>이렇게 세가지 상태로 </a:t>
+            </a:r>
+            <a:r>
+              <a:rPr lang="ko-KR" altLang="en-US" sz="1050"/>
+              <a:t>관리한다</a:t>
+            </a:r>
+            <a:r>
+              <a:rPr lang="en-US" altLang="ko-KR" sz="1050" smtClean="0"/>
+              <a:t>.</a:t>
+            </a:r>
+            <a:br>
+              <a:rPr lang="en-US" altLang="ko-KR" sz="1050" smtClean="0"/>
+            </a:br>
+            <a:endParaRPr lang="en-US" altLang="ko-KR" sz="1050"/>
+          </a:p>
+          <a:p>
+            <a:pPr marL="171450" indent="-171450">
+              <a:buFont typeface="Arial" panose="020B0604020202020204" pitchFamily="34" charset="0"/>
+              <a:buChar char="•"/>
+            </a:pPr>
+            <a:r>
+              <a:rPr lang="en-US" altLang="ko-KR" sz="1050">
+                <a:solidFill>
+                  <a:srgbClr val="00B0F0"/>
+                </a:solidFill>
+              </a:rPr>
+              <a:t>Commited</a:t>
+            </a:r>
+            <a:r>
+              <a:rPr lang="en-US" altLang="ko-KR" sz="1050"/>
+              <a:t> - </a:t>
+            </a:r>
+            <a:r>
+              <a:rPr lang="ko-KR" altLang="en-US" sz="1050"/>
+              <a:t>데이터가 로컬 저장소에 안전하게 저장됐다는 것을 의미한다</a:t>
+            </a:r>
+            <a:r>
+              <a:rPr lang="en-US" altLang="ko-KR" sz="1050"/>
+              <a:t>.</a:t>
+            </a:r>
+          </a:p>
+          <a:p>
+            <a:pPr marL="171450" indent="-171450">
+              <a:buFont typeface="Arial" panose="020B0604020202020204" pitchFamily="34" charset="0"/>
+              <a:buChar char="•"/>
+            </a:pPr>
+            <a:r>
+              <a:rPr lang="en-US" altLang="ko-KR" sz="1050">
+                <a:solidFill>
+                  <a:srgbClr val="00B0F0"/>
+                </a:solidFill>
+              </a:rPr>
+              <a:t>Modified</a:t>
+            </a:r>
+            <a:r>
+              <a:rPr lang="en-US" altLang="ko-KR" sz="1050"/>
+              <a:t> - </a:t>
+            </a:r>
+            <a:r>
+              <a:rPr lang="ko-KR" altLang="en-US" sz="1050"/>
+              <a:t>수정한 파일을 아직 로컬 저장소에 커밋하지 않은 것을 말한다</a:t>
+            </a:r>
+            <a:r>
+              <a:rPr lang="en-US" altLang="ko-KR" sz="1050"/>
+              <a:t>.</a:t>
+            </a:r>
+          </a:p>
+          <a:p>
+            <a:pPr marL="171450" indent="-171450">
+              <a:buFont typeface="Arial" panose="020B0604020202020204" pitchFamily="34" charset="0"/>
+              <a:buChar char="•"/>
+            </a:pPr>
+            <a:r>
+              <a:rPr lang="en-US" altLang="ko-KR" sz="1050">
+                <a:solidFill>
+                  <a:srgbClr val="00B0F0"/>
+                </a:solidFill>
+              </a:rPr>
+              <a:t>Staged</a:t>
+            </a:r>
+            <a:r>
+              <a:rPr lang="en-US" altLang="ko-KR" sz="1050"/>
+              <a:t> - </a:t>
+            </a:r>
+            <a:r>
+              <a:rPr lang="ko-KR" altLang="en-US" sz="1050"/>
+              <a:t>현재 수정한 파일을 곧 커밋할 것이라고 표시한 상태를 </a:t>
+            </a:r>
+            <a:r>
+              <a:rPr lang="ko-KR" altLang="en-US" sz="1050"/>
+              <a:t>의미한다</a:t>
+            </a:r>
+            <a:r>
+              <a:rPr lang="en-US" altLang="ko-KR" sz="1050" smtClean="0"/>
+              <a:t>.</a:t>
+            </a:r>
+            <a:br>
+              <a:rPr lang="en-US" altLang="ko-KR" sz="1050" smtClean="0"/>
+            </a:br>
+            <a:endParaRPr lang="en-US" altLang="ko-KR" sz="1050"/>
+          </a:p>
+          <a:p>
+            <a:r>
+              <a:rPr lang="en-US" altLang="ko-KR" sz="1050"/>
+              <a:t>Git </a:t>
+            </a:r>
+            <a:r>
+              <a:rPr lang="ko-KR" altLang="en-US" sz="1050"/>
+              <a:t>디렉토리에 있는 파일들은 </a:t>
+            </a:r>
+            <a:r>
+              <a:rPr lang="en-US" altLang="ko-KR" sz="1050"/>
+              <a:t>Committed </a:t>
+            </a:r>
+            <a:r>
+              <a:rPr lang="ko-KR" altLang="en-US" sz="1050"/>
+              <a:t>상태이다</a:t>
+            </a:r>
+            <a:r>
+              <a:rPr lang="en-US" altLang="ko-KR" sz="1050"/>
+              <a:t>. </a:t>
+            </a:r>
+            <a:r>
+              <a:rPr lang="ko-KR" altLang="en-US" sz="1050"/>
+              <a:t>파일을 수정하고 </a:t>
+            </a:r>
+            <a:r>
+              <a:rPr lang="en-US" altLang="ko-KR" sz="1050"/>
+              <a:t>Staging Area</a:t>
+            </a:r>
+            <a:r>
+              <a:rPr lang="ko-KR" altLang="en-US" sz="1050"/>
+              <a:t>에 추가했다면 </a:t>
+            </a:r>
+            <a:r>
+              <a:rPr lang="en-US" altLang="ko-KR" sz="1050"/>
+              <a:t>Staged</a:t>
+            </a:r>
+            <a:r>
+              <a:rPr lang="ko-KR" altLang="en-US" sz="1050"/>
+              <a:t>이다</a:t>
+            </a:r>
+            <a:r>
+              <a:rPr lang="en-US" altLang="ko-KR" sz="1050"/>
+              <a:t>. </a:t>
+            </a:r>
+            <a:r>
+              <a:rPr lang="ko-KR" altLang="en-US" sz="1050"/>
+              <a:t>그리고 </a:t>
+            </a:r>
+            <a:r>
+              <a:rPr lang="en-US" altLang="ko-KR" sz="1050"/>
+              <a:t>Checkout</a:t>
+            </a:r>
+            <a:r>
+              <a:rPr lang="ko-KR" altLang="en-US" sz="1050"/>
+              <a:t>하고 나서 수정했지만</a:t>
+            </a:r>
+            <a:r>
+              <a:rPr lang="en-US" altLang="ko-KR" sz="1050"/>
+              <a:t>, </a:t>
+            </a:r>
+            <a:r>
+              <a:rPr lang="ko-KR" altLang="en-US" sz="1050"/>
+              <a:t>아직 </a:t>
+            </a:r>
+            <a:r>
+              <a:rPr lang="en-US" altLang="ko-KR" sz="1050"/>
+              <a:t>Staging Area</a:t>
+            </a:r>
+            <a:r>
+              <a:rPr lang="ko-KR" altLang="en-US" sz="1050"/>
+              <a:t>에 추가하지 않았다면 </a:t>
+            </a:r>
+            <a:r>
+              <a:rPr lang="en-US" altLang="ko-KR" sz="1050"/>
+              <a:t>Modified</a:t>
+            </a:r>
+            <a:r>
+              <a:rPr lang="ko-KR" altLang="en-US" sz="1050"/>
+              <a:t>이다</a:t>
+            </a:r>
+            <a:r>
+              <a:rPr lang="en-US" altLang="ko-KR" sz="1050"/>
+              <a:t>.</a:t>
+            </a:r>
+          </a:p>
+          <a:p>
+            <a:r>
+              <a:rPr lang="en-US" altLang="ko-KR" sz="1050" b="1" smtClean="0">
+                <a:latin typeface="나눔고딕" panose="020D0604000000000000" pitchFamily="50" charset="-127"/>
+                <a:ea typeface="나눔고딕" panose="020D0604000000000000" pitchFamily="50" charset="-127"/>
+              </a:rPr>
+              <a:t/>
+            </a:r>
+            <a:br>
+              <a:rPr lang="en-US" altLang="ko-KR" sz="1050" b="1" smtClean="0">
+                <a:latin typeface="나눔고딕" panose="020D0604000000000000" pitchFamily="50" charset="-127"/>
+                <a:ea typeface="나눔고딕" panose="020D0604000000000000" pitchFamily="50" charset="-127"/>
+              </a:rPr>
+            </a:br>
+            <a:endParaRPr lang="ko-KR" altLang="en-US" sz="1050" b="1">
+              <a:latin typeface="나눔고딕" panose="020D0604000000000000" pitchFamily="50" charset="-127"/>
+              <a:ea typeface="나눔고딕" panose="020D0604000000000000" pitchFamily="50" charset="-127"/>
+            </a:endParaRPr>
           </a:p>
         </p:txBody>
       </p:sp>
-      <p:cxnSp>
-        <p:nvCxnSpPr>
-          <p:cNvPr id="10" name="직선 화살표 연결선 9"/>
-          <p:cNvCxnSpPr/>
-          <p:nvPr/>
-        </p:nvCxnSpPr>
-        <p:spPr>
-          <a:xfrm>
-            <a:off x="2376000" y="4219200"/>
-            <a:ext cx="374400" cy="0"/>
-          </a:xfrm>
-          <a:prstGeom prst="straightConnector1">
-            <a:avLst/>
-          </a:prstGeom>
-          <a:ln>
-            <a:solidFill>
-              <a:schemeClr val="tx1">
-                <a:lumMod val="75000"/>
-                <a:lumOff val="25000"/>
-              </a:schemeClr>
-            </a:solidFill>
-            <a:tailEnd type="triangle"/>
-          </a:ln>
-        </p:spPr>
-        <p:style>
-          <a:lnRef idx="1">
-            <a:schemeClr val="accent1"/>
-          </a:lnRef>
-          <a:fillRef idx="0">
-            <a:schemeClr val="accent1"/>
-          </a:fillRef>
-          <a:effectRef idx="0">
-            <a:schemeClr val="accent1"/>
-          </a:effectRef>
-          <a:fontRef idx="minor">
-            <a:schemeClr val="tx1"/>
-          </a:fontRef>
-        </p:style>
-      </p:cxnSp>
       <p:sp>
         <p:nvSpPr>
-          <p:cNvPr id="16" name="TextBox 15"/>
+          <p:cNvPr id="12" name="TextBox 11"/>
           <p:cNvSpPr txBox="1"/>
           <p:nvPr/>
         </p:nvSpPr>
         <p:spPr>
           <a:xfrm>
-            <a:off x="692400" y="4803600"/>
-            <a:ext cx="1684800" cy="369332"/>
+            <a:off x="556730" y="1214055"/>
+            <a:ext cx="4223770" cy="313332"/>
           </a:xfrm>
           <a:prstGeom prst="rect">
             <a:avLst/>
@@ -4684,59 +4941,25 @@
           <a:noFill/>
         </p:spPr>
         <p:txBody>
-          <a:bodyPr wrap="square" rtlCol="0">
+          <a:bodyPr wrap="square" lIns="33231" tIns="33231" rIns="33231" bIns="33231" rtlCol="0">
             <a:spAutoFit/>
           </a:bodyPr>
           <a:lstStyle/>
           <a:p>
-            <a:pPr algn="r"/>
-            <a:r>
-              <a:rPr lang="en-US" altLang="ko-KR" smtClean="0"/>
-              <a:t>git commit</a:t>
-            </a:r>
-            <a:endParaRPr lang="ko-KR" altLang="en-US"/>
+            <a:r>
+              <a:rPr lang="ko-KR" altLang="en-US" sz="1600" b="1" smtClean="0">
+                <a:latin typeface="나눔고딕" panose="020D0604000000000000" pitchFamily="50" charset="-127"/>
+                <a:ea typeface="나눔고딕" panose="020D0604000000000000" pitchFamily="50" charset="-127"/>
+              </a:rPr>
+              <a:t>작업흐름</a:t>
+            </a:r>
+            <a:endParaRPr lang="ko-KR" altLang="en-US" sz="1600" b="1">
+              <a:latin typeface="나눔고딕" panose="020D0604000000000000" pitchFamily="50" charset="-127"/>
+              <a:ea typeface="나눔고딕" panose="020D0604000000000000" pitchFamily="50" charset="-127"/>
+            </a:endParaRPr>
           </a:p>
         </p:txBody>
       </p:sp>
-      <p:cxnSp>
-        <p:nvCxnSpPr>
-          <p:cNvPr id="17" name="직선 화살표 연결선 16"/>
-          <p:cNvCxnSpPr/>
-          <p:nvPr/>
-        </p:nvCxnSpPr>
-        <p:spPr>
-          <a:xfrm>
-            <a:off x="2377200" y="4998000"/>
-            <a:ext cx="1784400" cy="0"/>
-          </a:xfrm>
-          <a:prstGeom prst="straightConnector1">
-            <a:avLst/>
-          </a:prstGeom>
-          <a:ln>
-            <a:solidFill>
-              <a:schemeClr val="tx1">
-                <a:lumMod val="75000"/>
-                <a:lumOff val="25000"/>
-              </a:schemeClr>
-            </a:solidFill>
-            <a:tailEnd type="triangle"/>
-          </a:ln>
-        </p:spPr>
-        <p:style>
-          <a:lnRef idx="1">
-            <a:schemeClr val="accent1"/>
-          </a:lnRef>
-          <a:fillRef idx="0">
-            <a:schemeClr val="accent1"/>
-          </a:fillRef>
-          <a:effectRef idx="0">
-            <a:schemeClr val="accent1"/>
-          </a:effectRef>
-          <a:fontRef idx="minor">
-            <a:schemeClr val="tx1"/>
-          </a:fontRef>
-        </p:style>
-      </p:cxnSp>
     </p:spTree>
     <p:extLst>
       <p:ext uri="{BB962C8B-B14F-4D97-AF65-F5344CB8AC3E}">

--- a/CH00_Git_Github.pptx
+++ b/CH00_Git_Github.pptx
@@ -11,8 +11,10 @@
     <p:sldId id="275" r:id="rId5"/>
     <p:sldId id="273" r:id="rId6"/>
     <p:sldId id="277" r:id="rId7"/>
-    <p:sldId id="276" r:id="rId8"/>
-    <p:sldId id="267" r:id="rId9"/>
+    <p:sldId id="279" r:id="rId8"/>
+    <p:sldId id="276" r:id="rId9"/>
+    <p:sldId id="278" r:id="rId10"/>
+    <p:sldId id="267" r:id="rId11"/>
   </p:sldIdLst>
   <p:sldSz cx="9144000" cy="6858000" type="screen4x3"/>
   <p:notesSz cx="6858000" cy="9144000"/>
@@ -936,6 +938,8 @@
                 <a:solidFill>
                   <a:schemeClr val="bg1"/>
                 </a:solidFill>
+                <a:latin typeface="나눔고딕" panose="020D0604000000000000" pitchFamily="50" charset="-127"/>
+                <a:ea typeface="나눔고딕" panose="020D0604000000000000" pitchFamily="50" charset="-127"/>
               </a:rPr>
               <a:t>Git, Github</a:t>
             </a:r>
@@ -959,6 +963,8 @@
                 <a:solidFill>
                   <a:schemeClr val="bg1"/>
                 </a:solidFill>
+                <a:latin typeface="나눔고딕" panose="020D0604000000000000" pitchFamily="50" charset="-127"/>
+                <a:ea typeface="나눔고딕" panose="020D0604000000000000" pitchFamily="50" charset="-127"/>
               </a:rPr>
               <a:t>기초사용법</a:t>
             </a:r>
@@ -967,6 +973,8 @@
                 <a:solidFill>
                   <a:schemeClr val="bg1"/>
                 </a:solidFill>
+                <a:latin typeface="나눔고딕" panose="020D0604000000000000" pitchFamily="50" charset="-127"/>
+                <a:ea typeface="나눔고딕" panose="020D0604000000000000" pitchFamily="50" charset="-127"/>
               </a:rPr>
               <a:t/>
             </a:r>
@@ -975,6 +983,8 @@
                 <a:solidFill>
                   <a:schemeClr val="bg1"/>
                 </a:solidFill>
+                <a:latin typeface="나눔고딕" panose="020D0604000000000000" pitchFamily="50" charset="-127"/>
+                <a:ea typeface="나눔고딕" panose="020D0604000000000000" pitchFamily="50" charset="-127"/>
               </a:rPr>
             </a:br>
             <a:r>
@@ -1006,6 +1016,1382 @@
     <p:extLst>
       <p:ext uri="{BB962C8B-B14F-4D97-AF65-F5344CB8AC3E}">
         <p14:creationId xmlns:p14="http://schemas.microsoft.com/office/powerpoint/2010/main" val="2656074510"/>
+      </p:ext>
+    </p:extLst>
+  </p:cSld>
+  <p:clrMapOvr>
+    <a:masterClrMapping/>
+  </p:clrMapOvr>
+  <p:timing>
+    <p:tnLst>
+      <p:par>
+        <p:cTn id="1" dur="indefinite" restart="never" nodeType="tmRoot"/>
+      </p:par>
+    </p:tnLst>
+  </p:timing>
+</p:sld>
+</file>
+
+<file path=ppt/slides/slide10.xml><?xml version="1.0" encoding="utf-8"?>
+<p:sld xmlns:a="http://schemas.openxmlformats.org/drawingml/2006/main" xmlns:r="http://schemas.openxmlformats.org/officeDocument/2006/relationships" xmlns:p="http://schemas.openxmlformats.org/presentationml/2006/main">
+  <p:cSld>
+    <p:spTree>
+      <p:nvGrpSpPr>
+        <p:cNvPr id="1" name=""/>
+        <p:cNvGrpSpPr/>
+        <p:nvPr/>
+      </p:nvGrpSpPr>
+      <p:grpSpPr>
+        <a:xfrm>
+          <a:off x="0" y="0"/>
+          <a:ext cx="0" cy="0"/>
+          <a:chOff x="0" y="0"/>
+          <a:chExt cx="0" cy="0"/>
+        </a:xfrm>
+      </p:grpSpPr>
+      <p:sp>
+        <p:nvSpPr>
+          <p:cNvPr id="10" name="TextBox 9"/>
+          <p:cNvSpPr txBox="1"/>
+          <p:nvPr/>
+        </p:nvSpPr>
+        <p:spPr>
+          <a:xfrm>
+            <a:off x="332893" y="690180"/>
+            <a:ext cx="4223770" cy="265948"/>
+          </a:xfrm>
+          <a:prstGeom prst="rect">
+            <a:avLst/>
+          </a:prstGeom>
+          <a:noFill/>
+        </p:spPr>
+        <p:txBody>
+          <a:bodyPr wrap="square" lIns="33231" tIns="33231" rIns="33231" bIns="33231" rtlCol="0">
+            <a:spAutoFit/>
+          </a:bodyPr>
+          <a:lstStyle/>
+          <a:p>
+            <a:r>
+              <a:rPr lang="en-US" altLang="ko-KR" sz="1292" smtClean="0">
+                <a:latin typeface="+mj-ea"/>
+                <a:ea typeface="+mj-ea"/>
+              </a:rPr>
+              <a:t>Git Bash - Bash Shell </a:t>
+            </a:r>
+            <a:r>
+              <a:rPr lang="ko-KR" altLang="en-US" sz="1292" smtClean="0">
+                <a:latin typeface="+mj-ea"/>
+                <a:ea typeface="+mj-ea"/>
+              </a:rPr>
+              <a:t>기초 명령어</a:t>
+            </a:r>
+            <a:endParaRPr lang="ko-KR" altLang="en-US" sz="1292">
+              <a:latin typeface="+mj-ea"/>
+              <a:ea typeface="+mj-ea"/>
+            </a:endParaRPr>
+          </a:p>
+        </p:txBody>
+      </p:sp>
+      <p:graphicFrame>
+        <p:nvGraphicFramePr>
+          <p:cNvPr id="2" name="표 1"/>
+          <p:cNvGraphicFramePr>
+            <a:graphicFrameLocks noGrp="1"/>
+          </p:cNvGraphicFramePr>
+          <p:nvPr>
+            <p:extLst>
+              <p:ext uri="{D42A27DB-BD31-4B8C-83A1-F6EECF244321}">
+                <p14:modId xmlns:p14="http://schemas.microsoft.com/office/powerpoint/2010/main" val="3739753875"/>
+              </p:ext>
+            </p:extLst>
+          </p:nvPr>
+        </p:nvGraphicFramePr>
+        <p:xfrm>
+          <a:off x="598140" y="1247823"/>
+          <a:ext cx="7878967" cy="2659200"/>
+        </p:xfrm>
+        <a:graphic>
+          <a:graphicData uri="http://schemas.openxmlformats.org/drawingml/2006/table">
+            <a:tbl>
+              <a:tblPr firstRow="1" bandRow="1">
+                <a:tableStyleId>{5C22544A-7EE6-4342-B048-85BDC9FD1C3A}</a:tableStyleId>
+              </a:tblPr>
+              <a:tblGrid>
+                <a:gridCol w="2605698"/>
+                <a:gridCol w="5273269"/>
+              </a:tblGrid>
+              <a:tr h="0">
+                <a:tc>
+                  <a:txBody>
+                    <a:bodyPr/>
+                    <a:lstStyle/>
+                    <a:p>
+                      <a:pPr latinLnBrk="1"/>
+                      <a:r>
+                        <a:rPr lang="en-US" altLang="ko-KR" sz="800" b="0" smtClean="0">
+                          <a:solidFill>
+                            <a:schemeClr val="tx1"/>
+                          </a:solidFill>
+                          <a:latin typeface="+mj-ea"/>
+                          <a:ea typeface="+mj-ea"/>
+                        </a:rPr>
+                        <a:t>ls</a:t>
+                      </a:r>
+                      <a:endParaRPr lang="ko-KR" altLang="en-US" sz="800" b="0">
+                        <a:solidFill>
+                          <a:schemeClr val="tx1"/>
+                        </a:solidFill>
+                        <a:latin typeface="+mj-ea"/>
+                        <a:ea typeface="+mj-ea"/>
+                      </a:endParaRPr>
+                    </a:p>
+                  </a:txBody>
+                  <a:tcPr marT="72000" marB="72000" anchor="ctr">
+                    <a:lnL w="3175" cap="flat" cmpd="sng" algn="ctr">
+                      <a:solidFill>
+                        <a:schemeClr val="tx1"/>
+                      </a:solidFill>
+                      <a:prstDash val="solid"/>
+                      <a:round/>
+                      <a:headEnd type="none" w="med" len="med"/>
+                      <a:tailEnd type="none" w="med" len="med"/>
+                    </a:lnL>
+                    <a:lnR w="3175" cap="flat" cmpd="sng" algn="ctr">
+                      <a:solidFill>
+                        <a:schemeClr val="tx1"/>
+                      </a:solidFill>
+                      <a:prstDash val="solid"/>
+                      <a:round/>
+                      <a:headEnd type="none" w="med" len="med"/>
+                      <a:tailEnd type="none" w="med" len="med"/>
+                    </a:lnR>
+                    <a:lnT w="3175" cap="flat" cmpd="sng" algn="ctr">
+                      <a:solidFill>
+                        <a:schemeClr val="tx1"/>
+                      </a:solidFill>
+                      <a:prstDash val="solid"/>
+                      <a:round/>
+                      <a:headEnd type="none" w="med" len="med"/>
+                      <a:tailEnd type="none" w="med" len="med"/>
+                    </a:lnT>
+                    <a:lnB w="3175" cap="flat" cmpd="sng" algn="ctr">
+                      <a:solidFill>
+                        <a:schemeClr val="tx1"/>
+                      </a:solidFill>
+                      <a:prstDash val="solid"/>
+                      <a:round/>
+                      <a:headEnd type="none" w="med" len="med"/>
+                      <a:tailEnd type="none" w="med" len="med"/>
+                    </a:lnB>
+                    <a:solidFill>
+                      <a:schemeClr val="bg1">
+                        <a:lumMod val="95000"/>
+                      </a:schemeClr>
+                    </a:solidFill>
+                  </a:tcPr>
+                </a:tc>
+                <a:tc>
+                  <a:txBody>
+                    <a:bodyPr/>
+                    <a:lstStyle/>
+                    <a:p>
+                      <a:pPr latinLnBrk="1"/>
+                      <a:r>
+                        <a:rPr lang="ko-KR" altLang="en-US" sz="800" b="0" smtClean="0">
+                          <a:solidFill>
+                            <a:schemeClr val="tx1"/>
+                          </a:solidFill>
+                          <a:latin typeface="+mj-ea"/>
+                          <a:ea typeface="+mj-ea"/>
+                        </a:rPr>
+                        <a:t>현재 디렉토리 내 내용 출력</a:t>
+                      </a:r>
+                      <a:endParaRPr lang="ko-KR" altLang="en-US" sz="800" b="0">
+                        <a:solidFill>
+                          <a:schemeClr val="tx1"/>
+                        </a:solidFill>
+                        <a:latin typeface="+mj-ea"/>
+                        <a:ea typeface="+mj-ea"/>
+                      </a:endParaRPr>
+                    </a:p>
+                  </a:txBody>
+                  <a:tcPr marT="72000" marB="72000">
+                    <a:lnL w="3175" cap="flat" cmpd="sng" algn="ctr">
+                      <a:solidFill>
+                        <a:schemeClr val="tx1"/>
+                      </a:solidFill>
+                      <a:prstDash val="solid"/>
+                      <a:round/>
+                      <a:headEnd type="none" w="med" len="med"/>
+                      <a:tailEnd type="none" w="med" len="med"/>
+                    </a:lnL>
+                    <a:lnR w="3175" cap="flat" cmpd="sng" algn="ctr">
+                      <a:solidFill>
+                        <a:schemeClr val="tx1"/>
+                      </a:solidFill>
+                      <a:prstDash val="solid"/>
+                      <a:round/>
+                      <a:headEnd type="none" w="med" len="med"/>
+                      <a:tailEnd type="none" w="med" len="med"/>
+                    </a:lnR>
+                    <a:lnT w="3175" cap="flat" cmpd="sng" algn="ctr">
+                      <a:solidFill>
+                        <a:schemeClr val="tx1"/>
+                      </a:solidFill>
+                      <a:prstDash val="solid"/>
+                      <a:round/>
+                      <a:headEnd type="none" w="med" len="med"/>
+                      <a:tailEnd type="none" w="med" len="med"/>
+                    </a:lnT>
+                    <a:lnB w="3175" cap="flat" cmpd="sng" algn="ctr">
+                      <a:solidFill>
+                        <a:schemeClr val="tx1"/>
+                      </a:solidFill>
+                      <a:prstDash val="solid"/>
+                      <a:round/>
+                      <a:headEnd type="none" w="med" len="med"/>
+                      <a:tailEnd type="none" w="med" len="med"/>
+                    </a:lnB>
+                    <a:solidFill>
+                      <a:schemeClr val="bg1"/>
+                    </a:solidFill>
+                  </a:tcPr>
+                </a:tc>
+              </a:tr>
+              <a:tr h="0">
+                <a:tc>
+                  <a:txBody>
+                    <a:bodyPr/>
+                    <a:lstStyle/>
+                    <a:p>
+                      <a:pPr latinLnBrk="1"/>
+                      <a:r>
+                        <a:rPr lang="en-US" altLang="ko-KR" sz="800" b="0" smtClean="0">
+                          <a:solidFill>
+                            <a:schemeClr val="tx1"/>
+                          </a:solidFill>
+                          <a:latin typeface="+mj-ea"/>
+                          <a:ea typeface="+mj-ea"/>
+                        </a:rPr>
+                        <a:t>mkdir </a:t>
+                      </a:r>
+                      <a:r>
+                        <a:rPr lang="en-US" altLang="ko-KR" sz="800" b="0" kern="1200" baseline="0" smtClean="0">
+                          <a:solidFill>
+                            <a:srgbClr val="00B0F0"/>
+                          </a:solidFill>
+                          <a:latin typeface="+mj-ea"/>
+                          <a:ea typeface="+mn-ea"/>
+                          <a:cs typeface="+mn-cs"/>
+                        </a:rPr>
+                        <a:t>directoryname</a:t>
+                      </a:r>
+                      <a:endParaRPr lang="ko-KR" altLang="en-US" sz="800" b="0">
+                        <a:solidFill>
+                          <a:schemeClr val="tx1"/>
+                        </a:solidFill>
+                        <a:latin typeface="+mj-ea"/>
+                        <a:ea typeface="+mj-ea"/>
+                      </a:endParaRPr>
+                    </a:p>
+                  </a:txBody>
+                  <a:tcPr marT="72000" marB="72000" anchor="ctr">
+                    <a:lnL w="3175" cap="flat" cmpd="sng" algn="ctr">
+                      <a:solidFill>
+                        <a:schemeClr val="tx1"/>
+                      </a:solidFill>
+                      <a:prstDash val="solid"/>
+                      <a:round/>
+                      <a:headEnd type="none" w="med" len="med"/>
+                      <a:tailEnd type="none" w="med" len="med"/>
+                    </a:lnL>
+                    <a:lnR w="3175" cap="flat" cmpd="sng" algn="ctr">
+                      <a:solidFill>
+                        <a:schemeClr val="tx1"/>
+                      </a:solidFill>
+                      <a:prstDash val="solid"/>
+                      <a:round/>
+                      <a:headEnd type="none" w="med" len="med"/>
+                      <a:tailEnd type="none" w="med" len="med"/>
+                    </a:lnR>
+                    <a:lnT w="3175" cap="flat" cmpd="sng" algn="ctr">
+                      <a:solidFill>
+                        <a:schemeClr val="tx1"/>
+                      </a:solidFill>
+                      <a:prstDash val="solid"/>
+                      <a:round/>
+                      <a:headEnd type="none" w="med" len="med"/>
+                      <a:tailEnd type="none" w="med" len="med"/>
+                    </a:lnT>
+                    <a:lnB w="3175" cap="flat" cmpd="sng" algn="ctr">
+                      <a:solidFill>
+                        <a:schemeClr val="tx1"/>
+                      </a:solidFill>
+                      <a:prstDash val="solid"/>
+                      <a:round/>
+                      <a:headEnd type="none" w="med" len="med"/>
+                      <a:tailEnd type="none" w="med" len="med"/>
+                    </a:lnB>
+                    <a:solidFill>
+                      <a:schemeClr val="bg1">
+                        <a:lumMod val="95000"/>
+                      </a:schemeClr>
+                    </a:solidFill>
+                  </a:tcPr>
+                </a:tc>
+                <a:tc>
+                  <a:txBody>
+                    <a:bodyPr/>
+                    <a:lstStyle/>
+                    <a:p>
+                      <a:pPr latinLnBrk="1"/>
+                      <a:r>
+                        <a:rPr lang="ko-KR" altLang="en-US" sz="800" b="0" smtClean="0">
+                          <a:solidFill>
+                            <a:schemeClr val="tx1"/>
+                          </a:solidFill>
+                          <a:latin typeface="+mj-ea"/>
+                          <a:ea typeface="+mj-ea"/>
+                        </a:rPr>
+                        <a:t>디렉토리 생성</a:t>
+                      </a:r>
+                      <a:endParaRPr lang="ko-KR" altLang="en-US" sz="800" b="0">
+                        <a:solidFill>
+                          <a:schemeClr val="tx1"/>
+                        </a:solidFill>
+                        <a:latin typeface="+mj-ea"/>
+                        <a:ea typeface="+mj-ea"/>
+                      </a:endParaRPr>
+                    </a:p>
+                  </a:txBody>
+                  <a:tcPr marT="72000" marB="72000">
+                    <a:lnL w="3175" cap="flat" cmpd="sng" algn="ctr">
+                      <a:solidFill>
+                        <a:schemeClr val="tx1"/>
+                      </a:solidFill>
+                      <a:prstDash val="solid"/>
+                      <a:round/>
+                      <a:headEnd type="none" w="med" len="med"/>
+                      <a:tailEnd type="none" w="med" len="med"/>
+                    </a:lnL>
+                    <a:lnR w="3175" cap="flat" cmpd="sng" algn="ctr">
+                      <a:solidFill>
+                        <a:schemeClr val="tx1"/>
+                      </a:solidFill>
+                      <a:prstDash val="solid"/>
+                      <a:round/>
+                      <a:headEnd type="none" w="med" len="med"/>
+                      <a:tailEnd type="none" w="med" len="med"/>
+                    </a:lnR>
+                    <a:lnT w="3175" cap="flat" cmpd="sng" algn="ctr">
+                      <a:solidFill>
+                        <a:schemeClr val="tx1"/>
+                      </a:solidFill>
+                      <a:prstDash val="solid"/>
+                      <a:round/>
+                      <a:headEnd type="none" w="med" len="med"/>
+                      <a:tailEnd type="none" w="med" len="med"/>
+                    </a:lnT>
+                    <a:lnB w="3175" cap="flat" cmpd="sng" algn="ctr">
+                      <a:solidFill>
+                        <a:schemeClr val="tx1"/>
+                      </a:solidFill>
+                      <a:prstDash val="solid"/>
+                      <a:round/>
+                      <a:headEnd type="none" w="med" len="med"/>
+                      <a:tailEnd type="none" w="med" len="med"/>
+                    </a:lnB>
+                    <a:solidFill>
+                      <a:schemeClr val="bg1"/>
+                    </a:solidFill>
+                  </a:tcPr>
+                </a:tc>
+              </a:tr>
+              <a:tr h="0">
+                <a:tc>
+                  <a:txBody>
+                    <a:bodyPr/>
+                    <a:lstStyle/>
+                    <a:p>
+                      <a:pPr latinLnBrk="1"/>
+                      <a:r>
+                        <a:rPr lang="en-US" altLang="ko-KR" sz="800" b="0" smtClean="0">
+                          <a:solidFill>
+                            <a:schemeClr val="tx1"/>
+                          </a:solidFill>
+                          <a:latin typeface="+mj-ea"/>
+                          <a:ea typeface="+mj-ea"/>
+                        </a:rPr>
+                        <a:t>rm -rf </a:t>
+                      </a:r>
+                      <a:r>
+                        <a:rPr lang="en-US" altLang="ko-KR" sz="800" b="0" kern="1200" baseline="0" smtClean="0">
+                          <a:solidFill>
+                            <a:srgbClr val="00B0F0"/>
+                          </a:solidFill>
+                          <a:latin typeface="+mj-ea"/>
+                          <a:ea typeface="+mn-ea"/>
+                          <a:cs typeface="+mn-cs"/>
+                        </a:rPr>
+                        <a:t>directoryname</a:t>
+                      </a:r>
+                      <a:endParaRPr lang="ko-KR" altLang="en-US" sz="800" b="0">
+                        <a:solidFill>
+                          <a:schemeClr val="tx1"/>
+                        </a:solidFill>
+                        <a:latin typeface="+mj-ea"/>
+                        <a:ea typeface="+mj-ea"/>
+                      </a:endParaRPr>
+                    </a:p>
+                  </a:txBody>
+                  <a:tcPr marT="72000" marB="72000" anchor="ctr">
+                    <a:lnL w="3175" cap="flat" cmpd="sng" algn="ctr">
+                      <a:solidFill>
+                        <a:schemeClr val="tx1"/>
+                      </a:solidFill>
+                      <a:prstDash val="solid"/>
+                      <a:round/>
+                      <a:headEnd type="none" w="med" len="med"/>
+                      <a:tailEnd type="none" w="med" len="med"/>
+                    </a:lnL>
+                    <a:lnR w="3175" cap="flat" cmpd="sng" algn="ctr">
+                      <a:solidFill>
+                        <a:schemeClr val="tx1"/>
+                      </a:solidFill>
+                      <a:prstDash val="solid"/>
+                      <a:round/>
+                      <a:headEnd type="none" w="med" len="med"/>
+                      <a:tailEnd type="none" w="med" len="med"/>
+                    </a:lnR>
+                    <a:lnT w="3175" cap="flat" cmpd="sng" algn="ctr">
+                      <a:solidFill>
+                        <a:schemeClr val="tx1"/>
+                      </a:solidFill>
+                      <a:prstDash val="solid"/>
+                      <a:round/>
+                      <a:headEnd type="none" w="med" len="med"/>
+                      <a:tailEnd type="none" w="med" len="med"/>
+                    </a:lnT>
+                    <a:lnB w="3175" cap="flat" cmpd="sng" algn="ctr">
+                      <a:solidFill>
+                        <a:schemeClr val="tx1"/>
+                      </a:solidFill>
+                      <a:prstDash val="solid"/>
+                      <a:round/>
+                      <a:headEnd type="none" w="med" len="med"/>
+                      <a:tailEnd type="none" w="med" len="med"/>
+                    </a:lnB>
+                    <a:solidFill>
+                      <a:schemeClr val="bg1">
+                        <a:lumMod val="95000"/>
+                      </a:schemeClr>
+                    </a:solidFill>
+                  </a:tcPr>
+                </a:tc>
+                <a:tc>
+                  <a:txBody>
+                    <a:bodyPr/>
+                    <a:lstStyle/>
+                    <a:p>
+                      <a:pPr latinLnBrk="1"/>
+                      <a:r>
+                        <a:rPr lang="ko-KR" altLang="en-US" sz="800" b="0" smtClean="0">
+                          <a:solidFill>
+                            <a:schemeClr val="tx1"/>
+                          </a:solidFill>
+                          <a:latin typeface="+mj-ea"/>
+                          <a:ea typeface="+mj-ea"/>
+                        </a:rPr>
+                        <a:t>디렉토리와 포함된 파일들을 모두 삭제</a:t>
+                      </a:r>
+                      <a:endParaRPr lang="ko-KR" altLang="en-US" sz="800" b="0">
+                        <a:solidFill>
+                          <a:schemeClr val="tx1"/>
+                        </a:solidFill>
+                        <a:latin typeface="+mj-ea"/>
+                        <a:ea typeface="+mj-ea"/>
+                      </a:endParaRPr>
+                    </a:p>
+                  </a:txBody>
+                  <a:tcPr marT="72000" marB="72000">
+                    <a:lnL w="3175" cap="flat" cmpd="sng" algn="ctr">
+                      <a:solidFill>
+                        <a:schemeClr val="tx1"/>
+                      </a:solidFill>
+                      <a:prstDash val="solid"/>
+                      <a:round/>
+                      <a:headEnd type="none" w="med" len="med"/>
+                      <a:tailEnd type="none" w="med" len="med"/>
+                    </a:lnL>
+                    <a:lnR w="3175" cap="flat" cmpd="sng" algn="ctr">
+                      <a:solidFill>
+                        <a:schemeClr val="tx1"/>
+                      </a:solidFill>
+                      <a:prstDash val="solid"/>
+                      <a:round/>
+                      <a:headEnd type="none" w="med" len="med"/>
+                      <a:tailEnd type="none" w="med" len="med"/>
+                    </a:lnR>
+                    <a:lnT w="3175" cap="flat" cmpd="sng" algn="ctr">
+                      <a:solidFill>
+                        <a:schemeClr val="tx1"/>
+                      </a:solidFill>
+                      <a:prstDash val="solid"/>
+                      <a:round/>
+                      <a:headEnd type="none" w="med" len="med"/>
+                      <a:tailEnd type="none" w="med" len="med"/>
+                    </a:lnT>
+                    <a:lnB w="3175" cap="flat" cmpd="sng" algn="ctr">
+                      <a:solidFill>
+                        <a:schemeClr val="tx1"/>
+                      </a:solidFill>
+                      <a:prstDash val="solid"/>
+                      <a:round/>
+                      <a:headEnd type="none" w="med" len="med"/>
+                      <a:tailEnd type="none" w="med" len="med"/>
+                    </a:lnB>
+                    <a:solidFill>
+                      <a:schemeClr val="bg1"/>
+                    </a:solidFill>
+                  </a:tcPr>
+                </a:tc>
+              </a:tr>
+              <a:tr h="0">
+                <a:tc>
+                  <a:txBody>
+                    <a:bodyPr/>
+                    <a:lstStyle/>
+                    <a:p>
+                      <a:pPr latinLnBrk="1"/>
+                      <a:endParaRPr lang="ko-KR" altLang="en-US" sz="800" b="0">
+                        <a:solidFill>
+                          <a:srgbClr val="00B0F0"/>
+                        </a:solidFill>
+                        <a:latin typeface="+mj-ea"/>
+                        <a:ea typeface="+mj-ea"/>
+                      </a:endParaRPr>
+                    </a:p>
+                  </a:txBody>
+                  <a:tcPr marT="72000" marB="72000" anchor="ctr">
+                    <a:lnL w="3175" cap="flat" cmpd="sng" algn="ctr">
+                      <a:solidFill>
+                        <a:schemeClr val="tx1"/>
+                      </a:solidFill>
+                      <a:prstDash val="solid"/>
+                      <a:round/>
+                      <a:headEnd type="none" w="med" len="med"/>
+                      <a:tailEnd type="none" w="med" len="med"/>
+                    </a:lnL>
+                    <a:lnR w="3175" cap="flat" cmpd="sng" algn="ctr">
+                      <a:solidFill>
+                        <a:schemeClr val="tx1"/>
+                      </a:solidFill>
+                      <a:prstDash val="solid"/>
+                      <a:round/>
+                      <a:headEnd type="none" w="med" len="med"/>
+                      <a:tailEnd type="none" w="med" len="med"/>
+                    </a:lnR>
+                    <a:lnT w="3175" cap="flat" cmpd="sng" algn="ctr">
+                      <a:solidFill>
+                        <a:schemeClr val="tx1"/>
+                      </a:solidFill>
+                      <a:prstDash val="solid"/>
+                      <a:round/>
+                      <a:headEnd type="none" w="med" len="med"/>
+                      <a:tailEnd type="none" w="med" len="med"/>
+                    </a:lnT>
+                    <a:lnB w="3175" cap="flat" cmpd="sng" algn="ctr">
+                      <a:solidFill>
+                        <a:schemeClr val="tx1"/>
+                      </a:solidFill>
+                      <a:prstDash val="solid"/>
+                      <a:round/>
+                      <a:headEnd type="none" w="med" len="med"/>
+                      <a:tailEnd type="none" w="med" len="med"/>
+                    </a:lnB>
+                    <a:solidFill>
+                      <a:schemeClr val="bg1">
+                        <a:lumMod val="95000"/>
+                      </a:schemeClr>
+                    </a:solidFill>
+                  </a:tcPr>
+                </a:tc>
+                <a:tc>
+                  <a:txBody>
+                    <a:bodyPr/>
+                    <a:lstStyle/>
+                    <a:p>
+                      <a:pPr latinLnBrk="1"/>
+                      <a:endParaRPr lang="ko-KR" altLang="en-US" sz="800" b="0">
+                        <a:solidFill>
+                          <a:schemeClr val="tx1"/>
+                        </a:solidFill>
+                        <a:latin typeface="+mj-ea"/>
+                        <a:ea typeface="+mj-ea"/>
+                      </a:endParaRPr>
+                    </a:p>
+                  </a:txBody>
+                  <a:tcPr marT="72000" marB="72000">
+                    <a:lnL w="3175" cap="flat" cmpd="sng" algn="ctr">
+                      <a:solidFill>
+                        <a:schemeClr val="tx1"/>
+                      </a:solidFill>
+                      <a:prstDash val="solid"/>
+                      <a:round/>
+                      <a:headEnd type="none" w="med" len="med"/>
+                      <a:tailEnd type="none" w="med" len="med"/>
+                    </a:lnL>
+                    <a:lnR w="3175" cap="flat" cmpd="sng" algn="ctr">
+                      <a:solidFill>
+                        <a:schemeClr val="tx1"/>
+                      </a:solidFill>
+                      <a:prstDash val="solid"/>
+                      <a:round/>
+                      <a:headEnd type="none" w="med" len="med"/>
+                      <a:tailEnd type="none" w="med" len="med"/>
+                    </a:lnR>
+                    <a:lnT w="3175" cap="flat" cmpd="sng" algn="ctr">
+                      <a:solidFill>
+                        <a:schemeClr val="tx1"/>
+                      </a:solidFill>
+                      <a:prstDash val="solid"/>
+                      <a:round/>
+                      <a:headEnd type="none" w="med" len="med"/>
+                      <a:tailEnd type="none" w="med" len="med"/>
+                    </a:lnT>
+                    <a:lnB w="3175" cap="flat" cmpd="sng" algn="ctr">
+                      <a:solidFill>
+                        <a:schemeClr val="tx1"/>
+                      </a:solidFill>
+                      <a:prstDash val="solid"/>
+                      <a:round/>
+                      <a:headEnd type="none" w="med" len="med"/>
+                      <a:tailEnd type="none" w="med" len="med"/>
+                    </a:lnB>
+                    <a:solidFill>
+                      <a:schemeClr val="bg1"/>
+                    </a:solidFill>
+                  </a:tcPr>
+                </a:tc>
+              </a:tr>
+              <a:tr h="0">
+                <a:tc>
+                  <a:txBody>
+                    <a:bodyPr/>
+                    <a:lstStyle/>
+                    <a:p>
+                      <a:pPr latinLnBrk="1"/>
+                      <a:endParaRPr lang="ko-KR" altLang="en-US" sz="800" b="0" kern="1200">
+                        <a:solidFill>
+                          <a:srgbClr val="00B0F0"/>
+                        </a:solidFill>
+                        <a:latin typeface="+mj-ea"/>
+                        <a:ea typeface="+mn-ea"/>
+                        <a:cs typeface="+mn-cs"/>
+                      </a:endParaRPr>
+                    </a:p>
+                  </a:txBody>
+                  <a:tcPr marT="72000" marB="72000" anchor="ctr">
+                    <a:lnL w="3175" cap="flat" cmpd="sng" algn="ctr">
+                      <a:solidFill>
+                        <a:schemeClr val="tx1"/>
+                      </a:solidFill>
+                      <a:prstDash val="solid"/>
+                      <a:round/>
+                      <a:headEnd type="none" w="med" len="med"/>
+                      <a:tailEnd type="none" w="med" len="med"/>
+                    </a:lnL>
+                    <a:lnR w="3175" cap="flat" cmpd="sng" algn="ctr">
+                      <a:solidFill>
+                        <a:schemeClr val="tx1"/>
+                      </a:solidFill>
+                      <a:prstDash val="solid"/>
+                      <a:round/>
+                      <a:headEnd type="none" w="med" len="med"/>
+                      <a:tailEnd type="none" w="med" len="med"/>
+                    </a:lnR>
+                    <a:lnT w="3175" cap="flat" cmpd="sng" algn="ctr">
+                      <a:solidFill>
+                        <a:schemeClr val="tx1"/>
+                      </a:solidFill>
+                      <a:prstDash val="solid"/>
+                      <a:round/>
+                      <a:headEnd type="none" w="med" len="med"/>
+                      <a:tailEnd type="none" w="med" len="med"/>
+                    </a:lnT>
+                    <a:lnB w="3175" cap="flat" cmpd="sng" algn="ctr">
+                      <a:solidFill>
+                        <a:schemeClr val="tx1"/>
+                      </a:solidFill>
+                      <a:prstDash val="solid"/>
+                      <a:round/>
+                      <a:headEnd type="none" w="med" len="med"/>
+                      <a:tailEnd type="none" w="med" len="med"/>
+                    </a:lnB>
+                    <a:solidFill>
+                      <a:schemeClr val="bg1">
+                        <a:lumMod val="95000"/>
+                      </a:schemeClr>
+                    </a:solidFill>
+                  </a:tcPr>
+                </a:tc>
+                <a:tc>
+                  <a:txBody>
+                    <a:bodyPr/>
+                    <a:lstStyle/>
+                    <a:p>
+                      <a:pPr latinLnBrk="1"/>
+                      <a:endParaRPr lang="ko-KR" altLang="en-US" sz="800" b="0">
+                        <a:solidFill>
+                          <a:schemeClr val="tx1"/>
+                        </a:solidFill>
+                        <a:latin typeface="+mj-ea"/>
+                        <a:ea typeface="+mj-ea"/>
+                      </a:endParaRPr>
+                    </a:p>
+                  </a:txBody>
+                  <a:tcPr marT="72000" marB="72000">
+                    <a:lnL w="3175" cap="flat" cmpd="sng" algn="ctr">
+                      <a:solidFill>
+                        <a:schemeClr val="tx1"/>
+                      </a:solidFill>
+                      <a:prstDash val="solid"/>
+                      <a:round/>
+                      <a:headEnd type="none" w="med" len="med"/>
+                      <a:tailEnd type="none" w="med" len="med"/>
+                    </a:lnL>
+                    <a:lnR w="3175" cap="flat" cmpd="sng" algn="ctr">
+                      <a:solidFill>
+                        <a:schemeClr val="tx1"/>
+                      </a:solidFill>
+                      <a:prstDash val="solid"/>
+                      <a:round/>
+                      <a:headEnd type="none" w="med" len="med"/>
+                      <a:tailEnd type="none" w="med" len="med"/>
+                    </a:lnR>
+                    <a:lnT w="3175" cap="flat" cmpd="sng" algn="ctr">
+                      <a:solidFill>
+                        <a:schemeClr val="tx1"/>
+                      </a:solidFill>
+                      <a:prstDash val="solid"/>
+                      <a:round/>
+                      <a:headEnd type="none" w="med" len="med"/>
+                      <a:tailEnd type="none" w="med" len="med"/>
+                    </a:lnT>
+                    <a:lnB w="3175" cap="flat" cmpd="sng" algn="ctr">
+                      <a:solidFill>
+                        <a:schemeClr val="tx1"/>
+                      </a:solidFill>
+                      <a:prstDash val="solid"/>
+                      <a:round/>
+                      <a:headEnd type="none" w="med" len="med"/>
+                      <a:tailEnd type="none" w="med" len="med"/>
+                    </a:lnB>
+                    <a:solidFill>
+                      <a:schemeClr val="bg1"/>
+                    </a:solidFill>
+                  </a:tcPr>
+                </a:tc>
+              </a:tr>
+              <a:tr h="0">
+                <a:tc>
+                  <a:txBody>
+                    <a:bodyPr/>
+                    <a:lstStyle/>
+                    <a:p>
+                      <a:pPr latinLnBrk="1"/>
+                      <a:endParaRPr lang="ko-KR" altLang="en-US" sz="800" b="0">
+                        <a:solidFill>
+                          <a:srgbClr val="00B0F0"/>
+                        </a:solidFill>
+                        <a:latin typeface="+mj-ea"/>
+                        <a:ea typeface="+mj-ea"/>
+                      </a:endParaRPr>
+                    </a:p>
+                  </a:txBody>
+                  <a:tcPr marT="72000" marB="72000" anchor="ctr">
+                    <a:lnL w="3175" cap="flat" cmpd="sng" algn="ctr">
+                      <a:solidFill>
+                        <a:schemeClr val="tx1"/>
+                      </a:solidFill>
+                      <a:prstDash val="solid"/>
+                      <a:round/>
+                      <a:headEnd type="none" w="med" len="med"/>
+                      <a:tailEnd type="none" w="med" len="med"/>
+                    </a:lnL>
+                    <a:lnR w="3175" cap="flat" cmpd="sng" algn="ctr">
+                      <a:solidFill>
+                        <a:schemeClr val="tx1"/>
+                      </a:solidFill>
+                      <a:prstDash val="solid"/>
+                      <a:round/>
+                      <a:headEnd type="none" w="med" len="med"/>
+                      <a:tailEnd type="none" w="med" len="med"/>
+                    </a:lnR>
+                    <a:lnT w="3175" cap="flat" cmpd="sng" algn="ctr">
+                      <a:solidFill>
+                        <a:schemeClr val="tx1"/>
+                      </a:solidFill>
+                      <a:prstDash val="solid"/>
+                      <a:round/>
+                      <a:headEnd type="none" w="med" len="med"/>
+                      <a:tailEnd type="none" w="med" len="med"/>
+                    </a:lnT>
+                    <a:lnB w="3175" cap="flat" cmpd="sng" algn="ctr">
+                      <a:solidFill>
+                        <a:schemeClr val="tx1"/>
+                      </a:solidFill>
+                      <a:prstDash val="solid"/>
+                      <a:round/>
+                      <a:headEnd type="none" w="med" len="med"/>
+                      <a:tailEnd type="none" w="med" len="med"/>
+                    </a:lnB>
+                    <a:solidFill>
+                      <a:schemeClr val="bg1">
+                        <a:lumMod val="95000"/>
+                      </a:schemeClr>
+                    </a:solidFill>
+                  </a:tcPr>
+                </a:tc>
+                <a:tc>
+                  <a:txBody>
+                    <a:bodyPr/>
+                    <a:lstStyle/>
+                    <a:p>
+                      <a:pPr latinLnBrk="1"/>
+                      <a:endParaRPr lang="ko-KR" altLang="en-US" sz="800" b="0">
+                        <a:solidFill>
+                          <a:schemeClr val="tx1"/>
+                        </a:solidFill>
+                        <a:latin typeface="+mj-ea"/>
+                        <a:ea typeface="+mj-ea"/>
+                      </a:endParaRPr>
+                    </a:p>
+                  </a:txBody>
+                  <a:tcPr marT="72000" marB="72000">
+                    <a:lnL w="3175" cap="flat" cmpd="sng" algn="ctr">
+                      <a:solidFill>
+                        <a:schemeClr val="tx1"/>
+                      </a:solidFill>
+                      <a:prstDash val="solid"/>
+                      <a:round/>
+                      <a:headEnd type="none" w="med" len="med"/>
+                      <a:tailEnd type="none" w="med" len="med"/>
+                    </a:lnL>
+                    <a:lnR w="3175" cap="flat" cmpd="sng" algn="ctr">
+                      <a:solidFill>
+                        <a:schemeClr val="tx1"/>
+                      </a:solidFill>
+                      <a:prstDash val="solid"/>
+                      <a:round/>
+                      <a:headEnd type="none" w="med" len="med"/>
+                      <a:tailEnd type="none" w="med" len="med"/>
+                    </a:lnR>
+                    <a:lnT w="3175" cap="flat" cmpd="sng" algn="ctr">
+                      <a:solidFill>
+                        <a:schemeClr val="tx1"/>
+                      </a:solidFill>
+                      <a:prstDash val="solid"/>
+                      <a:round/>
+                      <a:headEnd type="none" w="med" len="med"/>
+                      <a:tailEnd type="none" w="med" len="med"/>
+                    </a:lnT>
+                    <a:lnB w="3175" cap="flat" cmpd="sng" algn="ctr">
+                      <a:solidFill>
+                        <a:schemeClr val="tx1"/>
+                      </a:solidFill>
+                      <a:prstDash val="solid"/>
+                      <a:round/>
+                      <a:headEnd type="none" w="med" len="med"/>
+                      <a:tailEnd type="none" w="med" len="med"/>
+                    </a:lnB>
+                    <a:solidFill>
+                      <a:schemeClr val="bg1"/>
+                    </a:solidFill>
+                  </a:tcPr>
+                </a:tc>
+              </a:tr>
+              <a:tr h="0">
+                <a:tc>
+                  <a:txBody>
+                    <a:bodyPr/>
+                    <a:lstStyle/>
+                    <a:p>
+                      <a:pPr latinLnBrk="1"/>
+                      <a:endParaRPr lang="ko-KR" altLang="en-US" sz="800" b="0">
+                        <a:solidFill>
+                          <a:srgbClr val="FF0000"/>
+                        </a:solidFill>
+                        <a:latin typeface="+mj-ea"/>
+                        <a:ea typeface="+mj-ea"/>
+                      </a:endParaRPr>
+                    </a:p>
+                  </a:txBody>
+                  <a:tcPr marT="72000" marB="72000" anchor="ctr">
+                    <a:lnL w="3175" cap="flat" cmpd="sng" algn="ctr">
+                      <a:solidFill>
+                        <a:schemeClr val="tx1"/>
+                      </a:solidFill>
+                      <a:prstDash val="solid"/>
+                      <a:round/>
+                      <a:headEnd type="none" w="med" len="med"/>
+                      <a:tailEnd type="none" w="med" len="med"/>
+                    </a:lnL>
+                    <a:lnR w="3175" cap="flat" cmpd="sng" algn="ctr">
+                      <a:solidFill>
+                        <a:schemeClr val="tx1"/>
+                      </a:solidFill>
+                      <a:prstDash val="solid"/>
+                      <a:round/>
+                      <a:headEnd type="none" w="med" len="med"/>
+                      <a:tailEnd type="none" w="med" len="med"/>
+                    </a:lnR>
+                    <a:lnT w="3175" cap="flat" cmpd="sng" algn="ctr">
+                      <a:solidFill>
+                        <a:schemeClr val="tx1"/>
+                      </a:solidFill>
+                      <a:prstDash val="solid"/>
+                      <a:round/>
+                      <a:headEnd type="none" w="med" len="med"/>
+                      <a:tailEnd type="none" w="med" len="med"/>
+                    </a:lnT>
+                    <a:lnB w="3175" cap="flat" cmpd="sng" algn="ctr">
+                      <a:solidFill>
+                        <a:schemeClr val="tx1"/>
+                      </a:solidFill>
+                      <a:prstDash val="solid"/>
+                      <a:round/>
+                      <a:headEnd type="none" w="med" len="med"/>
+                      <a:tailEnd type="none" w="med" len="med"/>
+                    </a:lnB>
+                    <a:solidFill>
+                      <a:schemeClr val="bg1">
+                        <a:lumMod val="95000"/>
+                      </a:schemeClr>
+                    </a:solidFill>
+                  </a:tcPr>
+                </a:tc>
+                <a:tc>
+                  <a:txBody>
+                    <a:bodyPr/>
+                    <a:lstStyle/>
+                    <a:p>
+                      <a:pPr latinLnBrk="1"/>
+                      <a:endParaRPr lang="ko-KR" altLang="en-US" sz="800" b="0">
+                        <a:solidFill>
+                          <a:schemeClr val="tx1"/>
+                        </a:solidFill>
+                        <a:latin typeface="+mj-ea"/>
+                        <a:ea typeface="+mj-ea"/>
+                      </a:endParaRPr>
+                    </a:p>
+                  </a:txBody>
+                  <a:tcPr marT="72000" marB="72000">
+                    <a:lnL w="3175" cap="flat" cmpd="sng" algn="ctr">
+                      <a:solidFill>
+                        <a:schemeClr val="tx1"/>
+                      </a:solidFill>
+                      <a:prstDash val="solid"/>
+                      <a:round/>
+                      <a:headEnd type="none" w="med" len="med"/>
+                      <a:tailEnd type="none" w="med" len="med"/>
+                    </a:lnL>
+                    <a:lnR w="3175" cap="flat" cmpd="sng" algn="ctr">
+                      <a:solidFill>
+                        <a:schemeClr val="tx1"/>
+                      </a:solidFill>
+                      <a:prstDash val="solid"/>
+                      <a:round/>
+                      <a:headEnd type="none" w="med" len="med"/>
+                      <a:tailEnd type="none" w="med" len="med"/>
+                    </a:lnR>
+                    <a:lnT w="3175" cap="flat" cmpd="sng" algn="ctr">
+                      <a:solidFill>
+                        <a:schemeClr val="tx1"/>
+                      </a:solidFill>
+                      <a:prstDash val="solid"/>
+                      <a:round/>
+                      <a:headEnd type="none" w="med" len="med"/>
+                      <a:tailEnd type="none" w="med" len="med"/>
+                    </a:lnT>
+                    <a:lnB w="3175" cap="flat" cmpd="sng" algn="ctr">
+                      <a:solidFill>
+                        <a:schemeClr val="tx1"/>
+                      </a:solidFill>
+                      <a:prstDash val="solid"/>
+                      <a:round/>
+                      <a:headEnd type="none" w="med" len="med"/>
+                      <a:tailEnd type="none" w="med" len="med"/>
+                    </a:lnB>
+                    <a:solidFill>
+                      <a:schemeClr val="bg1"/>
+                    </a:solidFill>
+                  </a:tcPr>
+                </a:tc>
+              </a:tr>
+              <a:tr h="0">
+                <a:tc>
+                  <a:txBody>
+                    <a:bodyPr/>
+                    <a:lstStyle/>
+                    <a:p>
+                      <a:pPr latinLnBrk="1"/>
+                      <a:endParaRPr lang="ko-KR" altLang="en-US" sz="800" b="0" kern="1200">
+                        <a:solidFill>
+                          <a:srgbClr val="FF0000"/>
+                        </a:solidFill>
+                        <a:latin typeface="+mj-ea"/>
+                        <a:ea typeface="+mn-ea"/>
+                        <a:cs typeface="+mn-cs"/>
+                      </a:endParaRPr>
+                    </a:p>
+                  </a:txBody>
+                  <a:tcPr marT="72000" marB="72000" anchor="ctr">
+                    <a:lnL w="3175" cap="flat" cmpd="sng" algn="ctr">
+                      <a:solidFill>
+                        <a:schemeClr val="tx1"/>
+                      </a:solidFill>
+                      <a:prstDash val="solid"/>
+                      <a:round/>
+                      <a:headEnd type="none" w="med" len="med"/>
+                      <a:tailEnd type="none" w="med" len="med"/>
+                    </a:lnL>
+                    <a:lnR w="3175" cap="flat" cmpd="sng" algn="ctr">
+                      <a:solidFill>
+                        <a:schemeClr val="tx1"/>
+                      </a:solidFill>
+                      <a:prstDash val="solid"/>
+                      <a:round/>
+                      <a:headEnd type="none" w="med" len="med"/>
+                      <a:tailEnd type="none" w="med" len="med"/>
+                    </a:lnR>
+                    <a:lnT w="3175" cap="flat" cmpd="sng" algn="ctr">
+                      <a:solidFill>
+                        <a:schemeClr val="tx1"/>
+                      </a:solidFill>
+                      <a:prstDash val="solid"/>
+                      <a:round/>
+                      <a:headEnd type="none" w="med" len="med"/>
+                      <a:tailEnd type="none" w="med" len="med"/>
+                    </a:lnT>
+                    <a:lnB w="3175" cap="flat" cmpd="sng" algn="ctr">
+                      <a:solidFill>
+                        <a:schemeClr val="tx1"/>
+                      </a:solidFill>
+                      <a:prstDash val="solid"/>
+                      <a:round/>
+                      <a:headEnd type="none" w="med" len="med"/>
+                      <a:tailEnd type="none" w="med" len="med"/>
+                    </a:lnB>
+                    <a:solidFill>
+                      <a:schemeClr val="bg1">
+                        <a:lumMod val="95000"/>
+                      </a:schemeClr>
+                    </a:solidFill>
+                  </a:tcPr>
+                </a:tc>
+                <a:tc>
+                  <a:txBody>
+                    <a:bodyPr/>
+                    <a:lstStyle/>
+                    <a:p>
+                      <a:pPr latinLnBrk="1"/>
+                      <a:endParaRPr lang="ko-KR" altLang="en-US" sz="800" b="0">
+                        <a:solidFill>
+                          <a:schemeClr val="tx1"/>
+                        </a:solidFill>
+                        <a:latin typeface="+mj-ea"/>
+                        <a:ea typeface="+mj-ea"/>
+                      </a:endParaRPr>
+                    </a:p>
+                  </a:txBody>
+                  <a:tcPr marT="72000" marB="72000">
+                    <a:lnL w="3175" cap="flat" cmpd="sng" algn="ctr">
+                      <a:solidFill>
+                        <a:schemeClr val="tx1"/>
+                      </a:solidFill>
+                      <a:prstDash val="solid"/>
+                      <a:round/>
+                      <a:headEnd type="none" w="med" len="med"/>
+                      <a:tailEnd type="none" w="med" len="med"/>
+                    </a:lnL>
+                    <a:lnR w="3175" cap="flat" cmpd="sng" algn="ctr">
+                      <a:solidFill>
+                        <a:schemeClr val="tx1"/>
+                      </a:solidFill>
+                      <a:prstDash val="solid"/>
+                      <a:round/>
+                      <a:headEnd type="none" w="med" len="med"/>
+                      <a:tailEnd type="none" w="med" len="med"/>
+                    </a:lnR>
+                    <a:lnT w="3175" cap="flat" cmpd="sng" algn="ctr">
+                      <a:solidFill>
+                        <a:schemeClr val="tx1"/>
+                      </a:solidFill>
+                      <a:prstDash val="solid"/>
+                      <a:round/>
+                      <a:headEnd type="none" w="med" len="med"/>
+                      <a:tailEnd type="none" w="med" len="med"/>
+                    </a:lnT>
+                    <a:lnB w="3175" cap="flat" cmpd="sng" algn="ctr">
+                      <a:solidFill>
+                        <a:schemeClr val="tx1"/>
+                      </a:solidFill>
+                      <a:prstDash val="solid"/>
+                      <a:round/>
+                      <a:headEnd type="none" w="med" len="med"/>
+                      <a:tailEnd type="none" w="med" len="med"/>
+                    </a:lnB>
+                    <a:solidFill>
+                      <a:schemeClr val="bg1"/>
+                    </a:solidFill>
+                  </a:tcPr>
+                </a:tc>
+              </a:tr>
+              <a:tr h="0">
+                <a:tc>
+                  <a:txBody>
+                    <a:bodyPr/>
+                    <a:lstStyle/>
+                    <a:p>
+                      <a:pPr latinLnBrk="1"/>
+                      <a:endParaRPr lang="ko-KR" altLang="en-US" sz="800" b="0">
+                        <a:solidFill>
+                          <a:schemeClr val="tx1"/>
+                        </a:solidFill>
+                        <a:latin typeface="+mj-ea"/>
+                        <a:ea typeface="+mj-ea"/>
+                      </a:endParaRPr>
+                    </a:p>
+                  </a:txBody>
+                  <a:tcPr marT="72000" marB="72000" anchor="ctr">
+                    <a:lnL w="3175" cap="flat" cmpd="sng" algn="ctr">
+                      <a:solidFill>
+                        <a:schemeClr val="tx1"/>
+                      </a:solidFill>
+                      <a:prstDash val="solid"/>
+                      <a:round/>
+                      <a:headEnd type="none" w="med" len="med"/>
+                      <a:tailEnd type="none" w="med" len="med"/>
+                    </a:lnL>
+                    <a:lnR w="3175" cap="flat" cmpd="sng" algn="ctr">
+                      <a:solidFill>
+                        <a:schemeClr val="tx1"/>
+                      </a:solidFill>
+                      <a:prstDash val="solid"/>
+                      <a:round/>
+                      <a:headEnd type="none" w="med" len="med"/>
+                      <a:tailEnd type="none" w="med" len="med"/>
+                    </a:lnR>
+                    <a:lnT w="3175" cap="flat" cmpd="sng" algn="ctr">
+                      <a:solidFill>
+                        <a:schemeClr val="tx1"/>
+                      </a:solidFill>
+                      <a:prstDash val="solid"/>
+                      <a:round/>
+                      <a:headEnd type="none" w="med" len="med"/>
+                      <a:tailEnd type="none" w="med" len="med"/>
+                    </a:lnT>
+                    <a:lnB w="3175" cap="flat" cmpd="sng" algn="ctr">
+                      <a:solidFill>
+                        <a:schemeClr val="tx1"/>
+                      </a:solidFill>
+                      <a:prstDash val="solid"/>
+                      <a:round/>
+                      <a:headEnd type="none" w="med" len="med"/>
+                      <a:tailEnd type="none" w="med" len="med"/>
+                    </a:lnB>
+                    <a:solidFill>
+                      <a:schemeClr val="bg1">
+                        <a:lumMod val="95000"/>
+                      </a:schemeClr>
+                    </a:solidFill>
+                  </a:tcPr>
+                </a:tc>
+                <a:tc>
+                  <a:txBody>
+                    <a:bodyPr/>
+                    <a:lstStyle/>
+                    <a:p>
+                      <a:pPr latinLnBrk="1"/>
+                      <a:endParaRPr lang="ko-KR" altLang="en-US" sz="800" b="0">
+                        <a:solidFill>
+                          <a:schemeClr val="tx1"/>
+                        </a:solidFill>
+                        <a:latin typeface="+mj-ea"/>
+                        <a:ea typeface="+mj-ea"/>
+                      </a:endParaRPr>
+                    </a:p>
+                  </a:txBody>
+                  <a:tcPr marT="72000" marB="72000">
+                    <a:lnL w="3175" cap="flat" cmpd="sng" algn="ctr">
+                      <a:solidFill>
+                        <a:schemeClr val="tx1"/>
+                      </a:solidFill>
+                      <a:prstDash val="solid"/>
+                      <a:round/>
+                      <a:headEnd type="none" w="med" len="med"/>
+                      <a:tailEnd type="none" w="med" len="med"/>
+                    </a:lnL>
+                    <a:lnR w="3175" cap="flat" cmpd="sng" algn="ctr">
+                      <a:solidFill>
+                        <a:schemeClr val="tx1"/>
+                      </a:solidFill>
+                      <a:prstDash val="solid"/>
+                      <a:round/>
+                      <a:headEnd type="none" w="med" len="med"/>
+                      <a:tailEnd type="none" w="med" len="med"/>
+                    </a:lnR>
+                    <a:lnT w="3175" cap="flat" cmpd="sng" algn="ctr">
+                      <a:solidFill>
+                        <a:schemeClr val="tx1"/>
+                      </a:solidFill>
+                      <a:prstDash val="solid"/>
+                      <a:round/>
+                      <a:headEnd type="none" w="med" len="med"/>
+                      <a:tailEnd type="none" w="med" len="med"/>
+                    </a:lnT>
+                    <a:lnB w="3175" cap="flat" cmpd="sng" algn="ctr">
+                      <a:solidFill>
+                        <a:schemeClr val="tx1"/>
+                      </a:solidFill>
+                      <a:prstDash val="solid"/>
+                      <a:round/>
+                      <a:headEnd type="none" w="med" len="med"/>
+                      <a:tailEnd type="none" w="med" len="med"/>
+                    </a:lnB>
+                    <a:solidFill>
+                      <a:schemeClr val="bg1"/>
+                    </a:solidFill>
+                  </a:tcPr>
+                </a:tc>
+              </a:tr>
+              <a:tr h="0">
+                <a:tc>
+                  <a:txBody>
+                    <a:bodyPr/>
+                    <a:lstStyle/>
+                    <a:p>
+                      <a:pPr latinLnBrk="1"/>
+                      <a:endParaRPr lang="ko-KR" altLang="en-US" sz="800" b="0">
+                        <a:solidFill>
+                          <a:schemeClr val="tx1"/>
+                        </a:solidFill>
+                        <a:latin typeface="+mj-ea"/>
+                        <a:ea typeface="+mj-ea"/>
+                      </a:endParaRPr>
+                    </a:p>
+                  </a:txBody>
+                  <a:tcPr marT="72000" marB="72000" anchor="ctr">
+                    <a:lnL w="3175" cap="flat" cmpd="sng" algn="ctr">
+                      <a:solidFill>
+                        <a:schemeClr val="tx1"/>
+                      </a:solidFill>
+                      <a:prstDash val="solid"/>
+                      <a:round/>
+                      <a:headEnd type="none" w="med" len="med"/>
+                      <a:tailEnd type="none" w="med" len="med"/>
+                    </a:lnL>
+                    <a:lnR w="3175" cap="flat" cmpd="sng" algn="ctr">
+                      <a:solidFill>
+                        <a:schemeClr val="tx1"/>
+                      </a:solidFill>
+                      <a:prstDash val="solid"/>
+                      <a:round/>
+                      <a:headEnd type="none" w="med" len="med"/>
+                      <a:tailEnd type="none" w="med" len="med"/>
+                    </a:lnR>
+                    <a:lnT w="3175" cap="flat" cmpd="sng" algn="ctr">
+                      <a:solidFill>
+                        <a:schemeClr val="tx1"/>
+                      </a:solidFill>
+                      <a:prstDash val="solid"/>
+                      <a:round/>
+                      <a:headEnd type="none" w="med" len="med"/>
+                      <a:tailEnd type="none" w="med" len="med"/>
+                    </a:lnT>
+                    <a:lnB w="3175" cap="flat" cmpd="sng" algn="ctr">
+                      <a:solidFill>
+                        <a:schemeClr val="tx1"/>
+                      </a:solidFill>
+                      <a:prstDash val="solid"/>
+                      <a:round/>
+                      <a:headEnd type="none" w="med" len="med"/>
+                      <a:tailEnd type="none" w="med" len="med"/>
+                    </a:lnB>
+                    <a:solidFill>
+                      <a:schemeClr val="bg1">
+                        <a:lumMod val="95000"/>
+                      </a:schemeClr>
+                    </a:solidFill>
+                  </a:tcPr>
+                </a:tc>
+                <a:tc>
+                  <a:txBody>
+                    <a:bodyPr/>
+                    <a:lstStyle/>
+                    <a:p>
+                      <a:pPr latinLnBrk="1"/>
+                      <a:endParaRPr lang="ko-KR" altLang="en-US" sz="800" b="0">
+                        <a:solidFill>
+                          <a:schemeClr val="tx1"/>
+                        </a:solidFill>
+                        <a:latin typeface="+mj-ea"/>
+                        <a:ea typeface="+mj-ea"/>
+                      </a:endParaRPr>
+                    </a:p>
+                  </a:txBody>
+                  <a:tcPr marT="72000" marB="72000">
+                    <a:lnL w="3175" cap="flat" cmpd="sng" algn="ctr">
+                      <a:solidFill>
+                        <a:schemeClr val="tx1"/>
+                      </a:solidFill>
+                      <a:prstDash val="solid"/>
+                      <a:round/>
+                      <a:headEnd type="none" w="med" len="med"/>
+                      <a:tailEnd type="none" w="med" len="med"/>
+                    </a:lnL>
+                    <a:lnR w="3175" cap="flat" cmpd="sng" algn="ctr">
+                      <a:solidFill>
+                        <a:schemeClr val="tx1"/>
+                      </a:solidFill>
+                      <a:prstDash val="solid"/>
+                      <a:round/>
+                      <a:headEnd type="none" w="med" len="med"/>
+                      <a:tailEnd type="none" w="med" len="med"/>
+                    </a:lnR>
+                    <a:lnT w="3175" cap="flat" cmpd="sng" algn="ctr">
+                      <a:solidFill>
+                        <a:schemeClr val="tx1"/>
+                      </a:solidFill>
+                      <a:prstDash val="solid"/>
+                      <a:round/>
+                      <a:headEnd type="none" w="med" len="med"/>
+                      <a:tailEnd type="none" w="med" len="med"/>
+                    </a:lnT>
+                    <a:lnB w="3175" cap="flat" cmpd="sng" algn="ctr">
+                      <a:solidFill>
+                        <a:schemeClr val="tx1"/>
+                      </a:solidFill>
+                      <a:prstDash val="solid"/>
+                      <a:round/>
+                      <a:headEnd type="none" w="med" len="med"/>
+                      <a:tailEnd type="none" w="med" len="med"/>
+                    </a:lnB>
+                    <a:solidFill>
+                      <a:schemeClr val="bg1"/>
+                    </a:solidFill>
+                  </a:tcPr>
+                </a:tc>
+              </a:tr>
+            </a:tbl>
+          </a:graphicData>
+        </a:graphic>
+      </p:graphicFrame>
+    </p:spTree>
+    <p:extLst>
+      <p:ext uri="{BB962C8B-B14F-4D97-AF65-F5344CB8AC3E}">
+        <p14:creationId xmlns:p14="http://schemas.microsoft.com/office/powerpoint/2010/main" val="319425532"/>
       </p:ext>
     </p:extLst>
   </p:cSld>
@@ -1582,7 +2968,7 @@
           <a:graphicData uri="http://schemas.openxmlformats.org/presentationml/2006/ole">
             <mc:AlternateContent xmlns:mc="http://schemas.openxmlformats.org/markup-compatibility/2006">
               <mc:Choice xmlns:v="urn:schemas-microsoft-com:vml" Requires="v">
-                <p:oleObj spid="_x0000_s4118" name="Image" r:id="rId5" imgW="8888760" imgH="7225200" progId="Photoshop.Image.16">
+                <p:oleObj spid="_x0000_s4136" name="Image" r:id="rId5" imgW="8888760" imgH="7225200" progId="Photoshop.Image.16">
                   <p:embed/>
                 </p:oleObj>
               </mc:Choice>
@@ -1729,7 +3115,7 @@
           <a:graphicData uri="http://schemas.openxmlformats.org/presentationml/2006/ole">
             <mc:AlternateContent xmlns:mc="http://schemas.openxmlformats.org/markup-compatibility/2006">
               <mc:Choice xmlns:v="urn:schemas-microsoft-com:vml" Requires="v">
-                <p:oleObj spid="_x0000_s5141" name="Image" r:id="rId3" imgW="7885440" imgH="5053680" progId="Photoshop.Image.16">
+                <p:oleObj spid="_x0000_s5159" name="Image" r:id="rId3" imgW="7885440" imgH="5053680" progId="Photoshop.Image.16">
                   <p:embed/>
                 </p:oleObj>
               </mc:Choice>
@@ -3611,7 +4997,7 @@
           <p:nvPr/>
         </p:nvPicPr>
         <p:blipFill>
-          <a:blip r:embed="rId2" cstate="print">
+          <a:blip r:embed="rId3" cstate="print">
             <a:extLst>
               <a:ext uri="{28A0092B-C50C-407E-A947-70E740481C1C}">
                 <a14:useLocalDpi xmlns:a14="http://schemas.microsoft.com/office/drawing/2010/main" val="0"/>
@@ -3744,52 +5130,6 @@
       </p:sp>
       <p:sp>
         <p:nvSpPr>
-          <p:cNvPr id="15" name="직사각형 14"/>
-          <p:cNvSpPr/>
-          <p:nvPr/>
-        </p:nvSpPr>
-        <p:spPr>
-          <a:xfrm>
-            <a:off x="4179095" y="2221707"/>
-            <a:ext cx="2507456" cy="2436019"/>
-          </a:xfrm>
-          <a:prstGeom prst="rect">
-            <a:avLst/>
-          </a:prstGeom>
-          <a:noFill/>
-          <a:ln w="12700">
-            <a:solidFill>
-              <a:srgbClr val="FF0000"/>
-            </a:solidFill>
-          </a:ln>
-        </p:spPr>
-        <p:style>
-          <a:lnRef idx="2">
-            <a:schemeClr val="accent1">
-              <a:shade val="50000"/>
-            </a:schemeClr>
-          </a:lnRef>
-          <a:fillRef idx="1">
-            <a:schemeClr val="accent1"/>
-          </a:fillRef>
-          <a:effectRef idx="0">
-            <a:schemeClr val="accent1"/>
-          </a:effectRef>
-          <a:fontRef idx="minor">
-            <a:schemeClr val="lt1"/>
-          </a:fontRef>
-        </p:style>
-        <p:txBody>
-          <a:bodyPr rtlCol="0" anchor="ctr"/>
-          <a:lstStyle/>
-          <a:p>
-            <a:pPr algn="ctr"/>
-            <a:endParaRPr lang="ko-KR" altLang="en-US"/>
-          </a:p>
-        </p:txBody>
-      </p:sp>
-      <p:sp>
-        <p:nvSpPr>
           <p:cNvPr id="18" name="직사각형 17"/>
           <p:cNvSpPr/>
           <p:nvPr/>
@@ -4063,204 +5403,6 @@
       </p:sp>
       <p:cxnSp>
         <p:nvCxnSpPr>
-          <p:cNvPr id="31" name="직선 화살표 연결선 30"/>
-          <p:cNvCxnSpPr/>
-          <p:nvPr/>
-        </p:nvCxnSpPr>
-        <p:spPr>
-          <a:xfrm>
-            <a:off x="6683437" y="2916922"/>
-            <a:ext cx="288863" cy="4872"/>
-          </a:xfrm>
-          <a:prstGeom prst="straightConnector1">
-            <a:avLst/>
-          </a:prstGeom>
-          <a:ln w="12700">
-            <a:solidFill>
-              <a:srgbClr val="FF0000"/>
-            </a:solidFill>
-            <a:tailEnd type="triangle"/>
-          </a:ln>
-        </p:spPr>
-        <p:style>
-          <a:lnRef idx="1">
-            <a:schemeClr val="accent1"/>
-          </a:lnRef>
-          <a:fillRef idx="0">
-            <a:schemeClr val="accent1"/>
-          </a:fillRef>
-          <a:effectRef idx="0">
-            <a:schemeClr val="accent1"/>
-          </a:effectRef>
-          <a:fontRef idx="minor">
-            <a:schemeClr val="tx1"/>
-          </a:fontRef>
-        </p:style>
-      </p:cxnSp>
-      <p:sp>
-        <p:nvSpPr>
-          <p:cNvPr id="33" name="TextBox 32"/>
-          <p:cNvSpPr txBox="1"/>
-          <p:nvPr/>
-        </p:nvSpPr>
-        <p:spPr>
-          <a:xfrm>
-            <a:off x="6995197" y="2809876"/>
-            <a:ext cx="1636835" cy="1615827"/>
-          </a:xfrm>
-          <a:prstGeom prst="rect">
-            <a:avLst/>
-          </a:prstGeom>
-          <a:noFill/>
-        </p:spPr>
-        <p:txBody>
-          <a:bodyPr wrap="square" rtlCol="0">
-            <a:spAutoFit/>
-          </a:bodyPr>
-          <a:lstStyle/>
-          <a:p>
-            <a:r>
-              <a:rPr lang="ko-KR" altLang="en-US" sz="900" b="1" smtClean="0">
-                <a:latin typeface="나눔고딕" panose="020D0604000000000000" pitchFamily="50" charset="-127"/>
-                <a:ea typeface="나눔고딕" panose="020D0604000000000000" pitchFamily="50" charset="-127"/>
-              </a:rPr>
-              <a:t>변경된 내용 보기</a:t>
-            </a:r>
-            <a:r>
-              <a:rPr lang="en-US" altLang="ko-KR" sz="900" b="1" smtClean="0">
-                <a:latin typeface="나눔고딕" panose="020D0604000000000000" pitchFamily="50" charset="-127"/>
-                <a:ea typeface="나눔고딕" panose="020D0604000000000000" pitchFamily="50" charset="-127"/>
-              </a:rPr>
-              <a:t/>
-            </a:r>
-            <a:br>
-              <a:rPr lang="en-US" altLang="ko-KR" sz="900" b="1" smtClean="0">
-                <a:latin typeface="나눔고딕" panose="020D0604000000000000" pitchFamily="50" charset="-127"/>
-                <a:ea typeface="나눔고딕" panose="020D0604000000000000" pitchFamily="50" charset="-127"/>
-              </a:rPr>
-            </a:br>
-            <a:r>
-              <a:rPr lang="en-US" altLang="ko-KR" sz="900" b="1" smtClean="0">
-                <a:latin typeface="나눔고딕" panose="020D0604000000000000" pitchFamily="50" charset="-127"/>
-                <a:ea typeface="나눔고딕" panose="020D0604000000000000" pitchFamily="50" charset="-127"/>
-              </a:rPr>
-              <a:t/>
-            </a:r>
-            <a:br>
-              <a:rPr lang="en-US" altLang="ko-KR" sz="900" b="1" smtClean="0">
-                <a:latin typeface="나눔고딕" panose="020D0604000000000000" pitchFamily="50" charset="-127"/>
-                <a:ea typeface="나눔고딕" panose="020D0604000000000000" pitchFamily="50" charset="-127"/>
-              </a:rPr>
-            </a:br>
-            <a:r>
-              <a:rPr lang="en-US" altLang="ko-KR" sz="900" b="1" smtClean="0">
-                <a:latin typeface="나눔고딕" panose="020D0604000000000000" pitchFamily="50" charset="-127"/>
-                <a:ea typeface="나눔고딕" panose="020D0604000000000000" pitchFamily="50" charset="-127"/>
-              </a:rPr>
-              <a:t>- CSS,HTML, Javascript,</a:t>
-            </a:r>
-          </a:p>
-          <a:p>
-            <a:r>
-              <a:rPr lang="en-US" altLang="ko-KR" sz="900" b="1" smtClean="0">
-                <a:latin typeface="나눔고딕" panose="020D0604000000000000" pitchFamily="50" charset="-127"/>
-                <a:ea typeface="나눔고딕" panose="020D0604000000000000" pitchFamily="50" charset="-127"/>
-              </a:rPr>
-              <a:t>C,C#,Java </a:t>
-            </a:r>
-            <a:r>
-              <a:rPr lang="ko-KR" altLang="en-US" sz="900" b="1" smtClean="0">
-                <a:latin typeface="나눔고딕" panose="020D0604000000000000" pitchFamily="50" charset="-127"/>
-                <a:ea typeface="나눔고딕" panose="020D0604000000000000" pitchFamily="50" charset="-127"/>
-              </a:rPr>
-              <a:t>등의 파일안에서 수정</a:t>
-            </a:r>
-            <a:r>
-              <a:rPr lang="en-US" altLang="ko-KR" sz="900" b="1" smtClean="0">
-                <a:latin typeface="나눔고딕" panose="020D0604000000000000" pitchFamily="50" charset="-127"/>
-                <a:ea typeface="나눔고딕" panose="020D0604000000000000" pitchFamily="50" charset="-127"/>
-              </a:rPr>
-              <a:t>,</a:t>
-            </a:r>
-            <a:r>
-              <a:rPr lang="ko-KR" altLang="en-US" sz="900" b="1" smtClean="0">
-                <a:latin typeface="나눔고딕" panose="020D0604000000000000" pitchFamily="50" charset="-127"/>
-                <a:ea typeface="나눔고딕" panose="020D0604000000000000" pitchFamily="50" charset="-127"/>
-              </a:rPr>
-              <a:t>삭제</a:t>
-            </a:r>
-            <a:r>
-              <a:rPr lang="en-US" altLang="ko-KR" sz="900" b="1" smtClean="0">
-                <a:latin typeface="나눔고딕" panose="020D0604000000000000" pitchFamily="50" charset="-127"/>
-                <a:ea typeface="나눔고딕" panose="020D0604000000000000" pitchFamily="50" charset="-127"/>
-              </a:rPr>
-              <a:t>,</a:t>
-            </a:r>
-            <a:r>
-              <a:rPr lang="ko-KR" altLang="en-US" sz="900" b="1" smtClean="0">
-                <a:latin typeface="나눔고딕" panose="020D0604000000000000" pitchFamily="50" charset="-127"/>
-                <a:ea typeface="나눔고딕" panose="020D0604000000000000" pitchFamily="50" charset="-127"/>
-              </a:rPr>
-              <a:t>추가된 내용을 확인할 수 있다</a:t>
-            </a:r>
-            <a:r>
-              <a:rPr lang="en-US" altLang="ko-KR" sz="900" b="1" smtClean="0">
-                <a:latin typeface="나눔고딕" panose="020D0604000000000000" pitchFamily="50" charset="-127"/>
-                <a:ea typeface="나눔고딕" panose="020D0604000000000000" pitchFamily="50" charset="-127"/>
-              </a:rPr>
-              <a:t>.</a:t>
-            </a:r>
-          </a:p>
-          <a:p>
-            <a:r>
-              <a:rPr lang="en-US" altLang="ko-KR" sz="900" b="1" smtClean="0">
-                <a:latin typeface="나눔고딕" panose="020D0604000000000000" pitchFamily="50" charset="-127"/>
-                <a:ea typeface="나눔고딕" panose="020D0604000000000000" pitchFamily="50" charset="-127"/>
-              </a:rPr>
-              <a:t/>
-            </a:r>
-            <a:br>
-              <a:rPr lang="en-US" altLang="ko-KR" sz="900" b="1" smtClean="0">
-                <a:latin typeface="나눔고딕" panose="020D0604000000000000" pitchFamily="50" charset="-127"/>
-                <a:ea typeface="나눔고딕" panose="020D0604000000000000" pitchFamily="50" charset="-127"/>
-              </a:rPr>
-            </a:br>
-            <a:r>
-              <a:rPr lang="en-US" altLang="ko-KR" sz="900" b="1" smtClean="0">
-                <a:latin typeface="나눔고딕" panose="020D0604000000000000" pitchFamily="50" charset="-127"/>
-                <a:ea typeface="나눔고딕" panose="020D0604000000000000" pitchFamily="50" charset="-127"/>
-              </a:rPr>
-              <a:t>-PPT,DOC,PSD,AI </a:t>
-            </a:r>
-            <a:r>
-              <a:rPr lang="ko-KR" altLang="en-US" sz="900" b="1" smtClean="0">
-                <a:latin typeface="나눔고딕" panose="020D0604000000000000" pitchFamily="50" charset="-127"/>
-                <a:ea typeface="나눔고딕" panose="020D0604000000000000" pitchFamily="50" charset="-127"/>
-              </a:rPr>
-              <a:t>등 특정 프로그램을 위한 바이너리 파일의 변경사항은 볼 수 없다</a:t>
-            </a:r>
-            <a:r>
-              <a:rPr lang="en-US" altLang="ko-KR" sz="900" b="1" smtClean="0">
-                <a:latin typeface="나눔고딕" panose="020D0604000000000000" pitchFamily="50" charset="-127"/>
-                <a:ea typeface="나눔고딕" panose="020D0604000000000000" pitchFamily="50" charset="-127"/>
-              </a:rPr>
-              <a:t>.</a:t>
-            </a:r>
-            <a:br>
-              <a:rPr lang="en-US" altLang="ko-KR" sz="900" b="1" smtClean="0">
-                <a:latin typeface="나눔고딕" panose="020D0604000000000000" pitchFamily="50" charset="-127"/>
-                <a:ea typeface="나눔고딕" panose="020D0604000000000000" pitchFamily="50" charset="-127"/>
-              </a:rPr>
-            </a:br>
-            <a:endParaRPr lang="ko-KR" altLang="en-US" sz="900" b="1">
-              <a:latin typeface="나눔고딕" panose="020D0604000000000000" pitchFamily="50" charset="-127"/>
-              <a:ea typeface="나눔고딕" panose="020D0604000000000000" pitchFamily="50" charset="-127"/>
-            </a:endParaRPr>
-          </a:p>
-        </p:txBody>
-      </p:sp>
-      <p:cxnSp>
-        <p:nvCxnSpPr>
           <p:cNvPr id="34" name="직선 화살표 연결선 33"/>
           <p:cNvCxnSpPr/>
           <p:nvPr/>
@@ -4405,9 +5547,9 @@
           <p:nvPr/>
         </p:nvCxnSpPr>
         <p:spPr>
-          <a:xfrm>
-            <a:off x="6272213" y="2443163"/>
-            <a:ext cx="21431" cy="2528887"/>
+          <a:xfrm flipH="1">
+            <a:off x="5750719" y="2443163"/>
+            <a:ext cx="521494" cy="1314450"/>
           </a:xfrm>
           <a:prstGeom prst="straightConnector1">
             <a:avLst/>
@@ -4442,8 +5584,8 @@
         </p:nvSpPr>
         <p:spPr>
           <a:xfrm>
-            <a:off x="5535490" y="5022058"/>
-            <a:ext cx="2058317" cy="369332"/>
+            <a:off x="5036344" y="3814764"/>
+            <a:ext cx="1507332" cy="369332"/>
           </a:xfrm>
           <a:prstGeom prst="rect">
             <a:avLst/>
@@ -4487,6 +5629,333 @@
               <a:t>.</a:t>
             </a:r>
             <a:endParaRPr lang="ko-KR" altLang="en-US" sz="900" b="1">
+              <a:solidFill>
+                <a:srgbClr val="C00000"/>
+              </a:solidFill>
+              <a:latin typeface="나눔고딕" panose="020D0604000000000000" pitchFamily="50" charset="-127"/>
+              <a:ea typeface="나눔고딕" panose="020D0604000000000000" pitchFamily="50" charset="-127"/>
+            </a:endParaRPr>
+          </a:p>
+        </p:txBody>
+      </p:sp>
+      <p:pic>
+        <p:nvPicPr>
+          <p:cNvPr id="26" name="그림 25"/>
+          <p:cNvPicPr>
+            <a:picLocks noChangeAspect="1"/>
+          </p:cNvPicPr>
+          <p:nvPr/>
+        </p:nvPicPr>
+        <p:blipFill rotWithShape="1">
+          <a:blip r:embed="rId3" cstate="print">
+            <a:extLst>
+              <a:ext uri="{28A0092B-C50C-407E-A947-70E740481C1C}">
+                <a14:useLocalDpi xmlns:a14="http://schemas.microsoft.com/office/drawing/2010/main" val="0"/>
+              </a:ext>
+            </a:extLst>
+          </a:blip>
+          <a:srcRect l="92569" t="7764" b="86300"/>
+          <a:stretch/>
+        </p:blipFill>
+        <p:spPr>
+          <a:xfrm>
+            <a:off x="4643436" y="5236370"/>
+            <a:ext cx="1141527" cy="618332"/>
+          </a:xfrm>
+          <a:prstGeom prst="rect">
+            <a:avLst/>
+          </a:prstGeom>
+          <a:ln w="6350">
+            <a:solidFill>
+              <a:schemeClr val="bg1">
+                <a:lumMod val="65000"/>
+              </a:schemeClr>
+            </a:solidFill>
+          </a:ln>
+        </p:spPr>
+      </p:pic>
+      <p:sp>
+        <p:nvSpPr>
+          <p:cNvPr id="27" name="TextBox 26"/>
+          <p:cNvSpPr txBox="1"/>
+          <p:nvPr/>
+        </p:nvSpPr>
+        <p:spPr>
+          <a:xfrm>
+            <a:off x="2042196" y="5179223"/>
+            <a:ext cx="2194048" cy="830997"/>
+          </a:xfrm>
+          <a:prstGeom prst="rect">
+            <a:avLst/>
+          </a:prstGeom>
+          <a:noFill/>
+        </p:spPr>
+        <p:txBody>
+          <a:bodyPr wrap="square" rtlCol="0">
+            <a:spAutoFit/>
+          </a:bodyPr>
+          <a:lstStyle/>
+          <a:p>
+            <a:r>
+              <a:rPr lang="ko-KR" altLang="en-US" sz="1200" b="1" smtClean="0">
+                <a:solidFill>
+                  <a:srgbClr val="C00000"/>
+                </a:solidFill>
+                <a:latin typeface="나눔고딕" panose="020D0604000000000000" pitchFamily="50" charset="-127"/>
+                <a:ea typeface="나눔고딕" panose="020D0604000000000000" pitchFamily="50" charset="-127"/>
+              </a:rPr>
+              <a:t>로컬 저장소에서 작업이 완료되어 원격저장소</a:t>
+            </a:r>
+            <a:r>
+              <a:rPr lang="en-US" altLang="ko-KR" sz="1200" b="1" smtClean="0">
+                <a:solidFill>
+                  <a:srgbClr val="C00000"/>
+                </a:solidFill>
+                <a:latin typeface="나눔고딕" panose="020D0604000000000000" pitchFamily="50" charset="-127"/>
+                <a:ea typeface="나눔고딕" panose="020D0604000000000000" pitchFamily="50" charset="-127"/>
+              </a:rPr>
+              <a:t>(Github site)</a:t>
+            </a:r>
+            <a:r>
+              <a:rPr lang="ko-KR" altLang="en-US" sz="1200" b="1" smtClean="0">
+                <a:solidFill>
+                  <a:srgbClr val="C00000"/>
+                </a:solidFill>
+                <a:latin typeface="나눔고딕" panose="020D0604000000000000" pitchFamily="50" charset="-127"/>
+                <a:ea typeface="나눔고딕" panose="020D0604000000000000" pitchFamily="50" charset="-127"/>
+              </a:rPr>
+              <a:t>로 올릴 준비가 되면 </a:t>
+            </a:r>
+            <a:r>
+              <a:rPr lang="en-US" altLang="ko-KR" sz="1200" b="1" smtClean="0">
+                <a:solidFill>
+                  <a:srgbClr val="C00000"/>
+                </a:solidFill>
+                <a:latin typeface="나눔고딕" panose="020D0604000000000000" pitchFamily="50" charset="-127"/>
+                <a:ea typeface="나눔고딕" panose="020D0604000000000000" pitchFamily="50" charset="-127"/>
+              </a:rPr>
+              <a:t>Publish </a:t>
+            </a:r>
+            <a:r>
+              <a:rPr lang="ko-KR" altLang="en-US" sz="1200" b="1" smtClean="0">
+                <a:solidFill>
+                  <a:srgbClr val="C00000"/>
+                </a:solidFill>
+                <a:latin typeface="나눔고딕" panose="020D0604000000000000" pitchFamily="50" charset="-127"/>
+                <a:ea typeface="나눔고딕" panose="020D0604000000000000" pitchFamily="50" charset="-127"/>
+              </a:rPr>
+              <a:t>버튼을 클릭한다</a:t>
+            </a:r>
+            <a:r>
+              <a:rPr lang="en-US" altLang="ko-KR" sz="1200" b="1" smtClean="0">
+                <a:solidFill>
+                  <a:srgbClr val="C00000"/>
+                </a:solidFill>
+                <a:latin typeface="나눔고딕" panose="020D0604000000000000" pitchFamily="50" charset="-127"/>
+                <a:ea typeface="나눔고딕" panose="020D0604000000000000" pitchFamily="50" charset="-127"/>
+              </a:rPr>
+              <a:t>.</a:t>
+            </a:r>
+            <a:endParaRPr lang="ko-KR" altLang="en-US" sz="1200" b="1">
+              <a:solidFill>
+                <a:srgbClr val="C00000"/>
+              </a:solidFill>
+              <a:latin typeface="나눔고딕" panose="020D0604000000000000" pitchFamily="50" charset="-127"/>
+              <a:ea typeface="나눔고딕" panose="020D0604000000000000" pitchFamily="50" charset="-127"/>
+            </a:endParaRPr>
+          </a:p>
+        </p:txBody>
+      </p:sp>
+      <p:graphicFrame>
+        <p:nvGraphicFramePr>
+          <p:cNvPr id="28" name="개체 27"/>
+          <p:cNvGraphicFramePr>
+            <a:graphicFrameLocks noChangeAspect="1"/>
+          </p:cNvGraphicFramePr>
+          <p:nvPr>
+            <p:extLst>
+              <p:ext uri="{D42A27DB-BD31-4B8C-83A1-F6EECF244321}">
+                <p14:modId xmlns:p14="http://schemas.microsoft.com/office/powerpoint/2010/main" val="2414584918"/>
+              </p:ext>
+            </p:extLst>
+          </p:nvPr>
+        </p:nvGraphicFramePr>
+        <p:xfrm>
+          <a:off x="708025" y="5232402"/>
+          <a:ext cx="1270000" cy="622300"/>
+        </p:xfrm>
+        <a:graphic>
+          <a:graphicData uri="http://schemas.openxmlformats.org/presentationml/2006/ole">
+            <mc:AlternateContent xmlns:mc="http://schemas.openxmlformats.org/markup-compatibility/2006">
+              <mc:Choice xmlns:v="urn:schemas-microsoft-com:vml" Requires="v">
+                <p:oleObj spid="_x0000_s7182" name="Image" r:id="rId4" imgW="1269720" imgH="622080" progId="Photoshop.Image.16">
+                  <p:embed/>
+                </p:oleObj>
+              </mc:Choice>
+              <mc:Fallback>
+                <p:oleObj name="Image" r:id="rId4" imgW="1269720" imgH="622080" progId="Photoshop.Image.16">
+                  <p:embed/>
+                  <p:pic>
+                    <p:nvPicPr>
+                      <p:cNvPr id="0" name=""/>
+                      <p:cNvPicPr/>
+                      <p:nvPr/>
+                    </p:nvPicPr>
+                    <p:blipFill>
+                      <a:blip r:embed="rId5"/>
+                      <a:stretch>
+                        <a:fillRect/>
+                      </a:stretch>
+                    </p:blipFill>
+                    <p:spPr>
+                      <a:xfrm>
+                        <a:off x="708025" y="5232402"/>
+                        <a:ext cx="1270000" cy="622300"/>
+                      </a:xfrm>
+                      <a:prstGeom prst="rect">
+                        <a:avLst/>
+                      </a:prstGeom>
+                    </p:spPr>
+                  </p:pic>
+                </p:oleObj>
+              </mc:Fallback>
+            </mc:AlternateContent>
+          </a:graphicData>
+        </a:graphic>
+      </p:graphicFrame>
+      <p:sp>
+        <p:nvSpPr>
+          <p:cNvPr id="29" name="TextBox 28"/>
+          <p:cNvSpPr txBox="1"/>
+          <p:nvPr/>
+        </p:nvSpPr>
+        <p:spPr>
+          <a:xfrm>
+            <a:off x="5878390" y="5160172"/>
+            <a:ext cx="2514599" cy="1015663"/>
+          </a:xfrm>
+          <a:prstGeom prst="rect">
+            <a:avLst/>
+          </a:prstGeom>
+          <a:noFill/>
+        </p:spPr>
+        <p:txBody>
+          <a:bodyPr wrap="square" rtlCol="0">
+            <a:spAutoFit/>
+          </a:bodyPr>
+          <a:lstStyle/>
+          <a:p>
+            <a:r>
+              <a:rPr lang="ko-KR" altLang="en-US" sz="1200" b="1" smtClean="0">
+                <a:solidFill>
+                  <a:srgbClr val="C00000"/>
+                </a:solidFill>
+                <a:latin typeface="나눔고딕" panose="020D0604000000000000" pitchFamily="50" charset="-127"/>
+                <a:ea typeface="나눔고딕" panose="020D0604000000000000" pitchFamily="50" charset="-127"/>
+              </a:rPr>
+              <a:t>원격저장소</a:t>
+            </a:r>
+            <a:r>
+              <a:rPr lang="ko-KR" altLang="en-US" sz="1200" b="1" smtClean="0">
+                <a:solidFill>
+                  <a:srgbClr val="C00000"/>
+                </a:solidFill>
+                <a:latin typeface="나눔고딕" panose="020D0604000000000000" pitchFamily="50" charset="-127"/>
+                <a:ea typeface="나눔고딕" panose="020D0604000000000000" pitchFamily="50" charset="-127"/>
+              </a:rPr>
+              <a:t>가 생성되면 </a:t>
+            </a:r>
+            <a:r>
+              <a:rPr lang="en-US" altLang="ko-KR" sz="1200" b="1" smtClean="0">
+                <a:solidFill>
+                  <a:srgbClr val="C00000"/>
+                </a:solidFill>
+                <a:latin typeface="나눔고딕" panose="020D0604000000000000" pitchFamily="50" charset="-127"/>
+                <a:ea typeface="나눔고딕" panose="020D0604000000000000" pitchFamily="50" charset="-127"/>
+              </a:rPr>
+              <a:t>Publish </a:t>
+            </a:r>
+            <a:r>
+              <a:rPr lang="ko-KR" altLang="en-US" sz="1200" b="1" smtClean="0">
+                <a:solidFill>
+                  <a:srgbClr val="C00000"/>
+                </a:solidFill>
+                <a:latin typeface="나눔고딕" panose="020D0604000000000000" pitchFamily="50" charset="-127"/>
+                <a:ea typeface="나눔고딕" panose="020D0604000000000000" pitchFamily="50" charset="-127"/>
+              </a:rPr>
+              <a:t>버튼은 </a:t>
+            </a:r>
+            <a:r>
+              <a:rPr lang="en-US" altLang="ko-KR" sz="1200" b="1" smtClean="0">
+                <a:solidFill>
+                  <a:srgbClr val="C00000"/>
+                </a:solidFill>
+                <a:latin typeface="나눔고딕" panose="020D0604000000000000" pitchFamily="50" charset="-127"/>
+                <a:ea typeface="나눔고딕" panose="020D0604000000000000" pitchFamily="50" charset="-127"/>
+              </a:rPr>
+              <a:t>Sync </a:t>
+            </a:r>
+            <a:r>
+              <a:rPr lang="ko-KR" altLang="en-US" sz="1200" b="1" smtClean="0">
+                <a:solidFill>
+                  <a:srgbClr val="C00000"/>
+                </a:solidFill>
+                <a:latin typeface="나눔고딕" panose="020D0604000000000000" pitchFamily="50" charset="-127"/>
+                <a:ea typeface="나눔고딕" panose="020D0604000000000000" pitchFamily="50" charset="-127"/>
+              </a:rPr>
+              <a:t>버튼으로 변경된다</a:t>
+            </a:r>
+            <a:r>
+              <a:rPr lang="en-US" altLang="ko-KR" sz="1200" b="1" smtClean="0">
+                <a:solidFill>
+                  <a:srgbClr val="C00000"/>
+                </a:solidFill>
+                <a:latin typeface="나눔고딕" panose="020D0604000000000000" pitchFamily="50" charset="-127"/>
+                <a:ea typeface="나눔고딕" panose="020D0604000000000000" pitchFamily="50" charset="-127"/>
+              </a:rPr>
+              <a:t>. </a:t>
+            </a:r>
+            <a:r>
+              <a:rPr lang="ko-KR" altLang="en-US" sz="1200" b="1" smtClean="0">
+                <a:solidFill>
+                  <a:srgbClr val="C00000"/>
+                </a:solidFill>
+                <a:latin typeface="나눔고딕" panose="020D0604000000000000" pitchFamily="50" charset="-127"/>
+                <a:ea typeface="나눔고딕" panose="020D0604000000000000" pitchFamily="50" charset="-127"/>
+              </a:rPr>
+              <a:t>이후 로컬 저장소에서 파일을 변경하여 커밋되었으면 </a:t>
+            </a:r>
+            <a:r>
+              <a:rPr lang="en-US" altLang="ko-KR" sz="1200" b="1" smtClean="0">
+                <a:solidFill>
+                  <a:srgbClr val="C00000"/>
+                </a:solidFill>
+                <a:latin typeface="나눔고딕" panose="020D0604000000000000" pitchFamily="50" charset="-127"/>
+                <a:ea typeface="나눔고딕" panose="020D0604000000000000" pitchFamily="50" charset="-127"/>
+              </a:rPr>
+              <a:t>Sync </a:t>
+            </a:r>
+            <a:r>
+              <a:rPr lang="ko-KR" altLang="en-US" sz="1200" b="1" smtClean="0">
+                <a:solidFill>
+                  <a:srgbClr val="C00000"/>
+                </a:solidFill>
+                <a:latin typeface="나눔고딕" panose="020D0604000000000000" pitchFamily="50" charset="-127"/>
+                <a:ea typeface="나눔고딕" panose="020D0604000000000000" pitchFamily="50" charset="-127"/>
+              </a:rPr>
+              <a:t>버튼을 클릭하여 원격저장소와 동기화 시킬 수 있다</a:t>
+            </a:r>
+            <a:r>
+              <a:rPr lang="en-US" altLang="ko-KR" sz="1200" b="1" smtClean="0">
+                <a:solidFill>
+                  <a:srgbClr val="C00000"/>
+                </a:solidFill>
+                <a:latin typeface="나눔고딕" panose="020D0604000000000000" pitchFamily="50" charset="-127"/>
+                <a:ea typeface="나눔고딕" panose="020D0604000000000000" pitchFamily="50" charset="-127"/>
+              </a:rPr>
+              <a:t>.</a:t>
+            </a:r>
+            <a:endParaRPr lang="ko-KR" altLang="en-US" sz="1200" b="1">
               <a:solidFill>
                 <a:srgbClr val="C00000"/>
               </a:solidFill>
@@ -4535,27 +6004,23 @@
       </p:grpSpPr>
       <p:sp>
         <p:nvSpPr>
-          <p:cNvPr id="3" name="직사각형 2"/>
+          <p:cNvPr id="13" name="직사각형 12"/>
           <p:cNvSpPr/>
           <p:nvPr/>
         </p:nvSpPr>
         <p:spPr>
           <a:xfrm>
-            <a:off x="585788" y="1621631"/>
-            <a:ext cx="4257675" cy="4179093"/>
+            <a:off x="661505" y="1393031"/>
+            <a:ext cx="2598426" cy="4591050"/>
           </a:xfrm>
           <a:prstGeom prst="rect">
             <a:avLst/>
           </a:prstGeom>
           <a:solidFill>
-            <a:schemeClr val="bg1"/>
+            <a:srgbClr val="272822"/>
           </a:solidFill>
-          <a:ln w="6350">
-            <a:solidFill>
-              <a:schemeClr val="bg1">
-                <a:lumMod val="75000"/>
-              </a:schemeClr>
-            </a:solidFill>
+          <a:ln>
+            <a:noFill/>
           </a:ln>
         </p:spPr>
         <p:style>
@@ -4592,7 +6057,7 @@
         <p:spPr>
           <a:xfrm>
             <a:off x="332893" y="690180"/>
-            <a:ext cx="4223770" cy="265948"/>
+            <a:ext cx="5082070" cy="265948"/>
           </a:xfrm>
           <a:prstGeom prst="rect">
             <a:avLst/>
@@ -4610,14 +6075,21 @@
                 <a:latin typeface="+mj-ea"/>
                 <a:ea typeface="+mj-ea"/>
               </a:rPr>
-              <a:t>05- Git </a:t>
+              <a:t>05- </a:t>
+            </a:r>
+            <a:r>
+              <a:rPr lang="en-US" altLang="ko-KR" sz="1292" smtClean="0">
+                <a:latin typeface="+mj-ea"/>
+                <a:ea typeface="+mj-ea"/>
+              </a:rPr>
+              <a:t>Github </a:t>
             </a:r>
             <a:r>
               <a:rPr lang="ko-KR" altLang="en-US" sz="1292" smtClean="0">
                 <a:latin typeface="+mj-ea"/>
                 <a:ea typeface="+mj-ea"/>
               </a:rPr>
-              <a:t>기본개념 및 이해</a:t>
+              <a:t>원격저장소로 커밋하기</a:t>
             </a:r>
             <a:endParaRPr lang="ko-KR" altLang="en-US" sz="1292">
               <a:latin typeface="+mj-ea"/>
@@ -4626,11 +6098,54 @@
           </a:p>
         </p:txBody>
       </p:sp>
+      <p:sp>
+        <p:nvSpPr>
+          <p:cNvPr id="30" name="TextBox 29"/>
+          <p:cNvSpPr txBox="1"/>
+          <p:nvPr/>
+        </p:nvSpPr>
+        <p:spPr>
+          <a:xfrm>
+            <a:off x="3533622" y="1521235"/>
+            <a:ext cx="4026279" cy="313332"/>
+          </a:xfrm>
+          <a:prstGeom prst="rect">
+            <a:avLst/>
+          </a:prstGeom>
+          <a:noFill/>
+        </p:spPr>
+        <p:txBody>
+          <a:bodyPr wrap="square" lIns="33231" tIns="33231" rIns="33231" bIns="33231" rtlCol="0">
+            <a:spAutoFit/>
+          </a:bodyPr>
+          <a:lstStyle/>
+          <a:p>
+            <a:r>
+              <a:rPr lang="en-US" altLang="ko-KR" sz="1600" b="1" smtClean="0">
+                <a:latin typeface="나눔고딕" panose="020D0604000000000000" pitchFamily="50" charset="-127"/>
+                <a:ea typeface="나눔고딕" panose="020D0604000000000000" pitchFamily="50" charset="-127"/>
+              </a:rPr>
+              <a:t>Git </a:t>
+            </a:r>
+            <a:r>
+              <a:rPr lang="ko-KR" altLang="en-US" sz="1600" b="1" smtClean="0">
+                <a:latin typeface="나눔고딕" panose="020D0604000000000000" pitchFamily="50" charset="-127"/>
+                <a:ea typeface="나눔고딕" panose="020D0604000000000000" pitchFamily="50" charset="-127"/>
+              </a:rPr>
+              <a:t>저장소에서 제외시키기</a:t>
+            </a:r>
+            <a:endParaRPr lang="ko-KR" altLang="en-US" sz="1600" b="1">
+              <a:latin typeface="나눔고딕" panose="020D0604000000000000" pitchFamily="50" charset="-127"/>
+              <a:ea typeface="나눔고딕" panose="020D0604000000000000" pitchFamily="50" charset="-127"/>
+            </a:endParaRPr>
+          </a:p>
+        </p:txBody>
+      </p:sp>
       <p:pic>
         <p:nvPicPr>
-          <p:cNvPr id="8" name="Picture 2" descr="http://git-scm.com/figures/18333fig0106-tn.png"/>
+          <p:cNvPr id="12" name="그림 11"/>
           <p:cNvPicPr>
-            <a:picLocks noChangeAspect="1" noChangeArrowheads="1"/>
+            <a:picLocks noChangeAspect="1"/>
           </p:cNvPicPr>
           <p:nvPr/>
         </p:nvPicPr>
@@ -4642,54 +6157,30 @@
               </a:ext>
             </a:extLst>
           </a:blip>
-          <a:srcRect/>
           <a:stretch>
             <a:fillRect/>
           </a:stretch>
         </p:blipFill>
-        <p:spPr bwMode="auto">
-          <a:xfrm>
-            <a:off x="853593" y="1963201"/>
-            <a:ext cx="3696976" cy="3401218"/>
+        <p:spPr>
+          <a:xfrm>
+            <a:off x="945062" y="1393031"/>
+            <a:ext cx="2314869" cy="4591050"/>
           </a:xfrm>
           <a:prstGeom prst="rect">
             <a:avLst/>
           </a:prstGeom>
-          <a:noFill/>
-          <a:ln>
-            <a:noFill/>
-          </a:ln>
-          <a:extLst>
-            <a:ext uri="{909E8E84-426E-40DD-AFC4-6F175D3DCCD1}">
-              <a14:hiddenFill xmlns:a14="http://schemas.microsoft.com/office/drawing/2010/main">
-                <a:solidFill>
-                  <a:srgbClr val="FFFFFF"/>
-                </a:solidFill>
-              </a14:hiddenFill>
-            </a:ext>
-            <a:ext uri="{91240B29-F687-4F45-9708-019B960494DF}">
-              <a14:hiddenLine xmlns:a14="http://schemas.microsoft.com/office/drawing/2010/main" w="9525">
-                <a:solidFill>
-                  <a:srgbClr val="000000"/>
-                </a:solidFill>
-                <a:miter lim="800000"/>
-                <a:headEnd/>
-                <a:tailEnd/>
-              </a14:hiddenLine>
-            </a:ext>
-          </a:extLst>
         </p:spPr>
       </p:pic>
       <p:sp>
         <p:nvSpPr>
-          <p:cNvPr id="11" name="TextBox 10"/>
+          <p:cNvPr id="32" name="TextBox 31"/>
           <p:cNvSpPr txBox="1"/>
           <p:nvPr/>
         </p:nvSpPr>
         <p:spPr>
           <a:xfrm>
-            <a:off x="4993482" y="1709738"/>
-            <a:ext cx="3593306" cy="2677656"/>
+            <a:off x="3490760" y="1881187"/>
+            <a:ext cx="4681690" cy="1700466"/>
           </a:xfrm>
           <a:prstGeom prst="rect">
             <a:avLst/>
@@ -4703,267 +6194,123 @@
           <a:lstStyle/>
           <a:p>
             <a:r>
-              <a:rPr lang="en-US" altLang="ko-KR" sz="1050"/>
-              <a:t>Git</a:t>
-            </a:r>
-            <a:r>
-              <a:rPr lang="ko-KR" altLang="en-US" sz="1050"/>
-              <a:t>은 파일을 </a:t>
-            </a:r>
-            <a:r>
-              <a:rPr lang="en-US" altLang="ko-KR" sz="1050"/>
-              <a:t>Committed, Modified, Staged </a:t>
-            </a:r>
-            <a:r>
-              <a:rPr lang="ko-KR" altLang="en-US" sz="1050"/>
-              <a:t>이렇게 세가지 상태로 </a:t>
-            </a:r>
-            <a:r>
-              <a:rPr lang="ko-KR" altLang="en-US" sz="1050"/>
-              <a:t>관리한다</a:t>
+              <a:rPr lang="en-US" altLang="ko-KR" sz="2400"/>
+              <a:t>.</a:t>
+            </a:r>
+            <a:r>
+              <a:rPr lang="en-US" altLang="ko-KR" sz="2400" smtClean="0"/>
+              <a:t>gitignore</a:t>
             </a:r>
             <a:r>
               <a:rPr lang="en-US" altLang="ko-KR" sz="1050" smtClean="0"/>
-              <a:t>.</a:t>
+              <a:t/>
             </a:r>
             <a:br>
               <a:rPr lang="en-US" altLang="ko-KR" sz="1050" smtClean="0"/>
             </a:br>
-            <a:endParaRPr lang="en-US" altLang="ko-KR" sz="1050"/>
-          </a:p>
-          <a:p>
-            <a:pPr marL="171450" indent="-171450">
-              <a:buFont typeface="Arial" panose="020B0604020202020204" pitchFamily="34" charset="0"/>
-              <a:buChar char="•"/>
-            </a:pPr>
-            <a:r>
-              <a:rPr lang="en-US" altLang="ko-KR" sz="1050">
+            <a:r>
+              <a:rPr lang="en-US" altLang="ko-KR" sz="1050" smtClean="0"/>
+              <a:t/>
+            </a:r>
+            <a:br>
+              <a:rPr lang="en-US" altLang="ko-KR" sz="1050" smtClean="0"/>
+            </a:br>
+            <a:r>
+              <a:rPr lang="en-US" altLang="ko-KR" sz="1400" smtClean="0">
                 <a:solidFill>
                   <a:srgbClr val="00B0F0"/>
                 </a:solidFill>
               </a:rPr>
-              <a:t>Commited</a:t>
-            </a:r>
-            <a:r>
-              <a:rPr lang="en-US" altLang="ko-KR" sz="1050"/>
-              <a:t> - </a:t>
-            </a:r>
-            <a:r>
-              <a:rPr lang="ko-KR" altLang="en-US" sz="1050"/>
-              <a:t>데이터가 로컬 저장소에 안전하게 저장됐다는 것을 의미한다</a:t>
-            </a:r>
-            <a:r>
-              <a:rPr lang="en-US" altLang="ko-KR" sz="1050"/>
-              <a:t>.</a:t>
-            </a:r>
-          </a:p>
-          <a:p>
-            <a:pPr marL="171450" indent="-171450">
-              <a:buFont typeface="Arial" panose="020B0604020202020204" pitchFamily="34" charset="0"/>
-              <a:buChar char="•"/>
-            </a:pPr>
-            <a:r>
-              <a:rPr lang="en-US" altLang="ko-KR" sz="1050">
+              <a:t>.gitignore </a:t>
+            </a:r>
+            <a:r>
+              <a:rPr lang="ko-KR" altLang="en-US" sz="1400" smtClean="0">
                 <a:solidFill>
                   <a:srgbClr val="00B0F0"/>
                 </a:solidFill>
               </a:rPr>
-              <a:t>Modified</a:t>
-            </a:r>
-            <a:r>
-              <a:rPr lang="en-US" altLang="ko-KR" sz="1050"/>
-              <a:t> - </a:t>
-            </a:r>
-            <a:r>
-              <a:rPr lang="ko-KR" altLang="en-US" sz="1050"/>
-              <a:t>수정한 파일을 아직 로컬 저장소에 커밋하지 않은 것을 말한다</a:t>
-            </a:r>
-            <a:r>
-              <a:rPr lang="en-US" altLang="ko-KR" sz="1050"/>
-              <a:t>.</a:t>
-            </a:r>
-          </a:p>
-          <a:p>
-            <a:pPr marL="171450" indent="-171450">
-              <a:buFont typeface="Arial" panose="020B0604020202020204" pitchFamily="34" charset="0"/>
-              <a:buChar char="•"/>
-            </a:pPr>
-            <a:r>
-              <a:rPr lang="en-US" altLang="ko-KR" sz="1050">
+              <a:t>파일을 생성하여 </a:t>
+            </a:r>
+            <a:r>
+              <a:rPr lang="en-US" altLang="ko-KR" sz="1400" smtClean="0">
                 <a:solidFill>
                   <a:srgbClr val="00B0F0"/>
                 </a:solidFill>
               </a:rPr>
-              <a:t>Staged</a:t>
-            </a:r>
-            <a:r>
-              <a:rPr lang="en-US" altLang="ko-KR" sz="1050"/>
-              <a:t> - </a:t>
-            </a:r>
-            <a:r>
-              <a:rPr lang="ko-KR" altLang="en-US" sz="1050"/>
-              <a:t>현재 수정한 파일을 곧 커밋할 것이라고 표시한 상태를 </a:t>
-            </a:r>
-            <a:r>
-              <a:rPr lang="ko-KR" altLang="en-US" sz="1050"/>
-              <a:t>의미한다</a:t>
+              <a:t>Git </a:t>
+            </a:r>
+            <a:r>
+              <a:rPr lang="ko-KR" altLang="en-US" sz="1400" smtClean="0">
+                <a:solidFill>
+                  <a:srgbClr val="00B0F0"/>
+                </a:solidFill>
+              </a:rPr>
+              <a:t>버전관리 대상에서 제외시키고자 하는 파일이나 디렉토리의 목록을 기재한다</a:t>
+            </a:r>
+            <a:r>
+              <a:rPr lang="en-US" altLang="ko-KR" sz="1400" smtClean="0">
+                <a:solidFill>
+                  <a:srgbClr val="00B0F0"/>
+                </a:solidFill>
+              </a:rPr>
+              <a:t>.</a:t>
+            </a:r>
+            <a:endParaRPr lang="en-US" altLang="ko-KR" sz="1050" smtClean="0">
+              <a:solidFill>
+                <a:srgbClr val="00B0F0"/>
+              </a:solidFill>
+            </a:endParaRPr>
+          </a:p>
+          <a:p>
+            <a:endParaRPr lang="en-US" altLang="ko-KR" sz="1050"/>
+          </a:p>
+          <a:p>
+            <a:r>
+              <a:rPr lang="ko-KR" altLang="en-US" sz="1050" smtClean="0"/>
+              <a:t>윈도우나 </a:t>
+            </a:r>
+            <a:r>
+              <a:rPr lang="en-US" altLang="ko-KR" sz="1050" smtClean="0"/>
+              <a:t>OSX </a:t>
+            </a:r>
+            <a:r>
+              <a:rPr lang="ko-KR" altLang="en-US" sz="1050" smtClean="0"/>
+              <a:t>등 </a:t>
+            </a:r>
+            <a:r>
+              <a:rPr lang="en-US" altLang="ko-KR" sz="1050" smtClean="0"/>
+              <a:t>OS</a:t>
+            </a:r>
+            <a:r>
+              <a:rPr lang="ko-KR" altLang="en-US" sz="1050" smtClean="0"/>
+              <a:t>가 자동생성하는 파일들은 </a:t>
+            </a:r>
+            <a:r>
+              <a:rPr lang="ko-KR" altLang="en-US" sz="1050" smtClean="0"/>
+              <a:t>일차적으로 제외시켜야 한다</a:t>
             </a:r>
             <a:r>
               <a:rPr lang="en-US" altLang="ko-KR" sz="1050" smtClean="0"/>
               <a:t>.</a:t>
             </a:r>
-            <a:br>
+          </a:p>
+          <a:p>
+            <a:r>
+              <a:rPr lang="ko-KR" altLang="en-US" sz="1050" smtClean="0"/>
+              <a:t>저장소안에서 버전관리가 필요없는 파일이나 디렉토리 명을 작성하여 버전관리 대상에서 제외시킬 수 있다</a:t>
+            </a:r>
+            <a:r>
               <a:rPr lang="en-US" altLang="ko-KR" sz="1050" smtClean="0"/>
-            </a:br>
+              <a:t>.</a:t>
+            </a:r>
             <a:endParaRPr lang="en-US" altLang="ko-KR" sz="1050"/>
-          </a:p>
-          <a:p>
-            <a:r>
-              <a:rPr lang="en-US" altLang="ko-KR" sz="1050"/>
-              <a:t>Git </a:t>
-            </a:r>
-            <a:r>
-              <a:rPr lang="ko-KR" altLang="en-US" sz="1050"/>
-              <a:t>디렉토리에 있는 파일들은 </a:t>
-            </a:r>
-            <a:r>
-              <a:rPr lang="en-US" altLang="ko-KR" sz="1050"/>
-              <a:t>Committed </a:t>
-            </a:r>
-            <a:r>
-              <a:rPr lang="ko-KR" altLang="en-US" sz="1050"/>
-              <a:t>상태이다</a:t>
-            </a:r>
-            <a:r>
-              <a:rPr lang="en-US" altLang="ko-KR" sz="1050"/>
-              <a:t>. </a:t>
-            </a:r>
-            <a:r>
-              <a:rPr lang="ko-KR" altLang="en-US" sz="1050"/>
-              <a:t>파일을 수정하고 </a:t>
-            </a:r>
-            <a:r>
-              <a:rPr lang="en-US" altLang="ko-KR" sz="1050"/>
-              <a:t>Staging Area</a:t>
-            </a:r>
-            <a:r>
-              <a:rPr lang="ko-KR" altLang="en-US" sz="1050"/>
-              <a:t>에 추가했다면 </a:t>
-            </a:r>
-            <a:r>
-              <a:rPr lang="en-US" altLang="ko-KR" sz="1050"/>
-              <a:t>Staged</a:t>
-            </a:r>
-            <a:r>
-              <a:rPr lang="ko-KR" altLang="en-US" sz="1050"/>
-              <a:t>이다</a:t>
-            </a:r>
-            <a:r>
-              <a:rPr lang="en-US" altLang="ko-KR" sz="1050"/>
-              <a:t>. </a:t>
-            </a:r>
-            <a:r>
-              <a:rPr lang="ko-KR" altLang="en-US" sz="1050"/>
-              <a:t>그리고 </a:t>
-            </a:r>
-            <a:r>
-              <a:rPr lang="en-US" altLang="ko-KR" sz="1050"/>
-              <a:t>Checkout</a:t>
-            </a:r>
-            <a:r>
-              <a:rPr lang="ko-KR" altLang="en-US" sz="1050"/>
-              <a:t>하고 나서 수정했지만</a:t>
-            </a:r>
-            <a:r>
-              <a:rPr lang="en-US" altLang="ko-KR" sz="1050"/>
-              <a:t>, </a:t>
-            </a:r>
-            <a:r>
-              <a:rPr lang="ko-KR" altLang="en-US" sz="1050"/>
-              <a:t>아직 </a:t>
-            </a:r>
-            <a:r>
-              <a:rPr lang="en-US" altLang="ko-KR" sz="1050"/>
-              <a:t>Staging Area</a:t>
-            </a:r>
-            <a:r>
-              <a:rPr lang="ko-KR" altLang="en-US" sz="1050"/>
-              <a:t>에 추가하지 않았다면 </a:t>
-            </a:r>
-            <a:r>
-              <a:rPr lang="en-US" altLang="ko-KR" sz="1050"/>
-              <a:t>Modified</a:t>
-            </a:r>
-            <a:r>
-              <a:rPr lang="ko-KR" altLang="en-US" sz="1050"/>
-              <a:t>이다</a:t>
-            </a:r>
-            <a:r>
-              <a:rPr lang="en-US" altLang="ko-KR" sz="1050"/>
-              <a:t>.</a:t>
-            </a:r>
-          </a:p>
-          <a:p>
-            <a:r>
-              <a:rPr lang="en-US" altLang="ko-KR" sz="1050" b="1" smtClean="0">
-                <a:latin typeface="나눔고딕" panose="020D0604000000000000" pitchFamily="50" charset="-127"/>
-                <a:ea typeface="나눔고딕" panose="020D0604000000000000" pitchFamily="50" charset="-127"/>
-              </a:rPr>
-              <a:t/>
-            </a:r>
-            <a:br>
-              <a:rPr lang="en-US" altLang="ko-KR" sz="1050" b="1" smtClean="0">
-                <a:latin typeface="나눔고딕" panose="020D0604000000000000" pitchFamily="50" charset="-127"/>
-                <a:ea typeface="나눔고딕" panose="020D0604000000000000" pitchFamily="50" charset="-127"/>
-              </a:rPr>
-            </a:br>
-            <a:endParaRPr lang="ko-KR" altLang="en-US" sz="1050" b="1">
-              <a:latin typeface="나눔고딕" panose="020D0604000000000000" pitchFamily="50" charset="-127"/>
-              <a:ea typeface="나눔고딕" panose="020D0604000000000000" pitchFamily="50" charset="-127"/>
-            </a:endParaRPr>
-          </a:p>
-        </p:txBody>
-      </p:sp>
-      <p:sp>
-        <p:nvSpPr>
-          <p:cNvPr id="12" name="TextBox 11"/>
-          <p:cNvSpPr txBox="1"/>
-          <p:nvPr/>
-        </p:nvSpPr>
-        <p:spPr>
-          <a:xfrm>
-            <a:off x="556730" y="1214055"/>
-            <a:ext cx="4223770" cy="313332"/>
-          </a:xfrm>
-          <a:prstGeom prst="rect">
-            <a:avLst/>
-          </a:prstGeom>
-          <a:noFill/>
-        </p:spPr>
-        <p:txBody>
-          <a:bodyPr wrap="square" lIns="33231" tIns="33231" rIns="33231" bIns="33231" rtlCol="0">
-            <a:spAutoFit/>
-          </a:bodyPr>
-          <a:lstStyle/>
-          <a:p>
-            <a:r>
-              <a:rPr lang="ko-KR" altLang="en-US" sz="1600" b="1" smtClean="0">
-                <a:latin typeface="나눔고딕" panose="020D0604000000000000" pitchFamily="50" charset="-127"/>
-                <a:ea typeface="나눔고딕" panose="020D0604000000000000" pitchFamily="50" charset="-127"/>
-              </a:rPr>
-              <a:t>작업흐름</a:t>
-            </a:r>
-            <a:endParaRPr lang="ko-KR" altLang="en-US" sz="1600" b="1">
-              <a:latin typeface="나눔고딕" panose="020D0604000000000000" pitchFamily="50" charset="-127"/>
-              <a:ea typeface="나눔고딕" panose="020D0604000000000000" pitchFamily="50" charset="-127"/>
-            </a:endParaRPr>
           </a:p>
         </p:txBody>
       </p:sp>
     </p:spTree>
     <p:extLst>
       <p:ext uri="{BB962C8B-B14F-4D97-AF65-F5344CB8AC3E}">
-        <p14:creationId xmlns:p14="http://schemas.microsoft.com/office/powerpoint/2010/main" val="4245770391"/>
+        <p14:creationId xmlns:p14="http://schemas.microsoft.com/office/powerpoint/2010/main" val="2285666607"/>
       </p:ext>
     </p:extLst>
   </p:cSld>
@@ -4999,7 +6346,57 @@
       </p:grpSpPr>
       <p:sp>
         <p:nvSpPr>
-          <p:cNvPr id="10" name="TextBox 9"/>
+          <p:cNvPr id="3" name="직사각형 2"/>
+          <p:cNvSpPr/>
+          <p:nvPr/>
+        </p:nvSpPr>
+        <p:spPr>
+          <a:xfrm>
+            <a:off x="585788" y="1564481"/>
+            <a:ext cx="4257675" cy="4179093"/>
+          </a:xfrm>
+          <a:prstGeom prst="rect">
+            <a:avLst/>
+          </a:prstGeom>
+          <a:solidFill>
+            <a:schemeClr val="bg1"/>
+          </a:solidFill>
+          <a:ln w="6350">
+            <a:solidFill>
+              <a:schemeClr val="bg1">
+                <a:lumMod val="75000"/>
+              </a:schemeClr>
+            </a:solidFill>
+          </a:ln>
+        </p:spPr>
+        <p:style>
+          <a:lnRef idx="2">
+            <a:schemeClr val="accent1">
+              <a:shade val="50000"/>
+            </a:schemeClr>
+          </a:lnRef>
+          <a:fillRef idx="1">
+            <a:schemeClr val="accent1"/>
+          </a:fillRef>
+          <a:effectRef idx="0">
+            <a:schemeClr val="accent1"/>
+          </a:effectRef>
+          <a:fontRef idx="minor">
+            <a:schemeClr val="lt1"/>
+          </a:fontRef>
+        </p:style>
+        <p:txBody>
+          <a:bodyPr rtlCol="0" anchor="ctr"/>
+          <a:lstStyle/>
+          <a:p>
+            <a:pPr algn="ctr"/>
+            <a:endParaRPr lang="ko-KR" altLang="en-US"/>
+          </a:p>
+        </p:txBody>
+      </p:sp>
+      <p:sp>
+        <p:nvSpPr>
+          <p:cNvPr id="4" name="TextBox 3"/>
           <p:cNvSpPr txBox="1"/>
           <p:nvPr/>
         </p:nvSpPr>
@@ -5024,14 +6421,14 @@
                 <a:latin typeface="+mj-ea"/>
                 <a:ea typeface="+mj-ea"/>
               </a:rPr>
-              <a:t>Git Bash - Bash Shell </a:t>
+              <a:t>05- Git </a:t>
             </a:r>
             <a:r>
               <a:rPr lang="ko-KR" altLang="en-US" sz="1292" smtClean="0">
                 <a:latin typeface="+mj-ea"/>
                 <a:ea typeface="+mj-ea"/>
               </a:rPr>
-              <a:t>기초 명령어</a:t>
+              <a:t>기본개념 및 이해</a:t>
             </a:r>
             <a:endParaRPr lang="ko-KR" altLang="en-US" sz="1292">
               <a:latin typeface="+mj-ea"/>
@@ -5040,1306 +6437,502 @@
           </a:p>
         </p:txBody>
       </p:sp>
-      <p:graphicFrame>
-        <p:nvGraphicFramePr>
-          <p:cNvPr id="2" name="표 1"/>
-          <p:cNvGraphicFramePr>
-            <a:graphicFrameLocks noGrp="1"/>
-          </p:cNvGraphicFramePr>
-          <p:nvPr>
-            <p:extLst>
-              <p:ext uri="{D42A27DB-BD31-4B8C-83A1-F6EECF244321}">
-                <p14:modId xmlns:p14="http://schemas.microsoft.com/office/powerpoint/2010/main" val="3739753875"/>
-              </p:ext>
-            </p:extLst>
-          </p:nvPr>
-        </p:nvGraphicFramePr>
-        <p:xfrm>
-          <a:off x="598140" y="1247823"/>
-          <a:ext cx="7878967" cy="2659200"/>
-        </p:xfrm>
-        <a:graphic>
-          <a:graphicData uri="http://schemas.openxmlformats.org/drawingml/2006/table">
-            <a:tbl>
-              <a:tblPr firstRow="1" bandRow="1">
-                <a:tableStyleId>{5C22544A-7EE6-4342-B048-85BDC9FD1C3A}</a:tableStyleId>
-              </a:tblPr>
-              <a:tblGrid>
-                <a:gridCol w="2605698"/>
-                <a:gridCol w="5273269"/>
-              </a:tblGrid>
-              <a:tr h="0">
-                <a:tc>
-                  <a:txBody>
-                    <a:bodyPr/>
-                    <a:lstStyle/>
-                    <a:p>
-                      <a:pPr latinLnBrk="1"/>
-                      <a:r>
-                        <a:rPr lang="en-US" altLang="ko-KR" sz="800" b="0" smtClean="0">
-                          <a:solidFill>
-                            <a:schemeClr val="tx1"/>
-                          </a:solidFill>
-                          <a:latin typeface="+mj-ea"/>
-                          <a:ea typeface="+mj-ea"/>
-                        </a:rPr>
-                        <a:t>ls</a:t>
-                      </a:r>
-                      <a:endParaRPr lang="ko-KR" altLang="en-US" sz="800" b="0">
-                        <a:solidFill>
-                          <a:schemeClr val="tx1"/>
-                        </a:solidFill>
-                        <a:latin typeface="+mj-ea"/>
-                        <a:ea typeface="+mj-ea"/>
-                      </a:endParaRPr>
-                    </a:p>
-                  </a:txBody>
-                  <a:tcPr marT="72000" marB="72000" anchor="ctr">
-                    <a:lnL w="3175" cap="flat" cmpd="sng" algn="ctr">
-                      <a:solidFill>
-                        <a:schemeClr val="tx1"/>
-                      </a:solidFill>
-                      <a:prstDash val="solid"/>
-                      <a:round/>
-                      <a:headEnd type="none" w="med" len="med"/>
-                      <a:tailEnd type="none" w="med" len="med"/>
-                    </a:lnL>
-                    <a:lnR w="3175" cap="flat" cmpd="sng" algn="ctr">
-                      <a:solidFill>
-                        <a:schemeClr val="tx1"/>
-                      </a:solidFill>
-                      <a:prstDash val="solid"/>
-                      <a:round/>
-                      <a:headEnd type="none" w="med" len="med"/>
-                      <a:tailEnd type="none" w="med" len="med"/>
-                    </a:lnR>
-                    <a:lnT w="3175" cap="flat" cmpd="sng" algn="ctr">
-                      <a:solidFill>
-                        <a:schemeClr val="tx1"/>
-                      </a:solidFill>
-                      <a:prstDash val="solid"/>
-                      <a:round/>
-                      <a:headEnd type="none" w="med" len="med"/>
-                      <a:tailEnd type="none" w="med" len="med"/>
-                    </a:lnT>
-                    <a:lnB w="3175" cap="flat" cmpd="sng" algn="ctr">
-                      <a:solidFill>
-                        <a:schemeClr val="tx1"/>
-                      </a:solidFill>
-                      <a:prstDash val="solid"/>
-                      <a:round/>
-                      <a:headEnd type="none" w="med" len="med"/>
-                      <a:tailEnd type="none" w="med" len="med"/>
-                    </a:lnB>
-                    <a:solidFill>
-                      <a:schemeClr val="bg1">
-                        <a:lumMod val="95000"/>
-                      </a:schemeClr>
-                    </a:solidFill>
-                  </a:tcPr>
-                </a:tc>
-                <a:tc>
-                  <a:txBody>
-                    <a:bodyPr/>
-                    <a:lstStyle/>
-                    <a:p>
-                      <a:pPr latinLnBrk="1"/>
-                      <a:r>
-                        <a:rPr lang="ko-KR" altLang="en-US" sz="800" b="0" smtClean="0">
-                          <a:solidFill>
-                            <a:schemeClr val="tx1"/>
-                          </a:solidFill>
-                          <a:latin typeface="+mj-ea"/>
-                          <a:ea typeface="+mj-ea"/>
-                        </a:rPr>
-                        <a:t>현재 디렉토리 내 내용 출력</a:t>
-                      </a:r>
-                      <a:endParaRPr lang="ko-KR" altLang="en-US" sz="800" b="0">
-                        <a:solidFill>
-                          <a:schemeClr val="tx1"/>
-                        </a:solidFill>
-                        <a:latin typeface="+mj-ea"/>
-                        <a:ea typeface="+mj-ea"/>
-                      </a:endParaRPr>
-                    </a:p>
-                  </a:txBody>
-                  <a:tcPr marT="72000" marB="72000">
-                    <a:lnL w="3175" cap="flat" cmpd="sng" algn="ctr">
-                      <a:solidFill>
-                        <a:schemeClr val="tx1"/>
-                      </a:solidFill>
-                      <a:prstDash val="solid"/>
-                      <a:round/>
-                      <a:headEnd type="none" w="med" len="med"/>
-                      <a:tailEnd type="none" w="med" len="med"/>
-                    </a:lnL>
-                    <a:lnR w="3175" cap="flat" cmpd="sng" algn="ctr">
-                      <a:solidFill>
-                        <a:schemeClr val="tx1"/>
-                      </a:solidFill>
-                      <a:prstDash val="solid"/>
-                      <a:round/>
-                      <a:headEnd type="none" w="med" len="med"/>
-                      <a:tailEnd type="none" w="med" len="med"/>
-                    </a:lnR>
-                    <a:lnT w="3175" cap="flat" cmpd="sng" algn="ctr">
-                      <a:solidFill>
-                        <a:schemeClr val="tx1"/>
-                      </a:solidFill>
-                      <a:prstDash val="solid"/>
-                      <a:round/>
-                      <a:headEnd type="none" w="med" len="med"/>
-                      <a:tailEnd type="none" w="med" len="med"/>
-                    </a:lnT>
-                    <a:lnB w="3175" cap="flat" cmpd="sng" algn="ctr">
-                      <a:solidFill>
-                        <a:schemeClr val="tx1"/>
-                      </a:solidFill>
-                      <a:prstDash val="solid"/>
-                      <a:round/>
-                      <a:headEnd type="none" w="med" len="med"/>
-                      <a:tailEnd type="none" w="med" len="med"/>
-                    </a:lnB>
-                    <a:solidFill>
-                      <a:schemeClr val="bg1"/>
-                    </a:solidFill>
-                  </a:tcPr>
-                </a:tc>
-              </a:tr>
-              <a:tr h="0">
-                <a:tc>
-                  <a:txBody>
-                    <a:bodyPr/>
-                    <a:lstStyle/>
-                    <a:p>
-                      <a:pPr latinLnBrk="1"/>
-                      <a:r>
-                        <a:rPr lang="en-US" altLang="ko-KR" sz="800" b="0" smtClean="0">
-                          <a:solidFill>
-                            <a:schemeClr val="tx1"/>
-                          </a:solidFill>
-                          <a:latin typeface="+mj-ea"/>
-                          <a:ea typeface="+mj-ea"/>
-                        </a:rPr>
-                        <a:t>mkdir </a:t>
-                      </a:r>
-                      <a:r>
-                        <a:rPr lang="en-US" altLang="ko-KR" sz="800" b="0" kern="1200" baseline="0" smtClean="0">
-                          <a:solidFill>
-                            <a:srgbClr val="00B0F0"/>
-                          </a:solidFill>
-                          <a:latin typeface="+mj-ea"/>
-                          <a:ea typeface="+mn-ea"/>
-                          <a:cs typeface="+mn-cs"/>
-                        </a:rPr>
-                        <a:t>directoryname</a:t>
-                      </a:r>
-                      <a:endParaRPr lang="ko-KR" altLang="en-US" sz="800" b="0">
-                        <a:solidFill>
-                          <a:schemeClr val="tx1"/>
-                        </a:solidFill>
-                        <a:latin typeface="+mj-ea"/>
-                        <a:ea typeface="+mj-ea"/>
-                      </a:endParaRPr>
-                    </a:p>
-                  </a:txBody>
-                  <a:tcPr marT="72000" marB="72000" anchor="ctr">
-                    <a:lnL w="3175" cap="flat" cmpd="sng" algn="ctr">
-                      <a:solidFill>
-                        <a:schemeClr val="tx1"/>
-                      </a:solidFill>
-                      <a:prstDash val="solid"/>
-                      <a:round/>
-                      <a:headEnd type="none" w="med" len="med"/>
-                      <a:tailEnd type="none" w="med" len="med"/>
-                    </a:lnL>
-                    <a:lnR w="3175" cap="flat" cmpd="sng" algn="ctr">
-                      <a:solidFill>
-                        <a:schemeClr val="tx1"/>
-                      </a:solidFill>
-                      <a:prstDash val="solid"/>
-                      <a:round/>
-                      <a:headEnd type="none" w="med" len="med"/>
-                      <a:tailEnd type="none" w="med" len="med"/>
-                    </a:lnR>
-                    <a:lnT w="3175" cap="flat" cmpd="sng" algn="ctr">
-                      <a:solidFill>
-                        <a:schemeClr val="tx1"/>
-                      </a:solidFill>
-                      <a:prstDash val="solid"/>
-                      <a:round/>
-                      <a:headEnd type="none" w="med" len="med"/>
-                      <a:tailEnd type="none" w="med" len="med"/>
-                    </a:lnT>
-                    <a:lnB w="3175" cap="flat" cmpd="sng" algn="ctr">
-                      <a:solidFill>
-                        <a:schemeClr val="tx1"/>
-                      </a:solidFill>
-                      <a:prstDash val="solid"/>
-                      <a:round/>
-                      <a:headEnd type="none" w="med" len="med"/>
-                      <a:tailEnd type="none" w="med" len="med"/>
-                    </a:lnB>
-                    <a:solidFill>
-                      <a:schemeClr val="bg1">
-                        <a:lumMod val="95000"/>
-                      </a:schemeClr>
-                    </a:solidFill>
-                  </a:tcPr>
-                </a:tc>
-                <a:tc>
-                  <a:txBody>
-                    <a:bodyPr/>
-                    <a:lstStyle/>
-                    <a:p>
-                      <a:pPr latinLnBrk="1"/>
-                      <a:r>
-                        <a:rPr lang="ko-KR" altLang="en-US" sz="800" b="0" smtClean="0">
-                          <a:solidFill>
-                            <a:schemeClr val="tx1"/>
-                          </a:solidFill>
-                          <a:latin typeface="+mj-ea"/>
-                          <a:ea typeface="+mj-ea"/>
-                        </a:rPr>
-                        <a:t>디렉토리 생성</a:t>
-                      </a:r>
-                      <a:endParaRPr lang="ko-KR" altLang="en-US" sz="800" b="0">
-                        <a:solidFill>
-                          <a:schemeClr val="tx1"/>
-                        </a:solidFill>
-                        <a:latin typeface="+mj-ea"/>
-                        <a:ea typeface="+mj-ea"/>
-                      </a:endParaRPr>
-                    </a:p>
-                  </a:txBody>
-                  <a:tcPr marT="72000" marB="72000">
-                    <a:lnL w="3175" cap="flat" cmpd="sng" algn="ctr">
-                      <a:solidFill>
-                        <a:schemeClr val="tx1"/>
-                      </a:solidFill>
-                      <a:prstDash val="solid"/>
-                      <a:round/>
-                      <a:headEnd type="none" w="med" len="med"/>
-                      <a:tailEnd type="none" w="med" len="med"/>
-                    </a:lnL>
-                    <a:lnR w="3175" cap="flat" cmpd="sng" algn="ctr">
-                      <a:solidFill>
-                        <a:schemeClr val="tx1"/>
-                      </a:solidFill>
-                      <a:prstDash val="solid"/>
-                      <a:round/>
-                      <a:headEnd type="none" w="med" len="med"/>
-                      <a:tailEnd type="none" w="med" len="med"/>
-                    </a:lnR>
-                    <a:lnT w="3175" cap="flat" cmpd="sng" algn="ctr">
-                      <a:solidFill>
-                        <a:schemeClr val="tx1"/>
-                      </a:solidFill>
-                      <a:prstDash val="solid"/>
-                      <a:round/>
-                      <a:headEnd type="none" w="med" len="med"/>
-                      <a:tailEnd type="none" w="med" len="med"/>
-                    </a:lnT>
-                    <a:lnB w="3175" cap="flat" cmpd="sng" algn="ctr">
-                      <a:solidFill>
-                        <a:schemeClr val="tx1"/>
-                      </a:solidFill>
-                      <a:prstDash val="solid"/>
-                      <a:round/>
-                      <a:headEnd type="none" w="med" len="med"/>
-                      <a:tailEnd type="none" w="med" len="med"/>
-                    </a:lnB>
-                    <a:solidFill>
-                      <a:schemeClr val="bg1"/>
-                    </a:solidFill>
-                  </a:tcPr>
-                </a:tc>
-              </a:tr>
-              <a:tr h="0">
-                <a:tc>
-                  <a:txBody>
-                    <a:bodyPr/>
-                    <a:lstStyle/>
-                    <a:p>
-                      <a:pPr latinLnBrk="1"/>
-                      <a:r>
-                        <a:rPr lang="en-US" altLang="ko-KR" sz="800" b="0" smtClean="0">
-                          <a:solidFill>
-                            <a:schemeClr val="tx1"/>
-                          </a:solidFill>
-                          <a:latin typeface="+mj-ea"/>
-                          <a:ea typeface="+mj-ea"/>
-                        </a:rPr>
-                        <a:t>rm -rf </a:t>
-                      </a:r>
-                      <a:r>
-                        <a:rPr lang="en-US" altLang="ko-KR" sz="800" b="0" kern="1200" baseline="0" smtClean="0">
-                          <a:solidFill>
-                            <a:srgbClr val="00B0F0"/>
-                          </a:solidFill>
-                          <a:latin typeface="+mj-ea"/>
-                          <a:ea typeface="+mn-ea"/>
-                          <a:cs typeface="+mn-cs"/>
-                        </a:rPr>
-                        <a:t>directoryname</a:t>
-                      </a:r>
-                      <a:endParaRPr lang="ko-KR" altLang="en-US" sz="800" b="0">
-                        <a:solidFill>
-                          <a:schemeClr val="tx1"/>
-                        </a:solidFill>
-                        <a:latin typeface="+mj-ea"/>
-                        <a:ea typeface="+mj-ea"/>
-                      </a:endParaRPr>
-                    </a:p>
-                  </a:txBody>
-                  <a:tcPr marT="72000" marB="72000" anchor="ctr">
-                    <a:lnL w="3175" cap="flat" cmpd="sng" algn="ctr">
-                      <a:solidFill>
-                        <a:schemeClr val="tx1"/>
-                      </a:solidFill>
-                      <a:prstDash val="solid"/>
-                      <a:round/>
-                      <a:headEnd type="none" w="med" len="med"/>
-                      <a:tailEnd type="none" w="med" len="med"/>
-                    </a:lnL>
-                    <a:lnR w="3175" cap="flat" cmpd="sng" algn="ctr">
-                      <a:solidFill>
-                        <a:schemeClr val="tx1"/>
-                      </a:solidFill>
-                      <a:prstDash val="solid"/>
-                      <a:round/>
-                      <a:headEnd type="none" w="med" len="med"/>
-                      <a:tailEnd type="none" w="med" len="med"/>
-                    </a:lnR>
-                    <a:lnT w="3175" cap="flat" cmpd="sng" algn="ctr">
-                      <a:solidFill>
-                        <a:schemeClr val="tx1"/>
-                      </a:solidFill>
-                      <a:prstDash val="solid"/>
-                      <a:round/>
-                      <a:headEnd type="none" w="med" len="med"/>
-                      <a:tailEnd type="none" w="med" len="med"/>
-                    </a:lnT>
-                    <a:lnB w="3175" cap="flat" cmpd="sng" algn="ctr">
-                      <a:solidFill>
-                        <a:schemeClr val="tx1"/>
-                      </a:solidFill>
-                      <a:prstDash val="solid"/>
-                      <a:round/>
-                      <a:headEnd type="none" w="med" len="med"/>
-                      <a:tailEnd type="none" w="med" len="med"/>
-                    </a:lnB>
-                    <a:solidFill>
-                      <a:schemeClr val="bg1">
-                        <a:lumMod val="95000"/>
-                      </a:schemeClr>
-                    </a:solidFill>
-                  </a:tcPr>
-                </a:tc>
-                <a:tc>
-                  <a:txBody>
-                    <a:bodyPr/>
-                    <a:lstStyle/>
-                    <a:p>
-                      <a:pPr latinLnBrk="1"/>
-                      <a:r>
-                        <a:rPr lang="ko-KR" altLang="en-US" sz="800" b="0" smtClean="0">
-                          <a:solidFill>
-                            <a:schemeClr val="tx1"/>
-                          </a:solidFill>
-                          <a:latin typeface="+mj-ea"/>
-                          <a:ea typeface="+mj-ea"/>
-                        </a:rPr>
-                        <a:t>디렉토리와 포함된 파일들을 모두 삭제</a:t>
-                      </a:r>
-                      <a:endParaRPr lang="ko-KR" altLang="en-US" sz="800" b="0">
-                        <a:solidFill>
-                          <a:schemeClr val="tx1"/>
-                        </a:solidFill>
-                        <a:latin typeface="+mj-ea"/>
-                        <a:ea typeface="+mj-ea"/>
-                      </a:endParaRPr>
-                    </a:p>
-                  </a:txBody>
-                  <a:tcPr marT="72000" marB="72000">
-                    <a:lnL w="3175" cap="flat" cmpd="sng" algn="ctr">
-                      <a:solidFill>
-                        <a:schemeClr val="tx1"/>
-                      </a:solidFill>
-                      <a:prstDash val="solid"/>
-                      <a:round/>
-                      <a:headEnd type="none" w="med" len="med"/>
-                      <a:tailEnd type="none" w="med" len="med"/>
-                    </a:lnL>
-                    <a:lnR w="3175" cap="flat" cmpd="sng" algn="ctr">
-                      <a:solidFill>
-                        <a:schemeClr val="tx1"/>
-                      </a:solidFill>
-                      <a:prstDash val="solid"/>
-                      <a:round/>
-                      <a:headEnd type="none" w="med" len="med"/>
-                      <a:tailEnd type="none" w="med" len="med"/>
-                    </a:lnR>
-                    <a:lnT w="3175" cap="flat" cmpd="sng" algn="ctr">
-                      <a:solidFill>
-                        <a:schemeClr val="tx1"/>
-                      </a:solidFill>
-                      <a:prstDash val="solid"/>
-                      <a:round/>
-                      <a:headEnd type="none" w="med" len="med"/>
-                      <a:tailEnd type="none" w="med" len="med"/>
-                    </a:lnT>
-                    <a:lnB w="3175" cap="flat" cmpd="sng" algn="ctr">
-                      <a:solidFill>
-                        <a:schemeClr val="tx1"/>
-                      </a:solidFill>
-                      <a:prstDash val="solid"/>
-                      <a:round/>
-                      <a:headEnd type="none" w="med" len="med"/>
-                      <a:tailEnd type="none" w="med" len="med"/>
-                    </a:lnB>
-                    <a:solidFill>
-                      <a:schemeClr val="bg1"/>
-                    </a:solidFill>
-                  </a:tcPr>
-                </a:tc>
-              </a:tr>
-              <a:tr h="0">
-                <a:tc>
-                  <a:txBody>
-                    <a:bodyPr/>
-                    <a:lstStyle/>
-                    <a:p>
-                      <a:pPr latinLnBrk="1"/>
-                      <a:endParaRPr lang="ko-KR" altLang="en-US" sz="800" b="0">
-                        <a:solidFill>
-                          <a:srgbClr val="00B0F0"/>
-                        </a:solidFill>
-                        <a:latin typeface="+mj-ea"/>
-                        <a:ea typeface="+mj-ea"/>
-                      </a:endParaRPr>
-                    </a:p>
-                  </a:txBody>
-                  <a:tcPr marT="72000" marB="72000" anchor="ctr">
-                    <a:lnL w="3175" cap="flat" cmpd="sng" algn="ctr">
-                      <a:solidFill>
-                        <a:schemeClr val="tx1"/>
-                      </a:solidFill>
-                      <a:prstDash val="solid"/>
-                      <a:round/>
-                      <a:headEnd type="none" w="med" len="med"/>
-                      <a:tailEnd type="none" w="med" len="med"/>
-                    </a:lnL>
-                    <a:lnR w="3175" cap="flat" cmpd="sng" algn="ctr">
-                      <a:solidFill>
-                        <a:schemeClr val="tx1"/>
-                      </a:solidFill>
-                      <a:prstDash val="solid"/>
-                      <a:round/>
-                      <a:headEnd type="none" w="med" len="med"/>
-                      <a:tailEnd type="none" w="med" len="med"/>
-                    </a:lnR>
-                    <a:lnT w="3175" cap="flat" cmpd="sng" algn="ctr">
-                      <a:solidFill>
-                        <a:schemeClr val="tx1"/>
-                      </a:solidFill>
-                      <a:prstDash val="solid"/>
-                      <a:round/>
-                      <a:headEnd type="none" w="med" len="med"/>
-                      <a:tailEnd type="none" w="med" len="med"/>
-                    </a:lnT>
-                    <a:lnB w="3175" cap="flat" cmpd="sng" algn="ctr">
-                      <a:solidFill>
-                        <a:schemeClr val="tx1"/>
-                      </a:solidFill>
-                      <a:prstDash val="solid"/>
-                      <a:round/>
-                      <a:headEnd type="none" w="med" len="med"/>
-                      <a:tailEnd type="none" w="med" len="med"/>
-                    </a:lnB>
-                    <a:solidFill>
-                      <a:schemeClr val="bg1">
-                        <a:lumMod val="95000"/>
-                      </a:schemeClr>
-                    </a:solidFill>
-                  </a:tcPr>
-                </a:tc>
-                <a:tc>
-                  <a:txBody>
-                    <a:bodyPr/>
-                    <a:lstStyle/>
-                    <a:p>
-                      <a:pPr latinLnBrk="1"/>
-                      <a:endParaRPr lang="ko-KR" altLang="en-US" sz="800" b="0">
-                        <a:solidFill>
-                          <a:schemeClr val="tx1"/>
-                        </a:solidFill>
-                        <a:latin typeface="+mj-ea"/>
-                        <a:ea typeface="+mj-ea"/>
-                      </a:endParaRPr>
-                    </a:p>
-                  </a:txBody>
-                  <a:tcPr marT="72000" marB="72000">
-                    <a:lnL w="3175" cap="flat" cmpd="sng" algn="ctr">
-                      <a:solidFill>
-                        <a:schemeClr val="tx1"/>
-                      </a:solidFill>
-                      <a:prstDash val="solid"/>
-                      <a:round/>
-                      <a:headEnd type="none" w="med" len="med"/>
-                      <a:tailEnd type="none" w="med" len="med"/>
-                    </a:lnL>
-                    <a:lnR w="3175" cap="flat" cmpd="sng" algn="ctr">
-                      <a:solidFill>
-                        <a:schemeClr val="tx1"/>
-                      </a:solidFill>
-                      <a:prstDash val="solid"/>
-                      <a:round/>
-                      <a:headEnd type="none" w="med" len="med"/>
-                      <a:tailEnd type="none" w="med" len="med"/>
-                    </a:lnR>
-                    <a:lnT w="3175" cap="flat" cmpd="sng" algn="ctr">
-                      <a:solidFill>
-                        <a:schemeClr val="tx1"/>
-                      </a:solidFill>
-                      <a:prstDash val="solid"/>
-                      <a:round/>
-                      <a:headEnd type="none" w="med" len="med"/>
-                      <a:tailEnd type="none" w="med" len="med"/>
-                    </a:lnT>
-                    <a:lnB w="3175" cap="flat" cmpd="sng" algn="ctr">
-                      <a:solidFill>
-                        <a:schemeClr val="tx1"/>
-                      </a:solidFill>
-                      <a:prstDash val="solid"/>
-                      <a:round/>
-                      <a:headEnd type="none" w="med" len="med"/>
-                      <a:tailEnd type="none" w="med" len="med"/>
-                    </a:lnB>
-                    <a:solidFill>
-                      <a:schemeClr val="bg1"/>
-                    </a:solidFill>
-                  </a:tcPr>
-                </a:tc>
-              </a:tr>
-              <a:tr h="0">
-                <a:tc>
-                  <a:txBody>
-                    <a:bodyPr/>
-                    <a:lstStyle/>
-                    <a:p>
-                      <a:pPr latinLnBrk="1"/>
-                      <a:endParaRPr lang="ko-KR" altLang="en-US" sz="800" b="0" kern="1200">
-                        <a:solidFill>
-                          <a:srgbClr val="00B0F0"/>
-                        </a:solidFill>
-                        <a:latin typeface="+mj-ea"/>
-                        <a:ea typeface="+mn-ea"/>
-                        <a:cs typeface="+mn-cs"/>
-                      </a:endParaRPr>
-                    </a:p>
-                  </a:txBody>
-                  <a:tcPr marT="72000" marB="72000" anchor="ctr">
-                    <a:lnL w="3175" cap="flat" cmpd="sng" algn="ctr">
-                      <a:solidFill>
-                        <a:schemeClr val="tx1"/>
-                      </a:solidFill>
-                      <a:prstDash val="solid"/>
-                      <a:round/>
-                      <a:headEnd type="none" w="med" len="med"/>
-                      <a:tailEnd type="none" w="med" len="med"/>
-                    </a:lnL>
-                    <a:lnR w="3175" cap="flat" cmpd="sng" algn="ctr">
-                      <a:solidFill>
-                        <a:schemeClr val="tx1"/>
-                      </a:solidFill>
-                      <a:prstDash val="solid"/>
-                      <a:round/>
-                      <a:headEnd type="none" w="med" len="med"/>
-                      <a:tailEnd type="none" w="med" len="med"/>
-                    </a:lnR>
-                    <a:lnT w="3175" cap="flat" cmpd="sng" algn="ctr">
-                      <a:solidFill>
-                        <a:schemeClr val="tx1"/>
-                      </a:solidFill>
-                      <a:prstDash val="solid"/>
-                      <a:round/>
-                      <a:headEnd type="none" w="med" len="med"/>
-                      <a:tailEnd type="none" w="med" len="med"/>
-                    </a:lnT>
-                    <a:lnB w="3175" cap="flat" cmpd="sng" algn="ctr">
-                      <a:solidFill>
-                        <a:schemeClr val="tx1"/>
-                      </a:solidFill>
-                      <a:prstDash val="solid"/>
-                      <a:round/>
-                      <a:headEnd type="none" w="med" len="med"/>
-                      <a:tailEnd type="none" w="med" len="med"/>
-                    </a:lnB>
-                    <a:solidFill>
-                      <a:schemeClr val="bg1">
-                        <a:lumMod val="95000"/>
-                      </a:schemeClr>
-                    </a:solidFill>
-                  </a:tcPr>
-                </a:tc>
-                <a:tc>
-                  <a:txBody>
-                    <a:bodyPr/>
-                    <a:lstStyle/>
-                    <a:p>
-                      <a:pPr latinLnBrk="1"/>
-                      <a:endParaRPr lang="ko-KR" altLang="en-US" sz="800" b="0">
-                        <a:solidFill>
-                          <a:schemeClr val="tx1"/>
-                        </a:solidFill>
-                        <a:latin typeface="+mj-ea"/>
-                        <a:ea typeface="+mj-ea"/>
-                      </a:endParaRPr>
-                    </a:p>
-                  </a:txBody>
-                  <a:tcPr marT="72000" marB="72000">
-                    <a:lnL w="3175" cap="flat" cmpd="sng" algn="ctr">
-                      <a:solidFill>
-                        <a:schemeClr val="tx1"/>
-                      </a:solidFill>
-                      <a:prstDash val="solid"/>
-                      <a:round/>
-                      <a:headEnd type="none" w="med" len="med"/>
-                      <a:tailEnd type="none" w="med" len="med"/>
-                    </a:lnL>
-                    <a:lnR w="3175" cap="flat" cmpd="sng" algn="ctr">
-                      <a:solidFill>
-                        <a:schemeClr val="tx1"/>
-                      </a:solidFill>
-                      <a:prstDash val="solid"/>
-                      <a:round/>
-                      <a:headEnd type="none" w="med" len="med"/>
-                      <a:tailEnd type="none" w="med" len="med"/>
-                    </a:lnR>
-                    <a:lnT w="3175" cap="flat" cmpd="sng" algn="ctr">
-                      <a:solidFill>
-                        <a:schemeClr val="tx1"/>
-                      </a:solidFill>
-                      <a:prstDash val="solid"/>
-                      <a:round/>
-                      <a:headEnd type="none" w="med" len="med"/>
-                      <a:tailEnd type="none" w="med" len="med"/>
-                    </a:lnT>
-                    <a:lnB w="3175" cap="flat" cmpd="sng" algn="ctr">
-                      <a:solidFill>
-                        <a:schemeClr val="tx1"/>
-                      </a:solidFill>
-                      <a:prstDash val="solid"/>
-                      <a:round/>
-                      <a:headEnd type="none" w="med" len="med"/>
-                      <a:tailEnd type="none" w="med" len="med"/>
-                    </a:lnB>
-                    <a:solidFill>
-                      <a:schemeClr val="bg1"/>
-                    </a:solidFill>
-                  </a:tcPr>
-                </a:tc>
-              </a:tr>
-              <a:tr h="0">
-                <a:tc>
-                  <a:txBody>
-                    <a:bodyPr/>
-                    <a:lstStyle/>
-                    <a:p>
-                      <a:pPr latinLnBrk="1"/>
-                      <a:endParaRPr lang="ko-KR" altLang="en-US" sz="800" b="0">
-                        <a:solidFill>
-                          <a:srgbClr val="00B0F0"/>
-                        </a:solidFill>
-                        <a:latin typeface="+mj-ea"/>
-                        <a:ea typeface="+mj-ea"/>
-                      </a:endParaRPr>
-                    </a:p>
-                  </a:txBody>
-                  <a:tcPr marT="72000" marB="72000" anchor="ctr">
-                    <a:lnL w="3175" cap="flat" cmpd="sng" algn="ctr">
-                      <a:solidFill>
-                        <a:schemeClr val="tx1"/>
-                      </a:solidFill>
-                      <a:prstDash val="solid"/>
-                      <a:round/>
-                      <a:headEnd type="none" w="med" len="med"/>
-                      <a:tailEnd type="none" w="med" len="med"/>
-                    </a:lnL>
-                    <a:lnR w="3175" cap="flat" cmpd="sng" algn="ctr">
-                      <a:solidFill>
-                        <a:schemeClr val="tx1"/>
-                      </a:solidFill>
-                      <a:prstDash val="solid"/>
-                      <a:round/>
-                      <a:headEnd type="none" w="med" len="med"/>
-                      <a:tailEnd type="none" w="med" len="med"/>
-                    </a:lnR>
-                    <a:lnT w="3175" cap="flat" cmpd="sng" algn="ctr">
-                      <a:solidFill>
-                        <a:schemeClr val="tx1"/>
-                      </a:solidFill>
-                      <a:prstDash val="solid"/>
-                      <a:round/>
-                      <a:headEnd type="none" w="med" len="med"/>
-                      <a:tailEnd type="none" w="med" len="med"/>
-                    </a:lnT>
-                    <a:lnB w="3175" cap="flat" cmpd="sng" algn="ctr">
-                      <a:solidFill>
-                        <a:schemeClr val="tx1"/>
-                      </a:solidFill>
-                      <a:prstDash val="solid"/>
-                      <a:round/>
-                      <a:headEnd type="none" w="med" len="med"/>
-                      <a:tailEnd type="none" w="med" len="med"/>
-                    </a:lnB>
-                    <a:solidFill>
-                      <a:schemeClr val="bg1">
-                        <a:lumMod val="95000"/>
-                      </a:schemeClr>
-                    </a:solidFill>
-                  </a:tcPr>
-                </a:tc>
-                <a:tc>
-                  <a:txBody>
-                    <a:bodyPr/>
-                    <a:lstStyle/>
-                    <a:p>
-                      <a:pPr latinLnBrk="1"/>
-                      <a:endParaRPr lang="ko-KR" altLang="en-US" sz="800" b="0">
-                        <a:solidFill>
-                          <a:schemeClr val="tx1"/>
-                        </a:solidFill>
-                        <a:latin typeface="+mj-ea"/>
-                        <a:ea typeface="+mj-ea"/>
-                      </a:endParaRPr>
-                    </a:p>
-                  </a:txBody>
-                  <a:tcPr marT="72000" marB="72000">
-                    <a:lnL w="3175" cap="flat" cmpd="sng" algn="ctr">
-                      <a:solidFill>
-                        <a:schemeClr val="tx1"/>
-                      </a:solidFill>
-                      <a:prstDash val="solid"/>
-                      <a:round/>
-                      <a:headEnd type="none" w="med" len="med"/>
-                      <a:tailEnd type="none" w="med" len="med"/>
-                    </a:lnL>
-                    <a:lnR w="3175" cap="flat" cmpd="sng" algn="ctr">
-                      <a:solidFill>
-                        <a:schemeClr val="tx1"/>
-                      </a:solidFill>
-                      <a:prstDash val="solid"/>
-                      <a:round/>
-                      <a:headEnd type="none" w="med" len="med"/>
-                      <a:tailEnd type="none" w="med" len="med"/>
-                    </a:lnR>
-                    <a:lnT w="3175" cap="flat" cmpd="sng" algn="ctr">
-                      <a:solidFill>
-                        <a:schemeClr val="tx1"/>
-                      </a:solidFill>
-                      <a:prstDash val="solid"/>
-                      <a:round/>
-                      <a:headEnd type="none" w="med" len="med"/>
-                      <a:tailEnd type="none" w="med" len="med"/>
-                    </a:lnT>
-                    <a:lnB w="3175" cap="flat" cmpd="sng" algn="ctr">
-                      <a:solidFill>
-                        <a:schemeClr val="tx1"/>
-                      </a:solidFill>
-                      <a:prstDash val="solid"/>
-                      <a:round/>
-                      <a:headEnd type="none" w="med" len="med"/>
-                      <a:tailEnd type="none" w="med" len="med"/>
-                    </a:lnB>
-                    <a:solidFill>
-                      <a:schemeClr val="bg1"/>
-                    </a:solidFill>
-                  </a:tcPr>
-                </a:tc>
-              </a:tr>
-              <a:tr h="0">
-                <a:tc>
-                  <a:txBody>
-                    <a:bodyPr/>
-                    <a:lstStyle/>
-                    <a:p>
-                      <a:pPr latinLnBrk="1"/>
-                      <a:endParaRPr lang="ko-KR" altLang="en-US" sz="800" b="0">
-                        <a:solidFill>
-                          <a:srgbClr val="FF0000"/>
-                        </a:solidFill>
-                        <a:latin typeface="+mj-ea"/>
-                        <a:ea typeface="+mj-ea"/>
-                      </a:endParaRPr>
-                    </a:p>
-                  </a:txBody>
-                  <a:tcPr marT="72000" marB="72000" anchor="ctr">
-                    <a:lnL w="3175" cap="flat" cmpd="sng" algn="ctr">
-                      <a:solidFill>
-                        <a:schemeClr val="tx1"/>
-                      </a:solidFill>
-                      <a:prstDash val="solid"/>
-                      <a:round/>
-                      <a:headEnd type="none" w="med" len="med"/>
-                      <a:tailEnd type="none" w="med" len="med"/>
-                    </a:lnL>
-                    <a:lnR w="3175" cap="flat" cmpd="sng" algn="ctr">
-                      <a:solidFill>
-                        <a:schemeClr val="tx1"/>
-                      </a:solidFill>
-                      <a:prstDash val="solid"/>
-                      <a:round/>
-                      <a:headEnd type="none" w="med" len="med"/>
-                      <a:tailEnd type="none" w="med" len="med"/>
-                    </a:lnR>
-                    <a:lnT w="3175" cap="flat" cmpd="sng" algn="ctr">
-                      <a:solidFill>
-                        <a:schemeClr val="tx1"/>
-                      </a:solidFill>
-                      <a:prstDash val="solid"/>
-                      <a:round/>
-                      <a:headEnd type="none" w="med" len="med"/>
-                      <a:tailEnd type="none" w="med" len="med"/>
-                    </a:lnT>
-                    <a:lnB w="3175" cap="flat" cmpd="sng" algn="ctr">
-                      <a:solidFill>
-                        <a:schemeClr val="tx1"/>
-                      </a:solidFill>
-                      <a:prstDash val="solid"/>
-                      <a:round/>
-                      <a:headEnd type="none" w="med" len="med"/>
-                      <a:tailEnd type="none" w="med" len="med"/>
-                    </a:lnB>
-                    <a:solidFill>
-                      <a:schemeClr val="bg1">
-                        <a:lumMod val="95000"/>
-                      </a:schemeClr>
-                    </a:solidFill>
-                  </a:tcPr>
-                </a:tc>
-                <a:tc>
-                  <a:txBody>
-                    <a:bodyPr/>
-                    <a:lstStyle/>
-                    <a:p>
-                      <a:pPr latinLnBrk="1"/>
-                      <a:endParaRPr lang="ko-KR" altLang="en-US" sz="800" b="0">
-                        <a:solidFill>
-                          <a:schemeClr val="tx1"/>
-                        </a:solidFill>
-                        <a:latin typeface="+mj-ea"/>
-                        <a:ea typeface="+mj-ea"/>
-                      </a:endParaRPr>
-                    </a:p>
-                  </a:txBody>
-                  <a:tcPr marT="72000" marB="72000">
-                    <a:lnL w="3175" cap="flat" cmpd="sng" algn="ctr">
-                      <a:solidFill>
-                        <a:schemeClr val="tx1"/>
-                      </a:solidFill>
-                      <a:prstDash val="solid"/>
-                      <a:round/>
-                      <a:headEnd type="none" w="med" len="med"/>
-                      <a:tailEnd type="none" w="med" len="med"/>
-                    </a:lnL>
-                    <a:lnR w="3175" cap="flat" cmpd="sng" algn="ctr">
-                      <a:solidFill>
-                        <a:schemeClr val="tx1"/>
-                      </a:solidFill>
-                      <a:prstDash val="solid"/>
-                      <a:round/>
-                      <a:headEnd type="none" w="med" len="med"/>
-                      <a:tailEnd type="none" w="med" len="med"/>
-                    </a:lnR>
-                    <a:lnT w="3175" cap="flat" cmpd="sng" algn="ctr">
-                      <a:solidFill>
-                        <a:schemeClr val="tx1"/>
-                      </a:solidFill>
-                      <a:prstDash val="solid"/>
-                      <a:round/>
-                      <a:headEnd type="none" w="med" len="med"/>
-                      <a:tailEnd type="none" w="med" len="med"/>
-                    </a:lnT>
-                    <a:lnB w="3175" cap="flat" cmpd="sng" algn="ctr">
-                      <a:solidFill>
-                        <a:schemeClr val="tx1"/>
-                      </a:solidFill>
-                      <a:prstDash val="solid"/>
-                      <a:round/>
-                      <a:headEnd type="none" w="med" len="med"/>
-                      <a:tailEnd type="none" w="med" len="med"/>
-                    </a:lnB>
-                    <a:solidFill>
-                      <a:schemeClr val="bg1"/>
-                    </a:solidFill>
-                  </a:tcPr>
-                </a:tc>
-              </a:tr>
-              <a:tr h="0">
-                <a:tc>
-                  <a:txBody>
-                    <a:bodyPr/>
-                    <a:lstStyle/>
-                    <a:p>
-                      <a:pPr latinLnBrk="1"/>
-                      <a:endParaRPr lang="ko-KR" altLang="en-US" sz="800" b="0" kern="1200">
-                        <a:solidFill>
-                          <a:srgbClr val="FF0000"/>
-                        </a:solidFill>
-                        <a:latin typeface="+mj-ea"/>
-                        <a:ea typeface="+mn-ea"/>
-                        <a:cs typeface="+mn-cs"/>
-                      </a:endParaRPr>
-                    </a:p>
-                  </a:txBody>
-                  <a:tcPr marT="72000" marB="72000" anchor="ctr">
-                    <a:lnL w="3175" cap="flat" cmpd="sng" algn="ctr">
-                      <a:solidFill>
-                        <a:schemeClr val="tx1"/>
-                      </a:solidFill>
-                      <a:prstDash val="solid"/>
-                      <a:round/>
-                      <a:headEnd type="none" w="med" len="med"/>
-                      <a:tailEnd type="none" w="med" len="med"/>
-                    </a:lnL>
-                    <a:lnR w="3175" cap="flat" cmpd="sng" algn="ctr">
-                      <a:solidFill>
-                        <a:schemeClr val="tx1"/>
-                      </a:solidFill>
-                      <a:prstDash val="solid"/>
-                      <a:round/>
-                      <a:headEnd type="none" w="med" len="med"/>
-                      <a:tailEnd type="none" w="med" len="med"/>
-                    </a:lnR>
-                    <a:lnT w="3175" cap="flat" cmpd="sng" algn="ctr">
-                      <a:solidFill>
-                        <a:schemeClr val="tx1"/>
-                      </a:solidFill>
-                      <a:prstDash val="solid"/>
-                      <a:round/>
-                      <a:headEnd type="none" w="med" len="med"/>
-                      <a:tailEnd type="none" w="med" len="med"/>
-                    </a:lnT>
-                    <a:lnB w="3175" cap="flat" cmpd="sng" algn="ctr">
-                      <a:solidFill>
-                        <a:schemeClr val="tx1"/>
-                      </a:solidFill>
-                      <a:prstDash val="solid"/>
-                      <a:round/>
-                      <a:headEnd type="none" w="med" len="med"/>
-                      <a:tailEnd type="none" w="med" len="med"/>
-                    </a:lnB>
-                    <a:solidFill>
-                      <a:schemeClr val="bg1">
-                        <a:lumMod val="95000"/>
-                      </a:schemeClr>
-                    </a:solidFill>
-                  </a:tcPr>
-                </a:tc>
-                <a:tc>
-                  <a:txBody>
-                    <a:bodyPr/>
-                    <a:lstStyle/>
-                    <a:p>
-                      <a:pPr latinLnBrk="1"/>
-                      <a:endParaRPr lang="ko-KR" altLang="en-US" sz="800" b="0">
-                        <a:solidFill>
-                          <a:schemeClr val="tx1"/>
-                        </a:solidFill>
-                        <a:latin typeface="+mj-ea"/>
-                        <a:ea typeface="+mj-ea"/>
-                      </a:endParaRPr>
-                    </a:p>
-                  </a:txBody>
-                  <a:tcPr marT="72000" marB="72000">
-                    <a:lnL w="3175" cap="flat" cmpd="sng" algn="ctr">
-                      <a:solidFill>
-                        <a:schemeClr val="tx1"/>
-                      </a:solidFill>
-                      <a:prstDash val="solid"/>
-                      <a:round/>
-                      <a:headEnd type="none" w="med" len="med"/>
-                      <a:tailEnd type="none" w="med" len="med"/>
-                    </a:lnL>
-                    <a:lnR w="3175" cap="flat" cmpd="sng" algn="ctr">
-                      <a:solidFill>
-                        <a:schemeClr val="tx1"/>
-                      </a:solidFill>
-                      <a:prstDash val="solid"/>
-                      <a:round/>
-                      <a:headEnd type="none" w="med" len="med"/>
-                      <a:tailEnd type="none" w="med" len="med"/>
-                    </a:lnR>
-                    <a:lnT w="3175" cap="flat" cmpd="sng" algn="ctr">
-                      <a:solidFill>
-                        <a:schemeClr val="tx1"/>
-                      </a:solidFill>
-                      <a:prstDash val="solid"/>
-                      <a:round/>
-                      <a:headEnd type="none" w="med" len="med"/>
-                      <a:tailEnd type="none" w="med" len="med"/>
-                    </a:lnT>
-                    <a:lnB w="3175" cap="flat" cmpd="sng" algn="ctr">
-                      <a:solidFill>
-                        <a:schemeClr val="tx1"/>
-                      </a:solidFill>
-                      <a:prstDash val="solid"/>
-                      <a:round/>
-                      <a:headEnd type="none" w="med" len="med"/>
-                      <a:tailEnd type="none" w="med" len="med"/>
-                    </a:lnB>
-                    <a:solidFill>
-                      <a:schemeClr val="bg1"/>
-                    </a:solidFill>
-                  </a:tcPr>
-                </a:tc>
-              </a:tr>
-              <a:tr h="0">
-                <a:tc>
-                  <a:txBody>
-                    <a:bodyPr/>
-                    <a:lstStyle/>
-                    <a:p>
-                      <a:pPr latinLnBrk="1"/>
-                      <a:endParaRPr lang="ko-KR" altLang="en-US" sz="800" b="0">
-                        <a:solidFill>
-                          <a:schemeClr val="tx1"/>
-                        </a:solidFill>
-                        <a:latin typeface="+mj-ea"/>
-                        <a:ea typeface="+mj-ea"/>
-                      </a:endParaRPr>
-                    </a:p>
-                  </a:txBody>
-                  <a:tcPr marT="72000" marB="72000" anchor="ctr">
-                    <a:lnL w="3175" cap="flat" cmpd="sng" algn="ctr">
-                      <a:solidFill>
-                        <a:schemeClr val="tx1"/>
-                      </a:solidFill>
-                      <a:prstDash val="solid"/>
-                      <a:round/>
-                      <a:headEnd type="none" w="med" len="med"/>
-                      <a:tailEnd type="none" w="med" len="med"/>
-                    </a:lnL>
-                    <a:lnR w="3175" cap="flat" cmpd="sng" algn="ctr">
-                      <a:solidFill>
-                        <a:schemeClr val="tx1"/>
-                      </a:solidFill>
-                      <a:prstDash val="solid"/>
-                      <a:round/>
-                      <a:headEnd type="none" w="med" len="med"/>
-                      <a:tailEnd type="none" w="med" len="med"/>
-                    </a:lnR>
-                    <a:lnT w="3175" cap="flat" cmpd="sng" algn="ctr">
-                      <a:solidFill>
-                        <a:schemeClr val="tx1"/>
-                      </a:solidFill>
-                      <a:prstDash val="solid"/>
-                      <a:round/>
-                      <a:headEnd type="none" w="med" len="med"/>
-                      <a:tailEnd type="none" w="med" len="med"/>
-                    </a:lnT>
-                    <a:lnB w="3175" cap="flat" cmpd="sng" algn="ctr">
-                      <a:solidFill>
-                        <a:schemeClr val="tx1"/>
-                      </a:solidFill>
-                      <a:prstDash val="solid"/>
-                      <a:round/>
-                      <a:headEnd type="none" w="med" len="med"/>
-                      <a:tailEnd type="none" w="med" len="med"/>
-                    </a:lnB>
-                    <a:solidFill>
-                      <a:schemeClr val="bg1">
-                        <a:lumMod val="95000"/>
-                      </a:schemeClr>
-                    </a:solidFill>
-                  </a:tcPr>
-                </a:tc>
-                <a:tc>
-                  <a:txBody>
-                    <a:bodyPr/>
-                    <a:lstStyle/>
-                    <a:p>
-                      <a:pPr latinLnBrk="1"/>
-                      <a:endParaRPr lang="ko-KR" altLang="en-US" sz="800" b="0">
-                        <a:solidFill>
-                          <a:schemeClr val="tx1"/>
-                        </a:solidFill>
-                        <a:latin typeface="+mj-ea"/>
-                        <a:ea typeface="+mj-ea"/>
-                      </a:endParaRPr>
-                    </a:p>
-                  </a:txBody>
-                  <a:tcPr marT="72000" marB="72000">
-                    <a:lnL w="3175" cap="flat" cmpd="sng" algn="ctr">
-                      <a:solidFill>
-                        <a:schemeClr val="tx1"/>
-                      </a:solidFill>
-                      <a:prstDash val="solid"/>
-                      <a:round/>
-                      <a:headEnd type="none" w="med" len="med"/>
-                      <a:tailEnd type="none" w="med" len="med"/>
-                    </a:lnL>
-                    <a:lnR w="3175" cap="flat" cmpd="sng" algn="ctr">
-                      <a:solidFill>
-                        <a:schemeClr val="tx1"/>
-                      </a:solidFill>
-                      <a:prstDash val="solid"/>
-                      <a:round/>
-                      <a:headEnd type="none" w="med" len="med"/>
-                      <a:tailEnd type="none" w="med" len="med"/>
-                    </a:lnR>
-                    <a:lnT w="3175" cap="flat" cmpd="sng" algn="ctr">
-                      <a:solidFill>
-                        <a:schemeClr val="tx1"/>
-                      </a:solidFill>
-                      <a:prstDash val="solid"/>
-                      <a:round/>
-                      <a:headEnd type="none" w="med" len="med"/>
-                      <a:tailEnd type="none" w="med" len="med"/>
-                    </a:lnT>
-                    <a:lnB w="3175" cap="flat" cmpd="sng" algn="ctr">
-                      <a:solidFill>
-                        <a:schemeClr val="tx1"/>
-                      </a:solidFill>
-                      <a:prstDash val="solid"/>
-                      <a:round/>
-                      <a:headEnd type="none" w="med" len="med"/>
-                      <a:tailEnd type="none" w="med" len="med"/>
-                    </a:lnB>
-                    <a:solidFill>
-                      <a:schemeClr val="bg1"/>
-                    </a:solidFill>
-                  </a:tcPr>
-                </a:tc>
-              </a:tr>
-              <a:tr h="0">
-                <a:tc>
-                  <a:txBody>
-                    <a:bodyPr/>
-                    <a:lstStyle/>
-                    <a:p>
-                      <a:pPr latinLnBrk="1"/>
-                      <a:endParaRPr lang="ko-KR" altLang="en-US" sz="800" b="0">
-                        <a:solidFill>
-                          <a:schemeClr val="tx1"/>
-                        </a:solidFill>
-                        <a:latin typeface="+mj-ea"/>
-                        <a:ea typeface="+mj-ea"/>
-                      </a:endParaRPr>
-                    </a:p>
-                  </a:txBody>
-                  <a:tcPr marT="72000" marB="72000" anchor="ctr">
-                    <a:lnL w="3175" cap="flat" cmpd="sng" algn="ctr">
-                      <a:solidFill>
-                        <a:schemeClr val="tx1"/>
-                      </a:solidFill>
-                      <a:prstDash val="solid"/>
-                      <a:round/>
-                      <a:headEnd type="none" w="med" len="med"/>
-                      <a:tailEnd type="none" w="med" len="med"/>
-                    </a:lnL>
-                    <a:lnR w="3175" cap="flat" cmpd="sng" algn="ctr">
-                      <a:solidFill>
-                        <a:schemeClr val="tx1"/>
-                      </a:solidFill>
-                      <a:prstDash val="solid"/>
-                      <a:round/>
-                      <a:headEnd type="none" w="med" len="med"/>
-                      <a:tailEnd type="none" w="med" len="med"/>
-                    </a:lnR>
-                    <a:lnT w="3175" cap="flat" cmpd="sng" algn="ctr">
-                      <a:solidFill>
-                        <a:schemeClr val="tx1"/>
-                      </a:solidFill>
-                      <a:prstDash val="solid"/>
-                      <a:round/>
-                      <a:headEnd type="none" w="med" len="med"/>
-                      <a:tailEnd type="none" w="med" len="med"/>
-                    </a:lnT>
-                    <a:lnB w="3175" cap="flat" cmpd="sng" algn="ctr">
-                      <a:solidFill>
-                        <a:schemeClr val="tx1"/>
-                      </a:solidFill>
-                      <a:prstDash val="solid"/>
-                      <a:round/>
-                      <a:headEnd type="none" w="med" len="med"/>
-                      <a:tailEnd type="none" w="med" len="med"/>
-                    </a:lnB>
-                    <a:solidFill>
-                      <a:schemeClr val="bg1">
-                        <a:lumMod val="95000"/>
-                      </a:schemeClr>
-                    </a:solidFill>
-                  </a:tcPr>
-                </a:tc>
-                <a:tc>
-                  <a:txBody>
-                    <a:bodyPr/>
-                    <a:lstStyle/>
-                    <a:p>
-                      <a:pPr latinLnBrk="1"/>
-                      <a:endParaRPr lang="ko-KR" altLang="en-US" sz="800" b="0">
-                        <a:solidFill>
-                          <a:schemeClr val="tx1"/>
-                        </a:solidFill>
-                        <a:latin typeface="+mj-ea"/>
-                        <a:ea typeface="+mj-ea"/>
-                      </a:endParaRPr>
-                    </a:p>
-                  </a:txBody>
-                  <a:tcPr marT="72000" marB="72000">
-                    <a:lnL w="3175" cap="flat" cmpd="sng" algn="ctr">
-                      <a:solidFill>
-                        <a:schemeClr val="tx1"/>
-                      </a:solidFill>
-                      <a:prstDash val="solid"/>
-                      <a:round/>
-                      <a:headEnd type="none" w="med" len="med"/>
-                      <a:tailEnd type="none" w="med" len="med"/>
-                    </a:lnL>
-                    <a:lnR w="3175" cap="flat" cmpd="sng" algn="ctr">
-                      <a:solidFill>
-                        <a:schemeClr val="tx1"/>
-                      </a:solidFill>
-                      <a:prstDash val="solid"/>
-                      <a:round/>
-                      <a:headEnd type="none" w="med" len="med"/>
-                      <a:tailEnd type="none" w="med" len="med"/>
-                    </a:lnR>
-                    <a:lnT w="3175" cap="flat" cmpd="sng" algn="ctr">
-                      <a:solidFill>
-                        <a:schemeClr val="tx1"/>
-                      </a:solidFill>
-                      <a:prstDash val="solid"/>
-                      <a:round/>
-                      <a:headEnd type="none" w="med" len="med"/>
-                      <a:tailEnd type="none" w="med" len="med"/>
-                    </a:lnT>
-                    <a:lnB w="3175" cap="flat" cmpd="sng" algn="ctr">
-                      <a:solidFill>
-                        <a:schemeClr val="tx1"/>
-                      </a:solidFill>
-                      <a:prstDash val="solid"/>
-                      <a:round/>
-                      <a:headEnd type="none" w="med" len="med"/>
-                      <a:tailEnd type="none" w="med" len="med"/>
-                    </a:lnB>
-                    <a:solidFill>
-                      <a:schemeClr val="bg1"/>
-                    </a:solidFill>
-                  </a:tcPr>
-                </a:tc>
-              </a:tr>
-            </a:tbl>
-          </a:graphicData>
-        </a:graphic>
-      </p:graphicFrame>
+      <p:pic>
+        <p:nvPicPr>
+          <p:cNvPr id="8" name="Picture 2" descr="http://git-scm.com/figures/18333fig0106-tn.png"/>
+          <p:cNvPicPr>
+            <a:picLocks noChangeAspect="1" noChangeArrowheads="1"/>
+          </p:cNvPicPr>
+          <p:nvPr/>
+        </p:nvPicPr>
+        <p:blipFill>
+          <a:blip r:embed="rId2">
+            <a:extLst>
+              <a:ext uri="{28A0092B-C50C-407E-A947-70E740481C1C}">
+                <a14:useLocalDpi xmlns:a14="http://schemas.microsoft.com/office/drawing/2010/main" val="0"/>
+              </a:ext>
+            </a:extLst>
+          </a:blip>
+          <a:srcRect/>
+          <a:stretch>
+            <a:fillRect/>
+          </a:stretch>
+        </p:blipFill>
+        <p:spPr bwMode="auto">
+          <a:xfrm>
+            <a:off x="853593" y="1906051"/>
+            <a:ext cx="3696976" cy="3401218"/>
+          </a:xfrm>
+          <a:prstGeom prst="rect">
+            <a:avLst/>
+          </a:prstGeom>
+          <a:noFill/>
+          <a:ln>
+            <a:noFill/>
+          </a:ln>
+          <a:extLst>
+            <a:ext uri="{909E8E84-426E-40DD-AFC4-6F175D3DCCD1}">
+              <a14:hiddenFill xmlns:a14="http://schemas.microsoft.com/office/drawing/2010/main">
+                <a:solidFill>
+                  <a:srgbClr val="FFFFFF"/>
+                </a:solidFill>
+              </a14:hiddenFill>
+            </a:ext>
+            <a:ext uri="{91240B29-F687-4F45-9708-019B960494DF}">
+              <a14:hiddenLine xmlns:a14="http://schemas.microsoft.com/office/drawing/2010/main" w="9525">
+                <a:solidFill>
+                  <a:srgbClr val="000000"/>
+                </a:solidFill>
+                <a:miter lim="800000"/>
+                <a:headEnd/>
+                <a:tailEnd/>
+              </a14:hiddenLine>
+            </a:ext>
+          </a:extLst>
+        </p:spPr>
+      </p:pic>
+      <p:sp>
+        <p:nvSpPr>
+          <p:cNvPr id="11" name="TextBox 10"/>
+          <p:cNvSpPr txBox="1"/>
+          <p:nvPr/>
+        </p:nvSpPr>
+        <p:spPr>
+          <a:xfrm>
+            <a:off x="4993482" y="1559719"/>
+            <a:ext cx="3593306" cy="2354491"/>
+          </a:xfrm>
+          <a:prstGeom prst="rect">
+            <a:avLst/>
+          </a:prstGeom>
+          <a:noFill/>
+        </p:spPr>
+        <p:txBody>
+          <a:bodyPr wrap="square" rtlCol="0">
+            <a:spAutoFit/>
+          </a:bodyPr>
+          <a:lstStyle/>
+          <a:p>
+            <a:r>
+              <a:rPr lang="en-US" altLang="ko-KR" sz="1050"/>
+              <a:t>Git</a:t>
+            </a:r>
+            <a:r>
+              <a:rPr lang="ko-KR" altLang="en-US" sz="1050"/>
+              <a:t>은 파일을 </a:t>
+            </a:r>
+            <a:r>
+              <a:rPr lang="en-US" altLang="ko-KR" sz="1050"/>
+              <a:t>Committed, Modified, Staged </a:t>
+            </a:r>
+            <a:r>
+              <a:rPr lang="ko-KR" altLang="en-US" sz="1050"/>
+              <a:t>이렇게 세가지 상태로 관리한다</a:t>
+            </a:r>
+            <a:r>
+              <a:rPr lang="en-US" altLang="ko-KR" sz="1050" smtClean="0"/>
+              <a:t>.</a:t>
+            </a:r>
+            <a:br>
+              <a:rPr lang="en-US" altLang="ko-KR" sz="1050" smtClean="0"/>
+            </a:br>
+            <a:endParaRPr lang="en-US" altLang="ko-KR" sz="1050"/>
+          </a:p>
+          <a:p>
+            <a:pPr marL="171450" indent="-171450">
+              <a:buFont typeface="Arial" panose="020B0604020202020204" pitchFamily="34" charset="0"/>
+              <a:buChar char="•"/>
+            </a:pPr>
+            <a:r>
+              <a:rPr lang="en-US" altLang="ko-KR" sz="1050">
+                <a:solidFill>
+                  <a:srgbClr val="00B0F0"/>
+                </a:solidFill>
+              </a:rPr>
+              <a:t>Commited</a:t>
+            </a:r>
+            <a:r>
+              <a:rPr lang="en-US" altLang="ko-KR" sz="1050"/>
+              <a:t> - </a:t>
+            </a:r>
+            <a:r>
+              <a:rPr lang="ko-KR" altLang="en-US" sz="1050"/>
+              <a:t>데이터가 로컬 저장소에 안전하게 저장됐다는 것을 의미한다</a:t>
+            </a:r>
+            <a:r>
+              <a:rPr lang="en-US" altLang="ko-KR" sz="1050"/>
+              <a:t>.</a:t>
+            </a:r>
+          </a:p>
+          <a:p>
+            <a:pPr marL="171450" indent="-171450">
+              <a:buFont typeface="Arial" panose="020B0604020202020204" pitchFamily="34" charset="0"/>
+              <a:buChar char="•"/>
+            </a:pPr>
+            <a:r>
+              <a:rPr lang="en-US" altLang="ko-KR" sz="1050">
+                <a:solidFill>
+                  <a:srgbClr val="00B0F0"/>
+                </a:solidFill>
+              </a:rPr>
+              <a:t>Modified</a:t>
+            </a:r>
+            <a:r>
+              <a:rPr lang="en-US" altLang="ko-KR" sz="1050"/>
+              <a:t> - </a:t>
+            </a:r>
+            <a:r>
+              <a:rPr lang="ko-KR" altLang="en-US" sz="1050"/>
+              <a:t>수정한 파일을 아직 로컬 저장소에 커밋하지 않은 것을 말한다</a:t>
+            </a:r>
+            <a:r>
+              <a:rPr lang="en-US" altLang="ko-KR" sz="1050"/>
+              <a:t>.</a:t>
+            </a:r>
+          </a:p>
+          <a:p>
+            <a:pPr marL="171450" indent="-171450">
+              <a:buFont typeface="Arial" panose="020B0604020202020204" pitchFamily="34" charset="0"/>
+              <a:buChar char="•"/>
+            </a:pPr>
+            <a:r>
+              <a:rPr lang="en-US" altLang="ko-KR" sz="1050">
+                <a:solidFill>
+                  <a:srgbClr val="00B0F0"/>
+                </a:solidFill>
+              </a:rPr>
+              <a:t>Staged</a:t>
+            </a:r>
+            <a:r>
+              <a:rPr lang="en-US" altLang="ko-KR" sz="1050"/>
+              <a:t> - </a:t>
+            </a:r>
+            <a:r>
+              <a:rPr lang="ko-KR" altLang="en-US" sz="1050"/>
+              <a:t>현재 수정한 파일을 곧 커밋할 것이라고 표시한 상태를 의미한다</a:t>
+            </a:r>
+            <a:r>
+              <a:rPr lang="en-US" altLang="ko-KR" sz="1050" smtClean="0"/>
+              <a:t>.</a:t>
+            </a:r>
+            <a:br>
+              <a:rPr lang="en-US" altLang="ko-KR" sz="1050" smtClean="0"/>
+            </a:br>
+            <a:endParaRPr lang="en-US" altLang="ko-KR" sz="1050"/>
+          </a:p>
+          <a:p>
+            <a:r>
+              <a:rPr lang="en-US" altLang="ko-KR" sz="1050"/>
+              <a:t>Git </a:t>
+            </a:r>
+            <a:r>
+              <a:rPr lang="ko-KR" altLang="en-US" sz="1050"/>
+              <a:t>디렉토리에 있는 파일들은 </a:t>
+            </a:r>
+            <a:r>
+              <a:rPr lang="en-US" altLang="ko-KR" sz="1050"/>
+              <a:t>Committed </a:t>
+            </a:r>
+            <a:r>
+              <a:rPr lang="ko-KR" altLang="en-US" sz="1050"/>
+              <a:t>상태이다</a:t>
+            </a:r>
+            <a:r>
+              <a:rPr lang="en-US" altLang="ko-KR" sz="1050"/>
+              <a:t>. </a:t>
+            </a:r>
+            <a:r>
+              <a:rPr lang="ko-KR" altLang="en-US" sz="1050"/>
+              <a:t>파일을 수정하고 </a:t>
+            </a:r>
+            <a:r>
+              <a:rPr lang="en-US" altLang="ko-KR" sz="1050"/>
+              <a:t>Staging Area</a:t>
+            </a:r>
+            <a:r>
+              <a:rPr lang="ko-KR" altLang="en-US" sz="1050"/>
+              <a:t>에 추가했다면 </a:t>
+            </a:r>
+            <a:r>
+              <a:rPr lang="en-US" altLang="ko-KR" sz="1050"/>
+              <a:t>Staged</a:t>
+            </a:r>
+            <a:r>
+              <a:rPr lang="ko-KR" altLang="en-US" sz="1050"/>
+              <a:t>이다</a:t>
+            </a:r>
+            <a:r>
+              <a:rPr lang="en-US" altLang="ko-KR" sz="1050"/>
+              <a:t>. </a:t>
+            </a:r>
+            <a:r>
+              <a:rPr lang="ko-KR" altLang="en-US" sz="1050"/>
+              <a:t>그리고 </a:t>
+            </a:r>
+            <a:r>
+              <a:rPr lang="en-US" altLang="ko-KR" sz="1050"/>
+              <a:t>Checkout</a:t>
+            </a:r>
+            <a:r>
+              <a:rPr lang="ko-KR" altLang="en-US" sz="1050"/>
+              <a:t>하고 나서 수정했지만</a:t>
+            </a:r>
+            <a:r>
+              <a:rPr lang="en-US" altLang="ko-KR" sz="1050"/>
+              <a:t>, </a:t>
+            </a:r>
+            <a:r>
+              <a:rPr lang="ko-KR" altLang="en-US" sz="1050"/>
+              <a:t>아직 </a:t>
+            </a:r>
+            <a:r>
+              <a:rPr lang="en-US" altLang="ko-KR" sz="1050"/>
+              <a:t>Staging Area</a:t>
+            </a:r>
+            <a:r>
+              <a:rPr lang="ko-KR" altLang="en-US" sz="1050"/>
+              <a:t>에 추가하지 않았다면 </a:t>
+            </a:r>
+            <a:r>
+              <a:rPr lang="en-US" altLang="ko-KR" sz="1050"/>
+              <a:t>Modified</a:t>
+            </a:r>
+            <a:r>
+              <a:rPr lang="ko-KR" altLang="en-US" sz="1050"/>
+              <a:t>이다</a:t>
+            </a:r>
+            <a:r>
+              <a:rPr lang="en-US" altLang="ko-KR" sz="1050" smtClean="0"/>
+              <a:t>.</a:t>
+            </a:r>
+            <a:endParaRPr lang="en-US" altLang="ko-KR" sz="1050"/>
+          </a:p>
+        </p:txBody>
+      </p:sp>
+      <p:sp>
+        <p:nvSpPr>
+          <p:cNvPr id="12" name="TextBox 11"/>
+          <p:cNvSpPr txBox="1"/>
+          <p:nvPr/>
+        </p:nvSpPr>
+        <p:spPr>
+          <a:xfrm>
+            <a:off x="556730" y="1156905"/>
+            <a:ext cx="4223770" cy="313332"/>
+          </a:xfrm>
+          <a:prstGeom prst="rect">
+            <a:avLst/>
+          </a:prstGeom>
+          <a:noFill/>
+        </p:spPr>
+        <p:txBody>
+          <a:bodyPr wrap="square" lIns="33231" tIns="33231" rIns="33231" bIns="33231" rtlCol="0">
+            <a:spAutoFit/>
+          </a:bodyPr>
+          <a:lstStyle/>
+          <a:p>
+            <a:r>
+              <a:rPr lang="ko-KR" altLang="en-US" sz="1600" b="1" smtClean="0">
+                <a:latin typeface="나눔고딕" panose="020D0604000000000000" pitchFamily="50" charset="-127"/>
+                <a:ea typeface="나눔고딕" panose="020D0604000000000000" pitchFamily="50" charset="-127"/>
+              </a:rPr>
+              <a:t>작업흐름</a:t>
+            </a:r>
+            <a:endParaRPr lang="ko-KR" altLang="en-US" sz="1600" b="1">
+              <a:latin typeface="나눔고딕" panose="020D0604000000000000" pitchFamily="50" charset="-127"/>
+              <a:ea typeface="나눔고딕" panose="020D0604000000000000" pitchFamily="50" charset="-127"/>
+            </a:endParaRPr>
+          </a:p>
+        </p:txBody>
+      </p:sp>
     </p:spTree>
     <p:extLst>
       <p:ext uri="{BB962C8B-B14F-4D97-AF65-F5344CB8AC3E}">
-        <p14:creationId xmlns:p14="http://schemas.microsoft.com/office/powerpoint/2010/main" val="319425532"/>
+        <p14:creationId xmlns:p14="http://schemas.microsoft.com/office/powerpoint/2010/main" val="4245770391"/>
+      </p:ext>
+    </p:extLst>
+  </p:cSld>
+  <p:clrMapOvr>
+    <a:masterClrMapping/>
+  </p:clrMapOvr>
+  <p:timing>
+    <p:tnLst>
+      <p:par>
+        <p:cTn id="1" dur="indefinite" restart="never" nodeType="tmRoot"/>
+      </p:par>
+    </p:tnLst>
+  </p:timing>
+</p:sld>
+</file>
+
+<file path=ppt/slides/slide9.xml><?xml version="1.0" encoding="utf-8"?>
+<p:sld xmlns:a="http://schemas.openxmlformats.org/drawingml/2006/main" xmlns:r="http://schemas.openxmlformats.org/officeDocument/2006/relationships" xmlns:p="http://schemas.openxmlformats.org/presentationml/2006/main">
+  <p:cSld>
+    <p:spTree>
+      <p:nvGrpSpPr>
+        <p:cNvPr id="1" name=""/>
+        <p:cNvGrpSpPr/>
+        <p:nvPr/>
+      </p:nvGrpSpPr>
+      <p:grpSpPr>
+        <a:xfrm>
+          <a:off x="0" y="0"/>
+          <a:ext cx="0" cy="0"/>
+          <a:chOff x="0" y="0"/>
+          <a:chExt cx="0" cy="0"/>
+        </a:xfrm>
+      </p:grpSpPr>
+      <p:sp>
+        <p:nvSpPr>
+          <p:cNvPr id="4" name="TextBox 3"/>
+          <p:cNvSpPr txBox="1"/>
+          <p:nvPr/>
+        </p:nvSpPr>
+        <p:spPr>
+          <a:xfrm>
+            <a:off x="332893" y="690180"/>
+            <a:ext cx="4223770" cy="265948"/>
+          </a:xfrm>
+          <a:prstGeom prst="rect">
+            <a:avLst/>
+          </a:prstGeom>
+          <a:noFill/>
+        </p:spPr>
+        <p:txBody>
+          <a:bodyPr wrap="square" lIns="33231" tIns="33231" rIns="33231" bIns="33231" rtlCol="0">
+            <a:spAutoFit/>
+          </a:bodyPr>
+          <a:lstStyle/>
+          <a:p>
+            <a:r>
+              <a:rPr lang="en-US" altLang="ko-KR" sz="1292" smtClean="0">
+                <a:latin typeface="+mj-ea"/>
+                <a:ea typeface="+mj-ea"/>
+              </a:rPr>
+              <a:t>05- Git </a:t>
+            </a:r>
+            <a:r>
+              <a:rPr lang="ko-KR" altLang="en-US" sz="1292" smtClean="0">
+                <a:latin typeface="+mj-ea"/>
+                <a:ea typeface="+mj-ea"/>
+              </a:rPr>
+              <a:t>기본개념 및 이해</a:t>
+            </a:r>
+            <a:endParaRPr lang="ko-KR" altLang="en-US" sz="1292">
+              <a:latin typeface="+mj-ea"/>
+              <a:ea typeface="+mj-ea"/>
+            </a:endParaRPr>
+          </a:p>
+        </p:txBody>
+      </p:sp>
+      <p:sp>
+        <p:nvSpPr>
+          <p:cNvPr id="6" name="TextBox 5"/>
+          <p:cNvSpPr txBox="1"/>
+          <p:nvPr/>
+        </p:nvSpPr>
+        <p:spPr>
+          <a:xfrm>
+            <a:off x="856201" y="2043113"/>
+            <a:ext cx="7394831" cy="1958138"/>
+          </a:xfrm>
+          <a:prstGeom prst="rect">
+            <a:avLst/>
+          </a:prstGeom>
+          <a:solidFill>
+            <a:srgbClr val="FFFF8F"/>
+          </a:solidFill>
+          <a:ln w="28575">
+            <a:solidFill>
+              <a:srgbClr val="00B0F0"/>
+            </a:solidFill>
+          </a:ln>
+        </p:spPr>
+        <p:txBody>
+          <a:bodyPr wrap="square" tIns="360000" bIns="360000" rtlCol="0">
+            <a:spAutoFit/>
+          </a:bodyPr>
+          <a:lstStyle/>
+          <a:p>
+            <a:pPr algn="ctr"/>
+            <a:r>
+              <a:rPr lang="en-US" altLang="ko-KR" sz="4000" b="1" smtClean="0">
+                <a:solidFill>
+                  <a:srgbClr val="0070C0"/>
+                </a:solidFill>
+                <a:latin typeface="나눔고딕" panose="020D0604000000000000" pitchFamily="50" charset="-127"/>
+                <a:ea typeface="나눔고딕" panose="020D0604000000000000" pitchFamily="50" charset="-127"/>
+              </a:rPr>
+              <a:t>Git </a:t>
+            </a:r>
+            <a:r>
+              <a:rPr lang="ko-KR" altLang="en-US" sz="4000" b="1" smtClean="0">
+                <a:solidFill>
+                  <a:srgbClr val="0070C0"/>
+                </a:solidFill>
+                <a:latin typeface="나눔고딕" panose="020D0604000000000000" pitchFamily="50" charset="-127"/>
+                <a:ea typeface="나눔고딕" panose="020D0604000000000000" pitchFamily="50" charset="-127"/>
+              </a:rPr>
+              <a:t>기본자료</a:t>
+            </a:r>
+            <a:endParaRPr lang="en-US" altLang="ko-KR" sz="4000" b="1" smtClean="0">
+              <a:solidFill>
+                <a:srgbClr val="0070C0"/>
+              </a:solidFill>
+              <a:latin typeface="나눔고딕" panose="020D0604000000000000" pitchFamily="50" charset="-127"/>
+              <a:ea typeface="나눔고딕" panose="020D0604000000000000" pitchFamily="50" charset="-127"/>
+              <a:hlinkClick r:id="rId2"/>
+            </a:endParaRPr>
+          </a:p>
+          <a:p>
+            <a:pPr algn="ctr"/>
+            <a:r>
+              <a:rPr lang="en-US" altLang="ko-KR" sz="1600" smtClean="0">
+                <a:solidFill>
+                  <a:srgbClr val="00B0F0"/>
+                </a:solidFill>
+                <a:hlinkClick r:id="rId2"/>
+              </a:rPr>
+              <a:t/>
+            </a:r>
+            <a:br>
+              <a:rPr lang="en-US" altLang="ko-KR" sz="1600" smtClean="0">
+                <a:solidFill>
+                  <a:srgbClr val="00B0F0"/>
+                </a:solidFill>
+                <a:hlinkClick r:id="rId2"/>
+              </a:rPr>
+            </a:br>
+            <a:r>
+              <a:rPr lang="en-US" altLang="ko-KR" sz="2000" smtClean="0">
+                <a:solidFill>
+                  <a:srgbClr val="00B0F0"/>
+                </a:solidFill>
+                <a:hlinkClick r:id="rId2"/>
+              </a:rPr>
+              <a:t>https</a:t>
+            </a:r>
+            <a:r>
+              <a:rPr lang="en-US" altLang="ko-KR" sz="2000">
+                <a:solidFill>
+                  <a:srgbClr val="00B0F0"/>
+                </a:solidFill>
+                <a:hlinkClick r:id="rId2"/>
+              </a:rPr>
+              <a:t>://mylko72.gitbooks.io/git/content/workflow.html</a:t>
+            </a:r>
+            <a:endParaRPr lang="ko-KR" altLang="en-US" sz="2000">
+              <a:solidFill>
+                <a:srgbClr val="00B0F0"/>
+              </a:solidFill>
+            </a:endParaRPr>
+          </a:p>
+        </p:txBody>
+      </p:sp>
+    </p:spTree>
+    <p:extLst>
+      <p:ext uri="{BB962C8B-B14F-4D97-AF65-F5344CB8AC3E}">
+        <p14:creationId xmlns:p14="http://schemas.microsoft.com/office/powerpoint/2010/main" val="853951656"/>
       </p:ext>
     </p:extLst>
   </p:cSld>

--- a/CH00_Git_Github.pptx
+++ b/CH00_Git_Github.pptx
@@ -28,9 +28,13 @@
     <p:sldId id="273" r:id="rId22"/>
     <p:sldId id="277" r:id="rId23"/>
     <p:sldId id="279" r:id="rId24"/>
-    <p:sldId id="293" r:id="rId25"/>
-    <p:sldId id="289" r:id="rId26"/>
-    <p:sldId id="267" r:id="rId27"/>
+    <p:sldId id="297" r:id="rId25"/>
+    <p:sldId id="296" r:id="rId26"/>
+    <p:sldId id="298" r:id="rId27"/>
+    <p:sldId id="299" r:id="rId28"/>
+    <p:sldId id="293" r:id="rId29"/>
+    <p:sldId id="289" r:id="rId30"/>
+    <p:sldId id="267" r:id="rId31"/>
   </p:sldIdLst>
   <p:sldSz cx="9144000" cy="6858000" type="screen4x3"/>
   <p:notesSz cx="6858000" cy="9144000"/>
@@ -2410,7 +2414,7 @@
           <a:graphicData uri="http://schemas.openxmlformats.org/presentationml/2006/ole">
             <mc:AlternateContent xmlns:mc="http://schemas.openxmlformats.org/markup-compatibility/2006">
               <mc:Choice xmlns:v="urn:schemas-microsoft-com:vml" Requires="v">
-                <p:oleObj spid="_x0000_s4193" name="Image" r:id="rId5" imgW="8888760" imgH="7225200" progId="Photoshop.Image.16">
+                <p:oleObj spid="_x0000_s4198" name="Image" r:id="rId5" imgW="8888760" imgH="7225200" progId="Photoshop.Image.16">
                   <p:embed/>
                 </p:oleObj>
               </mc:Choice>
@@ -4641,15 +4645,7 @@
                   <a:srgbClr val="00B0F0"/>
                 </a:solidFill>
               </a:rPr>
-              <a:t>에서 관리대상으</a:t>
-            </a:r>
-            <a:r>
-              <a:rPr lang="ko-KR" altLang="en-US" sz="1100" smtClean="0">
-                <a:solidFill>
-                  <a:srgbClr val="00B0F0"/>
-                </a:solidFill>
-              </a:rPr>
-              <a:t>로  만든다라는 의미이다</a:t>
+              <a:t>에서 관리대상으로  만든다라는 의미이다</a:t>
             </a:r>
             <a:r>
               <a:rPr lang="en-US" altLang="ko-KR" sz="1100" smtClean="0">
@@ -6117,13 +6113,6 @@
                 </a:rPr>
                 <a:t>untracked</a:t>
               </a:r>
-              <a:endParaRPr lang="en-US" altLang="ko-KR" sz="1600" b="1" smtClean="0">
-                <a:solidFill>
-                  <a:schemeClr val="bg1"/>
-                </a:solidFill>
-                <a:latin typeface="나눔고딕" panose="020D0604000000000000" pitchFamily="50" charset="-127"/>
-                <a:ea typeface="나눔고딕" panose="020D0604000000000000" pitchFamily="50" charset="-127"/>
-              </a:endParaRPr>
             </a:p>
           </p:txBody>
         </p:sp>
@@ -6267,13 +6256,6 @@
                 </a:rPr>
                 <a:t>staged</a:t>
               </a:r>
-              <a:endParaRPr lang="en-US" altLang="ko-KR" sz="1600" b="1" smtClean="0">
-                <a:solidFill>
-                  <a:schemeClr val="bg1"/>
-                </a:solidFill>
-                <a:latin typeface="나눔고딕" panose="020D0604000000000000" pitchFamily="50" charset="-127"/>
-                <a:ea typeface="나눔고딕" panose="020D0604000000000000" pitchFamily="50" charset="-127"/>
-              </a:endParaRPr>
             </a:p>
           </p:txBody>
         </p:sp>
@@ -6373,13 +6355,6 @@
                 </a:rPr>
                 <a:t>modified</a:t>
               </a:r>
-              <a:endParaRPr lang="en-US" altLang="ko-KR" sz="1600" b="1" smtClean="0">
-                <a:solidFill>
-                  <a:schemeClr val="bg1"/>
-                </a:solidFill>
-                <a:latin typeface="나눔고딕" panose="020D0604000000000000" pitchFamily="50" charset="-127"/>
-                <a:ea typeface="나눔고딕" panose="020D0604000000000000" pitchFamily="50" charset="-127"/>
-              </a:endParaRPr>
             </a:p>
           </p:txBody>
         </p:sp>
@@ -6479,13 +6454,6 @@
                 </a:rPr>
                 <a:t>unmodified</a:t>
               </a:r>
-              <a:endParaRPr lang="en-US" altLang="ko-KR" sz="1600" b="1" smtClean="0">
-                <a:solidFill>
-                  <a:schemeClr val="bg1"/>
-                </a:solidFill>
-                <a:latin typeface="나눔고딕" panose="020D0604000000000000" pitchFamily="50" charset="-127"/>
-                <a:ea typeface="나눔고딕" panose="020D0604000000000000" pitchFamily="50" charset="-127"/>
-              </a:endParaRPr>
             </a:p>
           </p:txBody>
         </p:sp>
@@ -8117,14 +8085,14 @@
           <a:p>
             <a:r>
               <a:rPr lang="ko-KR" altLang="en-US" sz="1292" smtClean="0">
-                <a:latin typeface="+mj-ea"/>
-                <a:ea typeface="+mj-ea"/>
+                <a:latin typeface="나눔고딕" panose="020D0604000000000000" pitchFamily="50" charset="-127"/>
+                <a:ea typeface="나눔고딕" panose="020D0604000000000000" pitchFamily="50" charset="-127"/>
               </a:rPr>
               <a:t>교육 및 스터디 주제</a:t>
             </a:r>
             <a:endParaRPr lang="ko-KR" altLang="en-US" sz="1292">
-              <a:latin typeface="+mj-ea"/>
-              <a:ea typeface="+mj-ea"/>
+              <a:latin typeface="나눔고딕" panose="020D0604000000000000" pitchFamily="50" charset="-127"/>
+              <a:ea typeface="나눔고딕" panose="020D0604000000000000" pitchFamily="50" charset="-127"/>
             </a:endParaRPr>
           </a:p>
         </p:txBody>
@@ -8147,7 +8115,7 @@
           <a:graphicData uri="http://schemas.openxmlformats.org/presentationml/2006/ole">
             <mc:AlternateContent xmlns:mc="http://schemas.openxmlformats.org/markup-compatibility/2006">
               <mc:Choice xmlns:v="urn:schemas-microsoft-com:vml" Requires="v">
-                <p:oleObj spid="_x0000_s8530" name="Image" r:id="rId3" imgW="2184120" imgH="850680" progId="Photoshop.Image.16">
+                <p:oleObj spid="_x0000_s8560" name="Image" r:id="rId3" imgW="2184120" imgH="850680" progId="Photoshop.Image.16">
                   <p:embed/>
                 </p:oleObj>
               </mc:Choice>
@@ -8200,7 +8168,7 @@
           <a:graphicData uri="http://schemas.openxmlformats.org/presentationml/2006/ole">
             <mc:AlternateContent xmlns:mc="http://schemas.openxmlformats.org/markup-compatibility/2006">
               <mc:Choice xmlns:v="urn:schemas-microsoft-com:vml" Requires="v">
-                <p:oleObj spid="_x0000_s8531" name="Image" r:id="rId5" imgW="1523520" imgH="1345680" progId="Photoshop.Image.16">
+                <p:oleObj spid="_x0000_s8561" name="Image" r:id="rId5" imgW="1523520" imgH="1345680" progId="Photoshop.Image.16">
                   <p:embed/>
                 </p:oleObj>
               </mc:Choice>
@@ -8253,7 +8221,7 @@
           <a:graphicData uri="http://schemas.openxmlformats.org/presentationml/2006/ole">
             <mc:AlternateContent xmlns:mc="http://schemas.openxmlformats.org/markup-compatibility/2006">
               <mc:Choice xmlns:v="urn:schemas-microsoft-com:vml" Requires="v">
-                <p:oleObj spid="_x0000_s8532" name="Image" r:id="rId7" imgW="1282320" imgH="1713960" progId="Photoshop.Image.16">
+                <p:oleObj spid="_x0000_s8562" name="Image" r:id="rId7" imgW="1282320" imgH="1713960" progId="Photoshop.Image.16">
                   <p:embed/>
                 </p:oleObj>
               </mc:Choice>
@@ -8306,7 +8274,7 @@
           <a:graphicData uri="http://schemas.openxmlformats.org/presentationml/2006/ole">
             <mc:AlternateContent xmlns:mc="http://schemas.openxmlformats.org/markup-compatibility/2006">
               <mc:Choice xmlns:v="urn:schemas-microsoft-com:vml" Requires="v">
-                <p:oleObj spid="_x0000_s8533" name="Image" r:id="rId9" imgW="786960" imgH="1777680" progId="Photoshop.Image.16">
+                <p:oleObj spid="_x0000_s8563" name="Image" r:id="rId9" imgW="786960" imgH="1777680" progId="Photoshop.Image.16">
                   <p:embed/>
                 </p:oleObj>
               </mc:Choice>
@@ -8359,7 +8327,7 @@
           <a:graphicData uri="http://schemas.openxmlformats.org/presentationml/2006/ole">
             <mc:AlternateContent xmlns:mc="http://schemas.openxmlformats.org/markup-compatibility/2006">
               <mc:Choice xmlns:v="urn:schemas-microsoft-com:vml" Requires="v">
-                <p:oleObj spid="_x0000_s8534" name="Image" r:id="rId11" imgW="1726920" imgH="1294920" progId="Photoshop.Image.16">
+                <p:oleObj spid="_x0000_s8564" name="Image" r:id="rId11" imgW="1726920" imgH="1294920" progId="Photoshop.Image.16">
                   <p:embed/>
                 </p:oleObj>
               </mc:Choice>
@@ -8412,7 +8380,7 @@
           <a:graphicData uri="http://schemas.openxmlformats.org/presentationml/2006/ole">
             <mc:AlternateContent xmlns:mc="http://schemas.openxmlformats.org/markup-compatibility/2006">
               <mc:Choice xmlns:v="urn:schemas-microsoft-com:vml" Requires="v">
-                <p:oleObj spid="_x0000_s8535" name="Image" r:id="rId13" imgW="4126680" imgH="4126680" progId="Photoshop.Image.16">
+                <p:oleObj spid="_x0000_s8565" name="Image" r:id="rId13" imgW="4126680" imgH="4126680" progId="Photoshop.Image.16">
                   <p:embed/>
                 </p:oleObj>
               </mc:Choice>
@@ -8940,7 +8908,7 @@
           <a:graphicData uri="http://schemas.openxmlformats.org/presentationml/2006/ole">
             <mc:AlternateContent xmlns:mc="http://schemas.openxmlformats.org/markup-compatibility/2006">
               <mc:Choice xmlns:v="urn:schemas-microsoft-com:vml" Requires="v">
-                <p:oleObj spid="_x0000_s5216" name="Image" r:id="rId3" imgW="7885440" imgH="5053680" progId="Photoshop.Image.16">
+                <p:oleObj spid="_x0000_s5221" name="Image" r:id="rId3" imgW="7885440" imgH="5053680" progId="Photoshop.Image.16">
                   <p:embed/>
                 </p:oleObj>
               </mc:Choice>
@@ -9723,28 +9691,14 @@
                 <a:latin typeface="나눔고딕" panose="020D0604000000000000" pitchFamily="50" charset="-127"/>
                 <a:ea typeface="나눔고딕" panose="020D0604000000000000" pitchFamily="50" charset="-127"/>
               </a:rPr>
-              <a:t>Git</a:t>
-            </a:r>
-            <a:r>
-              <a:rPr lang="en-US" altLang="ko-KR" sz="1600" b="1" smtClean="0">
-                <a:latin typeface="나눔고딕" panose="020D0604000000000000" pitchFamily="50" charset="-127"/>
-                <a:ea typeface="나눔고딕" panose="020D0604000000000000" pitchFamily="50" charset="-127"/>
-              </a:rPr>
-              <a:t>hub Desktop - </a:t>
+              <a:t>Github Desktop - </a:t>
             </a:r>
             <a:r>
               <a:rPr lang="ko-KR" altLang="en-US" sz="1600" b="1" smtClean="0">
                 <a:latin typeface="나눔고딕" panose="020D0604000000000000" pitchFamily="50" charset="-127"/>
                 <a:ea typeface="나눔고딕" panose="020D0604000000000000" pitchFamily="50" charset="-127"/>
               </a:rPr>
-              <a:t>저장소 </a:t>
-            </a:r>
-            <a:r>
-              <a:rPr lang="ko-KR" altLang="en-US" sz="1600" b="1" smtClean="0">
-                <a:latin typeface="나눔고딕" panose="020D0604000000000000" pitchFamily="50" charset="-127"/>
-                <a:ea typeface="나눔고딕" panose="020D0604000000000000" pitchFamily="50" charset="-127"/>
-              </a:rPr>
-              <a:t>만들기</a:t>
+              <a:t>저장소 만들기</a:t>
             </a:r>
             <a:endParaRPr lang="ko-KR" altLang="en-US" sz="1600" b="1">
               <a:latin typeface="나눔고딕" panose="020D0604000000000000" pitchFamily="50" charset="-127"/>
@@ -10395,7 +10349,7 @@
         <p:spPr>
           <a:xfrm>
             <a:off x="3264694" y="5137515"/>
-            <a:ext cx="100013" cy="285260"/>
+            <a:ext cx="100013" cy="296802"/>
           </a:xfrm>
           <a:prstGeom prst="straightConnector1">
             <a:avLst/>
@@ -10482,7 +10436,7 @@
         <p:spPr>
           <a:xfrm>
             <a:off x="3364707" y="5307359"/>
-            <a:ext cx="1576387" cy="230832"/>
+            <a:ext cx="1576387" cy="253916"/>
           </a:xfrm>
           <a:prstGeom prst="rect">
             <a:avLst/>
@@ -10496,20 +10450,29 @@
           <a:lstStyle/>
           <a:p>
             <a:r>
-              <a:rPr lang="ko-KR" altLang="en-US" sz="900" b="1" smtClean="0">
+              <a:rPr lang="ko-KR" altLang="en-US" sz="1050" b="1" smtClean="0">
+                <a:solidFill>
+                  <a:srgbClr val="00B0F0"/>
+                </a:solidFill>
                 <a:latin typeface="나눔고딕" panose="020D0604000000000000" pitchFamily="50" charset="-127"/>
                 <a:ea typeface="나눔고딕" panose="020D0604000000000000" pitchFamily="50" charset="-127"/>
               </a:rPr>
               <a:t>최종확인 및 </a:t>
             </a:r>
             <a:r>
-              <a:rPr lang="en-US" altLang="ko-KR" sz="900" b="1" smtClean="0">
+              <a:rPr lang="en-US" altLang="ko-KR" sz="1050" b="1" smtClean="0">
+                <a:solidFill>
+                  <a:srgbClr val="00B0F0"/>
+                </a:solidFill>
                 <a:latin typeface="나눔고딕" panose="020D0604000000000000" pitchFamily="50" charset="-127"/>
                 <a:ea typeface="나눔고딕" panose="020D0604000000000000" pitchFamily="50" charset="-127"/>
               </a:rPr>
               <a:t>COMMIT</a:t>
             </a:r>
-            <a:endParaRPr lang="ko-KR" altLang="en-US" sz="900" b="1">
+            <a:endParaRPr lang="ko-KR" altLang="en-US" sz="1050" b="1">
+              <a:solidFill>
+                <a:srgbClr val="00B0F0"/>
+              </a:solidFill>
               <a:latin typeface="나눔고딕" panose="020D0604000000000000" pitchFamily="50" charset="-127"/>
               <a:ea typeface="나눔고딕" panose="020D0604000000000000" pitchFamily="50" charset="-127"/>
             </a:endParaRPr>
@@ -10834,14 +10797,7 @@
                 <a:latin typeface="나눔고딕" panose="020D0604000000000000" pitchFamily="50" charset="-127"/>
                 <a:ea typeface="나눔고딕" panose="020D0604000000000000" pitchFamily="50" charset="-127"/>
               </a:rPr>
-              <a:t>Github Desktop </a:t>
-            </a:r>
-            <a:r>
-              <a:rPr lang="en-US" altLang="ko-KR" sz="1600" b="1">
-                <a:latin typeface="나눔고딕" panose="020D0604000000000000" pitchFamily="50" charset="-127"/>
-                <a:ea typeface="나눔고딕" panose="020D0604000000000000" pitchFamily="50" charset="-127"/>
-              </a:rPr>
-              <a:t>- </a:t>
+              <a:t>Github Desktop - </a:t>
             </a:r>
             <a:r>
               <a:rPr lang="ko-KR" altLang="en-US" sz="1600" b="1" smtClean="0">
@@ -11471,7 +11427,7 @@
         <p:spPr>
           <a:xfrm>
             <a:off x="5036344" y="3981741"/>
-            <a:ext cx="1507332" cy="369332"/>
+            <a:ext cx="1507332" cy="400110"/>
           </a:xfrm>
           <a:prstGeom prst="rect">
             <a:avLst/>
@@ -11485,9 +11441,9 @@
           <a:lstStyle/>
           <a:p>
             <a:r>
-              <a:rPr lang="en-US" altLang="ko-KR" sz="900" b="1" smtClean="0">
-                <a:solidFill>
-                  <a:srgbClr val="C00000"/>
+              <a:rPr lang="en-US" altLang="ko-KR" sz="1000" b="1" smtClean="0">
+                <a:solidFill>
+                  <a:srgbClr val="00B0F0"/>
                 </a:solidFill>
                 <a:latin typeface="나눔고딕" panose="020D0604000000000000" pitchFamily="50" charset="-127"/>
                 <a:ea typeface="나눔고딕" panose="020D0604000000000000" pitchFamily="50" charset="-127"/>
@@ -11495,9 +11451,9 @@
               <a:t>Revert </a:t>
             </a:r>
             <a:r>
-              <a:rPr lang="ko-KR" altLang="en-US" sz="900" b="1" smtClean="0">
-                <a:solidFill>
-                  <a:srgbClr val="C00000"/>
+              <a:rPr lang="ko-KR" altLang="en-US" sz="1000" b="1" smtClean="0">
+                <a:solidFill>
+                  <a:srgbClr val="00B0F0"/>
                 </a:solidFill>
                 <a:latin typeface="나눔고딕" panose="020D0604000000000000" pitchFamily="50" charset="-127"/>
                 <a:ea typeface="나눔고딕" panose="020D0604000000000000" pitchFamily="50" charset="-127"/>
@@ -11505,18 +11461,18 @@
               <a:t>버튼을 클릭하면 이전 상태로 되돌린다</a:t>
             </a:r>
             <a:r>
-              <a:rPr lang="en-US" altLang="ko-KR" sz="900" b="1" smtClean="0">
-                <a:solidFill>
-                  <a:srgbClr val="C00000"/>
+              <a:rPr lang="en-US" altLang="ko-KR" sz="1000" b="1" smtClean="0">
+                <a:solidFill>
+                  <a:srgbClr val="00B0F0"/>
                 </a:solidFill>
                 <a:latin typeface="나눔고딕" panose="020D0604000000000000" pitchFamily="50" charset="-127"/>
                 <a:ea typeface="나눔고딕" panose="020D0604000000000000" pitchFamily="50" charset="-127"/>
               </a:rPr>
               <a:t>.</a:t>
             </a:r>
-            <a:endParaRPr lang="ko-KR" altLang="en-US" sz="900" b="1">
+            <a:endParaRPr lang="ko-KR" altLang="en-US" sz="1000" b="1">
               <a:solidFill>
-                <a:srgbClr val="C00000"/>
+                <a:srgbClr val="00B0F0"/>
               </a:solidFill>
               <a:latin typeface="나눔고딕" panose="020D0604000000000000" pitchFamily="50" charset="-127"/>
               <a:ea typeface="나눔고딕" panose="020D0604000000000000" pitchFamily="50" charset="-127"/>
@@ -11585,7 +11541,7 @@
             <a:r>
               <a:rPr lang="ko-KR" altLang="en-US" sz="1200" b="1" smtClean="0">
                 <a:solidFill>
-                  <a:srgbClr val="C00000"/>
+                  <a:srgbClr val="00B0F0"/>
                 </a:solidFill>
                 <a:latin typeface="나눔고딕" panose="020D0604000000000000" pitchFamily="50" charset="-127"/>
                 <a:ea typeface="나눔고딕" panose="020D0604000000000000" pitchFamily="50" charset="-127"/>
@@ -11595,7 +11551,7 @@
             <a:r>
               <a:rPr lang="en-US" altLang="ko-KR" sz="1200" b="1" smtClean="0">
                 <a:solidFill>
-                  <a:srgbClr val="C00000"/>
+                  <a:srgbClr val="00B0F0"/>
                 </a:solidFill>
                 <a:latin typeface="나눔고딕" panose="020D0604000000000000" pitchFamily="50" charset="-127"/>
                 <a:ea typeface="나눔고딕" panose="020D0604000000000000" pitchFamily="50" charset="-127"/>
@@ -11605,7 +11561,7 @@
             <a:r>
               <a:rPr lang="ko-KR" altLang="en-US" sz="1200" b="1" smtClean="0">
                 <a:solidFill>
-                  <a:srgbClr val="C00000"/>
+                  <a:srgbClr val="00B0F0"/>
                 </a:solidFill>
                 <a:latin typeface="나눔고딕" panose="020D0604000000000000" pitchFamily="50" charset="-127"/>
                 <a:ea typeface="나눔고딕" panose="020D0604000000000000" pitchFamily="50" charset="-127"/>
@@ -11615,7 +11571,7 @@
             <a:r>
               <a:rPr lang="en-US" altLang="ko-KR" sz="1200" b="1" smtClean="0">
                 <a:solidFill>
-                  <a:srgbClr val="C00000"/>
+                  <a:srgbClr val="00B0F0"/>
                 </a:solidFill>
                 <a:latin typeface="나눔고딕" panose="020D0604000000000000" pitchFamily="50" charset="-127"/>
                 <a:ea typeface="나눔고딕" panose="020D0604000000000000" pitchFamily="50" charset="-127"/>
@@ -11625,7 +11581,7 @@
             <a:r>
               <a:rPr lang="ko-KR" altLang="en-US" sz="1200" b="1" smtClean="0">
                 <a:solidFill>
-                  <a:srgbClr val="C00000"/>
+                  <a:srgbClr val="00B0F0"/>
                 </a:solidFill>
                 <a:latin typeface="나눔고딕" panose="020D0604000000000000" pitchFamily="50" charset="-127"/>
                 <a:ea typeface="나눔고딕" panose="020D0604000000000000" pitchFamily="50" charset="-127"/>
@@ -11635,7 +11591,7 @@
             <a:r>
               <a:rPr lang="en-US" altLang="ko-KR" sz="1200" b="1" smtClean="0">
                 <a:solidFill>
-                  <a:srgbClr val="C00000"/>
+                  <a:srgbClr val="00B0F0"/>
                 </a:solidFill>
                 <a:latin typeface="나눔고딕" panose="020D0604000000000000" pitchFamily="50" charset="-127"/>
                 <a:ea typeface="나눔고딕" panose="020D0604000000000000" pitchFamily="50" charset="-127"/>
@@ -11644,7 +11600,7 @@
             </a:r>
             <a:endParaRPr lang="ko-KR" altLang="en-US" sz="1200" b="1">
               <a:solidFill>
-                <a:srgbClr val="C00000"/>
+                <a:srgbClr val="00B0F0"/>
               </a:solidFill>
               <a:latin typeface="나눔고딕" panose="020D0604000000000000" pitchFamily="50" charset="-127"/>
               <a:ea typeface="나눔고딕" panose="020D0604000000000000" pitchFamily="50" charset="-127"/>
@@ -11674,7 +11630,7 @@
           <a:graphicData uri="http://schemas.openxmlformats.org/presentationml/2006/ole">
             <mc:AlternateContent xmlns:mc="http://schemas.openxmlformats.org/markup-compatibility/2006">
               <mc:Choice xmlns:v="urn:schemas-microsoft-com:vml" Requires="v">
-                <p:oleObj spid="_x0000_s7239" name="Image" r:id="rId4" imgW="1269720" imgH="622080" progId="Photoshop.Image.16">
+                <p:oleObj spid="_x0000_s7244" name="Image" r:id="rId4" imgW="1269720" imgH="622080" progId="Photoshop.Image.16">
                   <p:embed/>
                 </p:oleObj>
               </mc:Choice>
@@ -11734,7 +11690,7 @@
             <a:r>
               <a:rPr lang="ko-KR" altLang="en-US" sz="1200" b="1" smtClean="0">
                 <a:solidFill>
-                  <a:srgbClr val="C00000"/>
+                  <a:srgbClr val="00B0F0"/>
                 </a:solidFill>
                 <a:latin typeface="나눔고딕" panose="020D0604000000000000" pitchFamily="50" charset="-127"/>
                 <a:ea typeface="나눔고딕" panose="020D0604000000000000" pitchFamily="50" charset="-127"/>
@@ -11744,7 +11700,7 @@
             <a:r>
               <a:rPr lang="en-US" altLang="ko-KR" sz="1200" b="1" smtClean="0">
                 <a:solidFill>
-                  <a:srgbClr val="C00000"/>
+                  <a:srgbClr val="00B0F0"/>
                 </a:solidFill>
                 <a:latin typeface="나눔고딕" panose="020D0604000000000000" pitchFamily="50" charset="-127"/>
                 <a:ea typeface="나눔고딕" panose="020D0604000000000000" pitchFamily="50" charset="-127"/>
@@ -11754,7 +11710,7 @@
             <a:r>
               <a:rPr lang="ko-KR" altLang="en-US" sz="1200" b="1" smtClean="0">
                 <a:solidFill>
-                  <a:srgbClr val="C00000"/>
+                  <a:srgbClr val="00B0F0"/>
                 </a:solidFill>
                 <a:latin typeface="나눔고딕" panose="020D0604000000000000" pitchFamily="50" charset="-127"/>
                 <a:ea typeface="나눔고딕" panose="020D0604000000000000" pitchFamily="50" charset="-127"/>
@@ -11764,7 +11720,7 @@
             <a:r>
               <a:rPr lang="en-US" altLang="ko-KR" sz="1200" b="1" smtClean="0">
                 <a:solidFill>
-                  <a:srgbClr val="C00000"/>
+                  <a:srgbClr val="00B0F0"/>
                 </a:solidFill>
                 <a:latin typeface="나눔고딕" panose="020D0604000000000000" pitchFamily="50" charset="-127"/>
                 <a:ea typeface="나눔고딕" panose="020D0604000000000000" pitchFamily="50" charset="-127"/>
@@ -11774,7 +11730,7 @@
             <a:r>
               <a:rPr lang="ko-KR" altLang="en-US" sz="1200" b="1" smtClean="0">
                 <a:solidFill>
-                  <a:srgbClr val="C00000"/>
+                  <a:srgbClr val="00B0F0"/>
                 </a:solidFill>
                 <a:latin typeface="나눔고딕" panose="020D0604000000000000" pitchFamily="50" charset="-127"/>
                 <a:ea typeface="나눔고딕" panose="020D0604000000000000" pitchFamily="50" charset="-127"/>
@@ -11784,7 +11740,7 @@
             <a:r>
               <a:rPr lang="en-US" altLang="ko-KR" sz="1200" b="1" smtClean="0">
                 <a:solidFill>
-                  <a:srgbClr val="C00000"/>
+                  <a:srgbClr val="00B0F0"/>
                 </a:solidFill>
                 <a:latin typeface="나눔고딕" panose="020D0604000000000000" pitchFamily="50" charset="-127"/>
                 <a:ea typeface="나눔고딕" panose="020D0604000000000000" pitchFamily="50" charset="-127"/>
@@ -11794,7 +11750,7 @@
             <a:r>
               <a:rPr lang="ko-KR" altLang="en-US" sz="1200" b="1" smtClean="0">
                 <a:solidFill>
-                  <a:srgbClr val="C00000"/>
+                  <a:srgbClr val="00B0F0"/>
                 </a:solidFill>
                 <a:latin typeface="나눔고딕" panose="020D0604000000000000" pitchFamily="50" charset="-127"/>
                 <a:ea typeface="나눔고딕" panose="020D0604000000000000" pitchFamily="50" charset="-127"/>
@@ -11804,7 +11760,7 @@
             <a:r>
               <a:rPr lang="en-US" altLang="ko-KR" sz="1200" b="1" smtClean="0">
                 <a:solidFill>
-                  <a:srgbClr val="C00000"/>
+                  <a:srgbClr val="00B0F0"/>
                 </a:solidFill>
                 <a:latin typeface="나눔고딕" panose="020D0604000000000000" pitchFamily="50" charset="-127"/>
                 <a:ea typeface="나눔고딕" panose="020D0604000000000000" pitchFamily="50" charset="-127"/>
@@ -11814,7 +11770,7 @@
             <a:r>
               <a:rPr lang="ko-KR" altLang="en-US" sz="1200" b="1" smtClean="0">
                 <a:solidFill>
-                  <a:srgbClr val="C00000"/>
+                  <a:srgbClr val="00B0F0"/>
                 </a:solidFill>
                 <a:latin typeface="나눔고딕" panose="020D0604000000000000" pitchFamily="50" charset="-127"/>
                 <a:ea typeface="나눔고딕" panose="020D0604000000000000" pitchFamily="50" charset="-127"/>
@@ -11824,7 +11780,7 @@
             <a:r>
               <a:rPr lang="en-US" altLang="ko-KR" sz="1200" b="1" smtClean="0">
                 <a:solidFill>
-                  <a:srgbClr val="C00000"/>
+                  <a:srgbClr val="00B0F0"/>
                 </a:solidFill>
                 <a:latin typeface="나눔고딕" panose="020D0604000000000000" pitchFamily="50" charset="-127"/>
                 <a:ea typeface="나눔고딕" panose="020D0604000000000000" pitchFamily="50" charset="-127"/>
@@ -11833,7 +11789,7 @@
             </a:r>
             <a:endParaRPr lang="ko-KR" altLang="en-US" sz="1200" b="1">
               <a:solidFill>
-                <a:srgbClr val="C00000"/>
+                <a:srgbClr val="00B0F0"/>
               </a:solidFill>
               <a:latin typeface="나눔고딕" panose="020D0604000000000000" pitchFamily="50" charset="-127"/>
               <a:ea typeface="나눔고딕" panose="020D0604000000000000" pitchFamily="50" charset="-127"/>
@@ -11868,14 +11824,7 @@
                 <a:latin typeface="나눔고딕" panose="020D0604000000000000" pitchFamily="50" charset="-127"/>
                 <a:ea typeface="나눔고딕" panose="020D0604000000000000" pitchFamily="50" charset="-127"/>
               </a:rPr>
-              <a:t>Github Desktop </a:t>
-            </a:r>
-            <a:r>
-              <a:rPr lang="en-US" altLang="ko-KR" sz="1600" b="1">
-                <a:latin typeface="나눔고딕" panose="020D0604000000000000" pitchFamily="50" charset="-127"/>
-                <a:ea typeface="나눔고딕" panose="020D0604000000000000" pitchFamily="50" charset="-127"/>
-              </a:rPr>
-              <a:t>- </a:t>
+              <a:t>Github Desktop - </a:t>
             </a:r>
             <a:r>
               <a:rPr lang="ko-KR" altLang="en-US" sz="1600" b="1" smtClean="0">
@@ -12020,7 +11969,7 @@
         <p:spPr>
           <a:xfrm>
             <a:off x="3533622" y="1521235"/>
-            <a:ext cx="4026279" cy="313332"/>
+            <a:ext cx="4738841" cy="313332"/>
           </a:xfrm>
           <a:prstGeom prst="rect">
             <a:avLst/>
@@ -12045,7 +11994,35 @@
                 <a:latin typeface="나눔고딕" panose="020D0604000000000000" pitchFamily="50" charset="-127"/>
                 <a:ea typeface="나눔고딕" panose="020D0604000000000000" pitchFamily="50" charset="-127"/>
               </a:rPr>
-              <a:t>저장소에서 제외시키기</a:t>
+              <a:t>저장소에서 </a:t>
+            </a:r>
+            <a:r>
+              <a:rPr lang="ko-KR" altLang="en-US" sz="1600" b="1" smtClean="0">
+                <a:latin typeface="나눔고딕" panose="020D0604000000000000" pitchFamily="50" charset="-127"/>
+                <a:ea typeface="나눔고딕" panose="020D0604000000000000" pitchFamily="50" charset="-127"/>
+              </a:rPr>
+              <a:t>불필요한 파일</a:t>
+            </a:r>
+            <a:r>
+              <a:rPr lang="en-US" altLang="ko-KR" sz="1600" b="1" smtClean="0">
+                <a:latin typeface="나눔고딕" panose="020D0604000000000000" pitchFamily="50" charset="-127"/>
+                <a:ea typeface="나눔고딕" panose="020D0604000000000000" pitchFamily="50" charset="-127"/>
+              </a:rPr>
+              <a:t>,</a:t>
+            </a:r>
+            <a:r>
+              <a:rPr lang="ko-KR" altLang="en-US" sz="1600" b="1" smtClean="0">
+                <a:latin typeface="나눔고딕" panose="020D0604000000000000" pitchFamily="50" charset="-127"/>
+                <a:ea typeface="나눔고딕" panose="020D0604000000000000" pitchFamily="50" charset="-127"/>
+              </a:rPr>
+              <a:t>디렉토리를 </a:t>
+            </a:r>
+            <a:r>
+              <a:rPr lang="ko-KR" altLang="en-US" sz="1600" b="1" smtClean="0">
+                <a:latin typeface="나눔고딕" panose="020D0604000000000000" pitchFamily="50" charset="-127"/>
+                <a:ea typeface="나눔고딕" panose="020D0604000000000000" pitchFamily="50" charset="-127"/>
+              </a:rPr>
+              <a:t>제외시키기</a:t>
             </a:r>
             <a:endParaRPr lang="ko-KR" altLang="en-US" sz="1600" b="1">
               <a:latin typeface="나눔고딕" panose="020D0604000000000000" pitchFamily="50" charset="-127"/>
@@ -12092,8 +12069,8 @@
         </p:nvSpPr>
         <p:spPr>
           <a:xfrm>
-            <a:off x="3490760" y="1881187"/>
-            <a:ext cx="4681690" cy="1700466"/>
+            <a:off x="3490759" y="1881187"/>
+            <a:ext cx="4953153" cy="2346796"/>
           </a:xfrm>
           <a:prstGeom prst="rect">
             <a:avLst/>
@@ -12107,11 +12084,19 @@
           <a:lstStyle/>
           <a:p>
             <a:r>
-              <a:rPr lang="en-US" altLang="ko-KR" sz="2400"/>
+              <a:rPr lang="en-US" altLang="ko-KR" sz="2400">
+                <a:solidFill>
+                  <a:srgbClr val="00B0F0"/>
+                </a:solidFill>
+              </a:rPr>
               <a:t>.</a:t>
             </a:r>
             <a:r>
-              <a:rPr lang="en-US" altLang="ko-KR" sz="2400" smtClean="0"/>
+              <a:rPr lang="en-US" altLang="ko-KR" sz="2400" smtClean="0">
+                <a:solidFill>
+                  <a:srgbClr val="00B0F0"/>
+                </a:solidFill>
+              </a:rPr>
               <a:t>gitignore</a:t>
             </a:r>
             <a:r>
@@ -12211,6 +12196,97 @@
             <a:r>
               <a:rPr lang="en-US" altLang="ko-KR" sz="1050" smtClean="0"/>
               <a:t>.</a:t>
+            </a:r>
+          </a:p>
+          <a:p>
+            <a:endParaRPr lang="en-US" altLang="ko-KR" sz="1050"/>
+          </a:p>
+          <a:p>
+            <a:r>
+              <a:rPr lang="en-US" altLang="ko-KR" sz="1050" smtClean="0">
+                <a:solidFill>
+                  <a:srgbClr val="00B0F0"/>
+                </a:solidFill>
+              </a:rPr>
+              <a:t>#</a:t>
+            </a:r>
+            <a:r>
+              <a:rPr lang="en-US" altLang="ko-KR" sz="1050" smtClean="0"/>
+              <a:t> </a:t>
+            </a:r>
+            <a:r>
+              <a:rPr lang="ko-KR" altLang="en-US" sz="1050" smtClean="0"/>
+              <a:t>은</a:t>
+            </a:r>
+            <a:r>
+              <a:rPr lang="en-US" altLang="ko-KR" sz="1050"/>
+              <a:t> </a:t>
+            </a:r>
+            <a:r>
+              <a:rPr lang="ko-KR" altLang="en-US" sz="1050" smtClean="0"/>
+              <a:t>주석처리</a:t>
+            </a:r>
+            <a:endParaRPr lang="en-US" altLang="ko-KR" sz="1050" smtClean="0"/>
+          </a:p>
+          <a:p>
+            <a:r>
+              <a:rPr lang="en-US" altLang="ko-KR" sz="1050" smtClean="0">
+                <a:solidFill>
+                  <a:srgbClr val="00B0F0"/>
+                </a:solidFill>
+              </a:rPr>
+              <a:t>directory name/</a:t>
+            </a:r>
+            <a:r>
+              <a:rPr lang="en-US" altLang="ko-KR" sz="1050" smtClean="0"/>
+              <a:t>   </a:t>
+            </a:r>
+            <a:r>
+              <a:rPr lang="ko-KR" altLang="en-US" sz="1050" smtClean="0"/>
+              <a:t>디렉토리를 통채로 제외시키려면 디렉토리명 뒤에 </a:t>
+            </a:r>
+            <a:r>
+              <a:rPr lang="en-US" altLang="ko-KR" sz="1050" smtClean="0"/>
+              <a:t>"/"</a:t>
+            </a:r>
+            <a:r>
+              <a:rPr lang="ko-KR" altLang="en-US" sz="1050" smtClean="0"/>
+              <a:t>을</a:t>
+            </a:r>
+            <a:r>
+              <a:rPr lang="en-US" altLang="ko-KR" sz="1050" smtClean="0"/>
+              <a:t> </a:t>
+            </a:r>
+            <a:r>
+              <a:rPr lang="ko-KR" altLang="en-US" sz="1050" smtClean="0"/>
+              <a:t>붙인다</a:t>
+            </a:r>
+            <a:r>
+              <a:rPr lang="en-US" altLang="ko-KR" sz="1050" smtClean="0"/>
+              <a:t>. </a:t>
+            </a:r>
+            <a:br>
+              <a:rPr lang="en-US" altLang="ko-KR" sz="1050" smtClean="0"/>
+            </a:br>
+            <a:r>
+              <a:rPr lang="en-US" altLang="ko-KR" sz="1050" smtClean="0">
+                <a:solidFill>
+                  <a:srgbClr val="00B0F0"/>
+                </a:solidFill>
+              </a:rPr>
+              <a:t>*.doc</a:t>
+            </a:r>
+            <a:r>
+              <a:rPr lang="en-US" altLang="ko-KR" sz="1050" smtClean="0"/>
+              <a:t>  doc</a:t>
+            </a:r>
+            <a:r>
+              <a:rPr lang="ko-KR" altLang="en-US" sz="1050" smtClean="0"/>
+              <a:t>확장자를 가진 파일들을 제외시킨다</a:t>
+            </a:r>
+            <a:r>
+              <a:rPr lang="en-US" altLang="ko-KR" sz="1050" smtClean="0"/>
+              <a:t>. </a:t>
             </a:r>
             <a:endParaRPr lang="en-US" altLang="ko-KR" sz="1050"/>
           </a:p>
@@ -12255,727 +12331,115 @@
       </p:grpSpPr>
       <p:sp>
         <p:nvSpPr>
-          <p:cNvPr id="32" name="모서리가 둥근 직사각형 31"/>
-          <p:cNvSpPr/>
+          <p:cNvPr id="5" name="TextBox 4"/>
+          <p:cNvSpPr txBox="1"/>
           <p:nvPr/>
         </p:nvSpPr>
         <p:spPr>
           <a:xfrm>
-            <a:off x="3431381" y="2016919"/>
-            <a:ext cx="2228850" cy="2521744"/>
-          </a:xfrm>
-          <a:prstGeom prst="roundRect">
-            <a:avLst>
-              <a:gd name="adj" fmla="val 7052"/>
-            </a:avLst>
-          </a:prstGeom>
-          <a:solidFill>
-            <a:schemeClr val="bg1"/>
-          </a:solidFill>
-          <a:ln w="6350">
+            <a:off x="597366" y="2221092"/>
+            <a:ext cx="7939415" cy="2285597"/>
+          </a:xfrm>
+          <a:prstGeom prst="rect">
+            <a:avLst/>
+          </a:prstGeom>
+          <a:noFill/>
+          <a:ln w="22225">
             <a:solidFill>
               <a:srgbClr val="00B0F0"/>
             </a:solidFill>
           </a:ln>
         </p:spPr>
-        <p:style>
-          <a:lnRef idx="2">
-            <a:schemeClr val="accent1">
-              <a:shade val="50000"/>
-            </a:schemeClr>
-          </a:lnRef>
-          <a:fillRef idx="1">
-            <a:schemeClr val="accent1"/>
-          </a:fillRef>
-          <a:effectRef idx="0">
-            <a:schemeClr val="accent1"/>
-          </a:effectRef>
-          <a:fontRef idx="minor">
-            <a:schemeClr val="lt1"/>
-          </a:fontRef>
-        </p:style>
         <p:txBody>
-          <a:bodyPr rtlCol="0" anchor="ctr"/>
-          <a:lstStyle/>
-          <a:p>
-            <a:pPr algn="ctr"/>
-            <a:endParaRPr lang="ko-KR" altLang="en-US"/>
-          </a:p>
-        </p:txBody>
-      </p:sp>
-      <p:sp>
-        <p:nvSpPr>
-          <p:cNvPr id="6" name="모서리가 둥근 직사각형 5"/>
-          <p:cNvSpPr/>
-          <p:nvPr/>
-        </p:nvSpPr>
-        <p:spPr>
-          <a:xfrm>
-            <a:off x="814387" y="2014537"/>
-            <a:ext cx="2228850" cy="2521744"/>
-          </a:xfrm>
-          <a:prstGeom prst="roundRect">
-            <a:avLst>
-              <a:gd name="adj" fmla="val 7052"/>
-            </a:avLst>
-          </a:prstGeom>
-          <a:solidFill>
-            <a:schemeClr val="bg1"/>
-          </a:solidFill>
-          <a:ln w="6350">
-            <a:solidFill>
-              <a:srgbClr val="00B0F0"/>
-            </a:solidFill>
-          </a:ln>
-        </p:spPr>
-        <p:style>
-          <a:lnRef idx="2">
-            <a:schemeClr val="accent1">
-              <a:shade val="50000"/>
-            </a:schemeClr>
-          </a:lnRef>
-          <a:fillRef idx="1">
-            <a:schemeClr val="accent1"/>
-          </a:fillRef>
-          <a:effectRef idx="0">
-            <a:schemeClr val="accent1"/>
-          </a:effectRef>
-          <a:fontRef idx="minor">
-            <a:schemeClr val="lt1"/>
-          </a:fontRef>
-        </p:style>
-        <p:txBody>
-          <a:bodyPr rtlCol="0" anchor="ctr"/>
-          <a:lstStyle/>
-          <a:p>
-            <a:pPr algn="ctr"/>
-            <a:endParaRPr lang="ko-KR" altLang="en-US"/>
-          </a:p>
-        </p:txBody>
-      </p:sp>
-      <p:sp>
-        <p:nvSpPr>
-          <p:cNvPr id="4" name="TextBox 3"/>
-          <p:cNvSpPr txBox="1"/>
-          <p:nvPr/>
-        </p:nvSpPr>
-        <p:spPr>
-          <a:xfrm>
-            <a:off x="332893" y="690180"/>
-            <a:ext cx="5082070" cy="265948"/>
-          </a:xfrm>
-          <a:prstGeom prst="rect">
-            <a:avLst/>
-          </a:prstGeom>
-          <a:noFill/>
-        </p:spPr>
-        <p:txBody>
-          <a:bodyPr wrap="square" lIns="33231" tIns="33231" rIns="33231" bIns="33231" rtlCol="0">
+          <a:bodyPr wrap="square" lIns="166154" tIns="132923" rIns="166154" bIns="132923" rtlCol="0">
             <a:spAutoFit/>
           </a:bodyPr>
           <a:lstStyle/>
           <a:p>
-            <a:r>
-              <a:rPr lang="en-US" altLang="ko-KR" sz="1292">
-                <a:latin typeface="+mj-ea"/>
-              </a:rPr>
-              <a:t>02- Git, Github </a:t>
-            </a:r>
-            <a:r>
-              <a:rPr lang="ko-KR" altLang="en-US" sz="1292">
-                <a:latin typeface="+mj-ea"/>
-              </a:rPr>
-              <a:t>기초 사용법</a:t>
-            </a:r>
-          </a:p>
-        </p:txBody>
-      </p:sp>
-      <p:sp>
-        <p:nvSpPr>
-          <p:cNvPr id="21" name="TextBox 20"/>
-          <p:cNvSpPr txBox="1"/>
-          <p:nvPr/>
-        </p:nvSpPr>
-        <p:spPr>
-          <a:xfrm>
-            <a:off x="1721645" y="1335883"/>
-            <a:ext cx="5800724" cy="338554"/>
-          </a:xfrm>
-          <a:prstGeom prst="rect">
-            <a:avLst/>
-          </a:prstGeom>
-          <a:noFill/>
-        </p:spPr>
-        <p:txBody>
-          <a:bodyPr wrap="square" rtlCol="0">
-            <a:spAutoFit/>
-          </a:bodyPr>
-          <a:lstStyle/>
-          <a:p>
             <a:pPr algn="ctr"/>
             <a:r>
-              <a:rPr lang="en-US" altLang="ko-KR" sz="1600" b="1" smtClean="0">
-                <a:latin typeface="나눔고딕" panose="020D0604000000000000" pitchFamily="50" charset="-127"/>
-                <a:ea typeface="나눔고딕" panose="020D0604000000000000" pitchFamily="50" charset="-127"/>
-              </a:rPr>
-              <a:t>PSD, AI </a:t>
-            </a:r>
-            <a:r>
-              <a:rPr lang="ko-KR" altLang="en-US" sz="1600" b="1" smtClean="0">
-                <a:latin typeface="나눔고딕" panose="020D0604000000000000" pitchFamily="50" charset="-127"/>
-                <a:ea typeface="나눔고딕" panose="020D0604000000000000" pitchFamily="50" charset="-127"/>
-              </a:rPr>
-              <a:t>파일을 </a:t>
-            </a:r>
-            <a:r>
-              <a:rPr lang="en-US" altLang="ko-KR" sz="1600" b="1" smtClean="0">
-                <a:latin typeface="나눔고딕" panose="020D0604000000000000" pitchFamily="50" charset="-127"/>
-                <a:ea typeface="나눔고딕" panose="020D0604000000000000" pitchFamily="50" charset="-127"/>
-              </a:rPr>
-              <a:t>Git</a:t>
-            </a:r>
-            <a:r>
-              <a:rPr lang="ko-KR" altLang="en-US" sz="1600" b="1" smtClean="0">
-                <a:latin typeface="나눔고딕" panose="020D0604000000000000" pitchFamily="50" charset="-127"/>
-                <a:ea typeface="나눔고딕" panose="020D0604000000000000" pitchFamily="50" charset="-127"/>
-              </a:rPr>
-              <a:t>으로 버전관리 할 경우 시나리오</a:t>
-            </a:r>
-            <a:endParaRPr lang="ko-KR" altLang="en-US" sz="1600" b="1">
-              <a:latin typeface="나눔고딕" panose="020D0604000000000000" pitchFamily="50" charset="-127"/>
-              <a:ea typeface="나눔고딕" panose="020D0604000000000000" pitchFamily="50" charset="-127"/>
+              <a:rPr lang="en-US" altLang="ko-KR" sz="4800" b="1" smtClean="0">
+                <a:solidFill>
+                  <a:schemeClr val="bg1"/>
+                </a:solidFill>
+                <a:latin typeface="나눔고딕" panose="020D0604000000000000" pitchFamily="50" charset="-127"/>
+                <a:ea typeface="나눔고딕" panose="020D0604000000000000" pitchFamily="50" charset="-127"/>
+              </a:rPr>
+              <a:t>Git, Github</a:t>
+            </a:r>
+            <a:r>
+              <a:rPr lang="en-US" altLang="ko-KR" sz="3200" b="1" smtClean="0">
+                <a:solidFill>
+                  <a:schemeClr val="bg1"/>
+                </a:solidFill>
+              </a:rPr>
+              <a:t/>
+            </a:r>
+            <a:br>
+              <a:rPr lang="en-US" altLang="ko-KR" sz="3200" b="1" smtClean="0">
+                <a:solidFill>
+                  <a:schemeClr val="bg1"/>
+                </a:solidFill>
+              </a:rPr>
+            </a:br>
+            <a:r>
+              <a:rPr lang="ko-KR" altLang="en-US" sz="6000" smtClean="0">
+                <a:solidFill>
+                  <a:schemeClr val="bg1"/>
+                </a:solidFill>
+                <a:latin typeface="나눔고딕" panose="020D0604000000000000" pitchFamily="50" charset="-127"/>
+                <a:ea typeface="나눔고딕" panose="020D0604000000000000" pitchFamily="50" charset="-127"/>
+              </a:rPr>
+              <a:t>클론하기</a:t>
+            </a:r>
+            <a:r>
+              <a:rPr lang="en-US" altLang="ko-KR" sz="6000" b="1">
+                <a:solidFill>
+                  <a:schemeClr val="bg1"/>
+                </a:solidFill>
+                <a:latin typeface="나눔고딕" panose="020D0604000000000000" pitchFamily="50" charset="-127"/>
+                <a:ea typeface="나눔고딕" panose="020D0604000000000000" pitchFamily="50" charset="-127"/>
+              </a:rPr>
+              <a:t/>
+            </a:r>
+            <a:br>
+              <a:rPr lang="en-US" altLang="ko-KR" sz="6000" b="1">
+                <a:solidFill>
+                  <a:schemeClr val="bg1"/>
+                </a:solidFill>
+                <a:latin typeface="나눔고딕" panose="020D0604000000000000" pitchFamily="50" charset="-127"/>
+                <a:ea typeface="나눔고딕" panose="020D0604000000000000" pitchFamily="50" charset="-127"/>
+              </a:rPr>
+            </a:br>
+            <a:r>
+              <a:rPr lang="en-US" altLang="ko-KR" sz="1200" smtClean="0">
+                <a:solidFill>
+                  <a:schemeClr val="bg1"/>
+                </a:solidFill>
+              </a:rPr>
+              <a:t/>
+            </a:r>
+            <a:br>
+              <a:rPr lang="en-US" altLang="ko-KR" sz="1200" smtClean="0">
+                <a:solidFill>
+                  <a:schemeClr val="bg1"/>
+                </a:solidFill>
+              </a:rPr>
+            </a:br>
+            <a:endParaRPr lang="ko-KR" altLang="en-US" sz="1108" b="1">
+              <a:solidFill>
+                <a:schemeClr val="bg1"/>
+              </a:solidFill>
+              <a:latin typeface="+mj-ea"/>
+              <a:ea typeface="+mj-ea"/>
             </a:endParaRPr>
-          </a:p>
-        </p:txBody>
-      </p:sp>
-      <p:sp>
-        <p:nvSpPr>
-          <p:cNvPr id="30" name="TextBox 29"/>
-          <p:cNvSpPr txBox="1"/>
-          <p:nvPr/>
-        </p:nvSpPr>
-        <p:spPr>
-          <a:xfrm>
-            <a:off x="814388" y="3659983"/>
-            <a:ext cx="2228850" cy="600164"/>
-          </a:xfrm>
-          <a:prstGeom prst="rect">
-            <a:avLst/>
-          </a:prstGeom>
-          <a:noFill/>
-        </p:spPr>
-        <p:txBody>
-          <a:bodyPr wrap="square" rtlCol="0">
-            <a:spAutoFit/>
-          </a:bodyPr>
-          <a:lstStyle/>
-          <a:p>
-            <a:pPr algn="ctr"/>
-            <a:r>
-              <a:rPr lang="en-US" altLang="ko-KR" sz="1100" b="1" smtClean="0">
-                <a:latin typeface="나눔고딕" panose="020D0604000000000000" pitchFamily="50" charset="-127"/>
-                <a:ea typeface="나눔고딕" panose="020D0604000000000000" pitchFamily="50" charset="-127"/>
-              </a:rPr>
-              <a:t>Web page design</a:t>
-            </a:r>
-            <a:r>
-              <a:rPr lang="ko-KR" altLang="en-US" sz="1100" b="1" smtClean="0">
-                <a:latin typeface="나눔고딕" panose="020D0604000000000000" pitchFamily="50" charset="-127"/>
-                <a:ea typeface="나눔고딕" panose="020D0604000000000000" pitchFamily="50" charset="-127"/>
-              </a:rPr>
-              <a:t>용 </a:t>
-            </a:r>
-            <a:r>
-              <a:rPr lang="en-US" altLang="ko-KR" sz="1100" b="1" smtClean="0">
-                <a:latin typeface="나눔고딕" panose="020D0604000000000000" pitchFamily="50" charset="-127"/>
-                <a:ea typeface="나눔고딕" panose="020D0604000000000000" pitchFamily="50" charset="-127"/>
-              </a:rPr>
-              <a:t/>
-            </a:r>
-            <a:br>
-              <a:rPr lang="en-US" altLang="ko-KR" sz="1100" b="1" smtClean="0">
-                <a:latin typeface="나눔고딕" panose="020D0604000000000000" pitchFamily="50" charset="-127"/>
-                <a:ea typeface="나눔고딕" panose="020D0604000000000000" pitchFamily="50" charset="-127"/>
-              </a:rPr>
-            </a:br>
-            <a:r>
-              <a:rPr lang="en-US" altLang="ko-KR" sz="1100" b="1" smtClean="0">
-                <a:latin typeface="나눔고딕" panose="020D0604000000000000" pitchFamily="50" charset="-127"/>
-                <a:ea typeface="나눔고딕" panose="020D0604000000000000" pitchFamily="50" charset="-127"/>
-              </a:rPr>
-              <a:t>PSD</a:t>
-            </a:r>
-            <a:r>
-              <a:rPr lang="ko-KR" altLang="en-US" sz="1100" b="1" smtClean="0">
-                <a:latin typeface="나눔고딕" panose="020D0604000000000000" pitchFamily="50" charset="-127"/>
-                <a:ea typeface="나눔고딕" panose="020D0604000000000000" pitchFamily="50" charset="-127"/>
-              </a:rPr>
-              <a:t>파일의 크기는 평균적으로 </a:t>
-            </a:r>
-            <a:r>
-              <a:rPr lang="en-US" altLang="ko-KR" sz="1100" b="1" smtClean="0">
-                <a:latin typeface="나눔고딕" panose="020D0604000000000000" pitchFamily="50" charset="-127"/>
-                <a:ea typeface="나눔고딕" panose="020D0604000000000000" pitchFamily="50" charset="-127"/>
-              </a:rPr>
-              <a:t>10~20Mb </a:t>
-            </a:r>
-            <a:r>
-              <a:rPr lang="ko-KR" altLang="en-US" sz="1100" b="1" smtClean="0">
-                <a:latin typeface="나눔고딕" panose="020D0604000000000000" pitchFamily="50" charset="-127"/>
-                <a:ea typeface="나눔고딕" panose="020D0604000000000000" pitchFamily="50" charset="-127"/>
-              </a:rPr>
-              <a:t>크기</a:t>
-            </a:r>
-            <a:endParaRPr lang="ko-KR" altLang="en-US" sz="1100" b="1">
-              <a:latin typeface="나눔고딕" panose="020D0604000000000000" pitchFamily="50" charset="-127"/>
-              <a:ea typeface="나눔고딕" panose="020D0604000000000000" pitchFamily="50" charset="-127"/>
-            </a:endParaRPr>
-          </a:p>
-        </p:txBody>
-      </p:sp>
-      <p:pic>
-        <p:nvPicPr>
-          <p:cNvPr id="3" name="그림 2"/>
-          <p:cNvPicPr>
-            <a:picLocks noChangeAspect="1"/>
-          </p:cNvPicPr>
-          <p:nvPr/>
-        </p:nvPicPr>
-        <p:blipFill>
-          <a:blip r:embed="rId2" cstate="print">
-            <a:extLst>
-              <a:ext uri="{28A0092B-C50C-407E-A947-70E740481C1C}">
-                <a14:useLocalDpi xmlns:a14="http://schemas.microsoft.com/office/drawing/2010/main" val="0"/>
-              </a:ext>
-            </a:extLst>
-          </a:blip>
-          <a:stretch>
-            <a:fillRect/>
-          </a:stretch>
-        </p:blipFill>
-        <p:spPr>
-          <a:xfrm>
-            <a:off x="1371482" y="2483642"/>
-            <a:ext cx="986072" cy="1002507"/>
-          </a:xfrm>
-          <a:prstGeom prst="rect">
-            <a:avLst/>
-          </a:prstGeom>
-        </p:spPr>
-      </p:pic>
-      <p:sp>
-        <p:nvSpPr>
-          <p:cNvPr id="31" name="TextBox 30"/>
-          <p:cNvSpPr txBox="1"/>
-          <p:nvPr/>
-        </p:nvSpPr>
-        <p:spPr>
-          <a:xfrm>
-            <a:off x="3514725" y="2352008"/>
-            <a:ext cx="2057400" cy="1815882"/>
-          </a:xfrm>
-          <a:prstGeom prst="rect">
-            <a:avLst/>
-          </a:prstGeom>
-          <a:noFill/>
-        </p:spPr>
-        <p:txBody>
-          <a:bodyPr wrap="square" rtlCol="0">
-            <a:spAutoFit/>
-          </a:bodyPr>
-          <a:lstStyle/>
-          <a:p>
-            <a:pPr algn="ctr"/>
-            <a:r>
-              <a:rPr lang="en-US" altLang="ko-KR" sz="1100" b="1" smtClean="0">
-                <a:latin typeface="나눔고딕" panose="020D0604000000000000" pitchFamily="50" charset="-127"/>
-                <a:ea typeface="나눔고딕" panose="020D0604000000000000" pitchFamily="50" charset="-127"/>
-              </a:rPr>
-              <a:t>Commit 20</a:t>
-            </a:r>
-            <a:r>
-              <a:rPr lang="ko-KR" altLang="en-US" sz="1100" b="1" smtClean="0">
-                <a:latin typeface="나눔고딕" panose="020D0604000000000000" pitchFamily="50" charset="-127"/>
-                <a:ea typeface="나눔고딕" panose="020D0604000000000000" pitchFamily="50" charset="-127"/>
-              </a:rPr>
-              <a:t>번 수행</a:t>
-            </a:r>
-            <a:r>
-              <a:rPr lang="en-US" altLang="ko-KR" sz="1100" b="1" smtClean="0">
-                <a:latin typeface="나눔고딕" panose="020D0604000000000000" pitchFamily="50" charset="-127"/>
-                <a:ea typeface="나눔고딕" panose="020D0604000000000000" pitchFamily="50" charset="-127"/>
-              </a:rPr>
-              <a:t/>
-            </a:r>
-            <a:br>
-              <a:rPr lang="en-US" altLang="ko-KR" sz="1100" b="1" smtClean="0">
-                <a:latin typeface="나눔고딕" panose="020D0604000000000000" pitchFamily="50" charset="-127"/>
-                <a:ea typeface="나눔고딕" panose="020D0604000000000000" pitchFamily="50" charset="-127"/>
-              </a:rPr>
-            </a:br>
-            <a:r>
-              <a:rPr lang="en-US" altLang="ko-KR" sz="1100" b="1" smtClean="0">
-                <a:latin typeface="나눔고딕" panose="020D0604000000000000" pitchFamily="50" charset="-127"/>
-                <a:ea typeface="나눔고딕" panose="020D0604000000000000" pitchFamily="50" charset="-127"/>
-              </a:rPr>
-              <a:t/>
-            </a:r>
-            <a:br>
-              <a:rPr lang="en-US" altLang="ko-KR" sz="1100" b="1" smtClean="0">
-                <a:latin typeface="나눔고딕" panose="020D0604000000000000" pitchFamily="50" charset="-127"/>
-                <a:ea typeface="나눔고딕" panose="020D0604000000000000" pitchFamily="50" charset="-127"/>
-              </a:rPr>
-            </a:br>
-            <a:r>
-              <a:rPr lang="en-US" altLang="ko-KR" sz="1100" b="1" smtClean="0">
-                <a:latin typeface="나눔고딕" panose="020D0604000000000000" pitchFamily="50" charset="-127"/>
-                <a:ea typeface="나눔고딕" panose="020D0604000000000000" pitchFamily="50" charset="-127"/>
-              </a:rPr>
-              <a:t>20mb * 20 = 400Mb</a:t>
-            </a:r>
-          </a:p>
-          <a:p>
-            <a:pPr algn="ctr"/>
-            <a:endParaRPr lang="en-US" altLang="ko-KR" sz="1100" b="1">
-              <a:latin typeface="나눔고딕" panose="020D0604000000000000" pitchFamily="50" charset="-127"/>
-              <a:ea typeface="나눔고딕" panose="020D0604000000000000" pitchFamily="50" charset="-127"/>
-            </a:endParaRPr>
-          </a:p>
-          <a:p>
-            <a:pPr algn="ctr"/>
-            <a:r>
-              <a:rPr lang="en-US" altLang="ko-KR" sz="1100" b="1" smtClean="0">
-                <a:latin typeface="나눔고딕" panose="020D0604000000000000" pitchFamily="50" charset="-127"/>
-                <a:ea typeface="나눔고딕" panose="020D0604000000000000" pitchFamily="50" charset="-127"/>
-              </a:rPr>
-              <a:t/>
-            </a:r>
-            <a:br>
-              <a:rPr lang="en-US" altLang="ko-KR" sz="1100" b="1" smtClean="0">
-                <a:latin typeface="나눔고딕" panose="020D0604000000000000" pitchFamily="50" charset="-127"/>
-                <a:ea typeface="나눔고딕" panose="020D0604000000000000" pitchFamily="50" charset="-127"/>
-              </a:rPr>
-            </a:br>
-            <a:r>
-              <a:rPr lang="ko-KR" altLang="en-US" sz="1100" b="1" smtClean="0">
-                <a:latin typeface="나눔고딕" panose="020D0604000000000000" pitchFamily="50" charset="-127"/>
-                <a:ea typeface="나눔고딕" panose="020D0604000000000000" pitchFamily="50" charset="-127"/>
-              </a:rPr>
-              <a:t>동일한 크기의 파일이 </a:t>
-            </a:r>
-            <a:r>
-              <a:rPr lang="en-US" altLang="ko-KR" sz="1100" b="1" smtClean="0">
-                <a:latin typeface="나눔고딕" panose="020D0604000000000000" pitchFamily="50" charset="-127"/>
-                <a:ea typeface="나눔고딕" panose="020D0604000000000000" pitchFamily="50" charset="-127"/>
-              </a:rPr>
-              <a:t>20</a:t>
-            </a:r>
-            <a:r>
-              <a:rPr lang="ko-KR" altLang="en-US" sz="1100" b="1" smtClean="0">
-                <a:latin typeface="나눔고딕" panose="020D0604000000000000" pitchFamily="50" charset="-127"/>
-                <a:ea typeface="나눔고딕" panose="020D0604000000000000" pitchFamily="50" charset="-127"/>
-              </a:rPr>
-              <a:t>개일 경우</a:t>
-            </a:r>
-            <a:endParaRPr lang="en-US" altLang="ko-KR" sz="1100" b="1" smtClean="0">
-              <a:latin typeface="나눔고딕" panose="020D0604000000000000" pitchFamily="50" charset="-127"/>
-              <a:ea typeface="나눔고딕" panose="020D0604000000000000" pitchFamily="50" charset="-127"/>
-            </a:endParaRPr>
-          </a:p>
-          <a:p>
-            <a:pPr algn="ctr"/>
-            <a:endParaRPr lang="en-US" altLang="ko-KR" sz="1100" b="1">
-              <a:latin typeface="나눔고딕" panose="020D0604000000000000" pitchFamily="50" charset="-127"/>
-              <a:ea typeface="나눔고딕" panose="020D0604000000000000" pitchFamily="50" charset="-127"/>
-            </a:endParaRPr>
-          </a:p>
-          <a:p>
-            <a:pPr algn="ctr"/>
-            <a:r>
-              <a:rPr lang="en-US" altLang="ko-KR" sz="2400" b="1" smtClean="0">
-                <a:solidFill>
-                  <a:srgbClr val="00B0F0"/>
-                </a:solidFill>
-                <a:latin typeface="나눔고딕" panose="020D0604000000000000" pitchFamily="50" charset="-127"/>
-                <a:ea typeface="나눔고딕" panose="020D0604000000000000" pitchFamily="50" charset="-127"/>
-              </a:rPr>
-              <a:t>8Gb</a:t>
-            </a:r>
-            <a:endParaRPr lang="en-US" altLang="ko-KR" sz="2400" b="1">
-              <a:solidFill>
-                <a:srgbClr val="00B0F0"/>
-              </a:solidFill>
-              <a:latin typeface="나눔고딕" panose="020D0604000000000000" pitchFamily="50" charset="-127"/>
-              <a:ea typeface="나눔고딕" panose="020D0604000000000000" pitchFamily="50" charset="-127"/>
-            </a:endParaRPr>
-          </a:p>
-        </p:txBody>
-      </p:sp>
-      <p:sp>
-        <p:nvSpPr>
-          <p:cNvPr id="37" name="모서리가 둥근 직사각형 36"/>
-          <p:cNvSpPr/>
-          <p:nvPr/>
-        </p:nvSpPr>
-        <p:spPr>
-          <a:xfrm>
-            <a:off x="6062662" y="2012157"/>
-            <a:ext cx="2228850" cy="2521744"/>
-          </a:xfrm>
-          <a:prstGeom prst="roundRect">
-            <a:avLst>
-              <a:gd name="adj" fmla="val 7052"/>
-            </a:avLst>
-          </a:prstGeom>
-          <a:solidFill>
-            <a:schemeClr val="bg1"/>
-          </a:solidFill>
-          <a:ln w="6350">
-            <a:solidFill>
-              <a:srgbClr val="00B0F0"/>
-            </a:solidFill>
-          </a:ln>
-        </p:spPr>
-        <p:style>
-          <a:lnRef idx="2">
-            <a:schemeClr val="accent1">
-              <a:shade val="50000"/>
-            </a:schemeClr>
-          </a:lnRef>
-          <a:fillRef idx="1">
-            <a:schemeClr val="accent1"/>
-          </a:fillRef>
-          <a:effectRef idx="0">
-            <a:schemeClr val="accent1"/>
-          </a:effectRef>
-          <a:fontRef idx="minor">
-            <a:schemeClr val="lt1"/>
-          </a:fontRef>
-        </p:style>
-        <p:txBody>
-          <a:bodyPr rtlCol="0" anchor="ctr"/>
-          <a:lstStyle/>
-          <a:p>
-            <a:pPr algn="ctr"/>
-            <a:endParaRPr lang="ko-KR" altLang="en-US"/>
-          </a:p>
-        </p:txBody>
-      </p:sp>
-      <p:sp>
-        <p:nvSpPr>
-          <p:cNvPr id="38" name="TextBox 37"/>
-          <p:cNvSpPr txBox="1"/>
-          <p:nvPr/>
-        </p:nvSpPr>
-        <p:spPr>
-          <a:xfrm>
-            <a:off x="6129338" y="2438063"/>
-            <a:ext cx="2107406" cy="1523494"/>
-          </a:xfrm>
-          <a:prstGeom prst="rect">
-            <a:avLst/>
-          </a:prstGeom>
-          <a:noFill/>
-        </p:spPr>
-        <p:txBody>
-          <a:bodyPr wrap="square" rtlCol="0">
-            <a:spAutoFit/>
-          </a:bodyPr>
-          <a:lstStyle/>
-          <a:p>
-            <a:pPr algn="ctr"/>
-            <a:r>
-              <a:rPr lang="ko-KR" altLang="en-US" sz="1100" b="1" smtClean="0">
-                <a:latin typeface="나눔고딕" panose="020D0604000000000000" pitchFamily="50" charset="-127"/>
-                <a:ea typeface="나눔고딕" panose="020D0604000000000000" pitchFamily="50" charset="-127"/>
-              </a:rPr>
-              <a:t>일반적인 </a:t>
-            </a:r>
-            <a:r>
-              <a:rPr lang="en-US" altLang="ko-KR" sz="1100" b="1" smtClean="0">
-                <a:latin typeface="나눔고딕" panose="020D0604000000000000" pitchFamily="50" charset="-127"/>
-                <a:ea typeface="나눔고딕" panose="020D0604000000000000" pitchFamily="50" charset="-127"/>
-              </a:rPr>
-              <a:t>Web Application</a:t>
-            </a:r>
-          </a:p>
-          <a:p>
-            <a:pPr algn="ctr"/>
-            <a:r>
-              <a:rPr lang="ko-KR" altLang="en-US" sz="1100" b="1" smtClean="0">
-                <a:latin typeface="나눔고딕" panose="020D0604000000000000" pitchFamily="50" charset="-127"/>
-                <a:ea typeface="나눔고딕" panose="020D0604000000000000" pitchFamily="50" charset="-127"/>
-              </a:rPr>
-              <a:t>프로젝트에서 </a:t>
-            </a:r>
-            <a:endParaRPr lang="en-US" altLang="ko-KR" sz="1100" b="1" smtClean="0">
-              <a:latin typeface="나눔고딕" panose="020D0604000000000000" pitchFamily="50" charset="-127"/>
-              <a:ea typeface="나눔고딕" panose="020D0604000000000000" pitchFamily="50" charset="-127"/>
-            </a:endParaRPr>
-          </a:p>
-          <a:p>
-            <a:pPr algn="ctr"/>
-            <a:endParaRPr lang="en-US" altLang="ko-KR" sz="1100" b="1">
-              <a:latin typeface="나눔고딕" panose="020D0604000000000000" pitchFamily="50" charset="-127"/>
-              <a:ea typeface="나눔고딕" panose="020D0604000000000000" pitchFamily="50" charset="-127"/>
-            </a:endParaRPr>
-          </a:p>
-          <a:p>
-            <a:pPr algn="ctr"/>
-            <a:r>
-              <a:rPr lang="en-US" altLang="ko-KR" sz="2000" b="1" smtClean="0">
-                <a:solidFill>
-                  <a:srgbClr val="00B0F0"/>
-                </a:solidFill>
-                <a:latin typeface="나눔고딕" panose="020D0604000000000000" pitchFamily="50" charset="-127"/>
-                <a:ea typeface="나눔고딕" panose="020D0604000000000000" pitchFamily="50" charset="-127"/>
-              </a:rPr>
-              <a:t>Design File</a:t>
-            </a:r>
-            <a:r>
-              <a:rPr lang="ko-KR" altLang="en-US" sz="2000" b="1" smtClean="0">
-                <a:solidFill>
-                  <a:srgbClr val="00B0F0"/>
-                </a:solidFill>
-                <a:latin typeface="나눔고딕" panose="020D0604000000000000" pitchFamily="50" charset="-127"/>
-                <a:ea typeface="나눔고딕" panose="020D0604000000000000" pitchFamily="50" charset="-127"/>
-              </a:rPr>
-              <a:t>의</a:t>
-            </a:r>
-            <a:endParaRPr lang="en-US" altLang="ko-KR" sz="2000" b="1" smtClean="0">
-              <a:solidFill>
-                <a:srgbClr val="00B0F0"/>
-              </a:solidFill>
-              <a:latin typeface="나눔고딕" panose="020D0604000000000000" pitchFamily="50" charset="-127"/>
-              <a:ea typeface="나눔고딕" panose="020D0604000000000000" pitchFamily="50" charset="-127"/>
-            </a:endParaRPr>
-          </a:p>
-          <a:p>
-            <a:pPr algn="ctr"/>
-            <a:r>
-              <a:rPr lang="ko-KR" altLang="en-US" sz="2000" b="1" smtClean="0">
-                <a:solidFill>
-                  <a:srgbClr val="00B0F0"/>
-                </a:solidFill>
-                <a:latin typeface="나눔고딕" panose="020D0604000000000000" pitchFamily="50" charset="-127"/>
-                <a:ea typeface="나눔고딕" panose="020D0604000000000000" pitchFamily="50" charset="-127"/>
-              </a:rPr>
-              <a:t>버전관리는</a:t>
-            </a:r>
-            <a:endParaRPr lang="en-US" altLang="ko-KR" sz="2000" b="1" smtClean="0">
-              <a:solidFill>
-                <a:srgbClr val="00B0F0"/>
-              </a:solidFill>
-              <a:latin typeface="나눔고딕" panose="020D0604000000000000" pitchFamily="50" charset="-127"/>
-              <a:ea typeface="나눔고딕" panose="020D0604000000000000" pitchFamily="50" charset="-127"/>
-            </a:endParaRPr>
-          </a:p>
-          <a:p>
-            <a:pPr algn="ctr"/>
-            <a:r>
-              <a:rPr lang="ko-KR" altLang="en-US" sz="2000" b="1" smtClean="0">
-                <a:solidFill>
-                  <a:srgbClr val="00B0F0"/>
-                </a:solidFill>
-                <a:latin typeface="나눔고딕" panose="020D0604000000000000" pitchFamily="50" charset="-127"/>
-                <a:ea typeface="나눔고딕" panose="020D0604000000000000" pitchFamily="50" charset="-127"/>
-              </a:rPr>
-              <a:t>충분히 가능</a:t>
-            </a:r>
-            <a:endParaRPr lang="en-US" altLang="ko-KR" sz="2000" b="1" smtClean="0">
-              <a:solidFill>
-                <a:srgbClr val="00B0F0"/>
-              </a:solidFill>
-              <a:latin typeface="나눔고딕" panose="020D0604000000000000" pitchFamily="50" charset="-127"/>
-              <a:ea typeface="나눔고딕" panose="020D0604000000000000" pitchFamily="50" charset="-127"/>
-            </a:endParaRPr>
-          </a:p>
-        </p:txBody>
-      </p:sp>
-      <p:sp>
-        <p:nvSpPr>
-          <p:cNvPr id="7" name="오른쪽 화살표 6"/>
-          <p:cNvSpPr/>
-          <p:nvPr/>
-        </p:nvSpPr>
-        <p:spPr>
-          <a:xfrm>
-            <a:off x="3121820" y="3193256"/>
-            <a:ext cx="273844" cy="221456"/>
-          </a:xfrm>
-          <a:prstGeom prst="rightArrow">
-            <a:avLst/>
-          </a:prstGeom>
-        </p:spPr>
-        <p:style>
-          <a:lnRef idx="2">
-            <a:schemeClr val="accent1">
-              <a:shade val="50000"/>
-            </a:schemeClr>
-          </a:lnRef>
-          <a:fillRef idx="1">
-            <a:schemeClr val="accent1"/>
-          </a:fillRef>
-          <a:effectRef idx="0">
-            <a:schemeClr val="accent1"/>
-          </a:effectRef>
-          <a:fontRef idx="minor">
-            <a:schemeClr val="lt1"/>
-          </a:fontRef>
-        </p:style>
-        <p:txBody>
-          <a:bodyPr rtlCol="0" anchor="ctr"/>
-          <a:lstStyle/>
-          <a:p>
-            <a:pPr algn="ctr"/>
-            <a:endParaRPr lang="ko-KR" altLang="en-US"/>
-          </a:p>
-        </p:txBody>
-      </p:sp>
-      <p:sp>
-        <p:nvSpPr>
-          <p:cNvPr id="39" name="오른쪽 화살표 38"/>
-          <p:cNvSpPr/>
-          <p:nvPr/>
-        </p:nvSpPr>
-        <p:spPr>
-          <a:xfrm>
-            <a:off x="5738814" y="3188493"/>
-            <a:ext cx="273844" cy="221456"/>
-          </a:xfrm>
-          <a:prstGeom prst="rightArrow">
-            <a:avLst/>
-          </a:prstGeom>
-        </p:spPr>
-        <p:style>
-          <a:lnRef idx="2">
-            <a:schemeClr val="accent1">
-              <a:shade val="50000"/>
-            </a:schemeClr>
-          </a:lnRef>
-          <a:fillRef idx="1">
-            <a:schemeClr val="accent1"/>
-          </a:fillRef>
-          <a:effectRef idx="0">
-            <a:schemeClr val="accent1"/>
-          </a:effectRef>
-          <a:fontRef idx="minor">
-            <a:schemeClr val="lt1"/>
-          </a:fontRef>
-        </p:style>
-        <p:txBody>
-          <a:bodyPr rtlCol="0" anchor="ctr"/>
-          <a:lstStyle/>
-          <a:p>
-            <a:pPr algn="ctr"/>
-            <a:endParaRPr lang="ko-KR" altLang="en-US"/>
           </a:p>
         </p:txBody>
       </p:sp>
     </p:spTree>
     <p:extLst>
       <p:ext uri="{BB962C8B-B14F-4D97-AF65-F5344CB8AC3E}">
-        <p14:creationId xmlns:p14="http://schemas.microsoft.com/office/powerpoint/2010/main" val="2305289977"/>
+        <p14:creationId xmlns:p14="http://schemas.microsoft.com/office/powerpoint/2010/main" val="3405955026"/>
       </p:ext>
     </p:extLst>
   </p:cSld>
@@ -13034,6 +12498,2164 @@
             <a:r>
               <a:rPr lang="en-US" altLang="ko-KR" sz="1292" smtClean="0">
                 <a:latin typeface="+mj-ea"/>
+              </a:rPr>
+              <a:t>Git </a:t>
+            </a:r>
+            <a:r>
+              <a:rPr lang="en-US" altLang="ko-KR" sz="1292" smtClean="0">
+                <a:latin typeface="+mj-ea"/>
+              </a:rPr>
+              <a:t>- Clone</a:t>
+            </a:r>
+            <a:r>
+              <a:rPr lang="ko-KR" altLang="en-US" sz="1292" smtClean="0">
+                <a:latin typeface="+mj-ea"/>
+              </a:rPr>
+              <a:t>하기</a:t>
+            </a:r>
+            <a:endParaRPr lang="ko-KR" altLang="en-US" sz="1292">
+              <a:latin typeface="+mj-ea"/>
+            </a:endParaRPr>
+          </a:p>
+        </p:txBody>
+      </p:sp>
+      <p:sp>
+        <p:nvSpPr>
+          <p:cNvPr id="11" name="TextBox 10"/>
+          <p:cNvSpPr txBox="1"/>
+          <p:nvPr/>
+        </p:nvSpPr>
+        <p:spPr>
+          <a:xfrm>
+            <a:off x="542926" y="3938589"/>
+            <a:ext cx="3593306" cy="600164"/>
+          </a:xfrm>
+          <a:prstGeom prst="rect">
+            <a:avLst/>
+          </a:prstGeom>
+          <a:noFill/>
+        </p:spPr>
+        <p:txBody>
+          <a:bodyPr wrap="square" rtlCol="0">
+            <a:spAutoFit/>
+          </a:bodyPr>
+          <a:lstStyle/>
+          <a:p>
+            <a:r>
+              <a:rPr lang="en-US" altLang="ko-KR" sz="1100" smtClean="0">
+                <a:latin typeface="나눔고딕" panose="020D0604000000000000" pitchFamily="50" charset="-127"/>
+                <a:ea typeface="나눔고딕" panose="020D0604000000000000" pitchFamily="50" charset="-127"/>
+              </a:rPr>
+              <a:t>1. </a:t>
+            </a:r>
+            <a:r>
+              <a:rPr lang="en-US" altLang="ko-KR" sz="1100" smtClean="0">
+                <a:solidFill>
+                  <a:schemeClr val="tx1">
+                    <a:lumMod val="95000"/>
+                    <a:lumOff val="5000"/>
+                  </a:schemeClr>
+                </a:solidFill>
+                <a:latin typeface="나눔고딕" panose="020D0604000000000000" pitchFamily="50" charset="-127"/>
+                <a:ea typeface="나눔고딕" panose="020D0604000000000000" pitchFamily="50" charset="-127"/>
+              </a:rPr>
+              <a:t> Git </a:t>
+            </a:r>
+            <a:r>
+              <a:rPr lang="ko-KR" altLang="en-US" sz="1100" smtClean="0">
+                <a:solidFill>
+                  <a:schemeClr val="tx1">
+                    <a:lumMod val="95000"/>
+                    <a:lumOff val="5000"/>
+                  </a:schemeClr>
+                </a:solidFill>
+                <a:latin typeface="나눔고딕" panose="020D0604000000000000" pitchFamily="50" charset="-127"/>
+                <a:ea typeface="나눔고딕" panose="020D0604000000000000" pitchFamily="50" charset="-127"/>
+              </a:rPr>
+              <a:t>저장소를 클론하고 싶은 위치에서 </a:t>
+            </a:r>
+            <a:r>
+              <a:rPr lang="en-US" altLang="ko-KR" sz="1100" smtClean="0">
+                <a:solidFill>
+                  <a:schemeClr val="tx1">
+                    <a:lumMod val="95000"/>
+                    <a:lumOff val="5000"/>
+                  </a:schemeClr>
+                </a:solidFill>
+                <a:latin typeface="나눔고딕" panose="020D0604000000000000" pitchFamily="50" charset="-127"/>
+                <a:ea typeface="나눔고딕" panose="020D0604000000000000" pitchFamily="50" charset="-127"/>
+              </a:rPr>
+              <a:t>git bash</a:t>
+            </a:r>
+            <a:r>
+              <a:rPr lang="ko-KR" altLang="en-US" sz="1100" smtClean="0">
+                <a:solidFill>
+                  <a:schemeClr val="tx1">
+                    <a:lumMod val="95000"/>
+                    <a:lumOff val="5000"/>
+                  </a:schemeClr>
+                </a:solidFill>
+                <a:latin typeface="나눔고딕" panose="020D0604000000000000" pitchFamily="50" charset="-127"/>
+                <a:ea typeface="나눔고딕" panose="020D0604000000000000" pitchFamily="50" charset="-127"/>
+              </a:rPr>
+              <a:t>창을 연다</a:t>
+            </a:r>
+            <a:r>
+              <a:rPr lang="en-US" altLang="ko-KR" sz="1100" smtClean="0">
+                <a:solidFill>
+                  <a:schemeClr val="tx1">
+                    <a:lumMod val="95000"/>
+                    <a:lumOff val="5000"/>
+                  </a:schemeClr>
+                </a:solidFill>
+                <a:latin typeface="나눔고딕" panose="020D0604000000000000" pitchFamily="50" charset="-127"/>
+                <a:ea typeface="나눔고딕" panose="020D0604000000000000" pitchFamily="50" charset="-127"/>
+              </a:rPr>
+              <a:t>.</a:t>
+            </a:r>
+            <a:endParaRPr lang="en-US" altLang="ko-KR" sz="1100" smtClean="0">
+              <a:solidFill>
+                <a:schemeClr val="tx1">
+                  <a:lumMod val="95000"/>
+                  <a:lumOff val="5000"/>
+                </a:schemeClr>
+              </a:solidFill>
+              <a:latin typeface="나눔고딕" panose="020D0604000000000000" pitchFamily="50" charset="-127"/>
+              <a:ea typeface="나눔고딕" panose="020D0604000000000000" pitchFamily="50" charset="-127"/>
+            </a:endParaRPr>
+          </a:p>
+          <a:p>
+            <a:endParaRPr lang="en-US" altLang="ko-KR" sz="1100">
+              <a:latin typeface="나눔고딕" panose="020D0604000000000000" pitchFamily="50" charset="-127"/>
+              <a:ea typeface="나눔고딕" panose="020D0604000000000000" pitchFamily="50" charset="-127"/>
+            </a:endParaRPr>
+          </a:p>
+        </p:txBody>
+      </p:sp>
+      <p:sp>
+        <p:nvSpPr>
+          <p:cNvPr id="9" name="TextBox 8"/>
+          <p:cNvSpPr txBox="1"/>
+          <p:nvPr/>
+        </p:nvSpPr>
+        <p:spPr>
+          <a:xfrm>
+            <a:off x="4467226" y="4348164"/>
+            <a:ext cx="4062411" cy="600164"/>
+          </a:xfrm>
+          <a:prstGeom prst="rect">
+            <a:avLst/>
+          </a:prstGeom>
+          <a:noFill/>
+        </p:spPr>
+        <p:txBody>
+          <a:bodyPr wrap="square" rtlCol="0">
+            <a:spAutoFit/>
+          </a:bodyPr>
+          <a:lstStyle/>
+          <a:p>
+            <a:r>
+              <a:rPr lang="en-US" altLang="ko-KR" sz="1100" smtClean="0">
+                <a:latin typeface="나눔고딕" panose="020D0604000000000000" pitchFamily="50" charset="-127"/>
+                <a:ea typeface="나눔고딕" panose="020D0604000000000000" pitchFamily="50" charset="-127"/>
+              </a:rPr>
+              <a:t>2. </a:t>
+            </a:r>
+            <a:r>
+              <a:rPr lang="ko-KR" altLang="en-US" sz="1100" smtClean="0">
+                <a:latin typeface="나눔고딕" panose="020D0604000000000000" pitchFamily="50" charset="-127"/>
+                <a:ea typeface="나눔고딕" panose="020D0604000000000000" pitchFamily="50" charset="-127"/>
+              </a:rPr>
+              <a:t>클론하고자 하는 </a:t>
+            </a:r>
+            <a:r>
+              <a:rPr lang="en-US" altLang="ko-KR" sz="1100" smtClean="0">
+                <a:latin typeface="나눔고딕" panose="020D0604000000000000" pitchFamily="50" charset="-127"/>
+                <a:ea typeface="나눔고딕" panose="020D0604000000000000" pitchFamily="50" charset="-127"/>
+              </a:rPr>
+              <a:t>github </a:t>
+            </a:r>
+            <a:r>
+              <a:rPr lang="ko-KR" altLang="en-US" sz="1100" smtClean="0">
+                <a:latin typeface="나눔고딕" panose="020D0604000000000000" pitchFamily="50" charset="-127"/>
+                <a:ea typeface="나눔고딕" panose="020D0604000000000000" pitchFamily="50" charset="-127"/>
+              </a:rPr>
+              <a:t>프로젝트를 찾아가서 우측 하단의 </a:t>
+            </a:r>
+            <a:r>
+              <a:rPr lang="en-US" altLang="ko-KR" sz="1100" smtClean="0">
+                <a:latin typeface="나눔고딕" panose="020D0604000000000000" pitchFamily="50" charset="-127"/>
+                <a:ea typeface="나눔고딕" panose="020D0604000000000000" pitchFamily="50" charset="-127"/>
+              </a:rPr>
+              <a:t>URL </a:t>
+            </a:r>
+            <a:r>
+              <a:rPr lang="ko-KR" altLang="en-US" sz="1100" smtClean="0">
+                <a:latin typeface="나눔고딕" panose="020D0604000000000000" pitchFamily="50" charset="-127"/>
+                <a:ea typeface="나눔고딕" panose="020D0604000000000000" pitchFamily="50" charset="-127"/>
+              </a:rPr>
+              <a:t>복사창의 밑에 있는 </a:t>
+            </a:r>
+            <a:r>
+              <a:rPr lang="en-US" altLang="ko-KR" sz="1100" smtClean="0">
+                <a:latin typeface="나눔고딕" panose="020D0604000000000000" pitchFamily="50" charset="-127"/>
+                <a:ea typeface="나눔고딕" panose="020D0604000000000000" pitchFamily="50" charset="-127"/>
+              </a:rPr>
+              <a:t>HTTPS</a:t>
+            </a:r>
+            <a:r>
+              <a:rPr lang="ko-KR" altLang="en-US" sz="1100" smtClean="0">
+                <a:latin typeface="나눔고딕" panose="020D0604000000000000" pitchFamily="50" charset="-127"/>
+                <a:ea typeface="나눔고딕" panose="020D0604000000000000" pitchFamily="50" charset="-127"/>
+              </a:rPr>
+              <a:t>를 클릭하여 나타나는 </a:t>
+            </a:r>
+            <a:r>
+              <a:rPr lang="en-US" altLang="ko-KR" sz="1100" smtClean="0">
+                <a:latin typeface="나눔고딕" panose="020D0604000000000000" pitchFamily="50" charset="-127"/>
+                <a:ea typeface="나눔고딕" panose="020D0604000000000000" pitchFamily="50" charset="-127"/>
+              </a:rPr>
+              <a:t>HTTPS </a:t>
+            </a:r>
+            <a:r>
+              <a:rPr lang="ko-KR" altLang="en-US" sz="1100" smtClean="0">
+                <a:latin typeface="나눔고딕" panose="020D0604000000000000" pitchFamily="50" charset="-127"/>
+                <a:ea typeface="나눔고딕" panose="020D0604000000000000" pitchFamily="50" charset="-127"/>
+              </a:rPr>
+              <a:t>주소를 카피한다</a:t>
+            </a:r>
+            <a:r>
+              <a:rPr lang="en-US" altLang="ko-KR" sz="1100" smtClean="0">
+                <a:latin typeface="나눔고딕" panose="020D0604000000000000" pitchFamily="50" charset="-127"/>
+                <a:ea typeface="나눔고딕" panose="020D0604000000000000" pitchFamily="50" charset="-127"/>
+              </a:rPr>
+              <a:t>.</a:t>
+            </a:r>
+            <a:r>
+              <a:rPr lang="ko-KR" altLang="en-US" sz="1100" smtClean="0">
+                <a:latin typeface="나눔고딕" panose="020D0604000000000000" pitchFamily="50" charset="-127"/>
+                <a:ea typeface="나눔고딕" panose="020D0604000000000000" pitchFamily="50" charset="-127"/>
+              </a:rPr>
+              <a:t> </a:t>
+            </a:r>
+            <a:endParaRPr lang="en-US" altLang="ko-KR" sz="1100" smtClean="0">
+              <a:latin typeface="나눔고딕" panose="020D0604000000000000" pitchFamily="50" charset="-127"/>
+              <a:ea typeface="나눔고딕" panose="020D0604000000000000" pitchFamily="50" charset="-127"/>
+            </a:endParaRPr>
+          </a:p>
+        </p:txBody>
+      </p:sp>
+      <p:pic>
+        <p:nvPicPr>
+          <p:cNvPr id="10" name="그림 9"/>
+          <p:cNvPicPr>
+            <a:picLocks noChangeAspect="1"/>
+          </p:cNvPicPr>
+          <p:nvPr/>
+        </p:nvPicPr>
+        <p:blipFill>
+          <a:blip r:embed="rId2">
+            <a:extLst>
+              <a:ext uri="{28A0092B-C50C-407E-A947-70E740481C1C}">
+                <a14:useLocalDpi xmlns:a14="http://schemas.microsoft.com/office/drawing/2010/main" val="0"/>
+              </a:ext>
+            </a:extLst>
+          </a:blip>
+          <a:stretch>
+            <a:fillRect/>
+          </a:stretch>
+        </p:blipFill>
+        <p:spPr>
+          <a:xfrm>
+            <a:off x="607219" y="1315202"/>
+            <a:ext cx="3484363" cy="2499561"/>
+          </a:xfrm>
+          <a:prstGeom prst="rect">
+            <a:avLst/>
+          </a:prstGeom>
+          <a:ln w="6350">
+            <a:solidFill>
+              <a:schemeClr val="bg1">
+                <a:lumMod val="50000"/>
+              </a:schemeClr>
+            </a:solidFill>
+          </a:ln>
+        </p:spPr>
+      </p:pic>
+      <p:pic>
+        <p:nvPicPr>
+          <p:cNvPr id="5" name="그림 4"/>
+          <p:cNvPicPr>
+            <a:picLocks noChangeAspect="1"/>
+          </p:cNvPicPr>
+          <p:nvPr/>
+        </p:nvPicPr>
+        <p:blipFill>
+          <a:blip r:embed="rId3" cstate="print">
+            <a:extLst>
+              <a:ext uri="{28A0092B-C50C-407E-A947-70E740481C1C}">
+                <a14:useLocalDpi xmlns:a14="http://schemas.microsoft.com/office/drawing/2010/main" val="0"/>
+              </a:ext>
+            </a:extLst>
+          </a:blip>
+          <a:stretch>
+            <a:fillRect/>
+          </a:stretch>
+        </p:blipFill>
+        <p:spPr>
+          <a:xfrm>
+            <a:off x="4574845" y="1314451"/>
+            <a:ext cx="3597605" cy="2832946"/>
+          </a:xfrm>
+          <a:prstGeom prst="rect">
+            <a:avLst/>
+          </a:prstGeom>
+          <a:ln w="6350">
+            <a:solidFill>
+              <a:schemeClr val="bg1">
+                <a:lumMod val="50000"/>
+              </a:schemeClr>
+            </a:solidFill>
+          </a:ln>
+        </p:spPr>
+      </p:pic>
+      <p:sp>
+        <p:nvSpPr>
+          <p:cNvPr id="6" name="직사각형 5"/>
+          <p:cNvSpPr/>
+          <p:nvPr/>
+        </p:nvSpPr>
+        <p:spPr>
+          <a:xfrm>
+            <a:off x="7436644" y="2921794"/>
+            <a:ext cx="814387" cy="392906"/>
+          </a:xfrm>
+          <a:prstGeom prst="rect">
+            <a:avLst/>
+          </a:prstGeom>
+          <a:noFill/>
+          <a:ln>
+            <a:solidFill>
+              <a:srgbClr val="FF0000"/>
+            </a:solidFill>
+          </a:ln>
+        </p:spPr>
+        <p:style>
+          <a:lnRef idx="2">
+            <a:schemeClr val="accent1">
+              <a:shade val="50000"/>
+            </a:schemeClr>
+          </a:lnRef>
+          <a:fillRef idx="1">
+            <a:schemeClr val="accent1"/>
+          </a:fillRef>
+          <a:effectRef idx="0">
+            <a:schemeClr val="accent1"/>
+          </a:effectRef>
+          <a:fontRef idx="minor">
+            <a:schemeClr val="lt1"/>
+          </a:fontRef>
+        </p:style>
+        <p:txBody>
+          <a:bodyPr rtlCol="0" anchor="ctr"/>
+          <a:lstStyle/>
+          <a:p>
+            <a:pPr algn="ctr"/>
+            <a:endParaRPr lang="ko-KR" altLang="en-US"/>
+          </a:p>
+        </p:txBody>
+      </p:sp>
+      <p:sp>
+        <p:nvSpPr>
+          <p:cNvPr id="13" name="직사각형 12"/>
+          <p:cNvSpPr/>
+          <p:nvPr/>
+        </p:nvSpPr>
+        <p:spPr>
+          <a:xfrm>
+            <a:off x="7629525" y="3136106"/>
+            <a:ext cx="464344" cy="100013"/>
+          </a:xfrm>
+          <a:prstGeom prst="rect">
+            <a:avLst/>
+          </a:prstGeom>
+          <a:noFill/>
+          <a:ln>
+            <a:solidFill>
+              <a:srgbClr val="FF0000"/>
+            </a:solidFill>
+          </a:ln>
+        </p:spPr>
+        <p:style>
+          <a:lnRef idx="2">
+            <a:schemeClr val="accent1">
+              <a:shade val="50000"/>
+            </a:schemeClr>
+          </a:lnRef>
+          <a:fillRef idx="1">
+            <a:schemeClr val="accent1"/>
+          </a:fillRef>
+          <a:effectRef idx="0">
+            <a:schemeClr val="accent1"/>
+          </a:effectRef>
+          <a:fontRef idx="minor">
+            <a:schemeClr val="lt1"/>
+          </a:fontRef>
+        </p:style>
+        <p:txBody>
+          <a:bodyPr rtlCol="0" anchor="ctr"/>
+          <a:lstStyle/>
+          <a:p>
+            <a:pPr algn="ctr"/>
+            <a:endParaRPr lang="ko-KR" altLang="en-US"/>
+          </a:p>
+        </p:txBody>
+      </p:sp>
+      <p:sp>
+        <p:nvSpPr>
+          <p:cNvPr id="14" name="TextBox 13"/>
+          <p:cNvSpPr txBox="1"/>
+          <p:nvPr/>
+        </p:nvSpPr>
+        <p:spPr>
+          <a:xfrm>
+            <a:off x="621507" y="5193506"/>
+            <a:ext cx="7822406" cy="1102179"/>
+          </a:xfrm>
+          <a:prstGeom prst="rect">
+            <a:avLst/>
+          </a:prstGeom>
+          <a:solidFill>
+            <a:schemeClr val="bg1">
+              <a:lumMod val="95000"/>
+            </a:schemeClr>
+          </a:solidFill>
+          <a:ln>
+            <a:solidFill>
+              <a:schemeClr val="bg1">
+                <a:lumMod val="65000"/>
+              </a:schemeClr>
+            </a:solidFill>
+          </a:ln>
+        </p:spPr>
+        <p:txBody>
+          <a:bodyPr wrap="square" lIns="216000" tIns="180000" rIns="216000" bIns="180000" rtlCol="0">
+            <a:spAutoFit/>
+          </a:bodyPr>
+          <a:lstStyle/>
+          <a:p>
+            <a:r>
+              <a:rPr lang="en-US" altLang="ko-KR" sz="1200" smtClean="0">
+                <a:latin typeface="나눔고딕" panose="020D0604000000000000" pitchFamily="50" charset="-127"/>
+                <a:ea typeface="나눔고딕" panose="020D0604000000000000" pitchFamily="50" charset="-127"/>
+              </a:rPr>
+              <a:t>Git </a:t>
+            </a:r>
+            <a:r>
+              <a:rPr lang="ko-KR" altLang="en-US" sz="1200" smtClean="0">
+                <a:latin typeface="나눔고딕" panose="020D0604000000000000" pitchFamily="50" charset="-127"/>
+                <a:ea typeface="나눔고딕" panose="020D0604000000000000" pitchFamily="50" charset="-127"/>
+              </a:rPr>
+              <a:t>이 원격저장소와 통신하는 방법 중 대표적인 두가지는 </a:t>
+            </a:r>
+            <a:r>
+              <a:rPr lang="en-US" altLang="ko-KR" sz="1200" smtClean="0">
+                <a:latin typeface="나눔고딕" panose="020D0604000000000000" pitchFamily="50" charset="-127"/>
+                <a:ea typeface="나눔고딕" panose="020D0604000000000000" pitchFamily="50" charset="-127"/>
+              </a:rPr>
+              <a:t>SSH</a:t>
+            </a:r>
+            <a:r>
+              <a:rPr lang="ko-KR" altLang="en-US" sz="1200" smtClean="0">
+                <a:latin typeface="나눔고딕" panose="020D0604000000000000" pitchFamily="50" charset="-127"/>
+                <a:ea typeface="나눔고딕" panose="020D0604000000000000" pitchFamily="50" charset="-127"/>
+              </a:rPr>
+              <a:t>와 </a:t>
+            </a:r>
+            <a:r>
+              <a:rPr lang="en-US" altLang="ko-KR" sz="1200" smtClean="0">
+                <a:latin typeface="나눔고딕" panose="020D0604000000000000" pitchFamily="50" charset="-127"/>
+                <a:ea typeface="나눔고딕" panose="020D0604000000000000" pitchFamily="50" charset="-127"/>
+              </a:rPr>
+              <a:t>HTTPS </a:t>
+            </a:r>
+            <a:r>
+              <a:rPr lang="ko-KR" altLang="en-US" sz="1200" smtClean="0">
+                <a:latin typeface="나눔고딕" panose="020D0604000000000000" pitchFamily="50" charset="-127"/>
+                <a:ea typeface="나눔고딕" panose="020D0604000000000000" pitchFamily="50" charset="-127"/>
+              </a:rPr>
+              <a:t>방식이다</a:t>
+            </a:r>
+            <a:r>
+              <a:rPr lang="en-US" altLang="ko-KR" sz="1200" smtClean="0">
+                <a:latin typeface="나눔고딕" panose="020D0604000000000000" pitchFamily="50" charset="-127"/>
+                <a:ea typeface="나눔고딕" panose="020D0604000000000000" pitchFamily="50" charset="-127"/>
+              </a:rPr>
+              <a:t>. SSH</a:t>
+            </a:r>
+            <a:r>
+              <a:rPr lang="ko-KR" altLang="en-US" sz="1200" smtClean="0">
+                <a:latin typeface="나눔고딕" panose="020D0604000000000000" pitchFamily="50" charset="-127"/>
+                <a:ea typeface="나눔고딕" panose="020D0604000000000000" pitchFamily="50" charset="-127"/>
+              </a:rPr>
+              <a:t>와 </a:t>
+            </a:r>
+            <a:r>
+              <a:rPr lang="en-US" altLang="ko-KR" sz="1200" smtClean="0">
+                <a:latin typeface="나눔고딕" panose="020D0604000000000000" pitchFamily="50" charset="-127"/>
+                <a:ea typeface="나눔고딕" panose="020D0604000000000000" pitchFamily="50" charset="-127"/>
+              </a:rPr>
+              <a:t>HTTPS</a:t>
+            </a:r>
+            <a:r>
+              <a:rPr lang="ko-KR" altLang="en-US" sz="1200" smtClean="0">
+                <a:latin typeface="나눔고딕" panose="020D0604000000000000" pitchFamily="50" charset="-127"/>
+                <a:ea typeface="나눔고딕" panose="020D0604000000000000" pitchFamily="50" charset="-127"/>
+              </a:rPr>
+              <a:t>방식을 주로 사용하는 이유는 보안성 때문이다</a:t>
+            </a:r>
+            <a:r>
+              <a:rPr lang="en-US" altLang="ko-KR" sz="1200" smtClean="0">
+                <a:latin typeface="나눔고딕" panose="020D0604000000000000" pitchFamily="50" charset="-127"/>
+                <a:ea typeface="나눔고딕" panose="020D0604000000000000" pitchFamily="50" charset="-127"/>
+              </a:rPr>
+              <a:t>. SSH </a:t>
+            </a:r>
+            <a:r>
+              <a:rPr lang="ko-KR" altLang="en-US" sz="1200" smtClean="0">
+                <a:latin typeface="나눔고딕" panose="020D0604000000000000" pitchFamily="50" charset="-127"/>
+                <a:ea typeface="나눔고딕" panose="020D0604000000000000" pitchFamily="50" charset="-127"/>
+              </a:rPr>
+              <a:t>방식은 인증과 데이터 암호화를 모두 지원하고 읽기와 쓰기가 가능하기 때문에 </a:t>
+            </a:r>
+            <a:r>
+              <a:rPr lang="en-US" altLang="ko-KR" sz="1200" smtClean="0">
+                <a:latin typeface="나눔고딕" panose="020D0604000000000000" pitchFamily="50" charset="-127"/>
+                <a:ea typeface="나눔고딕" panose="020D0604000000000000" pitchFamily="50" charset="-127"/>
+              </a:rPr>
+              <a:t>Git </a:t>
+            </a:r>
+            <a:r>
+              <a:rPr lang="ko-KR" altLang="en-US" sz="1200" smtClean="0">
+                <a:latin typeface="나눔고딕" panose="020D0604000000000000" pitchFamily="50" charset="-127"/>
+                <a:ea typeface="나눔고딕" panose="020D0604000000000000" pitchFamily="50" charset="-127"/>
+              </a:rPr>
+              <a:t>기본 통신 프로토콜로 사용된다</a:t>
+            </a:r>
+            <a:r>
+              <a:rPr lang="en-US" altLang="ko-KR" sz="1200" smtClean="0">
+                <a:latin typeface="나눔고딕" panose="020D0604000000000000" pitchFamily="50" charset="-127"/>
+                <a:ea typeface="나눔고딕" panose="020D0604000000000000" pitchFamily="50" charset="-127"/>
+              </a:rPr>
+              <a:t>. HTTPS </a:t>
+            </a:r>
+            <a:r>
+              <a:rPr lang="ko-KR" altLang="en-US" sz="1200" smtClean="0">
+                <a:latin typeface="나눔고딕" panose="020D0604000000000000" pitchFamily="50" charset="-127"/>
+                <a:ea typeface="나눔고딕" panose="020D0604000000000000" pitchFamily="50" charset="-127"/>
+              </a:rPr>
+              <a:t>방식은 설정하기가 상대적으로 쉽지만 속도가 느린편이고 쓰기 기능을 설정하기가 복잡하다</a:t>
+            </a:r>
+            <a:r>
+              <a:rPr lang="en-US" altLang="ko-KR" sz="1200" smtClean="0">
+                <a:latin typeface="나눔고딕" panose="020D0604000000000000" pitchFamily="50" charset="-127"/>
+                <a:ea typeface="나눔고딕" panose="020D0604000000000000" pitchFamily="50" charset="-127"/>
+              </a:rPr>
+              <a:t>.</a:t>
+            </a:r>
+            <a:endParaRPr lang="ko-KR" altLang="en-US" sz="1200">
+              <a:latin typeface="나눔고딕" panose="020D0604000000000000" pitchFamily="50" charset="-127"/>
+              <a:ea typeface="나눔고딕" panose="020D0604000000000000" pitchFamily="50" charset="-127"/>
+            </a:endParaRPr>
+          </a:p>
+        </p:txBody>
+      </p:sp>
+    </p:spTree>
+    <p:extLst>
+      <p:ext uri="{BB962C8B-B14F-4D97-AF65-F5344CB8AC3E}">
+        <p14:creationId xmlns:p14="http://schemas.microsoft.com/office/powerpoint/2010/main" val="2084128994"/>
+      </p:ext>
+    </p:extLst>
+  </p:cSld>
+  <p:clrMapOvr>
+    <a:masterClrMapping/>
+  </p:clrMapOvr>
+  <p:timing>
+    <p:tnLst>
+      <p:par>
+        <p:cTn id="1" dur="indefinite" restart="never" nodeType="tmRoot"/>
+      </p:par>
+    </p:tnLst>
+  </p:timing>
+</p:sld>
+</file>
+
+<file path=ppt/slides/slide26.xml><?xml version="1.0" encoding="utf-8"?>
+<p:sld xmlns:a="http://schemas.openxmlformats.org/drawingml/2006/main" xmlns:r="http://schemas.openxmlformats.org/officeDocument/2006/relationships" xmlns:p="http://schemas.openxmlformats.org/presentationml/2006/main">
+  <p:cSld>
+    <p:spTree>
+      <p:nvGrpSpPr>
+        <p:cNvPr id="1" name=""/>
+        <p:cNvGrpSpPr/>
+        <p:nvPr/>
+      </p:nvGrpSpPr>
+      <p:grpSpPr>
+        <a:xfrm>
+          <a:off x="0" y="0"/>
+          <a:ext cx="0" cy="0"/>
+          <a:chOff x="0" y="0"/>
+          <a:chExt cx="0" cy="0"/>
+        </a:xfrm>
+      </p:grpSpPr>
+      <p:sp>
+        <p:nvSpPr>
+          <p:cNvPr id="4" name="TextBox 3"/>
+          <p:cNvSpPr txBox="1"/>
+          <p:nvPr/>
+        </p:nvSpPr>
+        <p:spPr>
+          <a:xfrm>
+            <a:off x="332893" y="690180"/>
+            <a:ext cx="4223770" cy="265948"/>
+          </a:xfrm>
+          <a:prstGeom prst="rect">
+            <a:avLst/>
+          </a:prstGeom>
+          <a:noFill/>
+        </p:spPr>
+        <p:txBody>
+          <a:bodyPr wrap="square" lIns="33231" tIns="33231" rIns="33231" bIns="33231" rtlCol="0">
+            <a:spAutoFit/>
+          </a:bodyPr>
+          <a:lstStyle/>
+          <a:p>
+            <a:r>
+              <a:rPr lang="en-US" altLang="ko-KR" sz="1292" smtClean="0">
+                <a:latin typeface="+mj-ea"/>
+              </a:rPr>
+              <a:t>Git </a:t>
+            </a:r>
+            <a:r>
+              <a:rPr lang="en-US" altLang="ko-KR" sz="1292" smtClean="0">
+                <a:latin typeface="+mj-ea"/>
+              </a:rPr>
+              <a:t>- Clone</a:t>
+            </a:r>
+            <a:r>
+              <a:rPr lang="ko-KR" altLang="en-US" sz="1292" smtClean="0">
+                <a:latin typeface="+mj-ea"/>
+              </a:rPr>
+              <a:t>하기</a:t>
+            </a:r>
+            <a:endParaRPr lang="ko-KR" altLang="en-US" sz="1292">
+              <a:latin typeface="+mj-ea"/>
+            </a:endParaRPr>
+          </a:p>
+        </p:txBody>
+      </p:sp>
+      <p:sp>
+        <p:nvSpPr>
+          <p:cNvPr id="11" name="TextBox 10"/>
+          <p:cNvSpPr txBox="1"/>
+          <p:nvPr/>
+        </p:nvSpPr>
+        <p:spPr>
+          <a:xfrm>
+            <a:off x="542926" y="3938589"/>
+            <a:ext cx="3593306" cy="600164"/>
+          </a:xfrm>
+          <a:prstGeom prst="rect">
+            <a:avLst/>
+          </a:prstGeom>
+          <a:noFill/>
+        </p:spPr>
+        <p:txBody>
+          <a:bodyPr wrap="square" rtlCol="0">
+            <a:spAutoFit/>
+          </a:bodyPr>
+          <a:lstStyle/>
+          <a:p>
+            <a:r>
+              <a:rPr lang="en-US" altLang="ko-KR" sz="1100" smtClean="0">
+                <a:latin typeface="나눔고딕" panose="020D0604000000000000" pitchFamily="50" charset="-127"/>
+                <a:ea typeface="나눔고딕" panose="020D0604000000000000" pitchFamily="50" charset="-127"/>
+              </a:rPr>
+              <a:t>3. </a:t>
+            </a:r>
+            <a:r>
+              <a:rPr lang="en-US" altLang="ko-KR" sz="1100" smtClean="0">
+                <a:solidFill>
+                  <a:schemeClr val="tx1">
+                    <a:lumMod val="95000"/>
+                    <a:lumOff val="5000"/>
+                  </a:schemeClr>
+                </a:solidFill>
+                <a:latin typeface="나눔고딕" panose="020D0604000000000000" pitchFamily="50" charset="-127"/>
+                <a:ea typeface="나눔고딕" panose="020D0604000000000000" pitchFamily="50" charset="-127"/>
+              </a:rPr>
+              <a:t> git clone </a:t>
+            </a:r>
+            <a:r>
+              <a:rPr lang="ko-KR" altLang="en-US" sz="1100" smtClean="0">
+                <a:solidFill>
+                  <a:schemeClr val="tx1">
+                    <a:lumMod val="95000"/>
+                    <a:lumOff val="5000"/>
+                  </a:schemeClr>
+                </a:solidFill>
+                <a:latin typeface="나눔고딕" panose="020D0604000000000000" pitchFamily="50" charset="-127"/>
+                <a:ea typeface="나눔고딕" panose="020D0604000000000000" pitchFamily="50" charset="-127"/>
+              </a:rPr>
+              <a:t>를 입력하고 복사한 </a:t>
+            </a:r>
+            <a:r>
+              <a:rPr lang="en-US" altLang="ko-KR" sz="1100" smtClean="0">
+                <a:solidFill>
+                  <a:schemeClr val="tx1">
+                    <a:lumMod val="95000"/>
+                    <a:lumOff val="5000"/>
+                  </a:schemeClr>
+                </a:solidFill>
+                <a:latin typeface="나눔고딕" panose="020D0604000000000000" pitchFamily="50" charset="-127"/>
+                <a:ea typeface="나눔고딕" panose="020D0604000000000000" pitchFamily="50" charset="-127"/>
+              </a:rPr>
+              <a:t>https</a:t>
+            </a:r>
+            <a:r>
+              <a:rPr lang="ko-KR" altLang="en-US" sz="1100" smtClean="0">
+                <a:solidFill>
+                  <a:schemeClr val="tx1">
+                    <a:lumMod val="95000"/>
+                    <a:lumOff val="5000"/>
+                  </a:schemeClr>
+                </a:solidFill>
+                <a:latin typeface="나눔고딕" panose="020D0604000000000000" pitchFamily="50" charset="-127"/>
+                <a:ea typeface="나눔고딕" panose="020D0604000000000000" pitchFamily="50" charset="-127"/>
+              </a:rPr>
+              <a:t>주소를 오른쪽 클릭으로 붙여넣기 한다</a:t>
+            </a:r>
+            <a:r>
+              <a:rPr lang="en-US" altLang="ko-KR" sz="1100" smtClean="0">
+                <a:solidFill>
+                  <a:schemeClr val="tx1">
+                    <a:lumMod val="95000"/>
+                    <a:lumOff val="5000"/>
+                  </a:schemeClr>
+                </a:solidFill>
+                <a:latin typeface="나눔고딕" panose="020D0604000000000000" pitchFamily="50" charset="-127"/>
+                <a:ea typeface="나눔고딕" panose="020D0604000000000000" pitchFamily="50" charset="-127"/>
+              </a:rPr>
+              <a:t>.</a:t>
+            </a:r>
+            <a:endParaRPr lang="en-US" altLang="ko-KR" sz="1100" smtClean="0">
+              <a:solidFill>
+                <a:schemeClr val="tx1">
+                  <a:lumMod val="95000"/>
+                  <a:lumOff val="5000"/>
+                </a:schemeClr>
+              </a:solidFill>
+              <a:latin typeface="나눔고딕" panose="020D0604000000000000" pitchFamily="50" charset="-127"/>
+              <a:ea typeface="나눔고딕" panose="020D0604000000000000" pitchFamily="50" charset="-127"/>
+            </a:endParaRPr>
+          </a:p>
+          <a:p>
+            <a:endParaRPr lang="en-US" altLang="ko-KR" sz="1100">
+              <a:latin typeface="나눔고딕" panose="020D0604000000000000" pitchFamily="50" charset="-127"/>
+              <a:ea typeface="나눔고딕" panose="020D0604000000000000" pitchFamily="50" charset="-127"/>
+            </a:endParaRPr>
+          </a:p>
+        </p:txBody>
+      </p:sp>
+      <p:sp>
+        <p:nvSpPr>
+          <p:cNvPr id="9" name="TextBox 8"/>
+          <p:cNvSpPr txBox="1"/>
+          <p:nvPr/>
+        </p:nvSpPr>
+        <p:spPr>
+          <a:xfrm>
+            <a:off x="4467226" y="4183858"/>
+            <a:ext cx="4062411" cy="430887"/>
+          </a:xfrm>
+          <a:prstGeom prst="rect">
+            <a:avLst/>
+          </a:prstGeom>
+          <a:noFill/>
+        </p:spPr>
+        <p:txBody>
+          <a:bodyPr wrap="square" rtlCol="0">
+            <a:spAutoFit/>
+          </a:bodyPr>
+          <a:lstStyle/>
+          <a:p>
+            <a:r>
+              <a:rPr lang="en-US" altLang="ko-KR" sz="1100" smtClean="0">
+                <a:latin typeface="나눔고딕" panose="020D0604000000000000" pitchFamily="50" charset="-127"/>
+                <a:ea typeface="나눔고딕" panose="020D0604000000000000" pitchFamily="50" charset="-127"/>
+              </a:rPr>
+              <a:t>4. </a:t>
+            </a:r>
+            <a:r>
+              <a:rPr lang="ko-KR" altLang="en-US" sz="1100" smtClean="0">
+                <a:latin typeface="나눔고딕" panose="020D0604000000000000" pitchFamily="50" charset="-127"/>
+                <a:ea typeface="나눔고딕" panose="020D0604000000000000" pitchFamily="50" charset="-127"/>
+              </a:rPr>
+              <a:t>명령을 실행하면 클론과정을 진행하는 메세지가 나오고 클론이 완료된다</a:t>
+            </a:r>
+            <a:r>
+              <a:rPr lang="en-US" altLang="ko-KR" sz="1100" smtClean="0">
+                <a:latin typeface="나눔고딕" panose="020D0604000000000000" pitchFamily="50" charset="-127"/>
+                <a:ea typeface="나눔고딕" panose="020D0604000000000000" pitchFamily="50" charset="-127"/>
+              </a:rPr>
+              <a:t>.</a:t>
+            </a:r>
+          </a:p>
+        </p:txBody>
+      </p:sp>
+      <p:sp>
+        <p:nvSpPr>
+          <p:cNvPr id="6" name="직사각형 5"/>
+          <p:cNvSpPr/>
+          <p:nvPr/>
+        </p:nvSpPr>
+        <p:spPr>
+          <a:xfrm>
+            <a:off x="7436644" y="2921794"/>
+            <a:ext cx="814387" cy="392906"/>
+          </a:xfrm>
+          <a:prstGeom prst="rect">
+            <a:avLst/>
+          </a:prstGeom>
+          <a:noFill/>
+          <a:ln>
+            <a:solidFill>
+              <a:srgbClr val="FF0000"/>
+            </a:solidFill>
+          </a:ln>
+        </p:spPr>
+        <p:style>
+          <a:lnRef idx="2">
+            <a:schemeClr val="accent1">
+              <a:shade val="50000"/>
+            </a:schemeClr>
+          </a:lnRef>
+          <a:fillRef idx="1">
+            <a:schemeClr val="accent1"/>
+          </a:fillRef>
+          <a:effectRef idx="0">
+            <a:schemeClr val="accent1"/>
+          </a:effectRef>
+          <a:fontRef idx="minor">
+            <a:schemeClr val="lt1"/>
+          </a:fontRef>
+        </p:style>
+        <p:txBody>
+          <a:bodyPr rtlCol="0" anchor="ctr"/>
+          <a:lstStyle/>
+          <a:p>
+            <a:pPr algn="ctr"/>
+            <a:endParaRPr lang="ko-KR" altLang="en-US"/>
+          </a:p>
+        </p:txBody>
+      </p:sp>
+      <p:sp>
+        <p:nvSpPr>
+          <p:cNvPr id="13" name="직사각형 12"/>
+          <p:cNvSpPr/>
+          <p:nvPr/>
+        </p:nvSpPr>
+        <p:spPr>
+          <a:xfrm>
+            <a:off x="7629525" y="3136106"/>
+            <a:ext cx="464344" cy="100013"/>
+          </a:xfrm>
+          <a:prstGeom prst="rect">
+            <a:avLst/>
+          </a:prstGeom>
+          <a:noFill/>
+          <a:ln>
+            <a:solidFill>
+              <a:srgbClr val="FF0000"/>
+            </a:solidFill>
+          </a:ln>
+        </p:spPr>
+        <p:style>
+          <a:lnRef idx="2">
+            <a:schemeClr val="accent1">
+              <a:shade val="50000"/>
+            </a:schemeClr>
+          </a:lnRef>
+          <a:fillRef idx="1">
+            <a:schemeClr val="accent1"/>
+          </a:fillRef>
+          <a:effectRef idx="0">
+            <a:schemeClr val="accent1"/>
+          </a:effectRef>
+          <a:fontRef idx="minor">
+            <a:schemeClr val="lt1"/>
+          </a:fontRef>
+        </p:style>
+        <p:txBody>
+          <a:bodyPr rtlCol="0" anchor="ctr"/>
+          <a:lstStyle/>
+          <a:p>
+            <a:pPr algn="ctr"/>
+            <a:endParaRPr lang="ko-KR" altLang="en-US"/>
+          </a:p>
+        </p:txBody>
+      </p:sp>
+      <p:pic>
+        <p:nvPicPr>
+          <p:cNvPr id="12" name="그림 11"/>
+          <p:cNvPicPr>
+            <a:picLocks noChangeAspect="1"/>
+          </p:cNvPicPr>
+          <p:nvPr/>
+        </p:nvPicPr>
+        <p:blipFill>
+          <a:blip r:embed="rId2">
+            <a:extLst>
+              <a:ext uri="{28A0092B-C50C-407E-A947-70E740481C1C}">
+                <a14:useLocalDpi xmlns:a14="http://schemas.microsoft.com/office/drawing/2010/main" val="0"/>
+              </a:ext>
+            </a:extLst>
+          </a:blip>
+          <a:stretch>
+            <a:fillRect/>
+          </a:stretch>
+        </p:blipFill>
+        <p:spPr>
+          <a:xfrm>
+            <a:off x="600074" y="1303636"/>
+            <a:ext cx="3630667" cy="2525413"/>
+          </a:xfrm>
+          <a:prstGeom prst="rect">
+            <a:avLst/>
+          </a:prstGeom>
+        </p:spPr>
+      </p:pic>
+      <p:pic>
+        <p:nvPicPr>
+          <p:cNvPr id="3" name="그림 2"/>
+          <p:cNvPicPr>
+            <a:picLocks noChangeAspect="1"/>
+          </p:cNvPicPr>
+          <p:nvPr/>
+        </p:nvPicPr>
+        <p:blipFill>
+          <a:blip r:embed="rId3">
+            <a:extLst>
+              <a:ext uri="{28A0092B-C50C-407E-A947-70E740481C1C}">
+                <a14:useLocalDpi xmlns:a14="http://schemas.microsoft.com/office/drawing/2010/main" val="0"/>
+              </a:ext>
+            </a:extLst>
+          </a:blip>
+          <a:stretch>
+            <a:fillRect/>
+          </a:stretch>
+        </p:blipFill>
+        <p:spPr>
+          <a:xfrm>
+            <a:off x="4571999" y="1310773"/>
+            <a:ext cx="3707607" cy="2662897"/>
+          </a:xfrm>
+          <a:prstGeom prst="rect">
+            <a:avLst/>
+          </a:prstGeom>
+          <a:ln w="6350">
+            <a:solidFill>
+              <a:schemeClr val="bg1">
+                <a:lumMod val="50000"/>
+              </a:schemeClr>
+            </a:solidFill>
+          </a:ln>
+        </p:spPr>
+      </p:pic>
+    </p:spTree>
+    <p:extLst>
+      <p:ext uri="{BB962C8B-B14F-4D97-AF65-F5344CB8AC3E}">
+        <p14:creationId xmlns:p14="http://schemas.microsoft.com/office/powerpoint/2010/main" val="3416814590"/>
+      </p:ext>
+    </p:extLst>
+  </p:cSld>
+  <p:clrMapOvr>
+    <a:masterClrMapping/>
+  </p:clrMapOvr>
+  <p:timing>
+    <p:tnLst>
+      <p:par>
+        <p:cTn id="1" dur="indefinite" restart="never" nodeType="tmRoot"/>
+      </p:par>
+    </p:tnLst>
+  </p:timing>
+</p:sld>
+</file>
+
+<file path=ppt/slides/slide27.xml><?xml version="1.0" encoding="utf-8"?>
+<p:sld xmlns:a="http://schemas.openxmlformats.org/drawingml/2006/main" xmlns:r="http://schemas.openxmlformats.org/officeDocument/2006/relationships" xmlns:p="http://schemas.openxmlformats.org/presentationml/2006/main">
+  <p:cSld>
+    <p:spTree>
+      <p:nvGrpSpPr>
+        <p:cNvPr id="1" name=""/>
+        <p:cNvGrpSpPr/>
+        <p:nvPr/>
+      </p:nvGrpSpPr>
+      <p:grpSpPr>
+        <a:xfrm>
+          <a:off x="0" y="0"/>
+          <a:ext cx="0" cy="0"/>
+          <a:chOff x="0" y="0"/>
+          <a:chExt cx="0" cy="0"/>
+        </a:xfrm>
+      </p:grpSpPr>
+      <p:sp>
+        <p:nvSpPr>
+          <p:cNvPr id="4" name="TextBox 3"/>
+          <p:cNvSpPr txBox="1"/>
+          <p:nvPr/>
+        </p:nvSpPr>
+        <p:spPr>
+          <a:xfrm>
+            <a:off x="332893" y="690180"/>
+            <a:ext cx="4223770" cy="265948"/>
+          </a:xfrm>
+          <a:prstGeom prst="rect">
+            <a:avLst/>
+          </a:prstGeom>
+          <a:noFill/>
+        </p:spPr>
+        <p:txBody>
+          <a:bodyPr wrap="square" lIns="33231" tIns="33231" rIns="33231" bIns="33231" rtlCol="0">
+            <a:spAutoFit/>
+          </a:bodyPr>
+          <a:lstStyle/>
+          <a:p>
+            <a:r>
+              <a:rPr lang="en-US" altLang="ko-KR" sz="1292" smtClean="0">
+                <a:latin typeface="+mj-ea"/>
+              </a:rPr>
+              <a:t>Git </a:t>
+            </a:r>
+            <a:r>
+              <a:rPr lang="en-US" altLang="ko-KR" sz="1292" smtClean="0">
+                <a:latin typeface="+mj-ea"/>
+              </a:rPr>
+              <a:t>- Clone</a:t>
+            </a:r>
+            <a:r>
+              <a:rPr lang="ko-KR" altLang="en-US" sz="1292" smtClean="0">
+                <a:latin typeface="+mj-ea"/>
+              </a:rPr>
+              <a:t>하기</a:t>
+            </a:r>
+            <a:endParaRPr lang="ko-KR" altLang="en-US" sz="1292">
+              <a:latin typeface="+mj-ea"/>
+            </a:endParaRPr>
+          </a:p>
+        </p:txBody>
+      </p:sp>
+      <p:sp>
+        <p:nvSpPr>
+          <p:cNvPr id="11" name="TextBox 10"/>
+          <p:cNvSpPr txBox="1"/>
+          <p:nvPr/>
+        </p:nvSpPr>
+        <p:spPr>
+          <a:xfrm>
+            <a:off x="542926" y="3938589"/>
+            <a:ext cx="3593306" cy="600164"/>
+          </a:xfrm>
+          <a:prstGeom prst="rect">
+            <a:avLst/>
+          </a:prstGeom>
+          <a:noFill/>
+        </p:spPr>
+        <p:txBody>
+          <a:bodyPr wrap="square" rtlCol="0">
+            <a:spAutoFit/>
+          </a:bodyPr>
+          <a:lstStyle/>
+          <a:p>
+            <a:r>
+              <a:rPr lang="en-US" altLang="ko-KR" sz="1100" smtClean="0">
+                <a:latin typeface="나눔고딕" panose="020D0604000000000000" pitchFamily="50" charset="-127"/>
+                <a:ea typeface="나눔고딕" panose="020D0604000000000000" pitchFamily="50" charset="-127"/>
+              </a:rPr>
+              <a:t>5. </a:t>
+            </a:r>
+            <a:r>
+              <a:rPr lang="en-US" altLang="ko-KR" sz="1100" smtClean="0">
+                <a:solidFill>
+                  <a:schemeClr val="tx1">
+                    <a:lumMod val="95000"/>
+                    <a:lumOff val="5000"/>
+                  </a:schemeClr>
+                </a:solidFill>
+                <a:latin typeface="나눔고딕" panose="020D0604000000000000" pitchFamily="50" charset="-127"/>
+                <a:ea typeface="나눔고딕" panose="020D0604000000000000" pitchFamily="50" charset="-127"/>
+              </a:rPr>
+              <a:t> github desktop </a:t>
+            </a:r>
+            <a:r>
+              <a:rPr lang="ko-KR" altLang="en-US" sz="1100" smtClean="0">
+                <a:solidFill>
+                  <a:schemeClr val="tx1">
+                    <a:lumMod val="95000"/>
+                    <a:lumOff val="5000"/>
+                  </a:schemeClr>
+                </a:solidFill>
+                <a:latin typeface="나눔고딕" panose="020D0604000000000000" pitchFamily="50" charset="-127"/>
+                <a:ea typeface="나눔고딕" panose="020D0604000000000000" pitchFamily="50" charset="-127"/>
+              </a:rPr>
+              <a:t>에서 저장소  </a:t>
+            </a:r>
+            <a:r>
+              <a:rPr lang="en-US" altLang="ko-KR" sz="1100" smtClean="0">
+                <a:solidFill>
+                  <a:schemeClr val="tx1">
+                    <a:lumMod val="95000"/>
+                    <a:lumOff val="5000"/>
+                  </a:schemeClr>
+                </a:solidFill>
+                <a:latin typeface="나눔고딕" panose="020D0604000000000000" pitchFamily="50" charset="-127"/>
+                <a:ea typeface="나눔고딕" panose="020D0604000000000000" pitchFamily="50" charset="-127"/>
+              </a:rPr>
+              <a:t>Add </a:t>
+            </a:r>
+            <a:r>
+              <a:rPr lang="ko-KR" altLang="en-US" sz="1100" smtClean="0">
+                <a:solidFill>
+                  <a:schemeClr val="tx1">
+                    <a:lumMod val="95000"/>
+                    <a:lumOff val="5000"/>
+                  </a:schemeClr>
+                </a:solidFill>
+                <a:latin typeface="나눔고딕" panose="020D0604000000000000" pitchFamily="50" charset="-127"/>
+                <a:ea typeface="나눔고딕" panose="020D0604000000000000" pitchFamily="50" charset="-127"/>
+              </a:rPr>
+              <a:t>를 선택하고 클론한 위치를 확인해 준다</a:t>
+            </a:r>
+            <a:r>
+              <a:rPr lang="en-US" altLang="ko-KR" sz="1100" smtClean="0">
+                <a:solidFill>
+                  <a:schemeClr val="tx1">
+                    <a:lumMod val="95000"/>
+                    <a:lumOff val="5000"/>
+                  </a:schemeClr>
+                </a:solidFill>
+                <a:latin typeface="나눔고딕" panose="020D0604000000000000" pitchFamily="50" charset="-127"/>
+                <a:ea typeface="나눔고딕" panose="020D0604000000000000" pitchFamily="50" charset="-127"/>
+              </a:rPr>
+              <a:t>. </a:t>
+            </a:r>
+            <a:endParaRPr lang="en-US" altLang="ko-KR" sz="1100" smtClean="0">
+              <a:solidFill>
+                <a:schemeClr val="tx1">
+                  <a:lumMod val="95000"/>
+                  <a:lumOff val="5000"/>
+                </a:schemeClr>
+              </a:solidFill>
+              <a:latin typeface="나눔고딕" panose="020D0604000000000000" pitchFamily="50" charset="-127"/>
+              <a:ea typeface="나눔고딕" panose="020D0604000000000000" pitchFamily="50" charset="-127"/>
+            </a:endParaRPr>
+          </a:p>
+          <a:p>
+            <a:endParaRPr lang="en-US" altLang="ko-KR" sz="1100">
+              <a:latin typeface="나눔고딕" panose="020D0604000000000000" pitchFamily="50" charset="-127"/>
+              <a:ea typeface="나눔고딕" panose="020D0604000000000000" pitchFamily="50" charset="-127"/>
+            </a:endParaRPr>
+          </a:p>
+        </p:txBody>
+      </p:sp>
+      <p:sp>
+        <p:nvSpPr>
+          <p:cNvPr id="9" name="TextBox 8"/>
+          <p:cNvSpPr txBox="1"/>
+          <p:nvPr/>
+        </p:nvSpPr>
+        <p:spPr>
+          <a:xfrm>
+            <a:off x="4467226" y="3983833"/>
+            <a:ext cx="4062411" cy="430887"/>
+          </a:xfrm>
+          <a:prstGeom prst="rect">
+            <a:avLst/>
+          </a:prstGeom>
+          <a:noFill/>
+        </p:spPr>
+        <p:txBody>
+          <a:bodyPr wrap="square" rtlCol="0">
+            <a:spAutoFit/>
+          </a:bodyPr>
+          <a:lstStyle/>
+          <a:p>
+            <a:r>
+              <a:rPr lang="en-US" altLang="ko-KR" sz="1100" smtClean="0">
+                <a:latin typeface="나눔고딕" panose="020D0604000000000000" pitchFamily="50" charset="-127"/>
+                <a:ea typeface="나눔고딕" panose="020D0604000000000000" pitchFamily="50" charset="-127"/>
+              </a:rPr>
+              <a:t>6. </a:t>
+            </a:r>
+            <a:r>
+              <a:rPr lang="ko-KR" altLang="en-US" sz="1100" smtClean="0">
+                <a:latin typeface="나눔고딕" panose="020D0604000000000000" pitchFamily="50" charset="-127"/>
+                <a:ea typeface="나눔고딕" panose="020D0604000000000000" pitchFamily="50" charset="-127"/>
+              </a:rPr>
+              <a:t>클론된 저장소를 확인해 보면 단순히 파일만 클론된 것이 아니라 커밋했던 </a:t>
+            </a:r>
+            <a:r>
+              <a:rPr lang="ko-KR" altLang="en-US" sz="1100" smtClean="0">
+                <a:solidFill>
+                  <a:srgbClr val="00B0F0"/>
+                </a:solidFill>
+                <a:latin typeface="나눔고딕" panose="020D0604000000000000" pitchFamily="50" charset="-127"/>
+                <a:ea typeface="나눔고딕" panose="020D0604000000000000" pitchFamily="50" charset="-127"/>
+              </a:rPr>
+              <a:t>모든 </a:t>
+            </a:r>
+            <a:r>
+              <a:rPr lang="en-US" altLang="ko-KR" sz="1100" smtClean="0">
+                <a:solidFill>
+                  <a:srgbClr val="00B0F0"/>
+                </a:solidFill>
+                <a:latin typeface="나눔고딕" panose="020D0604000000000000" pitchFamily="50" charset="-127"/>
+                <a:ea typeface="나눔고딕" panose="020D0604000000000000" pitchFamily="50" charset="-127"/>
+              </a:rPr>
+              <a:t>History</a:t>
+            </a:r>
+            <a:r>
+              <a:rPr lang="ko-KR" altLang="en-US" sz="1100">
+                <a:solidFill>
+                  <a:srgbClr val="00B0F0"/>
+                </a:solidFill>
+                <a:latin typeface="나눔고딕" panose="020D0604000000000000" pitchFamily="50" charset="-127"/>
+                <a:ea typeface="나눔고딕" panose="020D0604000000000000" pitchFamily="50" charset="-127"/>
+              </a:rPr>
+              <a:t> </a:t>
+            </a:r>
+            <a:r>
+              <a:rPr lang="ko-KR" altLang="en-US" sz="1100" smtClean="0">
+                <a:solidFill>
+                  <a:srgbClr val="00B0F0"/>
+                </a:solidFill>
+                <a:latin typeface="나눔고딕" panose="020D0604000000000000" pitchFamily="50" charset="-127"/>
+                <a:ea typeface="나눔고딕" panose="020D0604000000000000" pitchFamily="50" charset="-127"/>
+              </a:rPr>
+              <a:t>까지 클론</a:t>
+            </a:r>
+            <a:r>
+              <a:rPr lang="ko-KR" altLang="en-US" sz="1100" smtClean="0">
+                <a:latin typeface="나눔고딕" panose="020D0604000000000000" pitchFamily="50" charset="-127"/>
+                <a:ea typeface="나눔고딕" panose="020D0604000000000000" pitchFamily="50" charset="-127"/>
+              </a:rPr>
+              <a:t>됐다는 것을 확인 할 수 있다</a:t>
+            </a:r>
+            <a:r>
+              <a:rPr lang="en-US" altLang="ko-KR" sz="1100" smtClean="0">
+                <a:latin typeface="나눔고딕" panose="020D0604000000000000" pitchFamily="50" charset="-127"/>
+                <a:ea typeface="나눔고딕" panose="020D0604000000000000" pitchFamily="50" charset="-127"/>
+              </a:rPr>
+              <a:t>.</a:t>
+            </a:r>
+            <a:endParaRPr lang="en-US" altLang="ko-KR" sz="1100" smtClean="0">
+              <a:latin typeface="나눔고딕" panose="020D0604000000000000" pitchFamily="50" charset="-127"/>
+              <a:ea typeface="나눔고딕" panose="020D0604000000000000" pitchFamily="50" charset="-127"/>
+            </a:endParaRPr>
+          </a:p>
+        </p:txBody>
+      </p:sp>
+      <p:pic>
+        <p:nvPicPr>
+          <p:cNvPr id="10" name="그림 9"/>
+          <p:cNvPicPr>
+            <a:picLocks noChangeAspect="1"/>
+          </p:cNvPicPr>
+          <p:nvPr/>
+        </p:nvPicPr>
+        <p:blipFill>
+          <a:blip r:embed="rId2" cstate="print">
+            <a:extLst>
+              <a:ext uri="{28A0092B-C50C-407E-A947-70E740481C1C}">
+                <a14:useLocalDpi xmlns:a14="http://schemas.microsoft.com/office/drawing/2010/main" val="0"/>
+              </a:ext>
+            </a:extLst>
+          </a:blip>
+          <a:stretch>
+            <a:fillRect/>
+          </a:stretch>
+        </p:blipFill>
+        <p:spPr>
+          <a:xfrm>
+            <a:off x="607217" y="1307045"/>
+            <a:ext cx="3661709" cy="2564868"/>
+          </a:xfrm>
+          <a:prstGeom prst="rect">
+            <a:avLst/>
+          </a:prstGeom>
+          <a:ln w="6350">
+            <a:solidFill>
+              <a:schemeClr val="bg1">
+                <a:lumMod val="50000"/>
+              </a:schemeClr>
+            </a:solidFill>
+          </a:ln>
+        </p:spPr>
+      </p:pic>
+      <p:pic>
+        <p:nvPicPr>
+          <p:cNvPr id="14" name="그림 13"/>
+          <p:cNvPicPr>
+            <a:picLocks noChangeAspect="1"/>
+          </p:cNvPicPr>
+          <p:nvPr/>
+        </p:nvPicPr>
+        <p:blipFill>
+          <a:blip r:embed="rId3" cstate="print">
+            <a:extLst>
+              <a:ext uri="{28A0092B-C50C-407E-A947-70E740481C1C}">
+                <a14:useLocalDpi xmlns:a14="http://schemas.microsoft.com/office/drawing/2010/main" val="0"/>
+              </a:ext>
+            </a:extLst>
+          </a:blip>
+          <a:stretch>
+            <a:fillRect/>
+          </a:stretch>
+        </p:blipFill>
+        <p:spPr>
+          <a:xfrm>
+            <a:off x="4564857" y="1298570"/>
+            <a:ext cx="3571874" cy="2573803"/>
+          </a:xfrm>
+          <a:prstGeom prst="rect">
+            <a:avLst/>
+          </a:prstGeom>
+          <a:ln w="6350">
+            <a:solidFill>
+              <a:schemeClr val="bg1">
+                <a:lumMod val="50000"/>
+              </a:schemeClr>
+            </a:solidFill>
+          </a:ln>
+        </p:spPr>
+      </p:pic>
+    </p:spTree>
+    <p:extLst>
+      <p:ext uri="{BB962C8B-B14F-4D97-AF65-F5344CB8AC3E}">
+        <p14:creationId xmlns:p14="http://schemas.microsoft.com/office/powerpoint/2010/main" val="196824839"/>
+      </p:ext>
+    </p:extLst>
+  </p:cSld>
+  <p:clrMapOvr>
+    <a:masterClrMapping/>
+  </p:clrMapOvr>
+  <p:timing>
+    <p:tnLst>
+      <p:par>
+        <p:cTn id="1" dur="indefinite" restart="never" nodeType="tmRoot"/>
+      </p:par>
+    </p:tnLst>
+  </p:timing>
+</p:sld>
+</file>
+
+<file path=ppt/slides/slide28.xml><?xml version="1.0" encoding="utf-8"?>
+<p:sld xmlns:a="http://schemas.openxmlformats.org/drawingml/2006/main" xmlns:r="http://schemas.openxmlformats.org/officeDocument/2006/relationships" xmlns:p="http://schemas.openxmlformats.org/presentationml/2006/main">
+  <p:cSld>
+    <p:spTree>
+      <p:nvGrpSpPr>
+        <p:cNvPr id="1" name=""/>
+        <p:cNvGrpSpPr/>
+        <p:nvPr/>
+      </p:nvGrpSpPr>
+      <p:grpSpPr>
+        <a:xfrm>
+          <a:off x="0" y="0"/>
+          <a:ext cx="0" cy="0"/>
+          <a:chOff x="0" y="0"/>
+          <a:chExt cx="0" cy="0"/>
+        </a:xfrm>
+      </p:grpSpPr>
+      <p:sp>
+        <p:nvSpPr>
+          <p:cNvPr id="32" name="모서리가 둥근 직사각형 31"/>
+          <p:cNvSpPr/>
+          <p:nvPr/>
+        </p:nvSpPr>
+        <p:spPr>
+          <a:xfrm>
+            <a:off x="3431381" y="2016919"/>
+            <a:ext cx="2228850" cy="2521744"/>
+          </a:xfrm>
+          <a:prstGeom prst="roundRect">
+            <a:avLst>
+              <a:gd name="adj" fmla="val 7052"/>
+            </a:avLst>
+          </a:prstGeom>
+          <a:solidFill>
+            <a:schemeClr val="bg1"/>
+          </a:solidFill>
+          <a:ln w="6350">
+            <a:solidFill>
+              <a:srgbClr val="00B0F0"/>
+            </a:solidFill>
+          </a:ln>
+        </p:spPr>
+        <p:style>
+          <a:lnRef idx="2">
+            <a:schemeClr val="accent1">
+              <a:shade val="50000"/>
+            </a:schemeClr>
+          </a:lnRef>
+          <a:fillRef idx="1">
+            <a:schemeClr val="accent1"/>
+          </a:fillRef>
+          <a:effectRef idx="0">
+            <a:schemeClr val="accent1"/>
+          </a:effectRef>
+          <a:fontRef idx="minor">
+            <a:schemeClr val="lt1"/>
+          </a:fontRef>
+        </p:style>
+        <p:txBody>
+          <a:bodyPr rtlCol="0" anchor="ctr"/>
+          <a:lstStyle/>
+          <a:p>
+            <a:pPr algn="ctr"/>
+            <a:endParaRPr lang="ko-KR" altLang="en-US"/>
+          </a:p>
+        </p:txBody>
+      </p:sp>
+      <p:sp>
+        <p:nvSpPr>
+          <p:cNvPr id="6" name="모서리가 둥근 직사각형 5"/>
+          <p:cNvSpPr/>
+          <p:nvPr/>
+        </p:nvSpPr>
+        <p:spPr>
+          <a:xfrm>
+            <a:off x="814387" y="2014537"/>
+            <a:ext cx="2228850" cy="2521744"/>
+          </a:xfrm>
+          <a:prstGeom prst="roundRect">
+            <a:avLst>
+              <a:gd name="adj" fmla="val 7052"/>
+            </a:avLst>
+          </a:prstGeom>
+          <a:solidFill>
+            <a:schemeClr val="bg1"/>
+          </a:solidFill>
+          <a:ln w="6350">
+            <a:solidFill>
+              <a:srgbClr val="00B0F0"/>
+            </a:solidFill>
+          </a:ln>
+        </p:spPr>
+        <p:style>
+          <a:lnRef idx="2">
+            <a:schemeClr val="accent1">
+              <a:shade val="50000"/>
+            </a:schemeClr>
+          </a:lnRef>
+          <a:fillRef idx="1">
+            <a:schemeClr val="accent1"/>
+          </a:fillRef>
+          <a:effectRef idx="0">
+            <a:schemeClr val="accent1"/>
+          </a:effectRef>
+          <a:fontRef idx="minor">
+            <a:schemeClr val="lt1"/>
+          </a:fontRef>
+        </p:style>
+        <p:txBody>
+          <a:bodyPr rtlCol="0" anchor="ctr"/>
+          <a:lstStyle/>
+          <a:p>
+            <a:pPr algn="ctr"/>
+            <a:endParaRPr lang="ko-KR" altLang="en-US"/>
+          </a:p>
+        </p:txBody>
+      </p:sp>
+      <p:sp>
+        <p:nvSpPr>
+          <p:cNvPr id="4" name="TextBox 3"/>
+          <p:cNvSpPr txBox="1"/>
+          <p:nvPr/>
+        </p:nvSpPr>
+        <p:spPr>
+          <a:xfrm>
+            <a:off x="332893" y="690180"/>
+            <a:ext cx="5082070" cy="265948"/>
+          </a:xfrm>
+          <a:prstGeom prst="rect">
+            <a:avLst/>
+          </a:prstGeom>
+          <a:noFill/>
+        </p:spPr>
+        <p:txBody>
+          <a:bodyPr wrap="square" lIns="33231" tIns="33231" rIns="33231" bIns="33231" rtlCol="0">
+            <a:spAutoFit/>
+          </a:bodyPr>
+          <a:lstStyle/>
+          <a:p>
+            <a:r>
+              <a:rPr lang="en-US" altLang="ko-KR" sz="1292">
+                <a:latin typeface="+mj-ea"/>
+              </a:rPr>
+              <a:t>02- Git, Github </a:t>
+            </a:r>
+            <a:r>
+              <a:rPr lang="ko-KR" altLang="en-US" sz="1292">
+                <a:latin typeface="+mj-ea"/>
+              </a:rPr>
+              <a:t>기초 사용법</a:t>
+            </a:r>
+          </a:p>
+        </p:txBody>
+      </p:sp>
+      <p:sp>
+        <p:nvSpPr>
+          <p:cNvPr id="21" name="TextBox 20"/>
+          <p:cNvSpPr txBox="1"/>
+          <p:nvPr/>
+        </p:nvSpPr>
+        <p:spPr>
+          <a:xfrm>
+            <a:off x="1721645" y="1335883"/>
+            <a:ext cx="5800724" cy="338554"/>
+          </a:xfrm>
+          <a:prstGeom prst="rect">
+            <a:avLst/>
+          </a:prstGeom>
+          <a:noFill/>
+        </p:spPr>
+        <p:txBody>
+          <a:bodyPr wrap="square" rtlCol="0">
+            <a:spAutoFit/>
+          </a:bodyPr>
+          <a:lstStyle/>
+          <a:p>
+            <a:pPr algn="ctr"/>
+            <a:r>
+              <a:rPr lang="en-US" altLang="ko-KR" sz="1600" b="1" smtClean="0">
+                <a:latin typeface="나눔고딕" panose="020D0604000000000000" pitchFamily="50" charset="-127"/>
+                <a:ea typeface="나눔고딕" panose="020D0604000000000000" pitchFamily="50" charset="-127"/>
+              </a:rPr>
+              <a:t>PSD, AI </a:t>
+            </a:r>
+            <a:r>
+              <a:rPr lang="ko-KR" altLang="en-US" sz="1600" b="1" smtClean="0">
+                <a:latin typeface="나눔고딕" panose="020D0604000000000000" pitchFamily="50" charset="-127"/>
+                <a:ea typeface="나눔고딕" panose="020D0604000000000000" pitchFamily="50" charset="-127"/>
+              </a:rPr>
+              <a:t>파일을 </a:t>
+            </a:r>
+            <a:r>
+              <a:rPr lang="en-US" altLang="ko-KR" sz="1600" b="1" smtClean="0">
+                <a:latin typeface="나눔고딕" panose="020D0604000000000000" pitchFamily="50" charset="-127"/>
+                <a:ea typeface="나눔고딕" panose="020D0604000000000000" pitchFamily="50" charset="-127"/>
+              </a:rPr>
+              <a:t>Git</a:t>
+            </a:r>
+            <a:r>
+              <a:rPr lang="ko-KR" altLang="en-US" sz="1600" b="1" smtClean="0">
+                <a:latin typeface="나눔고딕" panose="020D0604000000000000" pitchFamily="50" charset="-127"/>
+                <a:ea typeface="나눔고딕" panose="020D0604000000000000" pitchFamily="50" charset="-127"/>
+              </a:rPr>
+              <a:t>으로 버전관리 할 경우 시나리오</a:t>
+            </a:r>
+            <a:endParaRPr lang="ko-KR" altLang="en-US" sz="1600" b="1">
+              <a:latin typeface="나눔고딕" panose="020D0604000000000000" pitchFamily="50" charset="-127"/>
+              <a:ea typeface="나눔고딕" panose="020D0604000000000000" pitchFamily="50" charset="-127"/>
+            </a:endParaRPr>
+          </a:p>
+        </p:txBody>
+      </p:sp>
+      <p:sp>
+        <p:nvSpPr>
+          <p:cNvPr id="30" name="TextBox 29"/>
+          <p:cNvSpPr txBox="1"/>
+          <p:nvPr/>
+        </p:nvSpPr>
+        <p:spPr>
+          <a:xfrm>
+            <a:off x="814388" y="3659983"/>
+            <a:ext cx="2228850" cy="600164"/>
+          </a:xfrm>
+          <a:prstGeom prst="rect">
+            <a:avLst/>
+          </a:prstGeom>
+          <a:noFill/>
+        </p:spPr>
+        <p:txBody>
+          <a:bodyPr wrap="square" rtlCol="0">
+            <a:spAutoFit/>
+          </a:bodyPr>
+          <a:lstStyle/>
+          <a:p>
+            <a:pPr algn="ctr"/>
+            <a:r>
+              <a:rPr lang="en-US" altLang="ko-KR" sz="1100" b="1" smtClean="0">
+                <a:latin typeface="나눔고딕" panose="020D0604000000000000" pitchFamily="50" charset="-127"/>
+                <a:ea typeface="나눔고딕" panose="020D0604000000000000" pitchFamily="50" charset="-127"/>
+              </a:rPr>
+              <a:t>Web page design</a:t>
+            </a:r>
+            <a:r>
+              <a:rPr lang="ko-KR" altLang="en-US" sz="1100" b="1" smtClean="0">
+                <a:latin typeface="나눔고딕" panose="020D0604000000000000" pitchFamily="50" charset="-127"/>
+                <a:ea typeface="나눔고딕" panose="020D0604000000000000" pitchFamily="50" charset="-127"/>
+              </a:rPr>
+              <a:t>용 </a:t>
+            </a:r>
+            <a:r>
+              <a:rPr lang="en-US" altLang="ko-KR" sz="1100" b="1" smtClean="0">
+                <a:latin typeface="나눔고딕" panose="020D0604000000000000" pitchFamily="50" charset="-127"/>
+                <a:ea typeface="나눔고딕" panose="020D0604000000000000" pitchFamily="50" charset="-127"/>
+              </a:rPr>
+              <a:t/>
+            </a:r>
+            <a:br>
+              <a:rPr lang="en-US" altLang="ko-KR" sz="1100" b="1" smtClean="0">
+                <a:latin typeface="나눔고딕" panose="020D0604000000000000" pitchFamily="50" charset="-127"/>
+                <a:ea typeface="나눔고딕" panose="020D0604000000000000" pitchFamily="50" charset="-127"/>
+              </a:rPr>
+            </a:br>
+            <a:r>
+              <a:rPr lang="en-US" altLang="ko-KR" sz="1100" b="1" smtClean="0">
+                <a:latin typeface="나눔고딕" panose="020D0604000000000000" pitchFamily="50" charset="-127"/>
+                <a:ea typeface="나눔고딕" panose="020D0604000000000000" pitchFamily="50" charset="-127"/>
+              </a:rPr>
+              <a:t>PSD</a:t>
+            </a:r>
+            <a:r>
+              <a:rPr lang="ko-KR" altLang="en-US" sz="1100" b="1" smtClean="0">
+                <a:latin typeface="나눔고딕" panose="020D0604000000000000" pitchFamily="50" charset="-127"/>
+                <a:ea typeface="나눔고딕" panose="020D0604000000000000" pitchFamily="50" charset="-127"/>
+              </a:rPr>
+              <a:t>파일의 크기는 평균적으로 </a:t>
+            </a:r>
+            <a:r>
+              <a:rPr lang="en-US" altLang="ko-KR" sz="1100" b="1" smtClean="0">
+                <a:latin typeface="나눔고딕" panose="020D0604000000000000" pitchFamily="50" charset="-127"/>
+                <a:ea typeface="나눔고딕" panose="020D0604000000000000" pitchFamily="50" charset="-127"/>
+              </a:rPr>
+              <a:t>10~20Mb </a:t>
+            </a:r>
+            <a:r>
+              <a:rPr lang="ko-KR" altLang="en-US" sz="1100" b="1" smtClean="0">
+                <a:latin typeface="나눔고딕" panose="020D0604000000000000" pitchFamily="50" charset="-127"/>
+                <a:ea typeface="나눔고딕" panose="020D0604000000000000" pitchFamily="50" charset="-127"/>
+              </a:rPr>
+              <a:t>크기</a:t>
+            </a:r>
+            <a:endParaRPr lang="ko-KR" altLang="en-US" sz="1100" b="1">
+              <a:latin typeface="나눔고딕" panose="020D0604000000000000" pitchFamily="50" charset="-127"/>
+              <a:ea typeface="나눔고딕" panose="020D0604000000000000" pitchFamily="50" charset="-127"/>
+            </a:endParaRPr>
+          </a:p>
+        </p:txBody>
+      </p:sp>
+      <p:pic>
+        <p:nvPicPr>
+          <p:cNvPr id="3" name="그림 2"/>
+          <p:cNvPicPr>
+            <a:picLocks noChangeAspect="1"/>
+          </p:cNvPicPr>
+          <p:nvPr/>
+        </p:nvPicPr>
+        <p:blipFill>
+          <a:blip r:embed="rId2" cstate="print">
+            <a:extLst>
+              <a:ext uri="{28A0092B-C50C-407E-A947-70E740481C1C}">
+                <a14:useLocalDpi xmlns:a14="http://schemas.microsoft.com/office/drawing/2010/main" val="0"/>
+              </a:ext>
+            </a:extLst>
+          </a:blip>
+          <a:stretch>
+            <a:fillRect/>
+          </a:stretch>
+        </p:blipFill>
+        <p:spPr>
+          <a:xfrm>
+            <a:off x="1371482" y="2483642"/>
+            <a:ext cx="986072" cy="1002507"/>
+          </a:xfrm>
+          <a:prstGeom prst="rect">
+            <a:avLst/>
+          </a:prstGeom>
+        </p:spPr>
+      </p:pic>
+      <p:sp>
+        <p:nvSpPr>
+          <p:cNvPr id="31" name="TextBox 30"/>
+          <p:cNvSpPr txBox="1"/>
+          <p:nvPr/>
+        </p:nvSpPr>
+        <p:spPr>
+          <a:xfrm>
+            <a:off x="3514725" y="2352008"/>
+            <a:ext cx="2057400" cy="1815882"/>
+          </a:xfrm>
+          <a:prstGeom prst="rect">
+            <a:avLst/>
+          </a:prstGeom>
+          <a:noFill/>
+        </p:spPr>
+        <p:txBody>
+          <a:bodyPr wrap="square" rtlCol="0">
+            <a:spAutoFit/>
+          </a:bodyPr>
+          <a:lstStyle/>
+          <a:p>
+            <a:pPr algn="ctr"/>
+            <a:r>
+              <a:rPr lang="en-US" altLang="ko-KR" sz="1100" b="1" smtClean="0">
+                <a:latin typeface="나눔고딕" panose="020D0604000000000000" pitchFamily="50" charset="-127"/>
+                <a:ea typeface="나눔고딕" panose="020D0604000000000000" pitchFamily="50" charset="-127"/>
+              </a:rPr>
+              <a:t>Commit 20</a:t>
+            </a:r>
+            <a:r>
+              <a:rPr lang="ko-KR" altLang="en-US" sz="1100" b="1" smtClean="0">
+                <a:latin typeface="나눔고딕" panose="020D0604000000000000" pitchFamily="50" charset="-127"/>
+                <a:ea typeface="나눔고딕" panose="020D0604000000000000" pitchFamily="50" charset="-127"/>
+              </a:rPr>
+              <a:t>번 수행</a:t>
+            </a:r>
+            <a:r>
+              <a:rPr lang="en-US" altLang="ko-KR" sz="1100" b="1" smtClean="0">
+                <a:latin typeface="나눔고딕" panose="020D0604000000000000" pitchFamily="50" charset="-127"/>
+                <a:ea typeface="나눔고딕" panose="020D0604000000000000" pitchFamily="50" charset="-127"/>
+              </a:rPr>
+              <a:t/>
+            </a:r>
+            <a:br>
+              <a:rPr lang="en-US" altLang="ko-KR" sz="1100" b="1" smtClean="0">
+                <a:latin typeface="나눔고딕" panose="020D0604000000000000" pitchFamily="50" charset="-127"/>
+                <a:ea typeface="나눔고딕" panose="020D0604000000000000" pitchFamily="50" charset="-127"/>
+              </a:rPr>
+            </a:br>
+            <a:r>
+              <a:rPr lang="en-US" altLang="ko-KR" sz="1100" b="1" smtClean="0">
+                <a:latin typeface="나눔고딕" panose="020D0604000000000000" pitchFamily="50" charset="-127"/>
+                <a:ea typeface="나눔고딕" panose="020D0604000000000000" pitchFamily="50" charset="-127"/>
+              </a:rPr>
+              <a:t/>
+            </a:r>
+            <a:br>
+              <a:rPr lang="en-US" altLang="ko-KR" sz="1100" b="1" smtClean="0">
+                <a:latin typeface="나눔고딕" panose="020D0604000000000000" pitchFamily="50" charset="-127"/>
+                <a:ea typeface="나눔고딕" panose="020D0604000000000000" pitchFamily="50" charset="-127"/>
+              </a:rPr>
+            </a:br>
+            <a:r>
+              <a:rPr lang="en-US" altLang="ko-KR" sz="1100" b="1" smtClean="0">
+                <a:latin typeface="나눔고딕" panose="020D0604000000000000" pitchFamily="50" charset="-127"/>
+                <a:ea typeface="나눔고딕" panose="020D0604000000000000" pitchFamily="50" charset="-127"/>
+              </a:rPr>
+              <a:t>20mb * 20 = 400Mb</a:t>
+            </a:r>
+          </a:p>
+          <a:p>
+            <a:pPr algn="ctr"/>
+            <a:endParaRPr lang="en-US" altLang="ko-KR" sz="1100" b="1">
+              <a:latin typeface="나눔고딕" panose="020D0604000000000000" pitchFamily="50" charset="-127"/>
+              <a:ea typeface="나눔고딕" panose="020D0604000000000000" pitchFamily="50" charset="-127"/>
+            </a:endParaRPr>
+          </a:p>
+          <a:p>
+            <a:pPr algn="ctr"/>
+            <a:r>
+              <a:rPr lang="en-US" altLang="ko-KR" sz="1100" b="1" smtClean="0">
+                <a:latin typeface="나눔고딕" panose="020D0604000000000000" pitchFamily="50" charset="-127"/>
+                <a:ea typeface="나눔고딕" panose="020D0604000000000000" pitchFamily="50" charset="-127"/>
+              </a:rPr>
+              <a:t/>
+            </a:r>
+            <a:br>
+              <a:rPr lang="en-US" altLang="ko-KR" sz="1100" b="1" smtClean="0">
+                <a:latin typeface="나눔고딕" panose="020D0604000000000000" pitchFamily="50" charset="-127"/>
+                <a:ea typeface="나눔고딕" panose="020D0604000000000000" pitchFamily="50" charset="-127"/>
+              </a:rPr>
+            </a:br>
+            <a:r>
+              <a:rPr lang="ko-KR" altLang="en-US" sz="1100" b="1" smtClean="0">
+                <a:latin typeface="나눔고딕" panose="020D0604000000000000" pitchFamily="50" charset="-127"/>
+                <a:ea typeface="나눔고딕" panose="020D0604000000000000" pitchFamily="50" charset="-127"/>
+              </a:rPr>
+              <a:t>동일한 크기의 파일이 </a:t>
+            </a:r>
+            <a:r>
+              <a:rPr lang="en-US" altLang="ko-KR" sz="1100" b="1" smtClean="0">
+                <a:latin typeface="나눔고딕" panose="020D0604000000000000" pitchFamily="50" charset="-127"/>
+                <a:ea typeface="나눔고딕" panose="020D0604000000000000" pitchFamily="50" charset="-127"/>
+              </a:rPr>
+              <a:t>20</a:t>
+            </a:r>
+            <a:r>
+              <a:rPr lang="ko-KR" altLang="en-US" sz="1100" b="1" smtClean="0">
+                <a:latin typeface="나눔고딕" panose="020D0604000000000000" pitchFamily="50" charset="-127"/>
+                <a:ea typeface="나눔고딕" panose="020D0604000000000000" pitchFamily="50" charset="-127"/>
+              </a:rPr>
+              <a:t>개일 경우</a:t>
+            </a:r>
+            <a:endParaRPr lang="en-US" altLang="ko-KR" sz="1100" b="1" smtClean="0">
+              <a:latin typeface="나눔고딕" panose="020D0604000000000000" pitchFamily="50" charset="-127"/>
+              <a:ea typeface="나눔고딕" panose="020D0604000000000000" pitchFamily="50" charset="-127"/>
+            </a:endParaRPr>
+          </a:p>
+          <a:p>
+            <a:pPr algn="ctr"/>
+            <a:endParaRPr lang="en-US" altLang="ko-KR" sz="1100" b="1">
+              <a:latin typeface="나눔고딕" panose="020D0604000000000000" pitchFamily="50" charset="-127"/>
+              <a:ea typeface="나눔고딕" panose="020D0604000000000000" pitchFamily="50" charset="-127"/>
+            </a:endParaRPr>
+          </a:p>
+          <a:p>
+            <a:pPr algn="ctr"/>
+            <a:r>
+              <a:rPr lang="en-US" altLang="ko-KR" sz="2400" b="1" smtClean="0">
+                <a:solidFill>
+                  <a:srgbClr val="00B0F0"/>
+                </a:solidFill>
+                <a:latin typeface="나눔고딕" panose="020D0604000000000000" pitchFamily="50" charset="-127"/>
+                <a:ea typeface="나눔고딕" panose="020D0604000000000000" pitchFamily="50" charset="-127"/>
+              </a:rPr>
+              <a:t>8Gb</a:t>
+            </a:r>
+            <a:endParaRPr lang="en-US" altLang="ko-KR" sz="2400" b="1">
+              <a:solidFill>
+                <a:srgbClr val="00B0F0"/>
+              </a:solidFill>
+              <a:latin typeface="나눔고딕" panose="020D0604000000000000" pitchFamily="50" charset="-127"/>
+              <a:ea typeface="나눔고딕" panose="020D0604000000000000" pitchFamily="50" charset="-127"/>
+            </a:endParaRPr>
+          </a:p>
+        </p:txBody>
+      </p:sp>
+      <p:sp>
+        <p:nvSpPr>
+          <p:cNvPr id="37" name="모서리가 둥근 직사각형 36"/>
+          <p:cNvSpPr/>
+          <p:nvPr/>
+        </p:nvSpPr>
+        <p:spPr>
+          <a:xfrm>
+            <a:off x="6062662" y="2012157"/>
+            <a:ext cx="2228850" cy="2521744"/>
+          </a:xfrm>
+          <a:prstGeom prst="roundRect">
+            <a:avLst>
+              <a:gd name="adj" fmla="val 7052"/>
+            </a:avLst>
+          </a:prstGeom>
+          <a:solidFill>
+            <a:schemeClr val="bg1"/>
+          </a:solidFill>
+          <a:ln w="6350">
+            <a:solidFill>
+              <a:srgbClr val="00B0F0"/>
+            </a:solidFill>
+          </a:ln>
+        </p:spPr>
+        <p:style>
+          <a:lnRef idx="2">
+            <a:schemeClr val="accent1">
+              <a:shade val="50000"/>
+            </a:schemeClr>
+          </a:lnRef>
+          <a:fillRef idx="1">
+            <a:schemeClr val="accent1"/>
+          </a:fillRef>
+          <a:effectRef idx="0">
+            <a:schemeClr val="accent1"/>
+          </a:effectRef>
+          <a:fontRef idx="minor">
+            <a:schemeClr val="lt1"/>
+          </a:fontRef>
+        </p:style>
+        <p:txBody>
+          <a:bodyPr rtlCol="0" anchor="ctr"/>
+          <a:lstStyle/>
+          <a:p>
+            <a:pPr algn="ctr"/>
+            <a:endParaRPr lang="ko-KR" altLang="en-US"/>
+          </a:p>
+        </p:txBody>
+      </p:sp>
+      <p:sp>
+        <p:nvSpPr>
+          <p:cNvPr id="38" name="TextBox 37"/>
+          <p:cNvSpPr txBox="1"/>
+          <p:nvPr/>
+        </p:nvSpPr>
+        <p:spPr>
+          <a:xfrm>
+            <a:off x="6129338" y="2438063"/>
+            <a:ext cx="2107406" cy="1523494"/>
+          </a:xfrm>
+          <a:prstGeom prst="rect">
+            <a:avLst/>
+          </a:prstGeom>
+          <a:noFill/>
+        </p:spPr>
+        <p:txBody>
+          <a:bodyPr wrap="square" rtlCol="0">
+            <a:spAutoFit/>
+          </a:bodyPr>
+          <a:lstStyle/>
+          <a:p>
+            <a:pPr algn="ctr"/>
+            <a:r>
+              <a:rPr lang="ko-KR" altLang="en-US" sz="1100" b="1" smtClean="0">
+                <a:latin typeface="나눔고딕" panose="020D0604000000000000" pitchFamily="50" charset="-127"/>
+                <a:ea typeface="나눔고딕" panose="020D0604000000000000" pitchFamily="50" charset="-127"/>
+              </a:rPr>
+              <a:t>일반적인 </a:t>
+            </a:r>
+            <a:r>
+              <a:rPr lang="en-US" altLang="ko-KR" sz="1100" b="1" smtClean="0">
+                <a:latin typeface="나눔고딕" panose="020D0604000000000000" pitchFamily="50" charset="-127"/>
+                <a:ea typeface="나눔고딕" panose="020D0604000000000000" pitchFamily="50" charset="-127"/>
+              </a:rPr>
+              <a:t>Web Application</a:t>
+            </a:r>
+          </a:p>
+          <a:p>
+            <a:pPr algn="ctr"/>
+            <a:r>
+              <a:rPr lang="ko-KR" altLang="en-US" sz="1100" b="1" smtClean="0">
+                <a:latin typeface="나눔고딕" panose="020D0604000000000000" pitchFamily="50" charset="-127"/>
+                <a:ea typeface="나눔고딕" panose="020D0604000000000000" pitchFamily="50" charset="-127"/>
+              </a:rPr>
+              <a:t>프로젝트에서 </a:t>
+            </a:r>
+            <a:endParaRPr lang="en-US" altLang="ko-KR" sz="1100" b="1" smtClean="0">
+              <a:latin typeface="나눔고딕" panose="020D0604000000000000" pitchFamily="50" charset="-127"/>
+              <a:ea typeface="나눔고딕" panose="020D0604000000000000" pitchFamily="50" charset="-127"/>
+            </a:endParaRPr>
+          </a:p>
+          <a:p>
+            <a:pPr algn="ctr"/>
+            <a:endParaRPr lang="en-US" altLang="ko-KR" sz="1100" b="1">
+              <a:latin typeface="나눔고딕" panose="020D0604000000000000" pitchFamily="50" charset="-127"/>
+              <a:ea typeface="나눔고딕" panose="020D0604000000000000" pitchFamily="50" charset="-127"/>
+            </a:endParaRPr>
+          </a:p>
+          <a:p>
+            <a:pPr algn="ctr"/>
+            <a:r>
+              <a:rPr lang="en-US" altLang="ko-KR" sz="2000" b="1" smtClean="0">
+                <a:solidFill>
+                  <a:srgbClr val="00B0F0"/>
+                </a:solidFill>
+                <a:latin typeface="나눔고딕" panose="020D0604000000000000" pitchFamily="50" charset="-127"/>
+                <a:ea typeface="나눔고딕" panose="020D0604000000000000" pitchFamily="50" charset="-127"/>
+              </a:rPr>
+              <a:t>Design File</a:t>
+            </a:r>
+            <a:r>
+              <a:rPr lang="ko-KR" altLang="en-US" sz="2000" b="1" smtClean="0">
+                <a:solidFill>
+                  <a:srgbClr val="00B0F0"/>
+                </a:solidFill>
+                <a:latin typeface="나눔고딕" panose="020D0604000000000000" pitchFamily="50" charset="-127"/>
+                <a:ea typeface="나눔고딕" panose="020D0604000000000000" pitchFamily="50" charset="-127"/>
+              </a:rPr>
+              <a:t>의</a:t>
+            </a:r>
+            <a:endParaRPr lang="en-US" altLang="ko-KR" sz="2000" b="1" smtClean="0">
+              <a:solidFill>
+                <a:srgbClr val="00B0F0"/>
+              </a:solidFill>
+              <a:latin typeface="나눔고딕" panose="020D0604000000000000" pitchFamily="50" charset="-127"/>
+              <a:ea typeface="나눔고딕" panose="020D0604000000000000" pitchFamily="50" charset="-127"/>
+            </a:endParaRPr>
+          </a:p>
+          <a:p>
+            <a:pPr algn="ctr"/>
+            <a:r>
+              <a:rPr lang="ko-KR" altLang="en-US" sz="2000" b="1" smtClean="0">
+                <a:solidFill>
+                  <a:srgbClr val="00B0F0"/>
+                </a:solidFill>
+                <a:latin typeface="나눔고딕" panose="020D0604000000000000" pitchFamily="50" charset="-127"/>
+                <a:ea typeface="나눔고딕" panose="020D0604000000000000" pitchFamily="50" charset="-127"/>
+              </a:rPr>
+              <a:t>버전관리는</a:t>
+            </a:r>
+            <a:endParaRPr lang="en-US" altLang="ko-KR" sz="2000" b="1" smtClean="0">
+              <a:solidFill>
+                <a:srgbClr val="00B0F0"/>
+              </a:solidFill>
+              <a:latin typeface="나눔고딕" panose="020D0604000000000000" pitchFamily="50" charset="-127"/>
+              <a:ea typeface="나눔고딕" panose="020D0604000000000000" pitchFamily="50" charset="-127"/>
+            </a:endParaRPr>
+          </a:p>
+          <a:p>
+            <a:pPr algn="ctr"/>
+            <a:r>
+              <a:rPr lang="ko-KR" altLang="en-US" sz="2000" b="1" smtClean="0">
+                <a:solidFill>
+                  <a:srgbClr val="00B0F0"/>
+                </a:solidFill>
+                <a:latin typeface="나눔고딕" panose="020D0604000000000000" pitchFamily="50" charset="-127"/>
+                <a:ea typeface="나눔고딕" panose="020D0604000000000000" pitchFamily="50" charset="-127"/>
+              </a:rPr>
+              <a:t>충분히 가능</a:t>
+            </a:r>
+            <a:endParaRPr lang="en-US" altLang="ko-KR" sz="2000" b="1" smtClean="0">
+              <a:solidFill>
+                <a:srgbClr val="00B0F0"/>
+              </a:solidFill>
+              <a:latin typeface="나눔고딕" panose="020D0604000000000000" pitchFamily="50" charset="-127"/>
+              <a:ea typeface="나눔고딕" panose="020D0604000000000000" pitchFamily="50" charset="-127"/>
+            </a:endParaRPr>
+          </a:p>
+        </p:txBody>
+      </p:sp>
+      <p:sp>
+        <p:nvSpPr>
+          <p:cNvPr id="7" name="오른쪽 화살표 6"/>
+          <p:cNvSpPr/>
+          <p:nvPr/>
+        </p:nvSpPr>
+        <p:spPr>
+          <a:xfrm>
+            <a:off x="3121820" y="3193256"/>
+            <a:ext cx="273844" cy="221456"/>
+          </a:xfrm>
+          <a:prstGeom prst="rightArrow">
+            <a:avLst/>
+          </a:prstGeom>
+        </p:spPr>
+        <p:style>
+          <a:lnRef idx="2">
+            <a:schemeClr val="accent1">
+              <a:shade val="50000"/>
+            </a:schemeClr>
+          </a:lnRef>
+          <a:fillRef idx="1">
+            <a:schemeClr val="accent1"/>
+          </a:fillRef>
+          <a:effectRef idx="0">
+            <a:schemeClr val="accent1"/>
+          </a:effectRef>
+          <a:fontRef idx="minor">
+            <a:schemeClr val="lt1"/>
+          </a:fontRef>
+        </p:style>
+        <p:txBody>
+          <a:bodyPr rtlCol="0" anchor="ctr"/>
+          <a:lstStyle/>
+          <a:p>
+            <a:pPr algn="ctr"/>
+            <a:endParaRPr lang="ko-KR" altLang="en-US"/>
+          </a:p>
+        </p:txBody>
+      </p:sp>
+      <p:sp>
+        <p:nvSpPr>
+          <p:cNvPr id="39" name="오른쪽 화살표 38"/>
+          <p:cNvSpPr/>
+          <p:nvPr/>
+        </p:nvSpPr>
+        <p:spPr>
+          <a:xfrm>
+            <a:off x="5738814" y="3188493"/>
+            <a:ext cx="273844" cy="221456"/>
+          </a:xfrm>
+          <a:prstGeom prst="rightArrow">
+            <a:avLst/>
+          </a:prstGeom>
+        </p:spPr>
+        <p:style>
+          <a:lnRef idx="2">
+            <a:schemeClr val="accent1">
+              <a:shade val="50000"/>
+            </a:schemeClr>
+          </a:lnRef>
+          <a:fillRef idx="1">
+            <a:schemeClr val="accent1"/>
+          </a:fillRef>
+          <a:effectRef idx="0">
+            <a:schemeClr val="accent1"/>
+          </a:effectRef>
+          <a:fontRef idx="minor">
+            <a:schemeClr val="lt1"/>
+          </a:fontRef>
+        </p:style>
+        <p:txBody>
+          <a:bodyPr rtlCol="0" anchor="ctr"/>
+          <a:lstStyle/>
+          <a:p>
+            <a:pPr algn="ctr"/>
+            <a:endParaRPr lang="ko-KR" altLang="en-US"/>
+          </a:p>
+        </p:txBody>
+      </p:sp>
+    </p:spTree>
+    <p:extLst>
+      <p:ext uri="{BB962C8B-B14F-4D97-AF65-F5344CB8AC3E}">
+        <p14:creationId xmlns:p14="http://schemas.microsoft.com/office/powerpoint/2010/main" val="2305289977"/>
+      </p:ext>
+    </p:extLst>
+  </p:cSld>
+  <p:clrMapOvr>
+    <a:masterClrMapping/>
+  </p:clrMapOvr>
+  <p:timing>
+    <p:tnLst>
+      <p:par>
+        <p:cTn id="1" dur="indefinite" restart="never" nodeType="tmRoot"/>
+      </p:par>
+    </p:tnLst>
+  </p:timing>
+</p:sld>
+</file>
+
+<file path=ppt/slides/slide29.xml><?xml version="1.0" encoding="utf-8"?>
+<p:sld xmlns:a="http://schemas.openxmlformats.org/drawingml/2006/main" xmlns:r="http://schemas.openxmlformats.org/officeDocument/2006/relationships" xmlns:p="http://schemas.openxmlformats.org/presentationml/2006/main">
+  <p:cSld>
+    <p:spTree>
+      <p:nvGrpSpPr>
+        <p:cNvPr id="1" name=""/>
+        <p:cNvGrpSpPr/>
+        <p:nvPr/>
+      </p:nvGrpSpPr>
+      <p:grpSpPr>
+        <a:xfrm>
+          <a:off x="0" y="0"/>
+          <a:ext cx="0" cy="0"/>
+          <a:chOff x="0" y="0"/>
+          <a:chExt cx="0" cy="0"/>
+        </a:xfrm>
+      </p:grpSpPr>
+      <p:sp>
+        <p:nvSpPr>
+          <p:cNvPr id="4" name="TextBox 3"/>
+          <p:cNvSpPr txBox="1"/>
+          <p:nvPr/>
+        </p:nvSpPr>
+        <p:spPr>
+          <a:xfrm>
+            <a:off x="332893" y="690180"/>
+            <a:ext cx="4223770" cy="265948"/>
+          </a:xfrm>
+          <a:prstGeom prst="rect">
+            <a:avLst/>
+          </a:prstGeom>
+          <a:noFill/>
+        </p:spPr>
+        <p:txBody>
+          <a:bodyPr wrap="square" lIns="33231" tIns="33231" rIns="33231" bIns="33231" rtlCol="0">
+            <a:spAutoFit/>
+          </a:bodyPr>
+          <a:lstStyle/>
+          <a:p>
+            <a:r>
+              <a:rPr lang="en-US" altLang="ko-KR" sz="1292" smtClean="0">
+                <a:latin typeface="+mj-ea"/>
                 <a:ea typeface="+mj-ea"/>
               </a:rPr>
               <a:t>05- Git </a:t>
@@ -13262,7 +14884,1557 @@
 </p:sld>
 </file>
 
-<file path=ppt/slides/slide26.xml><?xml version="1.0" encoding="utf-8"?>
+<file path=ppt/slides/slide3.xml><?xml version="1.0" encoding="utf-8"?>
+<p:sld xmlns:a="http://schemas.openxmlformats.org/drawingml/2006/main" xmlns:r="http://schemas.openxmlformats.org/officeDocument/2006/relationships" xmlns:p="http://schemas.openxmlformats.org/presentationml/2006/main">
+  <p:cSld>
+    <p:spTree>
+      <p:nvGrpSpPr>
+        <p:cNvPr id="1" name=""/>
+        <p:cNvGrpSpPr/>
+        <p:nvPr/>
+      </p:nvGrpSpPr>
+      <p:grpSpPr>
+        <a:xfrm>
+          <a:off x="0" y="0"/>
+          <a:ext cx="0" cy="0"/>
+          <a:chOff x="0" y="0"/>
+          <a:chExt cx="0" cy="0"/>
+        </a:xfrm>
+      </p:grpSpPr>
+      <p:sp>
+        <p:nvSpPr>
+          <p:cNvPr id="4" name="TextBox 3"/>
+          <p:cNvSpPr txBox="1"/>
+          <p:nvPr/>
+        </p:nvSpPr>
+        <p:spPr>
+          <a:xfrm>
+            <a:off x="332893" y="690180"/>
+            <a:ext cx="4223770" cy="265948"/>
+          </a:xfrm>
+          <a:prstGeom prst="rect">
+            <a:avLst/>
+          </a:prstGeom>
+          <a:noFill/>
+        </p:spPr>
+        <p:txBody>
+          <a:bodyPr wrap="square" lIns="33231" tIns="33231" rIns="33231" bIns="33231" rtlCol="0">
+            <a:spAutoFit/>
+          </a:bodyPr>
+          <a:lstStyle/>
+          <a:p>
+            <a:r>
+              <a:rPr lang="ko-KR" altLang="en-US" sz="1292" smtClean="0">
+                <a:latin typeface="나눔고딕" panose="020D0604000000000000" pitchFamily="50" charset="-127"/>
+                <a:ea typeface="나눔고딕" panose="020D0604000000000000" pitchFamily="50" charset="-127"/>
+              </a:rPr>
+              <a:t>학습 계획 </a:t>
+            </a:r>
+            <a:r>
+              <a:rPr lang="en-US" altLang="ko-KR" sz="1292" smtClean="0">
+                <a:latin typeface="나눔고딕" panose="020D0604000000000000" pitchFamily="50" charset="-127"/>
+                <a:ea typeface="나눔고딕" panose="020D0604000000000000" pitchFamily="50" charset="-127"/>
+              </a:rPr>
+              <a:t>- </a:t>
+            </a:r>
+            <a:r>
+              <a:rPr lang="ko-KR" altLang="en-US" sz="1292" smtClean="0">
+                <a:latin typeface="나눔고딕" panose="020D0604000000000000" pitchFamily="50" charset="-127"/>
+                <a:ea typeface="나눔고딕" panose="020D0604000000000000" pitchFamily="50" charset="-127"/>
+              </a:rPr>
+              <a:t>교육 단계</a:t>
+            </a:r>
+            <a:endParaRPr lang="ko-KR" altLang="en-US" sz="1292">
+              <a:latin typeface="나눔고딕" panose="020D0604000000000000" pitchFamily="50" charset="-127"/>
+              <a:ea typeface="나눔고딕" panose="020D0604000000000000" pitchFamily="50" charset="-127"/>
+            </a:endParaRPr>
+          </a:p>
+        </p:txBody>
+      </p:sp>
+      <p:grpSp>
+        <p:nvGrpSpPr>
+          <p:cNvPr id="14" name="그룹 13"/>
+          <p:cNvGrpSpPr/>
+          <p:nvPr/>
+        </p:nvGrpSpPr>
+        <p:grpSpPr>
+          <a:xfrm>
+            <a:off x="4688678" y="1965721"/>
+            <a:ext cx="3636169" cy="1064420"/>
+            <a:chOff x="714374" y="1407318"/>
+            <a:chExt cx="3636169" cy="1064420"/>
+          </a:xfrm>
+        </p:grpSpPr>
+        <p:sp>
+          <p:nvSpPr>
+            <p:cNvPr id="2" name="직사각형 1"/>
+            <p:cNvSpPr/>
+            <p:nvPr/>
+          </p:nvSpPr>
+          <p:spPr>
+            <a:xfrm>
+              <a:off x="714374" y="1407318"/>
+              <a:ext cx="3636169" cy="1057276"/>
+            </a:xfrm>
+            <a:prstGeom prst="rect">
+              <a:avLst/>
+            </a:prstGeom>
+            <a:solidFill>
+              <a:srgbClr val="00B0F0"/>
+            </a:solidFill>
+            <a:ln w="6350">
+              <a:noFill/>
+            </a:ln>
+          </p:spPr>
+          <p:style>
+            <a:lnRef idx="2">
+              <a:schemeClr val="accent1">
+                <a:shade val="50000"/>
+              </a:schemeClr>
+            </a:lnRef>
+            <a:fillRef idx="1">
+              <a:schemeClr val="accent1"/>
+            </a:fillRef>
+            <a:effectRef idx="0">
+              <a:schemeClr val="accent1"/>
+            </a:effectRef>
+            <a:fontRef idx="minor">
+              <a:schemeClr val="lt1"/>
+            </a:fontRef>
+          </p:style>
+          <p:txBody>
+            <a:bodyPr rtlCol="0" anchor="ctr"/>
+            <a:lstStyle/>
+            <a:p>
+              <a:pPr algn="ctr"/>
+              <a:endParaRPr lang="ko-KR" altLang="en-US"/>
+            </a:p>
+          </p:txBody>
+        </p:sp>
+        <p:sp>
+          <p:nvSpPr>
+            <p:cNvPr id="5" name="TextBox 4"/>
+            <p:cNvSpPr txBox="1"/>
+            <p:nvPr/>
+          </p:nvSpPr>
+          <p:spPr>
+            <a:xfrm>
+              <a:off x="1607344" y="1528763"/>
+              <a:ext cx="2300287" cy="369332"/>
+            </a:xfrm>
+            <a:prstGeom prst="rect">
+              <a:avLst/>
+            </a:prstGeom>
+            <a:noFill/>
+          </p:spPr>
+          <p:txBody>
+            <a:bodyPr wrap="square" rtlCol="0">
+              <a:spAutoFit/>
+            </a:bodyPr>
+            <a:lstStyle/>
+            <a:p>
+              <a:r>
+                <a:rPr lang="en-US" altLang="ko-KR" b="1" spc="-100" smtClean="0">
+                  <a:solidFill>
+                    <a:schemeClr val="bg1"/>
+                  </a:solidFill>
+                  <a:latin typeface="나눔고딕" panose="020D0604000000000000" pitchFamily="50" charset="-127"/>
+                  <a:ea typeface="나눔고딕" panose="020D0604000000000000" pitchFamily="50" charset="-127"/>
+                </a:rPr>
+                <a:t>Node js </a:t>
+              </a:r>
+              <a:r>
+                <a:rPr lang="ko-KR" altLang="en-US" b="1" spc="-100" smtClean="0">
+                  <a:solidFill>
+                    <a:schemeClr val="bg1"/>
+                  </a:solidFill>
+                  <a:latin typeface="나눔고딕" panose="020D0604000000000000" pitchFamily="50" charset="-127"/>
+                  <a:ea typeface="나눔고딕" panose="020D0604000000000000" pitchFamily="50" charset="-127"/>
+                </a:rPr>
+                <a:t>기초 교육</a:t>
+              </a:r>
+              <a:endParaRPr lang="ko-KR" altLang="en-US" b="1" spc="-100">
+                <a:solidFill>
+                  <a:schemeClr val="bg1"/>
+                </a:solidFill>
+                <a:latin typeface="나눔고딕" panose="020D0604000000000000" pitchFamily="50" charset="-127"/>
+                <a:ea typeface="나눔고딕" panose="020D0604000000000000" pitchFamily="50" charset="-127"/>
+              </a:endParaRPr>
+            </a:p>
+          </p:txBody>
+        </p:sp>
+        <p:sp>
+          <p:nvSpPr>
+            <p:cNvPr id="38" name="TextBox 37"/>
+            <p:cNvSpPr txBox="1"/>
+            <p:nvPr/>
+          </p:nvSpPr>
+          <p:spPr>
+            <a:xfrm>
+              <a:off x="800100" y="1516857"/>
+              <a:ext cx="642938" cy="523220"/>
+            </a:xfrm>
+            <a:prstGeom prst="rect">
+              <a:avLst/>
+            </a:prstGeom>
+            <a:noFill/>
+          </p:spPr>
+          <p:txBody>
+            <a:bodyPr wrap="square" lIns="36000" tIns="36000" rIns="36000" bIns="36000" rtlCol="0">
+              <a:spAutoFit/>
+            </a:bodyPr>
+            <a:lstStyle/>
+            <a:p>
+              <a:pPr algn="ctr"/>
+              <a:r>
+                <a:rPr lang="en-US" altLang="ko-KR" sz="2800" b="1" smtClean="0">
+                  <a:solidFill>
+                    <a:srgbClr val="FFFF00"/>
+                  </a:solidFill>
+                </a:rPr>
+                <a:t>02</a:t>
+              </a:r>
+              <a:endParaRPr lang="ko-KR" altLang="en-US" sz="2800" b="1">
+                <a:solidFill>
+                  <a:srgbClr val="FFFF00"/>
+                </a:solidFill>
+              </a:endParaRPr>
+            </a:p>
+          </p:txBody>
+        </p:sp>
+        <p:sp>
+          <p:nvSpPr>
+            <p:cNvPr id="7" name="TextBox 6"/>
+            <p:cNvSpPr txBox="1"/>
+            <p:nvPr/>
+          </p:nvSpPr>
+          <p:spPr>
+            <a:xfrm>
+              <a:off x="1607344" y="1885949"/>
+              <a:ext cx="2407444" cy="276999"/>
+            </a:xfrm>
+            <a:prstGeom prst="rect">
+              <a:avLst/>
+            </a:prstGeom>
+            <a:noFill/>
+          </p:spPr>
+          <p:txBody>
+            <a:bodyPr wrap="square" rtlCol="0">
+              <a:spAutoFit/>
+            </a:bodyPr>
+            <a:lstStyle/>
+            <a:p>
+              <a:r>
+                <a:rPr lang="en-US" altLang="ko-KR" sz="1200" b="1" smtClean="0">
+                  <a:solidFill>
+                    <a:schemeClr val="bg1"/>
+                  </a:solidFill>
+                  <a:latin typeface="나눔고딕" panose="020D0604000000000000" pitchFamily="50" charset="-127"/>
+                  <a:ea typeface="나눔고딕" panose="020D0604000000000000" pitchFamily="50" charset="-127"/>
+                </a:rPr>
+                <a:t>Node js </a:t>
+              </a:r>
+              <a:r>
+                <a:rPr lang="ko-KR" altLang="en-US" sz="1200" b="1" smtClean="0">
+                  <a:solidFill>
+                    <a:schemeClr val="bg1"/>
+                  </a:solidFill>
+                  <a:latin typeface="나눔고딕" panose="020D0604000000000000" pitchFamily="50" charset="-127"/>
+                  <a:ea typeface="나눔고딕" panose="020D0604000000000000" pitchFamily="50" charset="-127"/>
+                </a:rPr>
+                <a:t>기본개념 및 기초</a:t>
+              </a:r>
+              <a:endParaRPr lang="ko-KR" altLang="en-US" sz="1200" b="1">
+                <a:solidFill>
+                  <a:schemeClr val="bg1"/>
+                </a:solidFill>
+                <a:latin typeface="나눔고딕" panose="020D0604000000000000" pitchFamily="50" charset="-127"/>
+                <a:ea typeface="나눔고딕" panose="020D0604000000000000" pitchFamily="50" charset="-127"/>
+              </a:endParaRPr>
+            </a:p>
+          </p:txBody>
+        </p:sp>
+        <p:cxnSp>
+          <p:nvCxnSpPr>
+            <p:cNvPr id="13" name="직선 연결선 12"/>
+            <p:cNvCxnSpPr/>
+            <p:nvPr/>
+          </p:nvCxnSpPr>
+          <p:spPr>
+            <a:xfrm>
+              <a:off x="1514475" y="1407318"/>
+              <a:ext cx="0" cy="1064420"/>
+            </a:xfrm>
+            <a:prstGeom prst="line">
+              <a:avLst/>
+            </a:prstGeom>
+            <a:ln w="3175">
+              <a:solidFill>
+                <a:schemeClr val="bg1"/>
+              </a:solidFill>
+            </a:ln>
+          </p:spPr>
+          <p:style>
+            <a:lnRef idx="1">
+              <a:schemeClr val="accent1"/>
+            </a:lnRef>
+            <a:fillRef idx="0">
+              <a:schemeClr val="accent1"/>
+            </a:fillRef>
+            <a:effectRef idx="0">
+              <a:schemeClr val="accent1"/>
+            </a:effectRef>
+            <a:fontRef idx="minor">
+              <a:schemeClr val="tx1"/>
+            </a:fontRef>
+          </p:style>
+        </p:cxnSp>
+      </p:grpSp>
+      <p:grpSp>
+        <p:nvGrpSpPr>
+          <p:cNvPr id="54" name="그룹 53"/>
+          <p:cNvGrpSpPr/>
+          <p:nvPr/>
+        </p:nvGrpSpPr>
+        <p:grpSpPr>
+          <a:xfrm>
+            <a:off x="714373" y="2663214"/>
+            <a:ext cx="3636169" cy="1064420"/>
+            <a:chOff x="714374" y="1407318"/>
+            <a:chExt cx="3636169" cy="1064420"/>
+          </a:xfrm>
+        </p:grpSpPr>
+        <p:sp>
+          <p:nvSpPr>
+            <p:cNvPr id="55" name="직사각형 54"/>
+            <p:cNvSpPr/>
+            <p:nvPr/>
+          </p:nvSpPr>
+          <p:spPr>
+            <a:xfrm>
+              <a:off x="714374" y="1407318"/>
+              <a:ext cx="3636169" cy="1057276"/>
+            </a:xfrm>
+            <a:prstGeom prst="rect">
+              <a:avLst/>
+            </a:prstGeom>
+            <a:solidFill>
+              <a:srgbClr val="00B0F0"/>
+            </a:solidFill>
+            <a:ln w="6350">
+              <a:noFill/>
+            </a:ln>
+          </p:spPr>
+          <p:style>
+            <a:lnRef idx="2">
+              <a:schemeClr val="accent1">
+                <a:shade val="50000"/>
+              </a:schemeClr>
+            </a:lnRef>
+            <a:fillRef idx="1">
+              <a:schemeClr val="accent1"/>
+            </a:fillRef>
+            <a:effectRef idx="0">
+              <a:schemeClr val="accent1"/>
+            </a:effectRef>
+            <a:fontRef idx="minor">
+              <a:schemeClr val="lt1"/>
+            </a:fontRef>
+          </p:style>
+          <p:txBody>
+            <a:bodyPr rtlCol="0" anchor="ctr"/>
+            <a:lstStyle/>
+            <a:p>
+              <a:pPr algn="ctr"/>
+              <a:endParaRPr lang="ko-KR" altLang="en-US"/>
+            </a:p>
+          </p:txBody>
+        </p:sp>
+        <p:sp>
+          <p:nvSpPr>
+            <p:cNvPr id="56" name="TextBox 55"/>
+            <p:cNvSpPr txBox="1"/>
+            <p:nvPr/>
+          </p:nvSpPr>
+          <p:spPr>
+            <a:xfrm>
+              <a:off x="1607344" y="1528763"/>
+              <a:ext cx="2300287" cy="369332"/>
+            </a:xfrm>
+            <a:prstGeom prst="rect">
+              <a:avLst/>
+            </a:prstGeom>
+            <a:noFill/>
+          </p:spPr>
+          <p:txBody>
+            <a:bodyPr wrap="square" rtlCol="0">
+              <a:spAutoFit/>
+            </a:bodyPr>
+            <a:lstStyle/>
+            <a:p>
+              <a:r>
+                <a:rPr lang="en-US" altLang="ko-KR" b="1" spc="-100" smtClean="0">
+                  <a:solidFill>
+                    <a:schemeClr val="bg1"/>
+                  </a:solidFill>
+                  <a:latin typeface="나눔고딕" panose="020D0604000000000000" pitchFamily="50" charset="-127"/>
+                  <a:ea typeface="나눔고딕" panose="020D0604000000000000" pitchFamily="50" charset="-127"/>
+                </a:rPr>
+                <a:t>Node js </a:t>
+              </a:r>
+              <a:r>
+                <a:rPr lang="ko-KR" altLang="en-US" b="1" spc="-100" smtClean="0">
+                  <a:solidFill>
+                    <a:schemeClr val="bg1"/>
+                  </a:solidFill>
+                  <a:latin typeface="나눔고딕" panose="020D0604000000000000" pitchFamily="50" charset="-127"/>
+                  <a:ea typeface="나눔고딕" panose="020D0604000000000000" pitchFamily="50" charset="-127"/>
+                </a:rPr>
+                <a:t>기초 예제</a:t>
+              </a:r>
+              <a:endParaRPr lang="ko-KR" altLang="en-US" b="1" spc="-100">
+                <a:solidFill>
+                  <a:schemeClr val="bg1"/>
+                </a:solidFill>
+                <a:latin typeface="나눔고딕" panose="020D0604000000000000" pitchFamily="50" charset="-127"/>
+                <a:ea typeface="나눔고딕" panose="020D0604000000000000" pitchFamily="50" charset="-127"/>
+              </a:endParaRPr>
+            </a:p>
+          </p:txBody>
+        </p:sp>
+        <p:sp>
+          <p:nvSpPr>
+            <p:cNvPr id="57" name="TextBox 56"/>
+            <p:cNvSpPr txBox="1"/>
+            <p:nvPr/>
+          </p:nvSpPr>
+          <p:spPr>
+            <a:xfrm>
+              <a:off x="800100" y="1516857"/>
+              <a:ext cx="642938" cy="523220"/>
+            </a:xfrm>
+            <a:prstGeom prst="rect">
+              <a:avLst/>
+            </a:prstGeom>
+            <a:noFill/>
+          </p:spPr>
+          <p:txBody>
+            <a:bodyPr wrap="square" lIns="36000" tIns="36000" rIns="36000" bIns="36000" rtlCol="0">
+              <a:spAutoFit/>
+            </a:bodyPr>
+            <a:lstStyle/>
+            <a:p>
+              <a:pPr algn="ctr"/>
+              <a:r>
+                <a:rPr lang="en-US" altLang="ko-KR" sz="2800" b="1" smtClean="0">
+                  <a:solidFill>
+                    <a:srgbClr val="FFFF00"/>
+                  </a:solidFill>
+                </a:rPr>
+                <a:t>03</a:t>
+              </a:r>
+              <a:endParaRPr lang="ko-KR" altLang="en-US" sz="2800" b="1">
+                <a:solidFill>
+                  <a:srgbClr val="FFFF00"/>
+                </a:solidFill>
+              </a:endParaRPr>
+            </a:p>
+          </p:txBody>
+        </p:sp>
+        <p:sp>
+          <p:nvSpPr>
+            <p:cNvPr id="58" name="TextBox 57"/>
+            <p:cNvSpPr txBox="1"/>
+            <p:nvPr/>
+          </p:nvSpPr>
+          <p:spPr>
+            <a:xfrm>
+              <a:off x="1607343" y="1885949"/>
+              <a:ext cx="2569369" cy="461665"/>
+            </a:xfrm>
+            <a:prstGeom prst="rect">
+              <a:avLst/>
+            </a:prstGeom>
+            <a:noFill/>
+          </p:spPr>
+          <p:txBody>
+            <a:bodyPr wrap="square" rtlCol="0">
+              <a:spAutoFit/>
+            </a:bodyPr>
+            <a:lstStyle/>
+            <a:p>
+              <a:r>
+                <a:rPr lang="en-US" altLang="ko-KR" sz="1200" b="1" smtClean="0">
+                  <a:solidFill>
+                    <a:schemeClr val="bg1"/>
+                  </a:solidFill>
+                  <a:latin typeface="나눔고딕" panose="020D0604000000000000" pitchFamily="50" charset="-127"/>
+                  <a:ea typeface="나눔고딕" panose="020D0604000000000000" pitchFamily="50" charset="-127"/>
+                </a:rPr>
+                <a:t>Node js , Express </a:t>
+              </a:r>
+              <a:r>
+                <a:rPr lang="ko-KR" altLang="en-US" sz="1200" b="1" smtClean="0">
+                  <a:solidFill>
+                    <a:schemeClr val="bg1"/>
+                  </a:solidFill>
+                  <a:latin typeface="나눔고딕" panose="020D0604000000000000" pitchFamily="50" charset="-127"/>
+                  <a:ea typeface="나눔고딕" panose="020D0604000000000000" pitchFamily="50" charset="-127"/>
+                </a:rPr>
+                <a:t>웹서버 기초예제</a:t>
+              </a:r>
+              <a:r>
+                <a:rPr lang="en-US" altLang="ko-KR" sz="1200" b="1" smtClean="0">
+                  <a:solidFill>
+                    <a:schemeClr val="bg1"/>
+                  </a:solidFill>
+                  <a:latin typeface="나눔고딕" panose="020D0604000000000000" pitchFamily="50" charset="-127"/>
+                  <a:ea typeface="나눔고딕" panose="020D0604000000000000" pitchFamily="50" charset="-127"/>
+                </a:rPr>
+                <a:t>,</a:t>
+              </a:r>
+              <a:br>
+                <a:rPr lang="en-US" altLang="ko-KR" sz="1200" b="1" smtClean="0">
+                  <a:solidFill>
+                    <a:schemeClr val="bg1"/>
+                  </a:solidFill>
+                  <a:latin typeface="나눔고딕" panose="020D0604000000000000" pitchFamily="50" charset="-127"/>
+                  <a:ea typeface="나눔고딕" panose="020D0604000000000000" pitchFamily="50" charset="-127"/>
+                </a:rPr>
+              </a:br>
+              <a:r>
+                <a:rPr lang="en-US" altLang="ko-KR" sz="1200" b="1" smtClean="0">
+                  <a:solidFill>
+                    <a:schemeClr val="bg1"/>
+                  </a:solidFill>
+                  <a:latin typeface="나눔고딕" panose="020D0604000000000000" pitchFamily="50" charset="-127"/>
+                  <a:ea typeface="나눔고딕" panose="020D0604000000000000" pitchFamily="50" charset="-127"/>
+                </a:rPr>
+                <a:t>Git </a:t>
+              </a:r>
+              <a:r>
+                <a:rPr lang="ko-KR" altLang="en-US" sz="1200" b="1" smtClean="0">
+                  <a:solidFill>
+                    <a:schemeClr val="bg1"/>
+                  </a:solidFill>
+                  <a:latin typeface="나눔고딕" panose="020D0604000000000000" pitchFamily="50" charset="-127"/>
+                  <a:ea typeface="나눔고딕" panose="020D0604000000000000" pitchFamily="50" charset="-127"/>
+                </a:rPr>
+                <a:t>기초 사용법</a:t>
+              </a:r>
+              <a:endParaRPr lang="ko-KR" altLang="en-US" sz="1200" b="1">
+                <a:solidFill>
+                  <a:schemeClr val="bg1"/>
+                </a:solidFill>
+                <a:latin typeface="나눔고딕" panose="020D0604000000000000" pitchFamily="50" charset="-127"/>
+                <a:ea typeface="나눔고딕" panose="020D0604000000000000" pitchFamily="50" charset="-127"/>
+              </a:endParaRPr>
+            </a:p>
+          </p:txBody>
+        </p:sp>
+        <p:cxnSp>
+          <p:nvCxnSpPr>
+            <p:cNvPr id="59" name="직선 연결선 58"/>
+            <p:cNvCxnSpPr/>
+            <p:nvPr/>
+          </p:nvCxnSpPr>
+          <p:spPr>
+            <a:xfrm>
+              <a:off x="1514475" y="1407318"/>
+              <a:ext cx="0" cy="1064420"/>
+            </a:xfrm>
+            <a:prstGeom prst="line">
+              <a:avLst/>
+            </a:prstGeom>
+            <a:ln w="3175">
+              <a:solidFill>
+                <a:schemeClr val="bg1"/>
+              </a:solidFill>
+            </a:ln>
+          </p:spPr>
+          <p:style>
+            <a:lnRef idx="1">
+              <a:schemeClr val="accent1"/>
+            </a:lnRef>
+            <a:fillRef idx="0">
+              <a:schemeClr val="accent1"/>
+            </a:fillRef>
+            <a:effectRef idx="0">
+              <a:schemeClr val="accent1"/>
+            </a:effectRef>
+            <a:fontRef idx="minor">
+              <a:schemeClr val="tx1"/>
+            </a:fontRef>
+          </p:style>
+        </p:cxnSp>
+      </p:grpSp>
+      <p:grpSp>
+        <p:nvGrpSpPr>
+          <p:cNvPr id="60" name="그룹 59"/>
+          <p:cNvGrpSpPr/>
+          <p:nvPr/>
+        </p:nvGrpSpPr>
+        <p:grpSpPr>
+          <a:xfrm>
+            <a:off x="4688677" y="3243609"/>
+            <a:ext cx="3636169" cy="1064420"/>
+            <a:chOff x="714374" y="1407318"/>
+            <a:chExt cx="3636169" cy="1064420"/>
+          </a:xfrm>
+        </p:grpSpPr>
+        <p:sp>
+          <p:nvSpPr>
+            <p:cNvPr id="61" name="직사각형 60"/>
+            <p:cNvSpPr/>
+            <p:nvPr/>
+          </p:nvSpPr>
+          <p:spPr>
+            <a:xfrm>
+              <a:off x="714374" y="1407318"/>
+              <a:ext cx="3636169" cy="1057276"/>
+            </a:xfrm>
+            <a:prstGeom prst="rect">
+              <a:avLst/>
+            </a:prstGeom>
+            <a:solidFill>
+              <a:srgbClr val="00B0F0"/>
+            </a:solidFill>
+            <a:ln w="6350">
+              <a:noFill/>
+            </a:ln>
+          </p:spPr>
+          <p:style>
+            <a:lnRef idx="2">
+              <a:schemeClr val="accent1">
+                <a:shade val="50000"/>
+              </a:schemeClr>
+            </a:lnRef>
+            <a:fillRef idx="1">
+              <a:schemeClr val="accent1"/>
+            </a:fillRef>
+            <a:effectRef idx="0">
+              <a:schemeClr val="accent1"/>
+            </a:effectRef>
+            <a:fontRef idx="minor">
+              <a:schemeClr val="lt1"/>
+            </a:fontRef>
+          </p:style>
+          <p:txBody>
+            <a:bodyPr rtlCol="0" anchor="ctr"/>
+            <a:lstStyle/>
+            <a:p>
+              <a:pPr algn="ctr"/>
+              <a:endParaRPr lang="ko-KR" altLang="en-US"/>
+            </a:p>
+          </p:txBody>
+        </p:sp>
+        <p:sp>
+          <p:nvSpPr>
+            <p:cNvPr id="62" name="TextBox 61"/>
+            <p:cNvSpPr txBox="1"/>
+            <p:nvPr/>
+          </p:nvSpPr>
+          <p:spPr>
+            <a:xfrm>
+              <a:off x="1607344" y="1528763"/>
+              <a:ext cx="2300287" cy="369332"/>
+            </a:xfrm>
+            <a:prstGeom prst="rect">
+              <a:avLst/>
+            </a:prstGeom>
+            <a:noFill/>
+          </p:spPr>
+          <p:txBody>
+            <a:bodyPr wrap="square" rtlCol="0">
+              <a:spAutoFit/>
+            </a:bodyPr>
+            <a:lstStyle/>
+            <a:p>
+              <a:r>
+                <a:rPr lang="en-US" altLang="ko-KR" b="1" spc="-100" smtClean="0">
+                  <a:solidFill>
+                    <a:schemeClr val="bg1"/>
+                  </a:solidFill>
+                  <a:latin typeface="나눔고딕" panose="020D0604000000000000" pitchFamily="50" charset="-127"/>
+                  <a:ea typeface="나눔고딕" panose="020D0604000000000000" pitchFamily="50" charset="-127"/>
+                </a:rPr>
+                <a:t>Node js </a:t>
+              </a:r>
+              <a:r>
+                <a:rPr lang="ko-KR" altLang="en-US" b="1" spc="-100" smtClean="0">
+                  <a:solidFill>
+                    <a:schemeClr val="bg1"/>
+                  </a:solidFill>
+                  <a:latin typeface="나눔고딕" panose="020D0604000000000000" pitchFamily="50" charset="-127"/>
+                  <a:ea typeface="나눔고딕" panose="020D0604000000000000" pitchFamily="50" charset="-127"/>
+                </a:rPr>
+                <a:t>활용 예제</a:t>
+              </a:r>
+              <a:endParaRPr lang="ko-KR" altLang="en-US" b="1" spc="-100">
+                <a:solidFill>
+                  <a:schemeClr val="bg1"/>
+                </a:solidFill>
+                <a:latin typeface="나눔고딕" panose="020D0604000000000000" pitchFamily="50" charset="-127"/>
+                <a:ea typeface="나눔고딕" panose="020D0604000000000000" pitchFamily="50" charset="-127"/>
+              </a:endParaRPr>
+            </a:p>
+          </p:txBody>
+        </p:sp>
+        <p:sp>
+          <p:nvSpPr>
+            <p:cNvPr id="63" name="TextBox 62"/>
+            <p:cNvSpPr txBox="1"/>
+            <p:nvPr/>
+          </p:nvSpPr>
+          <p:spPr>
+            <a:xfrm>
+              <a:off x="800100" y="1516857"/>
+              <a:ext cx="642938" cy="523220"/>
+            </a:xfrm>
+            <a:prstGeom prst="rect">
+              <a:avLst/>
+            </a:prstGeom>
+            <a:noFill/>
+          </p:spPr>
+          <p:txBody>
+            <a:bodyPr wrap="square" lIns="36000" tIns="36000" rIns="36000" bIns="36000" rtlCol="0">
+              <a:spAutoFit/>
+            </a:bodyPr>
+            <a:lstStyle/>
+            <a:p>
+              <a:pPr algn="ctr"/>
+              <a:r>
+                <a:rPr lang="en-US" altLang="ko-KR" sz="2800" b="1" smtClean="0">
+                  <a:solidFill>
+                    <a:srgbClr val="FFFF00"/>
+                  </a:solidFill>
+                </a:rPr>
+                <a:t>04</a:t>
+              </a:r>
+              <a:endParaRPr lang="ko-KR" altLang="en-US" sz="2800" b="1">
+                <a:solidFill>
+                  <a:srgbClr val="FFFF00"/>
+                </a:solidFill>
+              </a:endParaRPr>
+            </a:p>
+          </p:txBody>
+        </p:sp>
+        <p:sp>
+          <p:nvSpPr>
+            <p:cNvPr id="64" name="TextBox 63"/>
+            <p:cNvSpPr txBox="1"/>
+            <p:nvPr/>
+          </p:nvSpPr>
+          <p:spPr>
+            <a:xfrm>
+              <a:off x="1607343" y="1885949"/>
+              <a:ext cx="2569369" cy="276999"/>
+            </a:xfrm>
+            <a:prstGeom prst="rect">
+              <a:avLst/>
+            </a:prstGeom>
+            <a:noFill/>
+          </p:spPr>
+          <p:txBody>
+            <a:bodyPr wrap="square" rtlCol="0">
+              <a:spAutoFit/>
+            </a:bodyPr>
+            <a:lstStyle/>
+            <a:p>
+              <a:r>
+                <a:rPr lang="en-US" altLang="ko-KR" sz="1200" b="1" smtClean="0">
+                  <a:solidFill>
+                    <a:schemeClr val="bg1"/>
+                  </a:solidFill>
+                  <a:latin typeface="나눔고딕" panose="020D0604000000000000" pitchFamily="50" charset="-127"/>
+                  <a:ea typeface="나눔고딕" panose="020D0604000000000000" pitchFamily="50" charset="-127"/>
+                </a:rPr>
+                <a:t>Node js,  Express, Mongodb </a:t>
+              </a:r>
+              <a:r>
+                <a:rPr lang="ko-KR" altLang="en-US" sz="1200" b="1" smtClean="0">
+                  <a:solidFill>
+                    <a:schemeClr val="bg1"/>
+                  </a:solidFill>
+                  <a:latin typeface="나눔고딕" panose="020D0604000000000000" pitchFamily="50" charset="-127"/>
+                  <a:ea typeface="나눔고딕" panose="020D0604000000000000" pitchFamily="50" charset="-127"/>
+                </a:rPr>
+                <a:t>예제</a:t>
+              </a:r>
+              <a:endParaRPr lang="ko-KR" altLang="en-US" sz="1200" b="1">
+                <a:solidFill>
+                  <a:schemeClr val="bg1"/>
+                </a:solidFill>
+                <a:latin typeface="나눔고딕" panose="020D0604000000000000" pitchFamily="50" charset="-127"/>
+                <a:ea typeface="나눔고딕" panose="020D0604000000000000" pitchFamily="50" charset="-127"/>
+              </a:endParaRPr>
+            </a:p>
+          </p:txBody>
+        </p:sp>
+        <p:cxnSp>
+          <p:nvCxnSpPr>
+            <p:cNvPr id="65" name="직선 연결선 64"/>
+            <p:cNvCxnSpPr/>
+            <p:nvPr/>
+          </p:nvCxnSpPr>
+          <p:spPr>
+            <a:xfrm>
+              <a:off x="1514475" y="1407318"/>
+              <a:ext cx="0" cy="1064420"/>
+            </a:xfrm>
+            <a:prstGeom prst="line">
+              <a:avLst/>
+            </a:prstGeom>
+            <a:ln w="3175">
+              <a:solidFill>
+                <a:schemeClr val="bg1"/>
+              </a:solidFill>
+            </a:ln>
+          </p:spPr>
+          <p:style>
+            <a:lnRef idx="1">
+              <a:schemeClr val="accent1"/>
+            </a:lnRef>
+            <a:fillRef idx="0">
+              <a:schemeClr val="accent1"/>
+            </a:fillRef>
+            <a:effectRef idx="0">
+              <a:schemeClr val="accent1"/>
+            </a:effectRef>
+            <a:fontRef idx="minor">
+              <a:schemeClr val="tx1"/>
+            </a:fontRef>
+          </p:style>
+        </p:cxnSp>
+      </p:grpSp>
+      <p:grpSp>
+        <p:nvGrpSpPr>
+          <p:cNvPr id="66" name="그룹 65"/>
+          <p:cNvGrpSpPr/>
+          <p:nvPr/>
+        </p:nvGrpSpPr>
+        <p:grpSpPr>
+          <a:xfrm>
+            <a:off x="714372" y="3930972"/>
+            <a:ext cx="3636169" cy="1064420"/>
+            <a:chOff x="714374" y="1407318"/>
+            <a:chExt cx="3636169" cy="1064420"/>
+          </a:xfrm>
+        </p:grpSpPr>
+        <p:sp>
+          <p:nvSpPr>
+            <p:cNvPr id="67" name="직사각형 66"/>
+            <p:cNvSpPr/>
+            <p:nvPr/>
+          </p:nvSpPr>
+          <p:spPr>
+            <a:xfrm>
+              <a:off x="714374" y="1407318"/>
+              <a:ext cx="3636169" cy="1057276"/>
+            </a:xfrm>
+            <a:prstGeom prst="rect">
+              <a:avLst/>
+            </a:prstGeom>
+            <a:solidFill>
+              <a:srgbClr val="00B0F0"/>
+            </a:solidFill>
+            <a:ln w="6350">
+              <a:noFill/>
+            </a:ln>
+          </p:spPr>
+          <p:style>
+            <a:lnRef idx="2">
+              <a:schemeClr val="accent1">
+                <a:shade val="50000"/>
+              </a:schemeClr>
+            </a:lnRef>
+            <a:fillRef idx="1">
+              <a:schemeClr val="accent1"/>
+            </a:fillRef>
+            <a:effectRef idx="0">
+              <a:schemeClr val="accent1"/>
+            </a:effectRef>
+            <a:fontRef idx="minor">
+              <a:schemeClr val="lt1"/>
+            </a:fontRef>
+          </p:style>
+          <p:txBody>
+            <a:bodyPr rtlCol="0" anchor="ctr"/>
+            <a:lstStyle/>
+            <a:p>
+              <a:pPr algn="ctr"/>
+              <a:endParaRPr lang="ko-KR" altLang="en-US"/>
+            </a:p>
+          </p:txBody>
+        </p:sp>
+        <p:sp>
+          <p:nvSpPr>
+            <p:cNvPr id="68" name="TextBox 67"/>
+            <p:cNvSpPr txBox="1"/>
+            <p:nvPr/>
+          </p:nvSpPr>
+          <p:spPr>
+            <a:xfrm>
+              <a:off x="1607344" y="1528763"/>
+              <a:ext cx="2300287" cy="369332"/>
+            </a:xfrm>
+            <a:prstGeom prst="rect">
+              <a:avLst/>
+            </a:prstGeom>
+            <a:noFill/>
+          </p:spPr>
+          <p:txBody>
+            <a:bodyPr wrap="square" rtlCol="0">
+              <a:spAutoFit/>
+            </a:bodyPr>
+            <a:lstStyle/>
+            <a:p>
+              <a:r>
+                <a:rPr lang="en-US" altLang="ko-KR" b="1" spc="-100" smtClean="0">
+                  <a:solidFill>
+                    <a:schemeClr val="bg1"/>
+                  </a:solidFill>
+                  <a:latin typeface="나눔고딕" panose="020D0604000000000000" pitchFamily="50" charset="-127"/>
+                  <a:ea typeface="나눔고딕" panose="020D0604000000000000" pitchFamily="50" charset="-127"/>
+                </a:rPr>
+                <a:t>Work Flow </a:t>
+              </a:r>
+              <a:r>
+                <a:rPr lang="ko-KR" altLang="en-US" b="1" spc="-100" smtClean="0">
+                  <a:solidFill>
+                    <a:schemeClr val="bg1"/>
+                  </a:solidFill>
+                  <a:latin typeface="나눔고딕" panose="020D0604000000000000" pitchFamily="50" charset="-127"/>
+                  <a:ea typeface="나눔고딕" panose="020D0604000000000000" pitchFamily="50" charset="-127"/>
+                </a:rPr>
+                <a:t>향상</a:t>
+              </a:r>
+              <a:endParaRPr lang="ko-KR" altLang="en-US" b="1" spc="-100">
+                <a:solidFill>
+                  <a:schemeClr val="bg1"/>
+                </a:solidFill>
+                <a:latin typeface="나눔고딕" panose="020D0604000000000000" pitchFamily="50" charset="-127"/>
+                <a:ea typeface="나눔고딕" panose="020D0604000000000000" pitchFamily="50" charset="-127"/>
+              </a:endParaRPr>
+            </a:p>
+          </p:txBody>
+        </p:sp>
+        <p:sp>
+          <p:nvSpPr>
+            <p:cNvPr id="69" name="TextBox 68"/>
+            <p:cNvSpPr txBox="1"/>
+            <p:nvPr/>
+          </p:nvSpPr>
+          <p:spPr>
+            <a:xfrm>
+              <a:off x="800100" y="1516857"/>
+              <a:ext cx="642938" cy="523220"/>
+            </a:xfrm>
+            <a:prstGeom prst="rect">
+              <a:avLst/>
+            </a:prstGeom>
+            <a:noFill/>
+          </p:spPr>
+          <p:txBody>
+            <a:bodyPr wrap="square" lIns="36000" tIns="36000" rIns="36000" bIns="36000" rtlCol="0">
+              <a:spAutoFit/>
+            </a:bodyPr>
+            <a:lstStyle/>
+            <a:p>
+              <a:pPr algn="ctr"/>
+              <a:r>
+                <a:rPr lang="en-US" altLang="ko-KR" sz="2800" b="1" smtClean="0">
+                  <a:solidFill>
+                    <a:srgbClr val="FFFF00"/>
+                  </a:solidFill>
+                </a:rPr>
+                <a:t>05</a:t>
+              </a:r>
+              <a:endParaRPr lang="ko-KR" altLang="en-US" sz="2800" b="1">
+                <a:solidFill>
+                  <a:srgbClr val="FFFF00"/>
+                </a:solidFill>
+              </a:endParaRPr>
+            </a:p>
+          </p:txBody>
+        </p:sp>
+        <p:sp>
+          <p:nvSpPr>
+            <p:cNvPr id="70" name="TextBox 69"/>
+            <p:cNvSpPr txBox="1"/>
+            <p:nvPr/>
+          </p:nvSpPr>
+          <p:spPr>
+            <a:xfrm>
+              <a:off x="1607343" y="1885949"/>
+              <a:ext cx="2569369" cy="276999"/>
+            </a:xfrm>
+            <a:prstGeom prst="rect">
+              <a:avLst/>
+            </a:prstGeom>
+            <a:noFill/>
+          </p:spPr>
+          <p:txBody>
+            <a:bodyPr wrap="square" rtlCol="0">
+              <a:spAutoFit/>
+            </a:bodyPr>
+            <a:lstStyle/>
+            <a:p>
+              <a:r>
+                <a:rPr lang="en-US" altLang="ko-KR" sz="1200" b="1" smtClean="0">
+                  <a:solidFill>
+                    <a:schemeClr val="bg1"/>
+                  </a:solidFill>
+                  <a:latin typeface="나눔고딕" panose="020D0604000000000000" pitchFamily="50" charset="-127"/>
+                  <a:ea typeface="나눔고딕" panose="020D0604000000000000" pitchFamily="50" charset="-127"/>
+                </a:rPr>
+                <a:t>Grunt, Gulp, Bower, Sass</a:t>
+              </a:r>
+              <a:endParaRPr lang="ko-KR" altLang="en-US" sz="1200" b="1">
+                <a:solidFill>
+                  <a:schemeClr val="bg1"/>
+                </a:solidFill>
+                <a:latin typeface="나눔고딕" panose="020D0604000000000000" pitchFamily="50" charset="-127"/>
+                <a:ea typeface="나눔고딕" panose="020D0604000000000000" pitchFamily="50" charset="-127"/>
+              </a:endParaRPr>
+            </a:p>
+          </p:txBody>
+        </p:sp>
+        <p:cxnSp>
+          <p:nvCxnSpPr>
+            <p:cNvPr id="71" name="직선 연결선 70"/>
+            <p:cNvCxnSpPr/>
+            <p:nvPr/>
+          </p:nvCxnSpPr>
+          <p:spPr>
+            <a:xfrm>
+              <a:off x="1514475" y="1407318"/>
+              <a:ext cx="0" cy="1064420"/>
+            </a:xfrm>
+            <a:prstGeom prst="line">
+              <a:avLst/>
+            </a:prstGeom>
+            <a:ln w="3175">
+              <a:solidFill>
+                <a:schemeClr val="bg1"/>
+              </a:solidFill>
+            </a:ln>
+          </p:spPr>
+          <p:style>
+            <a:lnRef idx="1">
+              <a:schemeClr val="accent1"/>
+            </a:lnRef>
+            <a:fillRef idx="0">
+              <a:schemeClr val="accent1"/>
+            </a:fillRef>
+            <a:effectRef idx="0">
+              <a:schemeClr val="accent1"/>
+            </a:effectRef>
+            <a:fontRef idx="minor">
+              <a:schemeClr val="tx1"/>
+            </a:fontRef>
+          </p:style>
+        </p:cxnSp>
+      </p:grpSp>
+      <p:grpSp>
+        <p:nvGrpSpPr>
+          <p:cNvPr id="72" name="그룹 71"/>
+          <p:cNvGrpSpPr/>
+          <p:nvPr/>
+        </p:nvGrpSpPr>
+        <p:grpSpPr>
+          <a:xfrm>
+            <a:off x="4688677" y="4528641"/>
+            <a:ext cx="3636169" cy="1064420"/>
+            <a:chOff x="714374" y="1407318"/>
+            <a:chExt cx="3636169" cy="1064420"/>
+          </a:xfrm>
+        </p:grpSpPr>
+        <p:sp>
+          <p:nvSpPr>
+            <p:cNvPr id="73" name="직사각형 72"/>
+            <p:cNvSpPr/>
+            <p:nvPr/>
+          </p:nvSpPr>
+          <p:spPr>
+            <a:xfrm>
+              <a:off x="714374" y="1407318"/>
+              <a:ext cx="3636169" cy="1057276"/>
+            </a:xfrm>
+            <a:prstGeom prst="rect">
+              <a:avLst/>
+            </a:prstGeom>
+            <a:solidFill>
+              <a:srgbClr val="00B0F0"/>
+            </a:solidFill>
+            <a:ln w="6350">
+              <a:noFill/>
+            </a:ln>
+          </p:spPr>
+          <p:style>
+            <a:lnRef idx="2">
+              <a:schemeClr val="accent1">
+                <a:shade val="50000"/>
+              </a:schemeClr>
+            </a:lnRef>
+            <a:fillRef idx="1">
+              <a:schemeClr val="accent1"/>
+            </a:fillRef>
+            <a:effectRef idx="0">
+              <a:schemeClr val="accent1"/>
+            </a:effectRef>
+            <a:fontRef idx="minor">
+              <a:schemeClr val="lt1"/>
+            </a:fontRef>
+          </p:style>
+          <p:txBody>
+            <a:bodyPr rtlCol="0" anchor="ctr"/>
+            <a:lstStyle/>
+            <a:p>
+              <a:pPr algn="ctr"/>
+              <a:endParaRPr lang="ko-KR" altLang="en-US"/>
+            </a:p>
+          </p:txBody>
+        </p:sp>
+        <p:sp>
+          <p:nvSpPr>
+            <p:cNvPr id="74" name="TextBox 73"/>
+            <p:cNvSpPr txBox="1"/>
+            <p:nvPr/>
+          </p:nvSpPr>
+          <p:spPr>
+            <a:xfrm>
+              <a:off x="1607344" y="1528763"/>
+              <a:ext cx="2300287" cy="369332"/>
+            </a:xfrm>
+            <a:prstGeom prst="rect">
+              <a:avLst/>
+            </a:prstGeom>
+            <a:noFill/>
+          </p:spPr>
+          <p:txBody>
+            <a:bodyPr wrap="square" rtlCol="0">
+              <a:spAutoFit/>
+            </a:bodyPr>
+            <a:lstStyle/>
+            <a:p>
+              <a:r>
+                <a:rPr lang="en-US" altLang="ko-KR" b="1" spc="-100" smtClean="0">
+                  <a:solidFill>
+                    <a:schemeClr val="bg1"/>
+                  </a:solidFill>
+                  <a:latin typeface="나눔고딕" panose="020D0604000000000000" pitchFamily="50" charset="-127"/>
+                  <a:ea typeface="나눔고딕" panose="020D0604000000000000" pitchFamily="50" charset="-127"/>
+                </a:rPr>
+                <a:t>Node Web App </a:t>
+              </a:r>
+              <a:r>
+                <a:rPr lang="ko-KR" altLang="en-US" b="1" spc="-100" smtClean="0">
+                  <a:solidFill>
+                    <a:schemeClr val="bg1"/>
+                  </a:solidFill>
+                  <a:latin typeface="나눔고딕" panose="020D0604000000000000" pitchFamily="50" charset="-127"/>
+                  <a:ea typeface="나눔고딕" panose="020D0604000000000000" pitchFamily="50" charset="-127"/>
+                </a:rPr>
+                <a:t>예제</a:t>
+              </a:r>
+              <a:endParaRPr lang="ko-KR" altLang="en-US" b="1" spc="-100">
+                <a:solidFill>
+                  <a:schemeClr val="bg1"/>
+                </a:solidFill>
+                <a:latin typeface="나눔고딕" panose="020D0604000000000000" pitchFamily="50" charset="-127"/>
+                <a:ea typeface="나눔고딕" panose="020D0604000000000000" pitchFamily="50" charset="-127"/>
+              </a:endParaRPr>
+            </a:p>
+          </p:txBody>
+        </p:sp>
+        <p:sp>
+          <p:nvSpPr>
+            <p:cNvPr id="75" name="TextBox 74"/>
+            <p:cNvSpPr txBox="1"/>
+            <p:nvPr/>
+          </p:nvSpPr>
+          <p:spPr>
+            <a:xfrm>
+              <a:off x="800100" y="1516857"/>
+              <a:ext cx="642938" cy="523220"/>
+            </a:xfrm>
+            <a:prstGeom prst="rect">
+              <a:avLst/>
+            </a:prstGeom>
+            <a:noFill/>
+          </p:spPr>
+          <p:txBody>
+            <a:bodyPr wrap="square" lIns="36000" tIns="36000" rIns="36000" bIns="36000" rtlCol="0">
+              <a:spAutoFit/>
+            </a:bodyPr>
+            <a:lstStyle/>
+            <a:p>
+              <a:pPr algn="ctr"/>
+              <a:r>
+                <a:rPr lang="en-US" altLang="ko-KR" sz="2800" b="1" smtClean="0">
+                  <a:solidFill>
+                    <a:srgbClr val="FFFF00"/>
+                  </a:solidFill>
+                </a:rPr>
+                <a:t>06</a:t>
+              </a:r>
+              <a:endParaRPr lang="ko-KR" altLang="en-US" sz="2800" b="1">
+                <a:solidFill>
+                  <a:srgbClr val="FFFF00"/>
+                </a:solidFill>
+              </a:endParaRPr>
+            </a:p>
+          </p:txBody>
+        </p:sp>
+        <p:sp>
+          <p:nvSpPr>
+            <p:cNvPr id="76" name="TextBox 75"/>
+            <p:cNvSpPr txBox="1"/>
+            <p:nvPr/>
+          </p:nvSpPr>
+          <p:spPr>
+            <a:xfrm>
+              <a:off x="1607343" y="1885949"/>
+              <a:ext cx="2569369" cy="276999"/>
+            </a:xfrm>
+            <a:prstGeom prst="rect">
+              <a:avLst/>
+            </a:prstGeom>
+            <a:noFill/>
+          </p:spPr>
+          <p:txBody>
+            <a:bodyPr wrap="square" rtlCol="0">
+              <a:spAutoFit/>
+            </a:bodyPr>
+            <a:lstStyle/>
+            <a:p>
+              <a:r>
+                <a:rPr lang="en-US" altLang="ko-KR" sz="1200" b="1" smtClean="0">
+                  <a:solidFill>
+                    <a:schemeClr val="bg1"/>
+                  </a:solidFill>
+                  <a:latin typeface="나눔고딕" panose="020D0604000000000000" pitchFamily="50" charset="-127"/>
+                  <a:ea typeface="나눔고딕" panose="020D0604000000000000" pitchFamily="50" charset="-127"/>
+                </a:rPr>
+                <a:t>Node Web App </a:t>
+              </a:r>
+              <a:r>
+                <a:rPr lang="ko-KR" altLang="en-US" sz="1200" b="1" smtClean="0">
+                  <a:solidFill>
+                    <a:schemeClr val="bg1"/>
+                  </a:solidFill>
+                  <a:latin typeface="나눔고딕" panose="020D0604000000000000" pitchFamily="50" charset="-127"/>
+                  <a:ea typeface="나눔고딕" panose="020D0604000000000000" pitchFamily="50" charset="-127"/>
+                </a:rPr>
+                <a:t>구축 실습</a:t>
+              </a:r>
+              <a:endParaRPr lang="ko-KR" altLang="en-US" sz="1200" b="1">
+                <a:solidFill>
+                  <a:schemeClr val="bg1"/>
+                </a:solidFill>
+                <a:latin typeface="나눔고딕" panose="020D0604000000000000" pitchFamily="50" charset="-127"/>
+                <a:ea typeface="나눔고딕" panose="020D0604000000000000" pitchFamily="50" charset="-127"/>
+              </a:endParaRPr>
+            </a:p>
+          </p:txBody>
+        </p:sp>
+        <p:cxnSp>
+          <p:nvCxnSpPr>
+            <p:cNvPr id="77" name="직선 연결선 76"/>
+            <p:cNvCxnSpPr/>
+            <p:nvPr/>
+          </p:nvCxnSpPr>
+          <p:spPr>
+            <a:xfrm>
+              <a:off x="1514475" y="1407318"/>
+              <a:ext cx="0" cy="1064420"/>
+            </a:xfrm>
+            <a:prstGeom prst="line">
+              <a:avLst/>
+            </a:prstGeom>
+            <a:ln w="3175">
+              <a:solidFill>
+                <a:schemeClr val="bg1"/>
+              </a:solidFill>
+            </a:ln>
+          </p:spPr>
+          <p:style>
+            <a:lnRef idx="1">
+              <a:schemeClr val="accent1"/>
+            </a:lnRef>
+            <a:fillRef idx="0">
+              <a:schemeClr val="accent1"/>
+            </a:fillRef>
+            <a:effectRef idx="0">
+              <a:schemeClr val="accent1"/>
+            </a:effectRef>
+            <a:fontRef idx="minor">
+              <a:schemeClr val="tx1"/>
+            </a:fontRef>
+          </p:style>
+        </p:cxnSp>
+      </p:grpSp>
+      <p:grpSp>
+        <p:nvGrpSpPr>
+          <p:cNvPr id="33" name="그룹 32"/>
+          <p:cNvGrpSpPr/>
+          <p:nvPr/>
+        </p:nvGrpSpPr>
+        <p:grpSpPr>
+          <a:xfrm>
+            <a:off x="714373" y="1416694"/>
+            <a:ext cx="3636169" cy="1064420"/>
+            <a:chOff x="714374" y="1407318"/>
+            <a:chExt cx="3636169" cy="1064420"/>
+          </a:xfrm>
+        </p:grpSpPr>
+        <p:sp>
+          <p:nvSpPr>
+            <p:cNvPr id="34" name="직사각형 33"/>
+            <p:cNvSpPr/>
+            <p:nvPr/>
+          </p:nvSpPr>
+          <p:spPr>
+            <a:xfrm>
+              <a:off x="714374" y="1407318"/>
+              <a:ext cx="3636169" cy="1057276"/>
+            </a:xfrm>
+            <a:prstGeom prst="rect">
+              <a:avLst/>
+            </a:prstGeom>
+            <a:solidFill>
+              <a:srgbClr val="00B0F0"/>
+            </a:solidFill>
+            <a:ln w="6350">
+              <a:noFill/>
+            </a:ln>
+          </p:spPr>
+          <p:style>
+            <a:lnRef idx="2">
+              <a:schemeClr val="accent1">
+                <a:shade val="50000"/>
+              </a:schemeClr>
+            </a:lnRef>
+            <a:fillRef idx="1">
+              <a:schemeClr val="accent1"/>
+            </a:fillRef>
+            <a:effectRef idx="0">
+              <a:schemeClr val="accent1"/>
+            </a:effectRef>
+            <a:fontRef idx="minor">
+              <a:schemeClr val="lt1"/>
+            </a:fontRef>
+          </p:style>
+          <p:txBody>
+            <a:bodyPr rtlCol="0" anchor="ctr"/>
+            <a:lstStyle/>
+            <a:p>
+              <a:pPr algn="ctr"/>
+              <a:endParaRPr lang="ko-KR" altLang="en-US"/>
+            </a:p>
+          </p:txBody>
+        </p:sp>
+        <p:sp>
+          <p:nvSpPr>
+            <p:cNvPr id="35" name="TextBox 34"/>
+            <p:cNvSpPr txBox="1"/>
+            <p:nvPr/>
+          </p:nvSpPr>
+          <p:spPr>
+            <a:xfrm>
+              <a:off x="1607344" y="1528763"/>
+              <a:ext cx="2300287" cy="369332"/>
+            </a:xfrm>
+            <a:prstGeom prst="rect">
+              <a:avLst/>
+            </a:prstGeom>
+            <a:noFill/>
+          </p:spPr>
+          <p:txBody>
+            <a:bodyPr wrap="square" rtlCol="0">
+              <a:spAutoFit/>
+            </a:bodyPr>
+            <a:lstStyle/>
+            <a:p>
+              <a:r>
+                <a:rPr lang="en-US" altLang="ko-KR" b="1" spc="-100" smtClean="0">
+                  <a:solidFill>
+                    <a:schemeClr val="bg1"/>
+                  </a:solidFill>
+                  <a:latin typeface="나눔고딕" panose="020D0604000000000000" pitchFamily="50" charset="-127"/>
+                  <a:ea typeface="나눔고딕" panose="020D0604000000000000" pitchFamily="50" charset="-127"/>
+                </a:rPr>
+                <a:t>Git, Github </a:t>
+              </a:r>
+              <a:r>
+                <a:rPr lang="ko-KR" altLang="en-US" b="1" spc="-100" smtClean="0">
+                  <a:solidFill>
+                    <a:schemeClr val="bg1"/>
+                  </a:solidFill>
+                  <a:latin typeface="나눔고딕" panose="020D0604000000000000" pitchFamily="50" charset="-127"/>
+                  <a:ea typeface="나눔고딕" panose="020D0604000000000000" pitchFamily="50" charset="-127"/>
+                </a:rPr>
+                <a:t>기초</a:t>
+              </a:r>
+              <a:endParaRPr lang="ko-KR" altLang="en-US" b="1" spc="-100">
+                <a:solidFill>
+                  <a:schemeClr val="bg1"/>
+                </a:solidFill>
+                <a:latin typeface="나눔고딕" panose="020D0604000000000000" pitchFamily="50" charset="-127"/>
+                <a:ea typeface="나눔고딕" panose="020D0604000000000000" pitchFamily="50" charset="-127"/>
+              </a:endParaRPr>
+            </a:p>
+          </p:txBody>
+        </p:sp>
+        <p:sp>
+          <p:nvSpPr>
+            <p:cNvPr id="36" name="TextBox 35"/>
+            <p:cNvSpPr txBox="1"/>
+            <p:nvPr/>
+          </p:nvSpPr>
+          <p:spPr>
+            <a:xfrm>
+              <a:off x="800100" y="1516857"/>
+              <a:ext cx="642938" cy="523220"/>
+            </a:xfrm>
+            <a:prstGeom prst="rect">
+              <a:avLst/>
+            </a:prstGeom>
+            <a:noFill/>
+          </p:spPr>
+          <p:txBody>
+            <a:bodyPr wrap="square" lIns="36000" tIns="36000" rIns="36000" bIns="36000" rtlCol="0">
+              <a:spAutoFit/>
+            </a:bodyPr>
+            <a:lstStyle/>
+            <a:p>
+              <a:pPr algn="ctr"/>
+              <a:r>
+                <a:rPr lang="en-US" altLang="ko-KR" sz="2800" b="1" smtClean="0">
+                  <a:solidFill>
+                    <a:srgbClr val="FFFF00"/>
+                  </a:solidFill>
+                </a:rPr>
+                <a:t>01</a:t>
+              </a:r>
+              <a:endParaRPr lang="ko-KR" altLang="en-US" sz="2800" b="1">
+                <a:solidFill>
+                  <a:srgbClr val="FFFF00"/>
+                </a:solidFill>
+              </a:endParaRPr>
+            </a:p>
+          </p:txBody>
+        </p:sp>
+        <p:sp>
+          <p:nvSpPr>
+            <p:cNvPr id="37" name="TextBox 36"/>
+            <p:cNvSpPr txBox="1"/>
+            <p:nvPr/>
+          </p:nvSpPr>
+          <p:spPr>
+            <a:xfrm>
+              <a:off x="1607343" y="1885949"/>
+              <a:ext cx="2659855" cy="276999"/>
+            </a:xfrm>
+            <a:prstGeom prst="rect">
+              <a:avLst/>
+            </a:prstGeom>
+            <a:noFill/>
+          </p:spPr>
+          <p:txBody>
+            <a:bodyPr wrap="square" rtlCol="0">
+              <a:spAutoFit/>
+            </a:bodyPr>
+            <a:lstStyle/>
+            <a:p>
+              <a:r>
+                <a:rPr lang="en-US" altLang="ko-KR" sz="1200" b="1" smtClean="0">
+                  <a:solidFill>
+                    <a:schemeClr val="bg1"/>
+                  </a:solidFill>
+                  <a:latin typeface="나눔고딕" panose="020D0604000000000000" pitchFamily="50" charset="-127"/>
+                  <a:ea typeface="나눔고딕" panose="020D0604000000000000" pitchFamily="50" charset="-127"/>
+                </a:rPr>
+                <a:t>Git, Github </a:t>
+              </a:r>
+              <a:r>
+                <a:rPr lang="ko-KR" altLang="en-US" sz="1200" b="1" smtClean="0">
+                  <a:solidFill>
+                    <a:schemeClr val="bg1"/>
+                  </a:solidFill>
+                  <a:latin typeface="나눔고딕" panose="020D0604000000000000" pitchFamily="50" charset="-127"/>
+                  <a:ea typeface="나눔고딕" panose="020D0604000000000000" pitchFamily="50" charset="-127"/>
+                </a:rPr>
+                <a:t>기본개념 및 기본 사용법</a:t>
+              </a:r>
+              <a:endParaRPr lang="ko-KR" altLang="en-US" sz="1200" b="1">
+                <a:solidFill>
+                  <a:schemeClr val="bg1"/>
+                </a:solidFill>
+                <a:latin typeface="나눔고딕" panose="020D0604000000000000" pitchFamily="50" charset="-127"/>
+                <a:ea typeface="나눔고딕" panose="020D0604000000000000" pitchFamily="50" charset="-127"/>
+              </a:endParaRPr>
+            </a:p>
+          </p:txBody>
+        </p:sp>
+        <p:cxnSp>
+          <p:nvCxnSpPr>
+            <p:cNvPr id="39" name="직선 연결선 38"/>
+            <p:cNvCxnSpPr/>
+            <p:nvPr/>
+          </p:nvCxnSpPr>
+          <p:spPr>
+            <a:xfrm>
+              <a:off x="1514475" y="1407318"/>
+              <a:ext cx="0" cy="1064420"/>
+            </a:xfrm>
+            <a:prstGeom prst="line">
+              <a:avLst/>
+            </a:prstGeom>
+            <a:ln w="3175">
+              <a:solidFill>
+                <a:schemeClr val="bg1"/>
+              </a:solidFill>
+            </a:ln>
+          </p:spPr>
+          <p:style>
+            <a:lnRef idx="1">
+              <a:schemeClr val="accent1"/>
+            </a:lnRef>
+            <a:fillRef idx="0">
+              <a:schemeClr val="accent1"/>
+            </a:fillRef>
+            <a:effectRef idx="0">
+              <a:schemeClr val="accent1"/>
+            </a:effectRef>
+            <a:fontRef idx="minor">
+              <a:schemeClr val="tx1"/>
+            </a:fontRef>
+          </p:style>
+        </p:cxnSp>
+      </p:grpSp>
+    </p:spTree>
+    <p:extLst>
+      <p:ext uri="{BB962C8B-B14F-4D97-AF65-F5344CB8AC3E}">
+        <p14:creationId xmlns:p14="http://schemas.microsoft.com/office/powerpoint/2010/main" val="1497978118"/>
+      </p:ext>
+    </p:extLst>
+  </p:cSld>
+  <p:clrMapOvr>
+    <a:masterClrMapping/>
+  </p:clrMapOvr>
+  <p:timing>
+    <p:tnLst>
+      <p:par>
+        <p:cTn id="1" dur="indefinite" restart="never" nodeType="tmRoot"/>
+      </p:par>
+    </p:tnLst>
+  </p:timing>
+</p:sld>
+</file>
+
+<file path=ppt/slides/slide30.xml><?xml version="1.0" encoding="utf-8"?>
 <p:sld xmlns:a="http://schemas.openxmlformats.org/drawingml/2006/main" xmlns:r="http://schemas.openxmlformats.org/officeDocument/2006/relationships" xmlns:p="http://schemas.openxmlformats.org/presentationml/2006/main">
   <p:cSld>
     <p:spTree>
@@ -14351,1556 +17523,6 @@
 </p:sld>
 </file>
 
-<file path=ppt/slides/slide3.xml><?xml version="1.0" encoding="utf-8"?>
-<p:sld xmlns:a="http://schemas.openxmlformats.org/drawingml/2006/main" xmlns:r="http://schemas.openxmlformats.org/officeDocument/2006/relationships" xmlns:p="http://schemas.openxmlformats.org/presentationml/2006/main">
-  <p:cSld>
-    <p:spTree>
-      <p:nvGrpSpPr>
-        <p:cNvPr id="1" name=""/>
-        <p:cNvGrpSpPr/>
-        <p:nvPr/>
-      </p:nvGrpSpPr>
-      <p:grpSpPr>
-        <a:xfrm>
-          <a:off x="0" y="0"/>
-          <a:ext cx="0" cy="0"/>
-          <a:chOff x="0" y="0"/>
-          <a:chExt cx="0" cy="0"/>
-        </a:xfrm>
-      </p:grpSpPr>
-      <p:sp>
-        <p:nvSpPr>
-          <p:cNvPr id="4" name="TextBox 3"/>
-          <p:cNvSpPr txBox="1"/>
-          <p:nvPr/>
-        </p:nvSpPr>
-        <p:spPr>
-          <a:xfrm>
-            <a:off x="332893" y="690180"/>
-            <a:ext cx="4223770" cy="265948"/>
-          </a:xfrm>
-          <a:prstGeom prst="rect">
-            <a:avLst/>
-          </a:prstGeom>
-          <a:noFill/>
-        </p:spPr>
-        <p:txBody>
-          <a:bodyPr wrap="square" lIns="33231" tIns="33231" rIns="33231" bIns="33231" rtlCol="0">
-            <a:spAutoFit/>
-          </a:bodyPr>
-          <a:lstStyle/>
-          <a:p>
-            <a:r>
-              <a:rPr lang="ko-KR" altLang="en-US" sz="1292" smtClean="0">
-                <a:latin typeface="+mj-ea"/>
-                <a:ea typeface="+mj-ea"/>
-              </a:rPr>
-              <a:t>학습 계획 </a:t>
-            </a:r>
-            <a:r>
-              <a:rPr lang="en-US" altLang="ko-KR" sz="1292" smtClean="0">
-                <a:latin typeface="+mj-ea"/>
-                <a:ea typeface="+mj-ea"/>
-              </a:rPr>
-              <a:t>- </a:t>
-            </a:r>
-            <a:r>
-              <a:rPr lang="ko-KR" altLang="en-US" sz="1292" smtClean="0">
-                <a:latin typeface="+mj-ea"/>
-                <a:ea typeface="+mj-ea"/>
-              </a:rPr>
-              <a:t>교육 단계</a:t>
-            </a:r>
-            <a:endParaRPr lang="ko-KR" altLang="en-US" sz="1292">
-              <a:latin typeface="+mj-ea"/>
-              <a:ea typeface="+mj-ea"/>
-            </a:endParaRPr>
-          </a:p>
-        </p:txBody>
-      </p:sp>
-      <p:grpSp>
-        <p:nvGrpSpPr>
-          <p:cNvPr id="14" name="그룹 13"/>
-          <p:cNvGrpSpPr/>
-          <p:nvPr/>
-        </p:nvGrpSpPr>
-        <p:grpSpPr>
-          <a:xfrm>
-            <a:off x="4688678" y="1965721"/>
-            <a:ext cx="3636169" cy="1064420"/>
-            <a:chOff x="714374" y="1407318"/>
-            <a:chExt cx="3636169" cy="1064420"/>
-          </a:xfrm>
-        </p:grpSpPr>
-        <p:sp>
-          <p:nvSpPr>
-            <p:cNvPr id="2" name="직사각형 1"/>
-            <p:cNvSpPr/>
-            <p:nvPr/>
-          </p:nvSpPr>
-          <p:spPr>
-            <a:xfrm>
-              <a:off x="714374" y="1407318"/>
-              <a:ext cx="3636169" cy="1057276"/>
-            </a:xfrm>
-            <a:prstGeom prst="rect">
-              <a:avLst/>
-            </a:prstGeom>
-            <a:solidFill>
-              <a:srgbClr val="00B0F0"/>
-            </a:solidFill>
-            <a:ln w="6350">
-              <a:noFill/>
-            </a:ln>
-          </p:spPr>
-          <p:style>
-            <a:lnRef idx="2">
-              <a:schemeClr val="accent1">
-                <a:shade val="50000"/>
-              </a:schemeClr>
-            </a:lnRef>
-            <a:fillRef idx="1">
-              <a:schemeClr val="accent1"/>
-            </a:fillRef>
-            <a:effectRef idx="0">
-              <a:schemeClr val="accent1"/>
-            </a:effectRef>
-            <a:fontRef idx="minor">
-              <a:schemeClr val="lt1"/>
-            </a:fontRef>
-          </p:style>
-          <p:txBody>
-            <a:bodyPr rtlCol="0" anchor="ctr"/>
-            <a:lstStyle/>
-            <a:p>
-              <a:pPr algn="ctr"/>
-              <a:endParaRPr lang="ko-KR" altLang="en-US"/>
-            </a:p>
-          </p:txBody>
-        </p:sp>
-        <p:sp>
-          <p:nvSpPr>
-            <p:cNvPr id="5" name="TextBox 4"/>
-            <p:cNvSpPr txBox="1"/>
-            <p:nvPr/>
-          </p:nvSpPr>
-          <p:spPr>
-            <a:xfrm>
-              <a:off x="1607344" y="1528763"/>
-              <a:ext cx="2300287" cy="369332"/>
-            </a:xfrm>
-            <a:prstGeom prst="rect">
-              <a:avLst/>
-            </a:prstGeom>
-            <a:noFill/>
-          </p:spPr>
-          <p:txBody>
-            <a:bodyPr wrap="square" rtlCol="0">
-              <a:spAutoFit/>
-            </a:bodyPr>
-            <a:lstStyle/>
-            <a:p>
-              <a:r>
-                <a:rPr lang="en-US" altLang="ko-KR" b="1" spc="-100" smtClean="0">
-                  <a:solidFill>
-                    <a:schemeClr val="bg1"/>
-                  </a:solidFill>
-                  <a:latin typeface="나눔고딕" panose="020D0604000000000000" pitchFamily="50" charset="-127"/>
-                  <a:ea typeface="나눔고딕" panose="020D0604000000000000" pitchFamily="50" charset="-127"/>
-                </a:rPr>
-                <a:t>Node js </a:t>
-              </a:r>
-              <a:r>
-                <a:rPr lang="ko-KR" altLang="en-US" b="1" spc="-100" smtClean="0">
-                  <a:solidFill>
-                    <a:schemeClr val="bg1"/>
-                  </a:solidFill>
-                  <a:latin typeface="나눔고딕" panose="020D0604000000000000" pitchFamily="50" charset="-127"/>
-                  <a:ea typeface="나눔고딕" panose="020D0604000000000000" pitchFamily="50" charset="-127"/>
-                </a:rPr>
-                <a:t>기초 교육</a:t>
-              </a:r>
-              <a:endParaRPr lang="ko-KR" altLang="en-US" b="1" spc="-100">
-                <a:solidFill>
-                  <a:schemeClr val="bg1"/>
-                </a:solidFill>
-                <a:latin typeface="나눔고딕" panose="020D0604000000000000" pitchFamily="50" charset="-127"/>
-                <a:ea typeface="나눔고딕" panose="020D0604000000000000" pitchFamily="50" charset="-127"/>
-              </a:endParaRPr>
-            </a:p>
-          </p:txBody>
-        </p:sp>
-        <p:sp>
-          <p:nvSpPr>
-            <p:cNvPr id="38" name="TextBox 37"/>
-            <p:cNvSpPr txBox="1"/>
-            <p:nvPr/>
-          </p:nvSpPr>
-          <p:spPr>
-            <a:xfrm>
-              <a:off x="800100" y="1516857"/>
-              <a:ext cx="642938" cy="523220"/>
-            </a:xfrm>
-            <a:prstGeom prst="rect">
-              <a:avLst/>
-            </a:prstGeom>
-            <a:noFill/>
-          </p:spPr>
-          <p:txBody>
-            <a:bodyPr wrap="square" lIns="36000" tIns="36000" rIns="36000" bIns="36000" rtlCol="0">
-              <a:spAutoFit/>
-            </a:bodyPr>
-            <a:lstStyle/>
-            <a:p>
-              <a:pPr algn="ctr"/>
-              <a:r>
-                <a:rPr lang="en-US" altLang="ko-KR" sz="2800" b="1" smtClean="0">
-                  <a:solidFill>
-                    <a:srgbClr val="FFFF00"/>
-                  </a:solidFill>
-                </a:rPr>
-                <a:t>02</a:t>
-              </a:r>
-              <a:endParaRPr lang="ko-KR" altLang="en-US" sz="2800" b="1">
-                <a:solidFill>
-                  <a:srgbClr val="FFFF00"/>
-                </a:solidFill>
-              </a:endParaRPr>
-            </a:p>
-          </p:txBody>
-        </p:sp>
-        <p:sp>
-          <p:nvSpPr>
-            <p:cNvPr id="7" name="TextBox 6"/>
-            <p:cNvSpPr txBox="1"/>
-            <p:nvPr/>
-          </p:nvSpPr>
-          <p:spPr>
-            <a:xfrm>
-              <a:off x="1607344" y="1885949"/>
-              <a:ext cx="2407444" cy="276999"/>
-            </a:xfrm>
-            <a:prstGeom prst="rect">
-              <a:avLst/>
-            </a:prstGeom>
-            <a:noFill/>
-          </p:spPr>
-          <p:txBody>
-            <a:bodyPr wrap="square" rtlCol="0">
-              <a:spAutoFit/>
-            </a:bodyPr>
-            <a:lstStyle/>
-            <a:p>
-              <a:r>
-                <a:rPr lang="en-US" altLang="ko-KR" sz="1200" b="1" smtClean="0">
-                  <a:solidFill>
-                    <a:schemeClr val="bg1"/>
-                  </a:solidFill>
-                  <a:latin typeface="나눔고딕" panose="020D0604000000000000" pitchFamily="50" charset="-127"/>
-                  <a:ea typeface="나눔고딕" panose="020D0604000000000000" pitchFamily="50" charset="-127"/>
-                </a:rPr>
-                <a:t>Node js </a:t>
-              </a:r>
-              <a:r>
-                <a:rPr lang="ko-KR" altLang="en-US" sz="1200" b="1" smtClean="0">
-                  <a:solidFill>
-                    <a:schemeClr val="bg1"/>
-                  </a:solidFill>
-                  <a:latin typeface="나눔고딕" panose="020D0604000000000000" pitchFamily="50" charset="-127"/>
-                  <a:ea typeface="나눔고딕" panose="020D0604000000000000" pitchFamily="50" charset="-127"/>
-                </a:rPr>
-                <a:t>기본개념 및 기초</a:t>
-              </a:r>
-              <a:endParaRPr lang="ko-KR" altLang="en-US" sz="1200" b="1">
-                <a:solidFill>
-                  <a:schemeClr val="bg1"/>
-                </a:solidFill>
-                <a:latin typeface="나눔고딕" panose="020D0604000000000000" pitchFamily="50" charset="-127"/>
-                <a:ea typeface="나눔고딕" panose="020D0604000000000000" pitchFamily="50" charset="-127"/>
-              </a:endParaRPr>
-            </a:p>
-          </p:txBody>
-        </p:sp>
-        <p:cxnSp>
-          <p:nvCxnSpPr>
-            <p:cNvPr id="13" name="직선 연결선 12"/>
-            <p:cNvCxnSpPr/>
-            <p:nvPr/>
-          </p:nvCxnSpPr>
-          <p:spPr>
-            <a:xfrm>
-              <a:off x="1514475" y="1407318"/>
-              <a:ext cx="0" cy="1064420"/>
-            </a:xfrm>
-            <a:prstGeom prst="line">
-              <a:avLst/>
-            </a:prstGeom>
-            <a:ln w="3175">
-              <a:solidFill>
-                <a:schemeClr val="bg1"/>
-              </a:solidFill>
-            </a:ln>
-          </p:spPr>
-          <p:style>
-            <a:lnRef idx="1">
-              <a:schemeClr val="accent1"/>
-            </a:lnRef>
-            <a:fillRef idx="0">
-              <a:schemeClr val="accent1"/>
-            </a:fillRef>
-            <a:effectRef idx="0">
-              <a:schemeClr val="accent1"/>
-            </a:effectRef>
-            <a:fontRef idx="minor">
-              <a:schemeClr val="tx1"/>
-            </a:fontRef>
-          </p:style>
-        </p:cxnSp>
-      </p:grpSp>
-      <p:grpSp>
-        <p:nvGrpSpPr>
-          <p:cNvPr id="54" name="그룹 53"/>
-          <p:cNvGrpSpPr/>
-          <p:nvPr/>
-        </p:nvGrpSpPr>
-        <p:grpSpPr>
-          <a:xfrm>
-            <a:off x="714373" y="2663214"/>
-            <a:ext cx="3636169" cy="1064420"/>
-            <a:chOff x="714374" y="1407318"/>
-            <a:chExt cx="3636169" cy="1064420"/>
-          </a:xfrm>
-        </p:grpSpPr>
-        <p:sp>
-          <p:nvSpPr>
-            <p:cNvPr id="55" name="직사각형 54"/>
-            <p:cNvSpPr/>
-            <p:nvPr/>
-          </p:nvSpPr>
-          <p:spPr>
-            <a:xfrm>
-              <a:off x="714374" y="1407318"/>
-              <a:ext cx="3636169" cy="1057276"/>
-            </a:xfrm>
-            <a:prstGeom prst="rect">
-              <a:avLst/>
-            </a:prstGeom>
-            <a:solidFill>
-              <a:srgbClr val="00B0F0"/>
-            </a:solidFill>
-            <a:ln w="6350">
-              <a:noFill/>
-            </a:ln>
-          </p:spPr>
-          <p:style>
-            <a:lnRef idx="2">
-              <a:schemeClr val="accent1">
-                <a:shade val="50000"/>
-              </a:schemeClr>
-            </a:lnRef>
-            <a:fillRef idx="1">
-              <a:schemeClr val="accent1"/>
-            </a:fillRef>
-            <a:effectRef idx="0">
-              <a:schemeClr val="accent1"/>
-            </a:effectRef>
-            <a:fontRef idx="minor">
-              <a:schemeClr val="lt1"/>
-            </a:fontRef>
-          </p:style>
-          <p:txBody>
-            <a:bodyPr rtlCol="0" anchor="ctr"/>
-            <a:lstStyle/>
-            <a:p>
-              <a:pPr algn="ctr"/>
-              <a:endParaRPr lang="ko-KR" altLang="en-US"/>
-            </a:p>
-          </p:txBody>
-        </p:sp>
-        <p:sp>
-          <p:nvSpPr>
-            <p:cNvPr id="56" name="TextBox 55"/>
-            <p:cNvSpPr txBox="1"/>
-            <p:nvPr/>
-          </p:nvSpPr>
-          <p:spPr>
-            <a:xfrm>
-              <a:off x="1607344" y="1528763"/>
-              <a:ext cx="2300287" cy="369332"/>
-            </a:xfrm>
-            <a:prstGeom prst="rect">
-              <a:avLst/>
-            </a:prstGeom>
-            <a:noFill/>
-          </p:spPr>
-          <p:txBody>
-            <a:bodyPr wrap="square" rtlCol="0">
-              <a:spAutoFit/>
-            </a:bodyPr>
-            <a:lstStyle/>
-            <a:p>
-              <a:r>
-                <a:rPr lang="en-US" altLang="ko-KR" b="1" spc="-100" smtClean="0">
-                  <a:solidFill>
-                    <a:schemeClr val="bg1"/>
-                  </a:solidFill>
-                  <a:latin typeface="나눔고딕" panose="020D0604000000000000" pitchFamily="50" charset="-127"/>
-                  <a:ea typeface="나눔고딕" panose="020D0604000000000000" pitchFamily="50" charset="-127"/>
-                </a:rPr>
-                <a:t>Node js </a:t>
-              </a:r>
-              <a:r>
-                <a:rPr lang="ko-KR" altLang="en-US" b="1" spc="-100" smtClean="0">
-                  <a:solidFill>
-                    <a:schemeClr val="bg1"/>
-                  </a:solidFill>
-                  <a:latin typeface="나눔고딕" panose="020D0604000000000000" pitchFamily="50" charset="-127"/>
-                  <a:ea typeface="나눔고딕" panose="020D0604000000000000" pitchFamily="50" charset="-127"/>
-                </a:rPr>
-                <a:t>기초 예제</a:t>
-              </a:r>
-              <a:endParaRPr lang="ko-KR" altLang="en-US" b="1" spc="-100">
-                <a:solidFill>
-                  <a:schemeClr val="bg1"/>
-                </a:solidFill>
-                <a:latin typeface="나눔고딕" panose="020D0604000000000000" pitchFamily="50" charset="-127"/>
-                <a:ea typeface="나눔고딕" panose="020D0604000000000000" pitchFamily="50" charset="-127"/>
-              </a:endParaRPr>
-            </a:p>
-          </p:txBody>
-        </p:sp>
-        <p:sp>
-          <p:nvSpPr>
-            <p:cNvPr id="57" name="TextBox 56"/>
-            <p:cNvSpPr txBox="1"/>
-            <p:nvPr/>
-          </p:nvSpPr>
-          <p:spPr>
-            <a:xfrm>
-              <a:off x="800100" y="1516857"/>
-              <a:ext cx="642938" cy="523220"/>
-            </a:xfrm>
-            <a:prstGeom prst="rect">
-              <a:avLst/>
-            </a:prstGeom>
-            <a:noFill/>
-          </p:spPr>
-          <p:txBody>
-            <a:bodyPr wrap="square" lIns="36000" tIns="36000" rIns="36000" bIns="36000" rtlCol="0">
-              <a:spAutoFit/>
-            </a:bodyPr>
-            <a:lstStyle/>
-            <a:p>
-              <a:pPr algn="ctr"/>
-              <a:r>
-                <a:rPr lang="en-US" altLang="ko-KR" sz="2800" b="1" smtClean="0">
-                  <a:solidFill>
-                    <a:srgbClr val="FFFF00"/>
-                  </a:solidFill>
-                </a:rPr>
-                <a:t>03</a:t>
-              </a:r>
-              <a:endParaRPr lang="ko-KR" altLang="en-US" sz="2800" b="1">
-                <a:solidFill>
-                  <a:srgbClr val="FFFF00"/>
-                </a:solidFill>
-              </a:endParaRPr>
-            </a:p>
-          </p:txBody>
-        </p:sp>
-        <p:sp>
-          <p:nvSpPr>
-            <p:cNvPr id="58" name="TextBox 57"/>
-            <p:cNvSpPr txBox="1"/>
-            <p:nvPr/>
-          </p:nvSpPr>
-          <p:spPr>
-            <a:xfrm>
-              <a:off x="1607343" y="1885949"/>
-              <a:ext cx="2569369" cy="461665"/>
-            </a:xfrm>
-            <a:prstGeom prst="rect">
-              <a:avLst/>
-            </a:prstGeom>
-            <a:noFill/>
-          </p:spPr>
-          <p:txBody>
-            <a:bodyPr wrap="square" rtlCol="0">
-              <a:spAutoFit/>
-            </a:bodyPr>
-            <a:lstStyle/>
-            <a:p>
-              <a:r>
-                <a:rPr lang="en-US" altLang="ko-KR" sz="1200" b="1" smtClean="0">
-                  <a:solidFill>
-                    <a:schemeClr val="bg1"/>
-                  </a:solidFill>
-                  <a:latin typeface="나눔고딕" panose="020D0604000000000000" pitchFamily="50" charset="-127"/>
-                  <a:ea typeface="나눔고딕" panose="020D0604000000000000" pitchFamily="50" charset="-127"/>
-                </a:rPr>
-                <a:t>Node js , Express </a:t>
-              </a:r>
-              <a:r>
-                <a:rPr lang="ko-KR" altLang="en-US" sz="1200" b="1" smtClean="0">
-                  <a:solidFill>
-                    <a:schemeClr val="bg1"/>
-                  </a:solidFill>
-                  <a:latin typeface="나눔고딕" panose="020D0604000000000000" pitchFamily="50" charset="-127"/>
-                  <a:ea typeface="나눔고딕" panose="020D0604000000000000" pitchFamily="50" charset="-127"/>
-                </a:rPr>
-                <a:t>웹서버 기초예제</a:t>
-              </a:r>
-              <a:r>
-                <a:rPr lang="en-US" altLang="ko-KR" sz="1200" b="1" smtClean="0">
-                  <a:solidFill>
-                    <a:schemeClr val="bg1"/>
-                  </a:solidFill>
-                  <a:latin typeface="나눔고딕" panose="020D0604000000000000" pitchFamily="50" charset="-127"/>
-                  <a:ea typeface="나눔고딕" panose="020D0604000000000000" pitchFamily="50" charset="-127"/>
-                </a:rPr>
-                <a:t>,</a:t>
-              </a:r>
-              <a:br>
-                <a:rPr lang="en-US" altLang="ko-KR" sz="1200" b="1" smtClean="0">
-                  <a:solidFill>
-                    <a:schemeClr val="bg1"/>
-                  </a:solidFill>
-                  <a:latin typeface="나눔고딕" panose="020D0604000000000000" pitchFamily="50" charset="-127"/>
-                  <a:ea typeface="나눔고딕" panose="020D0604000000000000" pitchFamily="50" charset="-127"/>
-                </a:rPr>
-              </a:br>
-              <a:r>
-                <a:rPr lang="en-US" altLang="ko-KR" sz="1200" b="1" smtClean="0">
-                  <a:solidFill>
-                    <a:schemeClr val="bg1"/>
-                  </a:solidFill>
-                  <a:latin typeface="나눔고딕" panose="020D0604000000000000" pitchFamily="50" charset="-127"/>
-                  <a:ea typeface="나눔고딕" panose="020D0604000000000000" pitchFamily="50" charset="-127"/>
-                </a:rPr>
-                <a:t>Git </a:t>
-              </a:r>
-              <a:r>
-                <a:rPr lang="ko-KR" altLang="en-US" sz="1200" b="1" smtClean="0">
-                  <a:solidFill>
-                    <a:schemeClr val="bg1"/>
-                  </a:solidFill>
-                  <a:latin typeface="나눔고딕" panose="020D0604000000000000" pitchFamily="50" charset="-127"/>
-                  <a:ea typeface="나눔고딕" panose="020D0604000000000000" pitchFamily="50" charset="-127"/>
-                </a:rPr>
-                <a:t>기초 사용법</a:t>
-              </a:r>
-              <a:endParaRPr lang="ko-KR" altLang="en-US" sz="1200" b="1">
-                <a:solidFill>
-                  <a:schemeClr val="bg1"/>
-                </a:solidFill>
-                <a:latin typeface="나눔고딕" panose="020D0604000000000000" pitchFamily="50" charset="-127"/>
-                <a:ea typeface="나눔고딕" panose="020D0604000000000000" pitchFamily="50" charset="-127"/>
-              </a:endParaRPr>
-            </a:p>
-          </p:txBody>
-        </p:sp>
-        <p:cxnSp>
-          <p:nvCxnSpPr>
-            <p:cNvPr id="59" name="직선 연결선 58"/>
-            <p:cNvCxnSpPr/>
-            <p:nvPr/>
-          </p:nvCxnSpPr>
-          <p:spPr>
-            <a:xfrm>
-              <a:off x="1514475" y="1407318"/>
-              <a:ext cx="0" cy="1064420"/>
-            </a:xfrm>
-            <a:prstGeom prst="line">
-              <a:avLst/>
-            </a:prstGeom>
-            <a:ln w="3175">
-              <a:solidFill>
-                <a:schemeClr val="bg1"/>
-              </a:solidFill>
-            </a:ln>
-          </p:spPr>
-          <p:style>
-            <a:lnRef idx="1">
-              <a:schemeClr val="accent1"/>
-            </a:lnRef>
-            <a:fillRef idx="0">
-              <a:schemeClr val="accent1"/>
-            </a:fillRef>
-            <a:effectRef idx="0">
-              <a:schemeClr val="accent1"/>
-            </a:effectRef>
-            <a:fontRef idx="minor">
-              <a:schemeClr val="tx1"/>
-            </a:fontRef>
-          </p:style>
-        </p:cxnSp>
-      </p:grpSp>
-      <p:grpSp>
-        <p:nvGrpSpPr>
-          <p:cNvPr id="60" name="그룹 59"/>
-          <p:cNvGrpSpPr/>
-          <p:nvPr/>
-        </p:nvGrpSpPr>
-        <p:grpSpPr>
-          <a:xfrm>
-            <a:off x="4688677" y="3243609"/>
-            <a:ext cx="3636169" cy="1064420"/>
-            <a:chOff x="714374" y="1407318"/>
-            <a:chExt cx="3636169" cy="1064420"/>
-          </a:xfrm>
-        </p:grpSpPr>
-        <p:sp>
-          <p:nvSpPr>
-            <p:cNvPr id="61" name="직사각형 60"/>
-            <p:cNvSpPr/>
-            <p:nvPr/>
-          </p:nvSpPr>
-          <p:spPr>
-            <a:xfrm>
-              <a:off x="714374" y="1407318"/>
-              <a:ext cx="3636169" cy="1057276"/>
-            </a:xfrm>
-            <a:prstGeom prst="rect">
-              <a:avLst/>
-            </a:prstGeom>
-            <a:solidFill>
-              <a:srgbClr val="00B0F0"/>
-            </a:solidFill>
-            <a:ln w="6350">
-              <a:noFill/>
-            </a:ln>
-          </p:spPr>
-          <p:style>
-            <a:lnRef idx="2">
-              <a:schemeClr val="accent1">
-                <a:shade val="50000"/>
-              </a:schemeClr>
-            </a:lnRef>
-            <a:fillRef idx="1">
-              <a:schemeClr val="accent1"/>
-            </a:fillRef>
-            <a:effectRef idx="0">
-              <a:schemeClr val="accent1"/>
-            </a:effectRef>
-            <a:fontRef idx="minor">
-              <a:schemeClr val="lt1"/>
-            </a:fontRef>
-          </p:style>
-          <p:txBody>
-            <a:bodyPr rtlCol="0" anchor="ctr"/>
-            <a:lstStyle/>
-            <a:p>
-              <a:pPr algn="ctr"/>
-              <a:endParaRPr lang="ko-KR" altLang="en-US"/>
-            </a:p>
-          </p:txBody>
-        </p:sp>
-        <p:sp>
-          <p:nvSpPr>
-            <p:cNvPr id="62" name="TextBox 61"/>
-            <p:cNvSpPr txBox="1"/>
-            <p:nvPr/>
-          </p:nvSpPr>
-          <p:spPr>
-            <a:xfrm>
-              <a:off x="1607344" y="1528763"/>
-              <a:ext cx="2300287" cy="369332"/>
-            </a:xfrm>
-            <a:prstGeom prst="rect">
-              <a:avLst/>
-            </a:prstGeom>
-            <a:noFill/>
-          </p:spPr>
-          <p:txBody>
-            <a:bodyPr wrap="square" rtlCol="0">
-              <a:spAutoFit/>
-            </a:bodyPr>
-            <a:lstStyle/>
-            <a:p>
-              <a:r>
-                <a:rPr lang="en-US" altLang="ko-KR" b="1" spc="-100" smtClean="0">
-                  <a:solidFill>
-                    <a:schemeClr val="bg1"/>
-                  </a:solidFill>
-                  <a:latin typeface="나눔고딕" panose="020D0604000000000000" pitchFamily="50" charset="-127"/>
-                  <a:ea typeface="나눔고딕" panose="020D0604000000000000" pitchFamily="50" charset="-127"/>
-                </a:rPr>
-                <a:t>Node js </a:t>
-              </a:r>
-              <a:r>
-                <a:rPr lang="ko-KR" altLang="en-US" b="1" spc="-100" smtClean="0">
-                  <a:solidFill>
-                    <a:schemeClr val="bg1"/>
-                  </a:solidFill>
-                  <a:latin typeface="나눔고딕" panose="020D0604000000000000" pitchFamily="50" charset="-127"/>
-                  <a:ea typeface="나눔고딕" panose="020D0604000000000000" pitchFamily="50" charset="-127"/>
-                </a:rPr>
-                <a:t>활용 예제</a:t>
-              </a:r>
-              <a:endParaRPr lang="ko-KR" altLang="en-US" b="1" spc="-100">
-                <a:solidFill>
-                  <a:schemeClr val="bg1"/>
-                </a:solidFill>
-                <a:latin typeface="나눔고딕" panose="020D0604000000000000" pitchFamily="50" charset="-127"/>
-                <a:ea typeface="나눔고딕" panose="020D0604000000000000" pitchFamily="50" charset="-127"/>
-              </a:endParaRPr>
-            </a:p>
-          </p:txBody>
-        </p:sp>
-        <p:sp>
-          <p:nvSpPr>
-            <p:cNvPr id="63" name="TextBox 62"/>
-            <p:cNvSpPr txBox="1"/>
-            <p:nvPr/>
-          </p:nvSpPr>
-          <p:spPr>
-            <a:xfrm>
-              <a:off x="800100" y="1516857"/>
-              <a:ext cx="642938" cy="523220"/>
-            </a:xfrm>
-            <a:prstGeom prst="rect">
-              <a:avLst/>
-            </a:prstGeom>
-            <a:noFill/>
-          </p:spPr>
-          <p:txBody>
-            <a:bodyPr wrap="square" lIns="36000" tIns="36000" rIns="36000" bIns="36000" rtlCol="0">
-              <a:spAutoFit/>
-            </a:bodyPr>
-            <a:lstStyle/>
-            <a:p>
-              <a:pPr algn="ctr"/>
-              <a:r>
-                <a:rPr lang="en-US" altLang="ko-KR" sz="2800" b="1" smtClean="0">
-                  <a:solidFill>
-                    <a:srgbClr val="FFFF00"/>
-                  </a:solidFill>
-                </a:rPr>
-                <a:t>04</a:t>
-              </a:r>
-              <a:endParaRPr lang="ko-KR" altLang="en-US" sz="2800" b="1">
-                <a:solidFill>
-                  <a:srgbClr val="FFFF00"/>
-                </a:solidFill>
-              </a:endParaRPr>
-            </a:p>
-          </p:txBody>
-        </p:sp>
-        <p:sp>
-          <p:nvSpPr>
-            <p:cNvPr id="64" name="TextBox 63"/>
-            <p:cNvSpPr txBox="1"/>
-            <p:nvPr/>
-          </p:nvSpPr>
-          <p:spPr>
-            <a:xfrm>
-              <a:off x="1607343" y="1885949"/>
-              <a:ext cx="2569369" cy="276999"/>
-            </a:xfrm>
-            <a:prstGeom prst="rect">
-              <a:avLst/>
-            </a:prstGeom>
-            <a:noFill/>
-          </p:spPr>
-          <p:txBody>
-            <a:bodyPr wrap="square" rtlCol="0">
-              <a:spAutoFit/>
-            </a:bodyPr>
-            <a:lstStyle/>
-            <a:p>
-              <a:r>
-                <a:rPr lang="en-US" altLang="ko-KR" sz="1200" b="1" smtClean="0">
-                  <a:solidFill>
-                    <a:schemeClr val="bg1"/>
-                  </a:solidFill>
-                  <a:latin typeface="나눔고딕" panose="020D0604000000000000" pitchFamily="50" charset="-127"/>
-                  <a:ea typeface="나눔고딕" panose="020D0604000000000000" pitchFamily="50" charset="-127"/>
-                </a:rPr>
-                <a:t>Node js,  Express, Mongodb </a:t>
-              </a:r>
-              <a:r>
-                <a:rPr lang="ko-KR" altLang="en-US" sz="1200" b="1" smtClean="0">
-                  <a:solidFill>
-                    <a:schemeClr val="bg1"/>
-                  </a:solidFill>
-                  <a:latin typeface="나눔고딕" panose="020D0604000000000000" pitchFamily="50" charset="-127"/>
-                  <a:ea typeface="나눔고딕" panose="020D0604000000000000" pitchFamily="50" charset="-127"/>
-                </a:rPr>
-                <a:t>예제</a:t>
-              </a:r>
-              <a:endParaRPr lang="ko-KR" altLang="en-US" sz="1200" b="1">
-                <a:solidFill>
-                  <a:schemeClr val="bg1"/>
-                </a:solidFill>
-                <a:latin typeface="나눔고딕" panose="020D0604000000000000" pitchFamily="50" charset="-127"/>
-                <a:ea typeface="나눔고딕" panose="020D0604000000000000" pitchFamily="50" charset="-127"/>
-              </a:endParaRPr>
-            </a:p>
-          </p:txBody>
-        </p:sp>
-        <p:cxnSp>
-          <p:nvCxnSpPr>
-            <p:cNvPr id="65" name="직선 연결선 64"/>
-            <p:cNvCxnSpPr/>
-            <p:nvPr/>
-          </p:nvCxnSpPr>
-          <p:spPr>
-            <a:xfrm>
-              <a:off x="1514475" y="1407318"/>
-              <a:ext cx="0" cy="1064420"/>
-            </a:xfrm>
-            <a:prstGeom prst="line">
-              <a:avLst/>
-            </a:prstGeom>
-            <a:ln w="3175">
-              <a:solidFill>
-                <a:schemeClr val="bg1"/>
-              </a:solidFill>
-            </a:ln>
-          </p:spPr>
-          <p:style>
-            <a:lnRef idx="1">
-              <a:schemeClr val="accent1"/>
-            </a:lnRef>
-            <a:fillRef idx="0">
-              <a:schemeClr val="accent1"/>
-            </a:fillRef>
-            <a:effectRef idx="0">
-              <a:schemeClr val="accent1"/>
-            </a:effectRef>
-            <a:fontRef idx="minor">
-              <a:schemeClr val="tx1"/>
-            </a:fontRef>
-          </p:style>
-        </p:cxnSp>
-      </p:grpSp>
-      <p:grpSp>
-        <p:nvGrpSpPr>
-          <p:cNvPr id="66" name="그룹 65"/>
-          <p:cNvGrpSpPr/>
-          <p:nvPr/>
-        </p:nvGrpSpPr>
-        <p:grpSpPr>
-          <a:xfrm>
-            <a:off x="714372" y="3930972"/>
-            <a:ext cx="3636169" cy="1064420"/>
-            <a:chOff x="714374" y="1407318"/>
-            <a:chExt cx="3636169" cy="1064420"/>
-          </a:xfrm>
-        </p:grpSpPr>
-        <p:sp>
-          <p:nvSpPr>
-            <p:cNvPr id="67" name="직사각형 66"/>
-            <p:cNvSpPr/>
-            <p:nvPr/>
-          </p:nvSpPr>
-          <p:spPr>
-            <a:xfrm>
-              <a:off x="714374" y="1407318"/>
-              <a:ext cx="3636169" cy="1057276"/>
-            </a:xfrm>
-            <a:prstGeom prst="rect">
-              <a:avLst/>
-            </a:prstGeom>
-            <a:solidFill>
-              <a:srgbClr val="00B0F0"/>
-            </a:solidFill>
-            <a:ln w="6350">
-              <a:noFill/>
-            </a:ln>
-          </p:spPr>
-          <p:style>
-            <a:lnRef idx="2">
-              <a:schemeClr val="accent1">
-                <a:shade val="50000"/>
-              </a:schemeClr>
-            </a:lnRef>
-            <a:fillRef idx="1">
-              <a:schemeClr val="accent1"/>
-            </a:fillRef>
-            <a:effectRef idx="0">
-              <a:schemeClr val="accent1"/>
-            </a:effectRef>
-            <a:fontRef idx="minor">
-              <a:schemeClr val="lt1"/>
-            </a:fontRef>
-          </p:style>
-          <p:txBody>
-            <a:bodyPr rtlCol="0" anchor="ctr"/>
-            <a:lstStyle/>
-            <a:p>
-              <a:pPr algn="ctr"/>
-              <a:endParaRPr lang="ko-KR" altLang="en-US"/>
-            </a:p>
-          </p:txBody>
-        </p:sp>
-        <p:sp>
-          <p:nvSpPr>
-            <p:cNvPr id="68" name="TextBox 67"/>
-            <p:cNvSpPr txBox="1"/>
-            <p:nvPr/>
-          </p:nvSpPr>
-          <p:spPr>
-            <a:xfrm>
-              <a:off x="1607344" y="1528763"/>
-              <a:ext cx="2300287" cy="369332"/>
-            </a:xfrm>
-            <a:prstGeom prst="rect">
-              <a:avLst/>
-            </a:prstGeom>
-            <a:noFill/>
-          </p:spPr>
-          <p:txBody>
-            <a:bodyPr wrap="square" rtlCol="0">
-              <a:spAutoFit/>
-            </a:bodyPr>
-            <a:lstStyle/>
-            <a:p>
-              <a:r>
-                <a:rPr lang="en-US" altLang="ko-KR" b="1" spc="-100" smtClean="0">
-                  <a:solidFill>
-                    <a:schemeClr val="bg1"/>
-                  </a:solidFill>
-                  <a:latin typeface="나눔고딕" panose="020D0604000000000000" pitchFamily="50" charset="-127"/>
-                  <a:ea typeface="나눔고딕" panose="020D0604000000000000" pitchFamily="50" charset="-127"/>
-                </a:rPr>
-                <a:t>Work Flow </a:t>
-              </a:r>
-              <a:r>
-                <a:rPr lang="ko-KR" altLang="en-US" b="1" spc="-100" smtClean="0">
-                  <a:solidFill>
-                    <a:schemeClr val="bg1"/>
-                  </a:solidFill>
-                  <a:latin typeface="나눔고딕" panose="020D0604000000000000" pitchFamily="50" charset="-127"/>
-                  <a:ea typeface="나눔고딕" panose="020D0604000000000000" pitchFamily="50" charset="-127"/>
-                </a:rPr>
-                <a:t>향상</a:t>
-              </a:r>
-              <a:endParaRPr lang="ko-KR" altLang="en-US" b="1" spc="-100">
-                <a:solidFill>
-                  <a:schemeClr val="bg1"/>
-                </a:solidFill>
-                <a:latin typeface="나눔고딕" panose="020D0604000000000000" pitchFamily="50" charset="-127"/>
-                <a:ea typeface="나눔고딕" panose="020D0604000000000000" pitchFamily="50" charset="-127"/>
-              </a:endParaRPr>
-            </a:p>
-          </p:txBody>
-        </p:sp>
-        <p:sp>
-          <p:nvSpPr>
-            <p:cNvPr id="69" name="TextBox 68"/>
-            <p:cNvSpPr txBox="1"/>
-            <p:nvPr/>
-          </p:nvSpPr>
-          <p:spPr>
-            <a:xfrm>
-              <a:off x="800100" y="1516857"/>
-              <a:ext cx="642938" cy="523220"/>
-            </a:xfrm>
-            <a:prstGeom prst="rect">
-              <a:avLst/>
-            </a:prstGeom>
-            <a:noFill/>
-          </p:spPr>
-          <p:txBody>
-            <a:bodyPr wrap="square" lIns="36000" tIns="36000" rIns="36000" bIns="36000" rtlCol="0">
-              <a:spAutoFit/>
-            </a:bodyPr>
-            <a:lstStyle/>
-            <a:p>
-              <a:pPr algn="ctr"/>
-              <a:r>
-                <a:rPr lang="en-US" altLang="ko-KR" sz="2800" b="1" smtClean="0">
-                  <a:solidFill>
-                    <a:srgbClr val="FFFF00"/>
-                  </a:solidFill>
-                </a:rPr>
-                <a:t>05</a:t>
-              </a:r>
-              <a:endParaRPr lang="ko-KR" altLang="en-US" sz="2800" b="1">
-                <a:solidFill>
-                  <a:srgbClr val="FFFF00"/>
-                </a:solidFill>
-              </a:endParaRPr>
-            </a:p>
-          </p:txBody>
-        </p:sp>
-        <p:sp>
-          <p:nvSpPr>
-            <p:cNvPr id="70" name="TextBox 69"/>
-            <p:cNvSpPr txBox="1"/>
-            <p:nvPr/>
-          </p:nvSpPr>
-          <p:spPr>
-            <a:xfrm>
-              <a:off x="1607343" y="1885949"/>
-              <a:ext cx="2569369" cy="276999"/>
-            </a:xfrm>
-            <a:prstGeom prst="rect">
-              <a:avLst/>
-            </a:prstGeom>
-            <a:noFill/>
-          </p:spPr>
-          <p:txBody>
-            <a:bodyPr wrap="square" rtlCol="0">
-              <a:spAutoFit/>
-            </a:bodyPr>
-            <a:lstStyle/>
-            <a:p>
-              <a:r>
-                <a:rPr lang="en-US" altLang="ko-KR" sz="1200" b="1" smtClean="0">
-                  <a:solidFill>
-                    <a:schemeClr val="bg1"/>
-                  </a:solidFill>
-                  <a:latin typeface="나눔고딕" panose="020D0604000000000000" pitchFamily="50" charset="-127"/>
-                  <a:ea typeface="나눔고딕" panose="020D0604000000000000" pitchFamily="50" charset="-127"/>
-                </a:rPr>
-                <a:t>Grunt, Gulp, Bower, Sass</a:t>
-              </a:r>
-              <a:endParaRPr lang="ko-KR" altLang="en-US" sz="1200" b="1">
-                <a:solidFill>
-                  <a:schemeClr val="bg1"/>
-                </a:solidFill>
-                <a:latin typeface="나눔고딕" panose="020D0604000000000000" pitchFamily="50" charset="-127"/>
-                <a:ea typeface="나눔고딕" panose="020D0604000000000000" pitchFamily="50" charset="-127"/>
-              </a:endParaRPr>
-            </a:p>
-          </p:txBody>
-        </p:sp>
-        <p:cxnSp>
-          <p:nvCxnSpPr>
-            <p:cNvPr id="71" name="직선 연결선 70"/>
-            <p:cNvCxnSpPr/>
-            <p:nvPr/>
-          </p:nvCxnSpPr>
-          <p:spPr>
-            <a:xfrm>
-              <a:off x="1514475" y="1407318"/>
-              <a:ext cx="0" cy="1064420"/>
-            </a:xfrm>
-            <a:prstGeom prst="line">
-              <a:avLst/>
-            </a:prstGeom>
-            <a:ln w="3175">
-              <a:solidFill>
-                <a:schemeClr val="bg1"/>
-              </a:solidFill>
-            </a:ln>
-          </p:spPr>
-          <p:style>
-            <a:lnRef idx="1">
-              <a:schemeClr val="accent1"/>
-            </a:lnRef>
-            <a:fillRef idx="0">
-              <a:schemeClr val="accent1"/>
-            </a:fillRef>
-            <a:effectRef idx="0">
-              <a:schemeClr val="accent1"/>
-            </a:effectRef>
-            <a:fontRef idx="minor">
-              <a:schemeClr val="tx1"/>
-            </a:fontRef>
-          </p:style>
-        </p:cxnSp>
-      </p:grpSp>
-      <p:grpSp>
-        <p:nvGrpSpPr>
-          <p:cNvPr id="72" name="그룹 71"/>
-          <p:cNvGrpSpPr/>
-          <p:nvPr/>
-        </p:nvGrpSpPr>
-        <p:grpSpPr>
-          <a:xfrm>
-            <a:off x="4688677" y="4528641"/>
-            <a:ext cx="3636169" cy="1064420"/>
-            <a:chOff x="714374" y="1407318"/>
-            <a:chExt cx="3636169" cy="1064420"/>
-          </a:xfrm>
-        </p:grpSpPr>
-        <p:sp>
-          <p:nvSpPr>
-            <p:cNvPr id="73" name="직사각형 72"/>
-            <p:cNvSpPr/>
-            <p:nvPr/>
-          </p:nvSpPr>
-          <p:spPr>
-            <a:xfrm>
-              <a:off x="714374" y="1407318"/>
-              <a:ext cx="3636169" cy="1057276"/>
-            </a:xfrm>
-            <a:prstGeom prst="rect">
-              <a:avLst/>
-            </a:prstGeom>
-            <a:solidFill>
-              <a:srgbClr val="00B0F0"/>
-            </a:solidFill>
-            <a:ln w="6350">
-              <a:noFill/>
-            </a:ln>
-          </p:spPr>
-          <p:style>
-            <a:lnRef idx="2">
-              <a:schemeClr val="accent1">
-                <a:shade val="50000"/>
-              </a:schemeClr>
-            </a:lnRef>
-            <a:fillRef idx="1">
-              <a:schemeClr val="accent1"/>
-            </a:fillRef>
-            <a:effectRef idx="0">
-              <a:schemeClr val="accent1"/>
-            </a:effectRef>
-            <a:fontRef idx="minor">
-              <a:schemeClr val="lt1"/>
-            </a:fontRef>
-          </p:style>
-          <p:txBody>
-            <a:bodyPr rtlCol="0" anchor="ctr"/>
-            <a:lstStyle/>
-            <a:p>
-              <a:pPr algn="ctr"/>
-              <a:endParaRPr lang="ko-KR" altLang="en-US"/>
-            </a:p>
-          </p:txBody>
-        </p:sp>
-        <p:sp>
-          <p:nvSpPr>
-            <p:cNvPr id="74" name="TextBox 73"/>
-            <p:cNvSpPr txBox="1"/>
-            <p:nvPr/>
-          </p:nvSpPr>
-          <p:spPr>
-            <a:xfrm>
-              <a:off x="1607344" y="1528763"/>
-              <a:ext cx="2300287" cy="369332"/>
-            </a:xfrm>
-            <a:prstGeom prst="rect">
-              <a:avLst/>
-            </a:prstGeom>
-            <a:noFill/>
-          </p:spPr>
-          <p:txBody>
-            <a:bodyPr wrap="square" rtlCol="0">
-              <a:spAutoFit/>
-            </a:bodyPr>
-            <a:lstStyle/>
-            <a:p>
-              <a:r>
-                <a:rPr lang="en-US" altLang="ko-KR" b="1" spc="-100" smtClean="0">
-                  <a:solidFill>
-                    <a:schemeClr val="bg1"/>
-                  </a:solidFill>
-                  <a:latin typeface="나눔고딕" panose="020D0604000000000000" pitchFamily="50" charset="-127"/>
-                  <a:ea typeface="나눔고딕" panose="020D0604000000000000" pitchFamily="50" charset="-127"/>
-                </a:rPr>
-                <a:t>Node Web App </a:t>
-              </a:r>
-              <a:r>
-                <a:rPr lang="ko-KR" altLang="en-US" b="1" spc="-100" smtClean="0">
-                  <a:solidFill>
-                    <a:schemeClr val="bg1"/>
-                  </a:solidFill>
-                  <a:latin typeface="나눔고딕" panose="020D0604000000000000" pitchFamily="50" charset="-127"/>
-                  <a:ea typeface="나눔고딕" panose="020D0604000000000000" pitchFamily="50" charset="-127"/>
-                </a:rPr>
-                <a:t>예제</a:t>
-              </a:r>
-              <a:endParaRPr lang="ko-KR" altLang="en-US" b="1" spc="-100">
-                <a:solidFill>
-                  <a:schemeClr val="bg1"/>
-                </a:solidFill>
-                <a:latin typeface="나눔고딕" panose="020D0604000000000000" pitchFamily="50" charset="-127"/>
-                <a:ea typeface="나눔고딕" panose="020D0604000000000000" pitchFamily="50" charset="-127"/>
-              </a:endParaRPr>
-            </a:p>
-          </p:txBody>
-        </p:sp>
-        <p:sp>
-          <p:nvSpPr>
-            <p:cNvPr id="75" name="TextBox 74"/>
-            <p:cNvSpPr txBox="1"/>
-            <p:nvPr/>
-          </p:nvSpPr>
-          <p:spPr>
-            <a:xfrm>
-              <a:off x="800100" y="1516857"/>
-              <a:ext cx="642938" cy="523220"/>
-            </a:xfrm>
-            <a:prstGeom prst="rect">
-              <a:avLst/>
-            </a:prstGeom>
-            <a:noFill/>
-          </p:spPr>
-          <p:txBody>
-            <a:bodyPr wrap="square" lIns="36000" tIns="36000" rIns="36000" bIns="36000" rtlCol="0">
-              <a:spAutoFit/>
-            </a:bodyPr>
-            <a:lstStyle/>
-            <a:p>
-              <a:pPr algn="ctr"/>
-              <a:r>
-                <a:rPr lang="en-US" altLang="ko-KR" sz="2800" b="1" smtClean="0">
-                  <a:solidFill>
-                    <a:srgbClr val="FFFF00"/>
-                  </a:solidFill>
-                </a:rPr>
-                <a:t>06</a:t>
-              </a:r>
-              <a:endParaRPr lang="ko-KR" altLang="en-US" sz="2800" b="1">
-                <a:solidFill>
-                  <a:srgbClr val="FFFF00"/>
-                </a:solidFill>
-              </a:endParaRPr>
-            </a:p>
-          </p:txBody>
-        </p:sp>
-        <p:sp>
-          <p:nvSpPr>
-            <p:cNvPr id="76" name="TextBox 75"/>
-            <p:cNvSpPr txBox="1"/>
-            <p:nvPr/>
-          </p:nvSpPr>
-          <p:spPr>
-            <a:xfrm>
-              <a:off x="1607343" y="1885949"/>
-              <a:ext cx="2569369" cy="276999"/>
-            </a:xfrm>
-            <a:prstGeom prst="rect">
-              <a:avLst/>
-            </a:prstGeom>
-            <a:noFill/>
-          </p:spPr>
-          <p:txBody>
-            <a:bodyPr wrap="square" rtlCol="0">
-              <a:spAutoFit/>
-            </a:bodyPr>
-            <a:lstStyle/>
-            <a:p>
-              <a:r>
-                <a:rPr lang="en-US" altLang="ko-KR" sz="1200" b="1" smtClean="0">
-                  <a:solidFill>
-                    <a:schemeClr val="bg1"/>
-                  </a:solidFill>
-                  <a:latin typeface="나눔고딕" panose="020D0604000000000000" pitchFamily="50" charset="-127"/>
-                  <a:ea typeface="나눔고딕" panose="020D0604000000000000" pitchFamily="50" charset="-127"/>
-                </a:rPr>
-                <a:t>Node Web App </a:t>
-              </a:r>
-              <a:r>
-                <a:rPr lang="ko-KR" altLang="en-US" sz="1200" b="1" smtClean="0">
-                  <a:solidFill>
-                    <a:schemeClr val="bg1"/>
-                  </a:solidFill>
-                  <a:latin typeface="나눔고딕" panose="020D0604000000000000" pitchFamily="50" charset="-127"/>
-                  <a:ea typeface="나눔고딕" panose="020D0604000000000000" pitchFamily="50" charset="-127"/>
-                </a:rPr>
-                <a:t>구축 실습</a:t>
-              </a:r>
-              <a:endParaRPr lang="ko-KR" altLang="en-US" sz="1200" b="1">
-                <a:solidFill>
-                  <a:schemeClr val="bg1"/>
-                </a:solidFill>
-                <a:latin typeface="나눔고딕" panose="020D0604000000000000" pitchFamily="50" charset="-127"/>
-                <a:ea typeface="나눔고딕" panose="020D0604000000000000" pitchFamily="50" charset="-127"/>
-              </a:endParaRPr>
-            </a:p>
-          </p:txBody>
-        </p:sp>
-        <p:cxnSp>
-          <p:nvCxnSpPr>
-            <p:cNvPr id="77" name="직선 연결선 76"/>
-            <p:cNvCxnSpPr/>
-            <p:nvPr/>
-          </p:nvCxnSpPr>
-          <p:spPr>
-            <a:xfrm>
-              <a:off x="1514475" y="1407318"/>
-              <a:ext cx="0" cy="1064420"/>
-            </a:xfrm>
-            <a:prstGeom prst="line">
-              <a:avLst/>
-            </a:prstGeom>
-            <a:ln w="3175">
-              <a:solidFill>
-                <a:schemeClr val="bg1"/>
-              </a:solidFill>
-            </a:ln>
-          </p:spPr>
-          <p:style>
-            <a:lnRef idx="1">
-              <a:schemeClr val="accent1"/>
-            </a:lnRef>
-            <a:fillRef idx="0">
-              <a:schemeClr val="accent1"/>
-            </a:fillRef>
-            <a:effectRef idx="0">
-              <a:schemeClr val="accent1"/>
-            </a:effectRef>
-            <a:fontRef idx="minor">
-              <a:schemeClr val="tx1"/>
-            </a:fontRef>
-          </p:style>
-        </p:cxnSp>
-      </p:grpSp>
-      <p:grpSp>
-        <p:nvGrpSpPr>
-          <p:cNvPr id="33" name="그룹 32"/>
-          <p:cNvGrpSpPr/>
-          <p:nvPr/>
-        </p:nvGrpSpPr>
-        <p:grpSpPr>
-          <a:xfrm>
-            <a:off x="714373" y="1416694"/>
-            <a:ext cx="3636169" cy="1064420"/>
-            <a:chOff x="714374" y="1407318"/>
-            <a:chExt cx="3636169" cy="1064420"/>
-          </a:xfrm>
-        </p:grpSpPr>
-        <p:sp>
-          <p:nvSpPr>
-            <p:cNvPr id="34" name="직사각형 33"/>
-            <p:cNvSpPr/>
-            <p:nvPr/>
-          </p:nvSpPr>
-          <p:spPr>
-            <a:xfrm>
-              <a:off x="714374" y="1407318"/>
-              <a:ext cx="3636169" cy="1057276"/>
-            </a:xfrm>
-            <a:prstGeom prst="rect">
-              <a:avLst/>
-            </a:prstGeom>
-            <a:solidFill>
-              <a:srgbClr val="00B0F0"/>
-            </a:solidFill>
-            <a:ln w="6350">
-              <a:noFill/>
-            </a:ln>
-          </p:spPr>
-          <p:style>
-            <a:lnRef idx="2">
-              <a:schemeClr val="accent1">
-                <a:shade val="50000"/>
-              </a:schemeClr>
-            </a:lnRef>
-            <a:fillRef idx="1">
-              <a:schemeClr val="accent1"/>
-            </a:fillRef>
-            <a:effectRef idx="0">
-              <a:schemeClr val="accent1"/>
-            </a:effectRef>
-            <a:fontRef idx="minor">
-              <a:schemeClr val="lt1"/>
-            </a:fontRef>
-          </p:style>
-          <p:txBody>
-            <a:bodyPr rtlCol="0" anchor="ctr"/>
-            <a:lstStyle/>
-            <a:p>
-              <a:pPr algn="ctr"/>
-              <a:endParaRPr lang="ko-KR" altLang="en-US"/>
-            </a:p>
-          </p:txBody>
-        </p:sp>
-        <p:sp>
-          <p:nvSpPr>
-            <p:cNvPr id="35" name="TextBox 34"/>
-            <p:cNvSpPr txBox="1"/>
-            <p:nvPr/>
-          </p:nvSpPr>
-          <p:spPr>
-            <a:xfrm>
-              <a:off x="1607344" y="1528763"/>
-              <a:ext cx="2300287" cy="369332"/>
-            </a:xfrm>
-            <a:prstGeom prst="rect">
-              <a:avLst/>
-            </a:prstGeom>
-            <a:noFill/>
-          </p:spPr>
-          <p:txBody>
-            <a:bodyPr wrap="square" rtlCol="0">
-              <a:spAutoFit/>
-            </a:bodyPr>
-            <a:lstStyle/>
-            <a:p>
-              <a:r>
-                <a:rPr lang="en-US" altLang="ko-KR" b="1" spc="-100" smtClean="0">
-                  <a:solidFill>
-                    <a:schemeClr val="bg1"/>
-                  </a:solidFill>
-                  <a:latin typeface="나눔고딕" panose="020D0604000000000000" pitchFamily="50" charset="-127"/>
-                  <a:ea typeface="나눔고딕" panose="020D0604000000000000" pitchFamily="50" charset="-127"/>
-                </a:rPr>
-                <a:t>Git, Github </a:t>
-              </a:r>
-              <a:r>
-                <a:rPr lang="ko-KR" altLang="en-US" b="1" spc="-100" smtClean="0">
-                  <a:solidFill>
-                    <a:schemeClr val="bg1"/>
-                  </a:solidFill>
-                  <a:latin typeface="나눔고딕" panose="020D0604000000000000" pitchFamily="50" charset="-127"/>
-                  <a:ea typeface="나눔고딕" panose="020D0604000000000000" pitchFamily="50" charset="-127"/>
-                </a:rPr>
-                <a:t>기초</a:t>
-              </a:r>
-              <a:endParaRPr lang="ko-KR" altLang="en-US" b="1" spc="-100">
-                <a:solidFill>
-                  <a:schemeClr val="bg1"/>
-                </a:solidFill>
-                <a:latin typeface="나눔고딕" panose="020D0604000000000000" pitchFamily="50" charset="-127"/>
-                <a:ea typeface="나눔고딕" panose="020D0604000000000000" pitchFamily="50" charset="-127"/>
-              </a:endParaRPr>
-            </a:p>
-          </p:txBody>
-        </p:sp>
-        <p:sp>
-          <p:nvSpPr>
-            <p:cNvPr id="36" name="TextBox 35"/>
-            <p:cNvSpPr txBox="1"/>
-            <p:nvPr/>
-          </p:nvSpPr>
-          <p:spPr>
-            <a:xfrm>
-              <a:off x="800100" y="1516857"/>
-              <a:ext cx="642938" cy="523220"/>
-            </a:xfrm>
-            <a:prstGeom prst="rect">
-              <a:avLst/>
-            </a:prstGeom>
-            <a:noFill/>
-          </p:spPr>
-          <p:txBody>
-            <a:bodyPr wrap="square" lIns="36000" tIns="36000" rIns="36000" bIns="36000" rtlCol="0">
-              <a:spAutoFit/>
-            </a:bodyPr>
-            <a:lstStyle/>
-            <a:p>
-              <a:pPr algn="ctr"/>
-              <a:r>
-                <a:rPr lang="en-US" altLang="ko-KR" sz="2800" b="1" smtClean="0">
-                  <a:solidFill>
-                    <a:srgbClr val="FFFF00"/>
-                  </a:solidFill>
-                </a:rPr>
-                <a:t>01</a:t>
-              </a:r>
-              <a:endParaRPr lang="ko-KR" altLang="en-US" sz="2800" b="1">
-                <a:solidFill>
-                  <a:srgbClr val="FFFF00"/>
-                </a:solidFill>
-              </a:endParaRPr>
-            </a:p>
-          </p:txBody>
-        </p:sp>
-        <p:sp>
-          <p:nvSpPr>
-            <p:cNvPr id="37" name="TextBox 36"/>
-            <p:cNvSpPr txBox="1"/>
-            <p:nvPr/>
-          </p:nvSpPr>
-          <p:spPr>
-            <a:xfrm>
-              <a:off x="1607343" y="1885949"/>
-              <a:ext cx="2659855" cy="276999"/>
-            </a:xfrm>
-            <a:prstGeom prst="rect">
-              <a:avLst/>
-            </a:prstGeom>
-            <a:noFill/>
-          </p:spPr>
-          <p:txBody>
-            <a:bodyPr wrap="square" rtlCol="0">
-              <a:spAutoFit/>
-            </a:bodyPr>
-            <a:lstStyle/>
-            <a:p>
-              <a:r>
-                <a:rPr lang="en-US" altLang="ko-KR" sz="1200" b="1" smtClean="0">
-                  <a:solidFill>
-                    <a:schemeClr val="bg1"/>
-                  </a:solidFill>
-                  <a:latin typeface="나눔고딕" panose="020D0604000000000000" pitchFamily="50" charset="-127"/>
-                  <a:ea typeface="나눔고딕" panose="020D0604000000000000" pitchFamily="50" charset="-127"/>
-                </a:rPr>
-                <a:t>Git, Github </a:t>
-              </a:r>
-              <a:r>
-                <a:rPr lang="ko-KR" altLang="en-US" sz="1200" b="1" smtClean="0">
-                  <a:solidFill>
-                    <a:schemeClr val="bg1"/>
-                  </a:solidFill>
-                  <a:latin typeface="나눔고딕" panose="020D0604000000000000" pitchFamily="50" charset="-127"/>
-                  <a:ea typeface="나눔고딕" panose="020D0604000000000000" pitchFamily="50" charset="-127"/>
-                </a:rPr>
-                <a:t>기본개념 및 기본 사용법</a:t>
-              </a:r>
-              <a:endParaRPr lang="ko-KR" altLang="en-US" sz="1200" b="1">
-                <a:solidFill>
-                  <a:schemeClr val="bg1"/>
-                </a:solidFill>
-                <a:latin typeface="나눔고딕" panose="020D0604000000000000" pitchFamily="50" charset="-127"/>
-                <a:ea typeface="나눔고딕" panose="020D0604000000000000" pitchFamily="50" charset="-127"/>
-              </a:endParaRPr>
-            </a:p>
-          </p:txBody>
-        </p:sp>
-        <p:cxnSp>
-          <p:nvCxnSpPr>
-            <p:cNvPr id="39" name="직선 연결선 38"/>
-            <p:cNvCxnSpPr/>
-            <p:nvPr/>
-          </p:nvCxnSpPr>
-          <p:spPr>
-            <a:xfrm>
-              <a:off x="1514475" y="1407318"/>
-              <a:ext cx="0" cy="1064420"/>
-            </a:xfrm>
-            <a:prstGeom prst="line">
-              <a:avLst/>
-            </a:prstGeom>
-            <a:ln w="3175">
-              <a:solidFill>
-                <a:schemeClr val="bg1"/>
-              </a:solidFill>
-            </a:ln>
-          </p:spPr>
-          <p:style>
-            <a:lnRef idx="1">
-              <a:schemeClr val="accent1"/>
-            </a:lnRef>
-            <a:fillRef idx="0">
-              <a:schemeClr val="accent1"/>
-            </a:fillRef>
-            <a:effectRef idx="0">
-              <a:schemeClr val="accent1"/>
-            </a:effectRef>
-            <a:fontRef idx="minor">
-              <a:schemeClr val="tx1"/>
-            </a:fontRef>
-          </p:style>
-        </p:cxnSp>
-      </p:grpSp>
-    </p:spTree>
-    <p:extLst>
-      <p:ext uri="{BB962C8B-B14F-4D97-AF65-F5344CB8AC3E}">
-        <p14:creationId xmlns:p14="http://schemas.microsoft.com/office/powerpoint/2010/main" val="1497978118"/>
-      </p:ext>
-    </p:extLst>
-  </p:cSld>
-  <p:clrMapOvr>
-    <a:masterClrMapping/>
-  </p:clrMapOvr>
-  <p:timing>
-    <p:tnLst>
-      <p:par>
-        <p:cTn id="1" dur="indefinite" restart="never" nodeType="tmRoot"/>
-      </p:par>
-    </p:tnLst>
-  </p:timing>
-</p:sld>
-</file>
-
 <file path=ppt/slides/slide4.xml><?xml version="1.0" encoding="utf-8"?>
 <p:sld xmlns:a="http://schemas.openxmlformats.org/drawingml/2006/main" xmlns:r="http://schemas.openxmlformats.org/officeDocument/2006/relationships" xmlns:p="http://schemas.openxmlformats.org/presentationml/2006/main">
   <p:cSld>
